--- a/Week 11 Project Presentation2.pptx
+++ b/Week 11 Project Presentation2.pptx
@@ -6,10 +6,10 @@
     <p:sldMasterId id="2147483845" r:id="rId5"/>
   </p:sldMasterIdLst>
   <p:notesMasterIdLst>
-    <p:notesMasterId r:id="rId17"/>
+    <p:notesMasterId r:id="rId22"/>
   </p:notesMasterIdLst>
   <p:handoutMasterIdLst>
-    <p:handoutMasterId r:id="rId18"/>
+    <p:handoutMasterId r:id="rId23"/>
   </p:handoutMasterIdLst>
   <p:sldIdLst>
     <p:sldId id="2147469841" r:id="rId6"/>
@@ -21,39 +21,44 @@
     <p:sldId id="2147469846" r:id="rId12"/>
     <p:sldId id="2147469850" r:id="rId13"/>
     <p:sldId id="2147469760" r:id="rId14"/>
-    <p:sldId id="2147469771" r:id="rId15"/>
-    <p:sldId id="2147469851" r:id="rId16"/>
+    <p:sldId id="2147475813" r:id="rId15"/>
+    <p:sldId id="2147469771" r:id="rId16"/>
+    <p:sldId id="2147469855" r:id="rId17"/>
+    <p:sldId id="2147469851" r:id="rId18"/>
+    <p:sldId id="2147475810" r:id="rId19"/>
+    <p:sldId id="2147475812" r:id="rId20"/>
+    <p:sldId id="2147469807" r:id="rId21"/>
   </p:sldIdLst>
   <p:sldSz cx="20105688" cy="11309350"/>
   <p:notesSz cx="20104100" cy="11309350"/>
   <p:embeddedFontLst>
     <p:embeddedFont>
       <p:font typeface="Arial Black" panose="020B0A04020102020204" pitchFamily="34" charset="0"/>
-      <p:bold r:id="rId19"/>
+      <p:bold r:id="rId24"/>
     </p:embeddedFont>
     <p:embeddedFont>
       <p:font typeface="Avenir Next LT Pro" panose="020B0504020202020204" pitchFamily="34" charset="0"/>
-      <p:regular r:id="rId20"/>
-      <p:bold r:id="rId21"/>
-      <p:italic r:id="rId22"/>
-      <p:boldItalic r:id="rId23"/>
+      <p:regular r:id="rId25"/>
+      <p:bold r:id="rId26"/>
+      <p:italic r:id="rId27"/>
+      <p:boldItalic r:id="rId28"/>
     </p:embeddedFont>
     <p:embeddedFont>
       <p:font typeface="Poppins" panose="00000500000000000000" pitchFamily="2" charset="0"/>
-      <p:regular r:id="rId24"/>
-      <p:bold r:id="rId25"/>
-      <p:italic r:id="rId26"/>
-      <p:boldItalic r:id="rId27"/>
+      <p:regular r:id="rId29"/>
+      <p:bold r:id="rId30"/>
+      <p:italic r:id="rId31"/>
+      <p:boldItalic r:id="rId32"/>
     </p:embeddedFont>
     <p:embeddedFont>
       <p:font typeface="Poppins Medium" panose="00000600000000000000" pitchFamily="2" charset="0"/>
-      <p:regular r:id="rId28"/>
-      <p:italic r:id="rId29"/>
+      <p:regular r:id="rId33"/>
+      <p:italic r:id="rId34"/>
     </p:embeddedFont>
     <p:embeddedFont>
       <p:font typeface="Poppins SemiBold" panose="00000700000000000000" pitchFamily="2" charset="0"/>
-      <p:bold r:id="rId30"/>
-      <p:boldItalic r:id="rId31"/>
+      <p:bold r:id="rId35"/>
+      <p:boldItalic r:id="rId36"/>
     </p:embeddedFont>
   </p:embeddedFontLst>
   <p:defaultTextStyle>
@@ -4820,6 +4825,174 @@
 </p:notes>
 </file>
 
+<file path=ppt/notesSlides/notesSlide2.xml><?xml version="1.0" encoding="utf-8"?>
+<p:notes xmlns:a="http://schemas.openxmlformats.org/drawingml/2006/main" xmlns:r="http://schemas.openxmlformats.org/officeDocument/2006/relationships" xmlns:p="http://schemas.openxmlformats.org/presentationml/2006/main">
+  <p:cSld>
+    <p:spTree>
+      <p:nvGrpSpPr>
+        <p:cNvPr id="1" name=""/>
+        <p:cNvGrpSpPr/>
+        <p:nvPr/>
+      </p:nvGrpSpPr>
+      <p:grpSpPr>
+        <a:xfrm>
+          <a:off x="0" y="0"/>
+          <a:ext cx="0" cy="0"/>
+          <a:chOff x="0" y="0"/>
+          <a:chExt cx="0" cy="0"/>
+        </a:xfrm>
+      </p:grpSpPr>
+      <p:sp>
+        <p:nvSpPr>
+          <p:cNvPr id="2" name="Slide Image Placeholder 1"/>
+          <p:cNvSpPr>
+            <a:spLocks noGrp="1" noRot="1" noChangeAspect="1"/>
+          </p:cNvSpPr>
+          <p:nvPr>
+            <p:ph type="sldImg"/>
+          </p:nvPr>
+        </p:nvSpPr>
+        <p:spPr/>
+      </p:sp>
+      <p:sp>
+        <p:nvSpPr>
+          <p:cNvPr id="3" name="Notes Placeholder 2"/>
+          <p:cNvSpPr>
+            <a:spLocks noGrp="1"/>
+          </p:cNvSpPr>
+          <p:nvPr>
+            <p:ph type="body" idx="1"/>
+          </p:nvPr>
+        </p:nvSpPr>
+        <p:spPr/>
+        <p:txBody>
+          <a:bodyPr/>
+          <a:lstStyle/>
+          <a:p>
+            <a:endParaRPr lang="en-GB" dirty="0"/>
+          </a:p>
+        </p:txBody>
+      </p:sp>
+      <p:sp>
+        <p:nvSpPr>
+          <p:cNvPr id="4" name="Slide Number Placeholder 3"/>
+          <p:cNvSpPr>
+            <a:spLocks noGrp="1"/>
+          </p:cNvSpPr>
+          <p:nvPr>
+            <p:ph type="sldNum" sz="quarter" idx="5"/>
+          </p:nvPr>
+        </p:nvSpPr>
+        <p:spPr/>
+        <p:txBody>
+          <a:bodyPr/>
+          <a:lstStyle/>
+          <a:p>
+            <a:fld id="{4856C39B-3A1E-4FD7-A163-51C51EE53CDD}" type="slidenum">
+              <a:rPr lang="en-GB" smtClean="0"/>
+              <a:t>14</a:t>
+            </a:fld>
+            <a:endParaRPr lang="en-GB"/>
+          </a:p>
+        </p:txBody>
+      </p:sp>
+    </p:spTree>
+    <p:extLst>
+      <p:ext uri="{BB962C8B-B14F-4D97-AF65-F5344CB8AC3E}">
+        <p14:creationId xmlns:p14="http://schemas.microsoft.com/office/powerpoint/2010/main" val="950265170"/>
+      </p:ext>
+    </p:extLst>
+  </p:cSld>
+  <p:clrMapOvr>
+    <a:masterClrMapping/>
+  </p:clrMapOvr>
+</p:notes>
+</file>
+
+<file path=ppt/notesSlides/notesSlide3.xml><?xml version="1.0" encoding="utf-8"?>
+<p:notes xmlns:a="http://schemas.openxmlformats.org/drawingml/2006/main" xmlns:r="http://schemas.openxmlformats.org/officeDocument/2006/relationships" xmlns:p="http://schemas.openxmlformats.org/presentationml/2006/main">
+  <p:cSld>
+    <p:spTree>
+      <p:nvGrpSpPr>
+        <p:cNvPr id="1" name=""/>
+        <p:cNvGrpSpPr/>
+        <p:nvPr/>
+      </p:nvGrpSpPr>
+      <p:grpSpPr>
+        <a:xfrm>
+          <a:off x="0" y="0"/>
+          <a:ext cx="0" cy="0"/>
+          <a:chOff x="0" y="0"/>
+          <a:chExt cx="0" cy="0"/>
+        </a:xfrm>
+      </p:grpSpPr>
+      <p:sp>
+        <p:nvSpPr>
+          <p:cNvPr id="2" name="Slide Image Placeholder 1"/>
+          <p:cNvSpPr>
+            <a:spLocks noGrp="1" noRot="1" noChangeAspect="1"/>
+          </p:cNvSpPr>
+          <p:nvPr>
+            <p:ph type="sldImg"/>
+          </p:nvPr>
+        </p:nvSpPr>
+        <p:spPr/>
+      </p:sp>
+      <p:sp>
+        <p:nvSpPr>
+          <p:cNvPr id="3" name="Notes Placeholder 2"/>
+          <p:cNvSpPr>
+            <a:spLocks noGrp="1"/>
+          </p:cNvSpPr>
+          <p:nvPr>
+            <p:ph type="body" idx="1"/>
+          </p:nvPr>
+        </p:nvSpPr>
+        <p:spPr/>
+        <p:txBody>
+          <a:bodyPr/>
+          <a:lstStyle/>
+          <a:p>
+            <a:endParaRPr lang="en-GB"/>
+          </a:p>
+        </p:txBody>
+      </p:sp>
+      <p:sp>
+        <p:nvSpPr>
+          <p:cNvPr id="4" name="Slide Number Placeholder 3"/>
+          <p:cNvSpPr>
+            <a:spLocks noGrp="1"/>
+          </p:cNvSpPr>
+          <p:nvPr>
+            <p:ph type="sldNum" sz="quarter" idx="5"/>
+          </p:nvPr>
+        </p:nvSpPr>
+        <p:spPr/>
+        <p:txBody>
+          <a:bodyPr/>
+          <a:lstStyle/>
+          <a:p>
+            <a:fld id="{4856C39B-3A1E-4FD7-A163-51C51EE53CDD}" type="slidenum">
+              <a:rPr lang="en-GB" smtClean="0"/>
+              <a:t>16</a:t>
+            </a:fld>
+            <a:endParaRPr lang="en-GB"/>
+          </a:p>
+        </p:txBody>
+      </p:sp>
+    </p:spTree>
+    <p:extLst>
+      <p:ext uri="{BB962C8B-B14F-4D97-AF65-F5344CB8AC3E}">
+        <p14:creationId xmlns:p14="http://schemas.microsoft.com/office/powerpoint/2010/main" val="1528561788"/>
+      </p:ext>
+    </p:extLst>
+  </p:cSld>
+  <p:clrMapOvr>
+    <a:masterClrMapping/>
+  </p:clrMapOvr>
+</p:notes>
+</file>
+
 <file path=ppt/slideLayouts/slideLayout1.xml><?xml version="1.0" encoding="utf-8"?>
 <p:sldLayout xmlns:a="http://schemas.openxmlformats.org/drawingml/2006/main" xmlns:r="http://schemas.openxmlformats.org/officeDocument/2006/relationships" xmlns:p="http://schemas.openxmlformats.org/presentationml/2006/main" userDrawn="1">
   <p:cSld name="Blank Simple">
@@ -29028,6 +29201,473 @@
 <file path=ppt/slides/slide10.xml><?xml version="1.0" encoding="utf-8"?>
 <p:sld xmlns:a="http://schemas.openxmlformats.org/drawingml/2006/main" xmlns:r="http://schemas.openxmlformats.org/officeDocument/2006/relationships" xmlns:p="http://schemas.openxmlformats.org/presentationml/2006/main">
   <p:cSld>
+    <p:spTree>
+      <p:nvGrpSpPr>
+        <p:cNvPr id="1" name=""/>
+        <p:cNvGrpSpPr/>
+        <p:nvPr/>
+      </p:nvGrpSpPr>
+      <p:grpSpPr>
+        <a:xfrm>
+          <a:off x="0" y="0"/>
+          <a:ext cx="0" cy="0"/>
+          <a:chOff x="0" y="0"/>
+          <a:chExt cx="0" cy="0"/>
+        </a:xfrm>
+      </p:grpSpPr>
+      <p:sp>
+        <p:nvSpPr>
+          <p:cNvPr id="17" name="Text Placeholder 2">
+            <a:extLst>
+              <a:ext uri="{FF2B5EF4-FFF2-40B4-BE49-F238E27FC236}">
+                <a16:creationId xmlns:a16="http://schemas.microsoft.com/office/drawing/2014/main" id="{0E20ECEB-E8DB-C376-972E-27C9D957973A}"/>
+              </a:ext>
+            </a:extLst>
+          </p:cNvPr>
+          <p:cNvSpPr txBox="1">
+            <a:spLocks noGrp="1"/>
+          </p:cNvSpPr>
+          <p:nvPr>
+            <p:ph type="title" idx="4294967295"/>
+          </p:nvPr>
+        </p:nvSpPr>
+        <p:spPr>
+          <a:xfrm>
+            <a:off x="954073" y="732611"/>
+            <a:ext cx="12025313" cy="953128"/>
+          </a:xfrm>
+          <a:prstGeom prst="rect">
+            <a:avLst/>
+          </a:prstGeom>
+          <a:noFill/>
+          <a:ln>
+            <a:noFill/>
+            <a:prstDash/>
+          </a:ln>
+          <a:effectLst/>
+        </p:spPr>
+        <p:txBody>
+          <a:bodyPr rot="0" spcFirstLastPara="0" vertOverflow="overflow" horzOverflow="overflow" vert="horz" wrap="square" lIns="0" tIns="45720" rIns="91440" bIns="45720" numCol="1" spcCol="0" rtlCol="0" fromWordArt="0" anchor="t" anchorCtr="0" forceAA="0" compatLnSpc="1">
+            <a:prstTxWarp prst="textNoShape">
+              <a:avLst/>
+            </a:prstTxWarp>
+            <a:noAutofit/>
+          </a:bodyPr>
+          <a:lstStyle>
+            <a:lvl1pPr>
+              <a:defRPr sz="8750" b="1" i="0">
+                <a:solidFill>
+                  <a:schemeClr val="tx1"/>
+                </a:solidFill>
+                <a:latin typeface="Poppins"/>
+                <a:ea typeface="+mj-ea"/>
+                <a:cs typeface="Poppins"/>
+              </a:defRPr>
+            </a:lvl1pPr>
+          </a:lstStyle>
+          <a:p>
+            <a:pPr marL="0" marR="0" lvl="0" indent="0" algn="l" defTabSz="914400" eaLnBrk="1" fontAlgn="auto" latinLnBrk="0" hangingPunct="1">
+              <a:lnSpc>
+                <a:spcPct val="90000"/>
+              </a:lnSpc>
+              <a:spcBef>
+                <a:spcPts val="0"/>
+              </a:spcBef>
+              <a:spcAft>
+                <a:spcPts val="0"/>
+              </a:spcAft>
+              <a:buClrTx/>
+              <a:buSzTx/>
+              <a:buFontTx/>
+              <a:buNone/>
+              <a:tabLst/>
+              <a:defRPr/>
+            </a:pPr>
+            <a:r>
+              <a:rPr lang="en-US" sz="6000" kern="0" spc="-140" dirty="0">
+                <a:solidFill>
+                  <a:srgbClr val="282828"/>
+                </a:solidFill>
+              </a:rPr>
+              <a:t>M</a:t>
+            </a:r>
+            <a:r>
+              <a:rPr lang="en-GB" sz="6000" kern="0" spc="-140" dirty="0" err="1">
+                <a:solidFill>
+                  <a:srgbClr val="282828"/>
+                </a:solidFill>
+              </a:rPr>
+              <a:t>achine</a:t>
+            </a:r>
+            <a:r>
+              <a:rPr lang="en-GB" sz="6000" kern="0" spc="-140" dirty="0">
+                <a:solidFill>
+                  <a:srgbClr val="282828"/>
+                </a:solidFill>
+              </a:rPr>
+              <a:t> Learning: Process</a:t>
+            </a:r>
+            <a:endParaRPr kumimoji="0" lang="en-GB" sz="6000" b="1" i="0" u="none" strike="noStrike" kern="0" cap="none" spc="-140" normalizeH="0" baseline="0" noProof="0" dirty="0">
+              <a:ln>
+                <a:noFill/>
+              </a:ln>
+              <a:solidFill>
+                <a:srgbClr val="282828"/>
+              </a:solidFill>
+              <a:effectLst/>
+              <a:uLnTx/>
+              <a:uFillTx/>
+              <a:latin typeface="Poppins"/>
+              <a:ea typeface="+mj-ea"/>
+              <a:cs typeface="Poppins"/>
+            </a:endParaRPr>
+          </a:p>
+        </p:txBody>
+      </p:sp>
+      <p:sp>
+        <p:nvSpPr>
+          <p:cNvPr id="6" name="Rectangle 5">
+            <a:extLst>
+              <a:ext uri="{FF2B5EF4-FFF2-40B4-BE49-F238E27FC236}">
+                <a16:creationId xmlns:a16="http://schemas.microsoft.com/office/drawing/2014/main" id="{EDAA9447-CBC6-9989-8F56-C1448D6D4CC8}"/>
+              </a:ext>
+              <a:ext uri="{C183D7F6-B498-43B3-948B-1728B52AA6E4}">
+                <adec:decorative xmlns:adec="http://schemas.microsoft.com/office/drawing/2017/decorative" val="1"/>
+              </a:ext>
+            </a:extLst>
+          </p:cNvPr>
+          <p:cNvSpPr/>
+          <p:nvPr/>
+        </p:nvSpPr>
+        <p:spPr>
+          <a:xfrm>
+            <a:off x="13322392" y="5078"/>
+            <a:ext cx="6783295" cy="11304271"/>
+          </a:xfrm>
+          <a:prstGeom prst="rect">
+            <a:avLst/>
+          </a:prstGeom>
+          <a:solidFill>
+            <a:srgbClr val="282828"/>
+          </a:solidFill>
+          <a:ln>
+            <a:noFill/>
+          </a:ln>
+        </p:spPr>
+        <p:style>
+          <a:lnRef idx="2">
+            <a:schemeClr val="accent1">
+              <a:shade val="50000"/>
+            </a:schemeClr>
+          </a:lnRef>
+          <a:fillRef idx="1">
+            <a:schemeClr val="accent1"/>
+          </a:fillRef>
+          <a:effectRef idx="0">
+            <a:schemeClr val="accent1"/>
+          </a:effectRef>
+          <a:fontRef idx="minor">
+            <a:schemeClr val="lt1"/>
+          </a:fontRef>
+        </p:style>
+        <p:txBody>
+          <a:bodyPr rtlCol="0" anchor="ctr"/>
+          <a:lstStyle/>
+          <a:p>
+            <a:pPr algn="ctr"/>
+            <a:endParaRPr lang="en-GB"/>
+          </a:p>
+        </p:txBody>
+      </p:sp>
+      <p:pic>
+        <p:nvPicPr>
+          <p:cNvPr id="20" name="Picture 19">
+            <a:extLst>
+              <a:ext uri="{FF2B5EF4-FFF2-40B4-BE49-F238E27FC236}">
+                <a16:creationId xmlns:a16="http://schemas.microsoft.com/office/drawing/2014/main" id="{FBFF74D0-8854-513D-EED9-7594F6E75FF4}"/>
+              </a:ext>
+              <a:ext uri="{C183D7F6-B498-43B3-948B-1728B52AA6E4}">
+                <adec:decorative xmlns:adec="http://schemas.microsoft.com/office/drawing/2017/decorative" val="1"/>
+              </a:ext>
+            </a:extLst>
+          </p:cNvPr>
+          <p:cNvPicPr>
+            <a:picLocks noChangeAspect="1"/>
+          </p:cNvPicPr>
+          <p:nvPr/>
+        </p:nvPicPr>
+        <p:blipFill>
+          <a:blip r:embed="rId2">
+            <a:extLst>
+              <a:ext uri="{28A0092B-C50C-407E-A947-70E740481C1C}">
+                <a14:useLocalDpi xmlns:a14="http://schemas.microsoft.com/office/drawing/2010/main"/>
+              </a:ext>
+            </a:extLst>
+          </a:blip>
+          <a:stretch>
+            <a:fillRect/>
+          </a:stretch>
+        </p:blipFill>
+        <p:spPr>
+          <a:xfrm>
+            <a:off x="17438477" y="530398"/>
+            <a:ext cx="2140119" cy="1084718"/>
+          </a:xfrm>
+          <a:prstGeom prst="rect">
+            <a:avLst/>
+          </a:prstGeom>
+        </p:spPr>
+      </p:pic>
+      <p:sp>
+        <p:nvSpPr>
+          <p:cNvPr id="53" name="Text Placeholder 3">
+            <a:extLst>
+              <a:ext uri="{FF2B5EF4-FFF2-40B4-BE49-F238E27FC236}">
+                <a16:creationId xmlns:a16="http://schemas.microsoft.com/office/drawing/2014/main" id="{82E4F213-B318-4EAF-8178-E974026B8313}"/>
+              </a:ext>
+            </a:extLst>
+          </p:cNvPr>
+          <p:cNvSpPr txBox="1">
+            <a:spLocks/>
+          </p:cNvSpPr>
+          <p:nvPr/>
+        </p:nvSpPr>
+        <p:spPr>
+          <a:xfrm>
+            <a:off x="954072" y="2182814"/>
+            <a:ext cx="12025313" cy="6811284"/>
+          </a:xfrm>
+          <a:prstGeom prst="rect">
+            <a:avLst/>
+          </a:prstGeom>
+        </p:spPr>
+        <p:txBody>
+          <a:bodyPr/>
+          <a:lstStyle>
+            <a:lvl1pPr marL="285754" indent="-285754">
+              <a:buClr>
+                <a:srgbClr val="CE143D"/>
+              </a:buClr>
+              <a:buFont typeface="Wingdings" panose="05000000000000000000" pitchFamily="2" charset="2"/>
+              <a:buChar char="§"/>
+              <a:defRPr sz="2000">
+                <a:latin typeface="Poppins" panose="00000500000000000000" pitchFamily="2" charset="0"/>
+                <a:ea typeface="+mn-ea"/>
+                <a:cs typeface="Poppins" panose="00000500000000000000" pitchFamily="2" charset="0"/>
+              </a:defRPr>
+            </a:lvl1pPr>
+            <a:lvl2pPr marL="743007" indent="-285754">
+              <a:buClr>
+                <a:srgbClr val="CE143D"/>
+              </a:buClr>
+              <a:buFont typeface="Wingdings" panose="05000000000000000000" pitchFamily="2" charset="2"/>
+              <a:buChar char="§"/>
+              <a:defRPr sz="2000">
+                <a:latin typeface="Poppins" panose="00000500000000000000" pitchFamily="2" charset="0"/>
+                <a:ea typeface="+mn-ea"/>
+                <a:cs typeface="Poppins" panose="00000500000000000000" pitchFamily="2" charset="0"/>
+              </a:defRPr>
+            </a:lvl2pPr>
+            <a:lvl3pPr marL="1200258" indent="-285754">
+              <a:buClr>
+                <a:srgbClr val="CE143D"/>
+              </a:buClr>
+              <a:buFont typeface="Wingdings" panose="05000000000000000000" pitchFamily="2" charset="2"/>
+              <a:buChar char="§"/>
+              <a:defRPr sz="2000">
+                <a:latin typeface="Poppins" panose="00000500000000000000" pitchFamily="2" charset="0"/>
+                <a:ea typeface="+mn-ea"/>
+                <a:cs typeface="Poppins" panose="00000500000000000000" pitchFamily="2" charset="0"/>
+              </a:defRPr>
+            </a:lvl3pPr>
+            <a:lvl4pPr marL="1657510" indent="-285754">
+              <a:buClr>
+                <a:srgbClr val="CE143D"/>
+              </a:buClr>
+              <a:buFont typeface="Wingdings" panose="05000000000000000000" pitchFamily="2" charset="2"/>
+              <a:buChar char="§"/>
+              <a:defRPr sz="2000">
+                <a:latin typeface="Poppins" panose="00000500000000000000" pitchFamily="2" charset="0"/>
+                <a:ea typeface="+mn-ea"/>
+                <a:cs typeface="Poppins" panose="00000500000000000000" pitchFamily="2" charset="0"/>
+              </a:defRPr>
+            </a:lvl4pPr>
+            <a:lvl5pPr marL="2114763" indent="-285754">
+              <a:buClr>
+                <a:srgbClr val="CE143D"/>
+              </a:buClr>
+              <a:buFont typeface="Wingdings" panose="05000000000000000000" pitchFamily="2" charset="2"/>
+              <a:buChar char="§"/>
+              <a:defRPr sz="2000">
+                <a:latin typeface="Poppins" panose="00000500000000000000" pitchFamily="2" charset="0"/>
+                <a:ea typeface="+mn-ea"/>
+                <a:cs typeface="Poppins" panose="00000500000000000000" pitchFamily="2" charset="0"/>
+              </a:defRPr>
+            </a:lvl5pPr>
+            <a:lvl6pPr marL="2286261">
+              <a:defRPr>
+                <a:latin typeface="+mn-lt"/>
+                <a:ea typeface="+mn-ea"/>
+                <a:cs typeface="+mn-cs"/>
+              </a:defRPr>
+            </a:lvl6pPr>
+            <a:lvl7pPr marL="2743514">
+              <a:defRPr>
+                <a:latin typeface="+mn-lt"/>
+                <a:ea typeface="+mn-ea"/>
+                <a:cs typeface="+mn-cs"/>
+              </a:defRPr>
+            </a:lvl7pPr>
+            <a:lvl8pPr marL="3200766">
+              <a:defRPr>
+                <a:latin typeface="+mn-lt"/>
+                <a:ea typeface="+mn-ea"/>
+                <a:cs typeface="+mn-cs"/>
+              </a:defRPr>
+            </a:lvl8pPr>
+            <a:lvl9pPr marL="3658019">
+              <a:defRPr>
+                <a:latin typeface="+mn-lt"/>
+                <a:ea typeface="+mn-ea"/>
+                <a:cs typeface="+mn-cs"/>
+              </a:defRPr>
+            </a:lvl9pPr>
+          </a:lstStyle>
+          <a:p>
+            <a:r>
+              <a:rPr lang="en-GB" sz="1800" b="1" dirty="0"/>
+              <a:t>Split and Balanced Data</a:t>
+            </a:r>
+            <a:endParaRPr lang="en-GB" sz="1800" dirty="0"/>
+          </a:p>
+          <a:p>
+            <a:r>
+              <a:rPr lang="en-GB" sz="1800" b="1" dirty="0"/>
+              <a:t>Trained Models</a:t>
+            </a:r>
+            <a:r>
+              <a:rPr lang="en-GB" sz="1800" dirty="0"/>
+              <a:t>: Train each ML models (Decision Tree, Random Forest, AdaBoost)</a:t>
+            </a:r>
+          </a:p>
+          <a:p>
+            <a:r>
+              <a:rPr lang="en-GB" sz="1800" b="1" dirty="0"/>
+              <a:t>Evaluated Models</a:t>
+            </a:r>
+            <a:r>
+              <a:rPr lang="en-GB" sz="1800" dirty="0"/>
+              <a:t>: The performance of each model </a:t>
+            </a:r>
+          </a:p>
+          <a:p>
+            <a:r>
+              <a:rPr lang="en-GB" sz="1800" b="1" dirty="0"/>
+              <a:t>Accuracy</a:t>
+            </a:r>
+            <a:r>
+              <a:rPr lang="en-GB" sz="1800" dirty="0"/>
+              <a:t>: Ratio of correctly predicted observations to the total observations.</a:t>
+            </a:r>
+          </a:p>
+          <a:p>
+            <a:pPr lvl="1"/>
+            <a:r>
+              <a:rPr lang="en-GB" sz="1800" b="1" dirty="0"/>
+              <a:t>Precision</a:t>
+            </a:r>
+            <a:r>
+              <a:rPr lang="en-GB" sz="1800" dirty="0"/>
+              <a:t>: Ratio of correctly predicted positive observations to the total predicted positive observations.</a:t>
+            </a:r>
+          </a:p>
+          <a:p>
+            <a:pPr lvl="1"/>
+            <a:r>
+              <a:rPr lang="en-GB" sz="1800" b="1" dirty="0"/>
+              <a:t>Recall (Sensitivity)</a:t>
+            </a:r>
+            <a:r>
+              <a:rPr lang="en-GB" sz="1800" dirty="0"/>
+              <a:t>: Ratio of correctly predicted positive observations to the all observations in actual class.</a:t>
+            </a:r>
+          </a:p>
+          <a:p>
+            <a:pPr lvl="1"/>
+            <a:r>
+              <a:rPr lang="en-GB" sz="1800" b="1" dirty="0"/>
+              <a:t>F1 Score</a:t>
+            </a:r>
+            <a:r>
+              <a:rPr lang="en-GB" sz="1800" dirty="0"/>
+              <a:t>: Harmonic mean of precision and recall.</a:t>
+            </a:r>
+          </a:p>
+          <a:p>
+            <a:pPr lvl="1"/>
+            <a:r>
+              <a:rPr lang="en-GB" sz="1800" b="1" dirty="0"/>
+              <a:t>Confusion Matrix</a:t>
+            </a:r>
+            <a:r>
+              <a:rPr lang="en-GB" sz="1800" dirty="0"/>
+              <a:t>: Provides a breakdown of the predictions and actual class labels.</a:t>
+            </a:r>
+          </a:p>
+          <a:p>
+            <a:r>
+              <a:rPr lang="en-GB" sz="1800" b="1" dirty="0"/>
+              <a:t>Compared Results</a:t>
+            </a:r>
+            <a:r>
+              <a:rPr lang="en-GB" sz="1800" dirty="0"/>
+              <a:t>: Performance of each model based on the evaluation metrics. Consider both overall performance and how well the models perform on specific aspects of your problem.</a:t>
+            </a:r>
+          </a:p>
+          <a:p>
+            <a:r>
+              <a:rPr lang="en-GB" sz="1800" b="1" dirty="0"/>
+              <a:t>Fine Tune Hyperparameters</a:t>
+            </a:r>
+            <a:r>
+              <a:rPr lang="en-GB" sz="1800" dirty="0"/>
+              <a:t>: Optimize their performance. This can be done using techniques such as grid search or randomized search.</a:t>
+            </a:r>
+          </a:p>
+          <a:p>
+            <a:r>
+              <a:rPr lang="en-GB" sz="1800" b="1" dirty="0"/>
+              <a:t>Selected Best Model</a:t>
+            </a:r>
+            <a:r>
+              <a:rPr lang="en-GB" sz="1800" dirty="0"/>
+              <a:t>: Based on the evaluation results, selected the model that performs best according to evaluation criteria. Not necessarily be the model with the highest accuracy, but the one that best meets the requirements of your problem and business objectives.</a:t>
+            </a:r>
+          </a:p>
+          <a:p>
+            <a:r>
+              <a:rPr lang="en-GB" sz="1800" b="1" dirty="0"/>
+              <a:t>Our Final Recommendation</a:t>
+            </a:r>
+          </a:p>
+        </p:txBody>
+      </p:sp>
+    </p:spTree>
+    <p:extLst>
+      <p:ext uri="{BB962C8B-B14F-4D97-AF65-F5344CB8AC3E}">
+        <p14:creationId xmlns:p14="http://schemas.microsoft.com/office/powerpoint/2010/main" val="1567008676"/>
+      </p:ext>
+    </p:extLst>
+  </p:cSld>
+  <p:clrMapOvr>
+    <a:masterClrMapping/>
+  </p:clrMapOvr>
+</p:sld>
+</file>
+
+<file path=ppt/slides/slide11.xml><?xml version="1.0" encoding="utf-8"?>
+<p:sld xmlns:a="http://schemas.openxmlformats.org/drawingml/2006/main" xmlns:r="http://schemas.openxmlformats.org/officeDocument/2006/relationships" xmlns:p="http://schemas.openxmlformats.org/presentationml/2006/main">
+  <p:cSld>
     <p:bg>
       <p:bgPr>
         <a:solidFill>
@@ -30429,7 +31069,7 @@
                 </a:solidFill>
               </a:rPr>
               <a:pPr/>
-              <a:t>10</a:t>
+              <a:t>11</a:t>
             </a:fld>
             <a:endParaRPr lang="en-GB">
               <a:solidFill>
@@ -33644,7 +34284,1311 @@
 </p:sld>
 </file>
 
-<file path=ppt/slides/slide11.xml><?xml version="1.0" encoding="utf-8"?>
+<file path=ppt/slides/slide12.xml><?xml version="1.0" encoding="utf-8"?>
+<p:sld xmlns:a="http://schemas.openxmlformats.org/drawingml/2006/main" xmlns:r="http://schemas.openxmlformats.org/officeDocument/2006/relationships" xmlns:p="http://schemas.openxmlformats.org/presentationml/2006/main">
+  <p:cSld>
+    <p:spTree>
+      <p:nvGrpSpPr>
+        <p:cNvPr id="1" name=""/>
+        <p:cNvGrpSpPr/>
+        <p:nvPr/>
+      </p:nvGrpSpPr>
+      <p:grpSpPr>
+        <a:xfrm>
+          <a:off x="0" y="0"/>
+          <a:ext cx="0" cy="0"/>
+          <a:chOff x="0" y="0"/>
+          <a:chExt cx="0" cy="0"/>
+        </a:xfrm>
+      </p:grpSpPr>
+      <p:sp>
+        <p:nvSpPr>
+          <p:cNvPr id="17" name="Text Placeholder 2">
+            <a:extLst>
+              <a:ext uri="{FF2B5EF4-FFF2-40B4-BE49-F238E27FC236}">
+                <a16:creationId xmlns:a16="http://schemas.microsoft.com/office/drawing/2014/main" id="{0E20ECEB-E8DB-C376-972E-27C9D957973A}"/>
+              </a:ext>
+            </a:extLst>
+          </p:cNvPr>
+          <p:cNvSpPr txBox="1">
+            <a:spLocks noGrp="1"/>
+          </p:cNvSpPr>
+          <p:nvPr>
+            <p:ph type="title" idx="4294967295"/>
+          </p:nvPr>
+        </p:nvSpPr>
+        <p:spPr>
+          <a:xfrm>
+            <a:off x="954073" y="732611"/>
+            <a:ext cx="12025313" cy="953128"/>
+          </a:xfrm>
+          <a:prstGeom prst="rect">
+            <a:avLst/>
+          </a:prstGeom>
+          <a:noFill/>
+          <a:ln>
+            <a:noFill/>
+            <a:prstDash/>
+          </a:ln>
+          <a:effectLst/>
+        </p:spPr>
+        <p:txBody>
+          <a:bodyPr rot="0" spcFirstLastPara="0" vertOverflow="overflow" horzOverflow="overflow" vert="horz" wrap="square" lIns="0" tIns="45720" rIns="91440" bIns="45720" numCol="1" spcCol="0" rtlCol="0" fromWordArt="0" anchor="t" anchorCtr="0" forceAA="0" compatLnSpc="1">
+            <a:prstTxWarp prst="textNoShape">
+              <a:avLst/>
+            </a:prstTxWarp>
+            <a:noAutofit/>
+          </a:bodyPr>
+          <a:lstStyle>
+            <a:lvl1pPr>
+              <a:defRPr sz="8750" b="1" i="0">
+                <a:solidFill>
+                  <a:schemeClr val="tx1"/>
+                </a:solidFill>
+                <a:latin typeface="Poppins"/>
+                <a:ea typeface="+mj-ea"/>
+                <a:cs typeface="Poppins"/>
+              </a:defRPr>
+            </a:lvl1pPr>
+          </a:lstStyle>
+          <a:p>
+            <a:pPr marL="0" marR="0" lvl="0" indent="0" algn="l" defTabSz="914400" eaLnBrk="1" fontAlgn="auto" latinLnBrk="0" hangingPunct="1">
+              <a:lnSpc>
+                <a:spcPct val="90000"/>
+              </a:lnSpc>
+              <a:spcBef>
+                <a:spcPts val="0"/>
+              </a:spcBef>
+              <a:spcAft>
+                <a:spcPts val="0"/>
+              </a:spcAft>
+              <a:buClrTx/>
+              <a:buSzTx/>
+              <a:buFontTx/>
+              <a:buNone/>
+              <a:tabLst/>
+              <a:defRPr/>
+            </a:pPr>
+            <a:r>
+              <a:rPr lang="en-US" sz="6000" kern="0" spc="-140" dirty="0">
+                <a:solidFill>
+                  <a:srgbClr val="282828"/>
+                </a:solidFill>
+              </a:rPr>
+              <a:t>M</a:t>
+            </a:r>
+            <a:r>
+              <a:rPr lang="en-GB" sz="6000" kern="0" spc="-140" dirty="0" err="1">
+                <a:solidFill>
+                  <a:srgbClr val="282828"/>
+                </a:solidFill>
+              </a:rPr>
+              <a:t>achine</a:t>
+            </a:r>
+            <a:r>
+              <a:rPr lang="en-GB" sz="6000" kern="0" spc="-140" dirty="0">
+                <a:solidFill>
+                  <a:srgbClr val="282828"/>
+                </a:solidFill>
+              </a:rPr>
+              <a:t> Learning: Best Model</a:t>
+            </a:r>
+            <a:endParaRPr kumimoji="0" lang="en-GB" sz="6000" b="1" i="0" u="none" strike="noStrike" kern="0" cap="none" spc="-140" normalizeH="0" baseline="0" noProof="0" dirty="0">
+              <a:ln>
+                <a:noFill/>
+              </a:ln>
+              <a:solidFill>
+                <a:srgbClr val="282828"/>
+              </a:solidFill>
+              <a:effectLst/>
+              <a:uLnTx/>
+              <a:uFillTx/>
+              <a:latin typeface="Poppins"/>
+              <a:ea typeface="+mj-ea"/>
+              <a:cs typeface="Poppins"/>
+            </a:endParaRPr>
+          </a:p>
+        </p:txBody>
+      </p:sp>
+      <p:sp>
+        <p:nvSpPr>
+          <p:cNvPr id="28" name="Text Placeholder 12">
+            <a:extLst>
+              <a:ext uri="{FF2B5EF4-FFF2-40B4-BE49-F238E27FC236}">
+                <a16:creationId xmlns:a16="http://schemas.microsoft.com/office/drawing/2014/main" id="{A5284FFB-AFCF-2991-6535-E80F55813AE0}"/>
+              </a:ext>
+            </a:extLst>
+          </p:cNvPr>
+          <p:cNvSpPr txBox="1">
+            <a:spLocks/>
+          </p:cNvSpPr>
+          <p:nvPr/>
+        </p:nvSpPr>
+        <p:spPr>
+          <a:xfrm>
+            <a:off x="13902266" y="2182814"/>
+            <a:ext cx="5676371" cy="690561"/>
+          </a:xfrm>
+          <a:prstGeom prst="rect">
+            <a:avLst/>
+          </a:prstGeom>
+        </p:spPr>
+        <p:txBody>
+          <a:bodyPr/>
+          <a:lstStyle>
+            <a:lvl1pPr marL="0">
+              <a:defRPr sz="2399" b="1">
+                <a:solidFill>
+                  <a:schemeClr val="bg1"/>
+                </a:solidFill>
+                <a:latin typeface="Poppins" panose="00000500000000000000" pitchFamily="2" charset="0"/>
+                <a:ea typeface="+mn-ea"/>
+                <a:cs typeface="Poppins" panose="00000500000000000000" pitchFamily="2" charset="0"/>
+              </a:defRPr>
+            </a:lvl1pPr>
+            <a:lvl2pPr marL="457253">
+              <a:defRPr b="1">
+                <a:solidFill>
+                  <a:schemeClr val="bg1"/>
+                </a:solidFill>
+                <a:latin typeface="Poppins" panose="00000500000000000000" pitchFamily="2" charset="0"/>
+                <a:ea typeface="+mn-ea"/>
+                <a:cs typeface="Poppins" panose="00000500000000000000" pitchFamily="2" charset="0"/>
+              </a:defRPr>
+            </a:lvl2pPr>
+            <a:lvl3pPr marL="914503">
+              <a:defRPr b="1">
+                <a:solidFill>
+                  <a:schemeClr val="bg1"/>
+                </a:solidFill>
+                <a:latin typeface="Poppins" panose="00000500000000000000" pitchFamily="2" charset="0"/>
+                <a:ea typeface="+mn-ea"/>
+                <a:cs typeface="Poppins" panose="00000500000000000000" pitchFamily="2" charset="0"/>
+              </a:defRPr>
+            </a:lvl3pPr>
+            <a:lvl4pPr marL="1371756">
+              <a:defRPr b="1">
+                <a:solidFill>
+                  <a:schemeClr val="bg1"/>
+                </a:solidFill>
+                <a:latin typeface="Poppins" panose="00000500000000000000" pitchFamily="2" charset="0"/>
+                <a:ea typeface="+mn-ea"/>
+                <a:cs typeface="Poppins" panose="00000500000000000000" pitchFamily="2" charset="0"/>
+              </a:defRPr>
+            </a:lvl4pPr>
+            <a:lvl5pPr marL="1829009">
+              <a:defRPr b="1">
+                <a:solidFill>
+                  <a:schemeClr val="bg1"/>
+                </a:solidFill>
+                <a:latin typeface="Poppins" panose="00000500000000000000" pitchFamily="2" charset="0"/>
+                <a:ea typeface="+mn-ea"/>
+                <a:cs typeface="Poppins" panose="00000500000000000000" pitchFamily="2" charset="0"/>
+              </a:defRPr>
+            </a:lvl5pPr>
+            <a:lvl6pPr marL="2286261">
+              <a:defRPr>
+                <a:latin typeface="+mn-lt"/>
+                <a:ea typeface="+mn-ea"/>
+                <a:cs typeface="+mn-cs"/>
+              </a:defRPr>
+            </a:lvl6pPr>
+            <a:lvl7pPr marL="2743514">
+              <a:defRPr>
+                <a:latin typeface="+mn-lt"/>
+                <a:ea typeface="+mn-ea"/>
+                <a:cs typeface="+mn-cs"/>
+              </a:defRPr>
+            </a:lvl7pPr>
+            <a:lvl8pPr marL="3200766">
+              <a:defRPr>
+                <a:latin typeface="+mn-lt"/>
+                <a:ea typeface="+mn-ea"/>
+                <a:cs typeface="+mn-cs"/>
+              </a:defRPr>
+            </a:lvl8pPr>
+            <a:lvl9pPr marL="3658019">
+              <a:defRPr>
+                <a:latin typeface="+mn-lt"/>
+                <a:ea typeface="+mn-ea"/>
+                <a:cs typeface="+mn-cs"/>
+              </a:defRPr>
+            </a:lvl9pPr>
+          </a:lstStyle>
+          <a:p>
+            <a:pPr marL="0" marR="0" lvl="0" indent="0" defTabSz="914400" eaLnBrk="1" fontAlgn="auto" latinLnBrk="0" hangingPunct="1">
+              <a:lnSpc>
+                <a:spcPct val="100000"/>
+              </a:lnSpc>
+              <a:spcBef>
+                <a:spcPts val="0"/>
+              </a:spcBef>
+              <a:spcAft>
+                <a:spcPts val="0"/>
+              </a:spcAft>
+              <a:buClrTx/>
+              <a:buSzTx/>
+              <a:buFontTx/>
+              <a:buNone/>
+              <a:tabLst/>
+              <a:defRPr/>
+            </a:pPr>
+            <a:r>
+              <a:rPr kumimoji="0" lang="en-GB" sz="3000" b="1" i="0" u="none" strike="noStrike" kern="0" cap="none" spc="0" normalizeH="0" baseline="0" noProof="0" dirty="0">
+                <a:ln>
+                  <a:noFill/>
+                </a:ln>
+                <a:solidFill>
+                  <a:srgbClr val="FFFFFF"/>
+                </a:solidFill>
+                <a:effectLst/>
+                <a:uLnTx/>
+                <a:uFillTx/>
+                <a:latin typeface="Poppins" panose="00000500000000000000" pitchFamily="2" charset="0"/>
+                <a:ea typeface="+mn-ea"/>
+                <a:cs typeface="Poppins" panose="00000500000000000000" pitchFamily="2" charset="0"/>
+              </a:rPr>
+              <a:t>Process</a:t>
+            </a:r>
+          </a:p>
+        </p:txBody>
+      </p:sp>
+      <p:pic>
+        <p:nvPicPr>
+          <p:cNvPr id="20" name="Picture 19">
+            <a:extLst>
+              <a:ext uri="{FF2B5EF4-FFF2-40B4-BE49-F238E27FC236}">
+                <a16:creationId xmlns:a16="http://schemas.microsoft.com/office/drawing/2014/main" id="{FBFF74D0-8854-513D-EED9-7594F6E75FF4}"/>
+              </a:ext>
+              <a:ext uri="{C183D7F6-B498-43B3-948B-1728B52AA6E4}">
+                <adec:decorative xmlns:adec="http://schemas.microsoft.com/office/drawing/2017/decorative" val="1"/>
+              </a:ext>
+            </a:extLst>
+          </p:cNvPr>
+          <p:cNvPicPr>
+            <a:picLocks noChangeAspect="1"/>
+          </p:cNvPicPr>
+          <p:nvPr/>
+        </p:nvPicPr>
+        <p:blipFill>
+          <a:blip r:embed="rId2">
+            <a:extLst>
+              <a:ext uri="{28A0092B-C50C-407E-A947-70E740481C1C}">
+                <a14:useLocalDpi xmlns:a14="http://schemas.microsoft.com/office/drawing/2010/main"/>
+              </a:ext>
+            </a:extLst>
+          </a:blip>
+          <a:stretch>
+            <a:fillRect/>
+          </a:stretch>
+        </p:blipFill>
+        <p:spPr>
+          <a:xfrm>
+            <a:off x="17438477" y="530398"/>
+            <a:ext cx="2140119" cy="1084718"/>
+          </a:xfrm>
+          <a:prstGeom prst="rect">
+            <a:avLst/>
+          </a:prstGeom>
+        </p:spPr>
+      </p:pic>
+      <p:sp>
+        <p:nvSpPr>
+          <p:cNvPr id="53" name="Text Placeholder 3">
+            <a:extLst>
+              <a:ext uri="{FF2B5EF4-FFF2-40B4-BE49-F238E27FC236}">
+                <a16:creationId xmlns:a16="http://schemas.microsoft.com/office/drawing/2014/main" id="{82E4F213-B318-4EAF-8178-E974026B8313}"/>
+              </a:ext>
+            </a:extLst>
+          </p:cNvPr>
+          <p:cNvSpPr txBox="1">
+            <a:spLocks/>
+          </p:cNvSpPr>
+          <p:nvPr/>
+        </p:nvSpPr>
+        <p:spPr>
+          <a:xfrm>
+            <a:off x="954072" y="2182814"/>
+            <a:ext cx="12025313" cy="6811284"/>
+          </a:xfrm>
+          <a:prstGeom prst="rect">
+            <a:avLst/>
+          </a:prstGeom>
+        </p:spPr>
+        <p:txBody>
+          <a:bodyPr/>
+          <a:lstStyle>
+            <a:lvl1pPr marL="285754" indent="-285754">
+              <a:buClr>
+                <a:srgbClr val="CE143D"/>
+              </a:buClr>
+              <a:buFont typeface="Wingdings" panose="05000000000000000000" pitchFamily="2" charset="2"/>
+              <a:buChar char="§"/>
+              <a:defRPr sz="2000">
+                <a:latin typeface="Poppins" panose="00000500000000000000" pitchFamily="2" charset="0"/>
+                <a:ea typeface="+mn-ea"/>
+                <a:cs typeface="Poppins" panose="00000500000000000000" pitchFamily="2" charset="0"/>
+              </a:defRPr>
+            </a:lvl1pPr>
+            <a:lvl2pPr marL="743007" indent="-285754">
+              <a:buClr>
+                <a:srgbClr val="CE143D"/>
+              </a:buClr>
+              <a:buFont typeface="Wingdings" panose="05000000000000000000" pitchFamily="2" charset="2"/>
+              <a:buChar char="§"/>
+              <a:defRPr sz="2000">
+                <a:latin typeface="Poppins" panose="00000500000000000000" pitchFamily="2" charset="0"/>
+                <a:ea typeface="+mn-ea"/>
+                <a:cs typeface="Poppins" panose="00000500000000000000" pitchFamily="2" charset="0"/>
+              </a:defRPr>
+            </a:lvl2pPr>
+            <a:lvl3pPr marL="1200258" indent="-285754">
+              <a:buClr>
+                <a:srgbClr val="CE143D"/>
+              </a:buClr>
+              <a:buFont typeface="Wingdings" panose="05000000000000000000" pitchFamily="2" charset="2"/>
+              <a:buChar char="§"/>
+              <a:defRPr sz="2000">
+                <a:latin typeface="Poppins" panose="00000500000000000000" pitchFamily="2" charset="0"/>
+                <a:ea typeface="+mn-ea"/>
+                <a:cs typeface="Poppins" panose="00000500000000000000" pitchFamily="2" charset="0"/>
+              </a:defRPr>
+            </a:lvl3pPr>
+            <a:lvl4pPr marL="1657510" indent="-285754">
+              <a:buClr>
+                <a:srgbClr val="CE143D"/>
+              </a:buClr>
+              <a:buFont typeface="Wingdings" panose="05000000000000000000" pitchFamily="2" charset="2"/>
+              <a:buChar char="§"/>
+              <a:defRPr sz="2000">
+                <a:latin typeface="Poppins" panose="00000500000000000000" pitchFamily="2" charset="0"/>
+                <a:ea typeface="+mn-ea"/>
+                <a:cs typeface="Poppins" panose="00000500000000000000" pitchFamily="2" charset="0"/>
+              </a:defRPr>
+            </a:lvl4pPr>
+            <a:lvl5pPr marL="2114763" indent="-285754">
+              <a:buClr>
+                <a:srgbClr val="CE143D"/>
+              </a:buClr>
+              <a:buFont typeface="Wingdings" panose="05000000000000000000" pitchFamily="2" charset="2"/>
+              <a:buChar char="§"/>
+              <a:defRPr sz="2000">
+                <a:latin typeface="Poppins" panose="00000500000000000000" pitchFamily="2" charset="0"/>
+                <a:ea typeface="+mn-ea"/>
+                <a:cs typeface="Poppins" panose="00000500000000000000" pitchFamily="2" charset="0"/>
+              </a:defRPr>
+            </a:lvl5pPr>
+            <a:lvl6pPr marL="2286261">
+              <a:defRPr>
+                <a:latin typeface="+mn-lt"/>
+                <a:ea typeface="+mn-ea"/>
+                <a:cs typeface="+mn-cs"/>
+              </a:defRPr>
+            </a:lvl6pPr>
+            <a:lvl7pPr marL="2743514">
+              <a:defRPr>
+                <a:latin typeface="+mn-lt"/>
+                <a:ea typeface="+mn-ea"/>
+                <a:cs typeface="+mn-cs"/>
+              </a:defRPr>
+            </a:lvl7pPr>
+            <a:lvl8pPr marL="3200766">
+              <a:defRPr>
+                <a:latin typeface="+mn-lt"/>
+                <a:ea typeface="+mn-ea"/>
+                <a:cs typeface="+mn-cs"/>
+              </a:defRPr>
+            </a:lvl8pPr>
+            <a:lvl9pPr marL="3658019">
+              <a:defRPr>
+                <a:latin typeface="+mn-lt"/>
+                <a:ea typeface="+mn-ea"/>
+                <a:cs typeface="+mn-cs"/>
+              </a:defRPr>
+            </a:lvl9pPr>
+          </a:lstStyle>
+          <a:p>
+            <a:endParaRPr lang="en-GB" sz="1800" b="1" dirty="0"/>
+          </a:p>
+        </p:txBody>
+      </p:sp>
+      <p:sp>
+        <p:nvSpPr>
+          <p:cNvPr id="14" name="Rectangle 13">
+            <a:extLst>
+              <a:ext uri="{FF2B5EF4-FFF2-40B4-BE49-F238E27FC236}">
+                <a16:creationId xmlns:a16="http://schemas.microsoft.com/office/drawing/2014/main" id="{D09B75C8-A527-4FBD-B5E7-5030FFC8FBC6}"/>
+              </a:ext>
+              <a:ext uri="{C183D7F6-B498-43B3-948B-1728B52AA6E4}">
+                <adec:decorative xmlns:adec="http://schemas.microsoft.com/office/drawing/2017/decorative" val="1"/>
+              </a:ext>
+            </a:extLst>
+          </p:cNvPr>
+          <p:cNvSpPr/>
+          <p:nvPr/>
+        </p:nvSpPr>
+        <p:spPr>
+          <a:xfrm>
+            <a:off x="1001887" y="2424127"/>
+            <a:ext cx="4319792" cy="3845883"/>
+          </a:xfrm>
+          <a:prstGeom prst="rect">
+            <a:avLst/>
+          </a:prstGeom>
+          <a:solidFill>
+            <a:srgbClr val="282828"/>
+          </a:solidFill>
+          <a:ln w="0" cap="flat">
+            <a:noFill/>
+            <a:prstDash val="solid"/>
+            <a:miter/>
+          </a:ln>
+        </p:spPr>
+        <p:txBody>
+          <a:bodyPr rot="0" spcFirstLastPara="0" vertOverflow="overflow" horzOverflow="overflow" vert="horz" wrap="square" lIns="91440" tIns="45720" rIns="91440" bIns="45720" numCol="1" spcCol="0" rtlCol="0" fromWordArt="0" anchor="ctr" anchorCtr="0" forceAA="0" compatLnSpc="1">
+            <a:prstTxWarp prst="textNoShape">
+              <a:avLst/>
+            </a:prstTxWarp>
+            <a:noAutofit/>
+          </a:bodyPr>
+          <a:lstStyle/>
+          <a:p>
+            <a:endParaRPr lang="en-GB"/>
+          </a:p>
+        </p:txBody>
+      </p:sp>
+      <p:sp>
+        <p:nvSpPr>
+          <p:cNvPr id="15" name="Rectangle 14">
+            <a:extLst>
+              <a:ext uri="{FF2B5EF4-FFF2-40B4-BE49-F238E27FC236}">
+                <a16:creationId xmlns:a16="http://schemas.microsoft.com/office/drawing/2014/main" id="{2F8A68CB-6D27-407D-AE50-31BD7F3D5022}"/>
+              </a:ext>
+              <a:ext uri="{C183D7F6-B498-43B3-948B-1728B52AA6E4}">
+                <adec:decorative xmlns:adec="http://schemas.microsoft.com/office/drawing/2017/decorative" val="1"/>
+              </a:ext>
+            </a:extLst>
+          </p:cNvPr>
+          <p:cNvSpPr/>
+          <p:nvPr/>
+        </p:nvSpPr>
+        <p:spPr>
+          <a:xfrm>
+            <a:off x="11566658" y="6170241"/>
+            <a:ext cx="4319792" cy="3845883"/>
+          </a:xfrm>
+          <a:prstGeom prst="rect">
+            <a:avLst/>
+          </a:prstGeom>
+          <a:solidFill>
+            <a:schemeClr val="bg1"/>
+          </a:solidFill>
+          <a:ln>
+            <a:noFill/>
+          </a:ln>
+        </p:spPr>
+        <p:style>
+          <a:lnRef idx="2">
+            <a:schemeClr val="accent1">
+              <a:shade val="15000"/>
+            </a:schemeClr>
+          </a:lnRef>
+          <a:fillRef idx="1">
+            <a:schemeClr val="accent1"/>
+          </a:fillRef>
+          <a:effectRef idx="0">
+            <a:schemeClr val="accent1"/>
+          </a:effectRef>
+          <a:fontRef idx="minor">
+            <a:schemeClr val="lt1"/>
+          </a:fontRef>
+        </p:style>
+        <p:txBody>
+          <a:bodyPr rtlCol="0" anchor="ctr"/>
+          <a:lstStyle/>
+          <a:p>
+            <a:pPr algn="ctr"/>
+            <a:endParaRPr lang="en-GB"/>
+          </a:p>
+        </p:txBody>
+      </p:sp>
+      <p:sp>
+        <p:nvSpPr>
+          <p:cNvPr id="23" name="Text Placeholder 23">
+            <a:extLst>
+              <a:ext uri="{FF2B5EF4-FFF2-40B4-BE49-F238E27FC236}">
+                <a16:creationId xmlns:a16="http://schemas.microsoft.com/office/drawing/2014/main" id="{5A7E71E4-F996-4751-BE12-C6BEB84E2589}"/>
+              </a:ext>
+            </a:extLst>
+          </p:cNvPr>
+          <p:cNvSpPr txBox="1">
+            <a:spLocks/>
+          </p:cNvSpPr>
+          <p:nvPr/>
+        </p:nvSpPr>
+        <p:spPr bwMode="white">
+          <a:xfrm>
+            <a:off x="1153778" y="3203296"/>
+            <a:ext cx="3810301" cy="698268"/>
+          </a:xfrm>
+          <a:prstGeom prst="rect">
+            <a:avLst/>
+          </a:prstGeom>
+        </p:spPr>
+        <p:txBody>
+          <a:bodyPr/>
+          <a:lstStyle>
+            <a:lvl1pPr marL="0">
+              <a:defRPr>
+                <a:latin typeface="+mn-lt"/>
+                <a:ea typeface="+mn-ea"/>
+                <a:cs typeface="+mn-cs"/>
+              </a:defRPr>
+            </a:lvl1pPr>
+            <a:lvl2pPr marL="457246">
+              <a:defRPr>
+                <a:latin typeface="+mn-lt"/>
+                <a:ea typeface="+mn-ea"/>
+                <a:cs typeface="+mn-cs"/>
+              </a:defRPr>
+            </a:lvl2pPr>
+            <a:lvl3pPr marL="914491">
+              <a:defRPr>
+                <a:latin typeface="+mn-lt"/>
+                <a:ea typeface="+mn-ea"/>
+                <a:cs typeface="+mn-cs"/>
+              </a:defRPr>
+            </a:lvl3pPr>
+            <a:lvl4pPr marL="1371737">
+              <a:defRPr>
+                <a:latin typeface="+mn-lt"/>
+                <a:ea typeface="+mn-ea"/>
+                <a:cs typeface="+mn-cs"/>
+              </a:defRPr>
+            </a:lvl4pPr>
+            <a:lvl5pPr marL="1828983">
+              <a:defRPr>
+                <a:latin typeface="+mn-lt"/>
+                <a:ea typeface="+mn-ea"/>
+                <a:cs typeface="+mn-cs"/>
+              </a:defRPr>
+            </a:lvl5pPr>
+            <a:lvl6pPr marL="2286229">
+              <a:defRPr>
+                <a:latin typeface="+mn-lt"/>
+                <a:ea typeface="+mn-ea"/>
+                <a:cs typeface="+mn-cs"/>
+              </a:defRPr>
+            </a:lvl6pPr>
+            <a:lvl7pPr marL="2743474">
+              <a:defRPr>
+                <a:latin typeface="+mn-lt"/>
+                <a:ea typeface="+mn-ea"/>
+                <a:cs typeface="+mn-cs"/>
+              </a:defRPr>
+            </a:lvl7pPr>
+            <a:lvl8pPr marL="3200720">
+              <a:defRPr>
+                <a:latin typeface="+mn-lt"/>
+                <a:ea typeface="+mn-ea"/>
+                <a:cs typeface="+mn-cs"/>
+              </a:defRPr>
+            </a:lvl8pPr>
+            <a:lvl9pPr marL="3657966">
+              <a:defRPr>
+                <a:latin typeface="+mn-lt"/>
+                <a:ea typeface="+mn-ea"/>
+                <a:cs typeface="+mn-cs"/>
+              </a:defRPr>
+            </a:lvl9pPr>
+          </a:lstStyle>
+          <a:p>
+            <a:r>
+              <a:rPr lang="en-US" sz="5000" b="1" dirty="0">
+                <a:solidFill>
+                  <a:schemeClr val="bg1"/>
+                </a:solidFill>
+                <a:latin typeface="Poppins" panose="00000500000000000000" pitchFamily="2" charset="0"/>
+                <a:cs typeface="Poppins" panose="00000500000000000000" pitchFamily="2" charset="0"/>
+              </a:rPr>
+              <a:t>Features</a:t>
+            </a:r>
+            <a:endParaRPr lang="en-GB" sz="5000" b="1" dirty="0">
+              <a:solidFill>
+                <a:schemeClr val="bg1"/>
+              </a:solidFill>
+              <a:latin typeface="Poppins" panose="00000500000000000000" pitchFamily="2" charset="0"/>
+              <a:cs typeface="Poppins" panose="00000500000000000000" pitchFamily="2" charset="0"/>
+            </a:endParaRPr>
+          </a:p>
+        </p:txBody>
+      </p:sp>
+      <p:sp>
+        <p:nvSpPr>
+          <p:cNvPr id="24" name="Text Placeholder 24">
+            <a:extLst>
+              <a:ext uri="{FF2B5EF4-FFF2-40B4-BE49-F238E27FC236}">
+                <a16:creationId xmlns:a16="http://schemas.microsoft.com/office/drawing/2014/main" id="{3719F3F4-1874-4703-8263-73D198E50A59}"/>
+              </a:ext>
+            </a:extLst>
+          </p:cNvPr>
+          <p:cNvSpPr txBox="1">
+            <a:spLocks/>
+          </p:cNvSpPr>
+          <p:nvPr/>
+        </p:nvSpPr>
+        <p:spPr bwMode="white">
+          <a:xfrm>
+            <a:off x="11724418" y="5098229"/>
+            <a:ext cx="3810301" cy="1000412"/>
+          </a:xfrm>
+          <a:prstGeom prst="rect">
+            <a:avLst/>
+          </a:prstGeom>
+        </p:spPr>
+        <p:txBody>
+          <a:bodyPr/>
+          <a:lstStyle>
+            <a:lvl1pPr marL="0">
+              <a:defRPr>
+                <a:latin typeface="+mn-lt"/>
+                <a:ea typeface="+mn-ea"/>
+                <a:cs typeface="+mn-cs"/>
+              </a:defRPr>
+            </a:lvl1pPr>
+            <a:lvl2pPr marL="457246">
+              <a:defRPr>
+                <a:latin typeface="+mn-lt"/>
+                <a:ea typeface="+mn-ea"/>
+                <a:cs typeface="+mn-cs"/>
+              </a:defRPr>
+            </a:lvl2pPr>
+            <a:lvl3pPr marL="914491">
+              <a:defRPr>
+                <a:latin typeface="+mn-lt"/>
+                <a:ea typeface="+mn-ea"/>
+                <a:cs typeface="+mn-cs"/>
+              </a:defRPr>
+            </a:lvl3pPr>
+            <a:lvl4pPr marL="1371737">
+              <a:defRPr>
+                <a:latin typeface="+mn-lt"/>
+                <a:ea typeface="+mn-ea"/>
+                <a:cs typeface="+mn-cs"/>
+              </a:defRPr>
+            </a:lvl4pPr>
+            <a:lvl5pPr marL="1828983">
+              <a:defRPr>
+                <a:latin typeface="+mn-lt"/>
+                <a:ea typeface="+mn-ea"/>
+                <a:cs typeface="+mn-cs"/>
+              </a:defRPr>
+            </a:lvl5pPr>
+            <a:lvl6pPr marL="2286229">
+              <a:defRPr>
+                <a:latin typeface="+mn-lt"/>
+                <a:ea typeface="+mn-ea"/>
+                <a:cs typeface="+mn-cs"/>
+              </a:defRPr>
+            </a:lvl6pPr>
+            <a:lvl7pPr marL="2743474">
+              <a:defRPr>
+                <a:latin typeface="+mn-lt"/>
+                <a:ea typeface="+mn-ea"/>
+                <a:cs typeface="+mn-cs"/>
+              </a:defRPr>
+            </a:lvl7pPr>
+            <a:lvl8pPr marL="3200720">
+              <a:defRPr>
+                <a:latin typeface="+mn-lt"/>
+                <a:ea typeface="+mn-ea"/>
+                <a:cs typeface="+mn-cs"/>
+              </a:defRPr>
+            </a:lvl8pPr>
+            <a:lvl9pPr marL="3657966">
+              <a:defRPr>
+                <a:latin typeface="+mn-lt"/>
+                <a:ea typeface="+mn-ea"/>
+                <a:cs typeface="+mn-cs"/>
+              </a:defRPr>
+            </a:lvl9pPr>
+          </a:lstStyle>
+          <a:p>
+            <a:endParaRPr lang="en-GB" sz="2000" dirty="0">
+              <a:solidFill>
+                <a:schemeClr val="bg1"/>
+              </a:solidFill>
+              <a:latin typeface="Poppins" panose="00000500000000000000" pitchFamily="2" charset="0"/>
+              <a:cs typeface="Poppins" panose="00000500000000000000" pitchFamily="2" charset="0"/>
+            </a:endParaRPr>
+          </a:p>
+        </p:txBody>
+      </p:sp>
+      <p:sp>
+        <p:nvSpPr>
+          <p:cNvPr id="39" name="Rectangle 38">
+            <a:extLst>
+              <a:ext uri="{FF2B5EF4-FFF2-40B4-BE49-F238E27FC236}">
+                <a16:creationId xmlns:a16="http://schemas.microsoft.com/office/drawing/2014/main" id="{7FCB476C-5211-4CE9-97D5-FE5360ECFA2F}"/>
+              </a:ext>
+              <a:ext uri="{C183D7F6-B498-43B3-948B-1728B52AA6E4}">
+                <adec:decorative xmlns:adec="http://schemas.microsoft.com/office/drawing/2017/decorative" val="1"/>
+              </a:ext>
+            </a:extLst>
+          </p:cNvPr>
+          <p:cNvSpPr/>
+          <p:nvPr/>
+        </p:nvSpPr>
+        <p:spPr>
+          <a:xfrm>
+            <a:off x="5249935" y="6270010"/>
+            <a:ext cx="4319792" cy="3845883"/>
+          </a:xfrm>
+          <a:prstGeom prst="rect">
+            <a:avLst/>
+          </a:prstGeom>
+          <a:solidFill>
+            <a:srgbClr val="282828"/>
+          </a:solidFill>
+          <a:ln w="0" cap="flat">
+            <a:noFill/>
+            <a:prstDash val="solid"/>
+            <a:miter/>
+          </a:ln>
+        </p:spPr>
+        <p:txBody>
+          <a:bodyPr rot="0" spcFirstLastPara="0" vertOverflow="overflow" horzOverflow="overflow" vert="horz" wrap="square" lIns="91440" tIns="45720" rIns="91440" bIns="45720" numCol="1" spcCol="0" rtlCol="0" fromWordArt="0" anchor="ctr" anchorCtr="0" forceAA="0" compatLnSpc="1">
+            <a:prstTxWarp prst="textNoShape">
+              <a:avLst/>
+            </a:prstTxWarp>
+            <a:noAutofit/>
+          </a:bodyPr>
+          <a:lstStyle/>
+          <a:p>
+            <a:endParaRPr lang="en-GB"/>
+          </a:p>
+        </p:txBody>
+      </p:sp>
+      <p:sp>
+        <p:nvSpPr>
+          <p:cNvPr id="40" name="Text Placeholder 1">
+            <a:extLst>
+              <a:ext uri="{FF2B5EF4-FFF2-40B4-BE49-F238E27FC236}">
+                <a16:creationId xmlns:a16="http://schemas.microsoft.com/office/drawing/2014/main" id="{BD8C0E5A-9E34-44D1-8419-1A599D50F110}"/>
+              </a:ext>
+            </a:extLst>
+          </p:cNvPr>
+          <p:cNvSpPr txBox="1">
+            <a:spLocks/>
+          </p:cNvSpPr>
+          <p:nvPr/>
+        </p:nvSpPr>
+        <p:spPr bwMode="white">
+          <a:xfrm>
+            <a:off x="5455663" y="7051756"/>
+            <a:ext cx="3810301" cy="698268"/>
+          </a:xfrm>
+          <a:prstGeom prst="rect">
+            <a:avLst/>
+          </a:prstGeom>
+        </p:spPr>
+        <p:txBody>
+          <a:bodyPr/>
+          <a:lstStyle>
+            <a:lvl1pPr marL="0">
+              <a:defRPr>
+                <a:latin typeface="+mn-lt"/>
+                <a:ea typeface="+mn-ea"/>
+                <a:cs typeface="+mn-cs"/>
+              </a:defRPr>
+            </a:lvl1pPr>
+            <a:lvl2pPr marL="457246">
+              <a:defRPr>
+                <a:latin typeface="+mn-lt"/>
+                <a:ea typeface="+mn-ea"/>
+                <a:cs typeface="+mn-cs"/>
+              </a:defRPr>
+            </a:lvl2pPr>
+            <a:lvl3pPr marL="914491">
+              <a:defRPr>
+                <a:latin typeface="+mn-lt"/>
+                <a:ea typeface="+mn-ea"/>
+                <a:cs typeface="+mn-cs"/>
+              </a:defRPr>
+            </a:lvl3pPr>
+            <a:lvl4pPr marL="1371737">
+              <a:defRPr>
+                <a:latin typeface="+mn-lt"/>
+                <a:ea typeface="+mn-ea"/>
+                <a:cs typeface="+mn-cs"/>
+              </a:defRPr>
+            </a:lvl4pPr>
+            <a:lvl5pPr marL="1828983">
+              <a:defRPr>
+                <a:latin typeface="+mn-lt"/>
+                <a:ea typeface="+mn-ea"/>
+                <a:cs typeface="+mn-cs"/>
+              </a:defRPr>
+            </a:lvl5pPr>
+            <a:lvl6pPr marL="2286229">
+              <a:defRPr>
+                <a:latin typeface="+mn-lt"/>
+                <a:ea typeface="+mn-ea"/>
+                <a:cs typeface="+mn-cs"/>
+              </a:defRPr>
+            </a:lvl6pPr>
+            <a:lvl7pPr marL="2743474">
+              <a:defRPr>
+                <a:latin typeface="+mn-lt"/>
+                <a:ea typeface="+mn-ea"/>
+                <a:cs typeface="+mn-cs"/>
+              </a:defRPr>
+            </a:lvl7pPr>
+            <a:lvl8pPr marL="3200720">
+              <a:defRPr>
+                <a:latin typeface="+mn-lt"/>
+                <a:ea typeface="+mn-ea"/>
+                <a:cs typeface="+mn-cs"/>
+              </a:defRPr>
+            </a:lvl8pPr>
+            <a:lvl9pPr marL="3657966">
+              <a:defRPr>
+                <a:latin typeface="+mn-lt"/>
+                <a:ea typeface="+mn-ea"/>
+                <a:cs typeface="+mn-cs"/>
+              </a:defRPr>
+            </a:lvl9pPr>
+          </a:lstStyle>
+          <a:p>
+            <a:r>
+              <a:rPr lang="en-GB" sz="5000" b="1" dirty="0">
+                <a:solidFill>
+                  <a:schemeClr val="bg1"/>
+                </a:solidFill>
+                <a:latin typeface="Poppins" panose="00000500000000000000" pitchFamily="2" charset="0"/>
+                <a:cs typeface="Poppins" panose="00000500000000000000" pitchFamily="2" charset="0"/>
+              </a:rPr>
+              <a:t>Result</a:t>
+            </a:r>
+          </a:p>
+        </p:txBody>
+      </p:sp>
+      <p:sp>
+        <p:nvSpPr>
+          <p:cNvPr id="41" name="Text Placeholder 2">
+            <a:extLst>
+              <a:ext uri="{FF2B5EF4-FFF2-40B4-BE49-F238E27FC236}">
+                <a16:creationId xmlns:a16="http://schemas.microsoft.com/office/drawing/2014/main" id="{B7835882-8D98-4C1A-BD68-72C0D6151EFF}"/>
+              </a:ext>
+            </a:extLst>
+          </p:cNvPr>
+          <p:cNvSpPr txBox="1">
+            <a:spLocks/>
+          </p:cNvSpPr>
+          <p:nvPr/>
+        </p:nvSpPr>
+        <p:spPr bwMode="white">
+          <a:xfrm>
+            <a:off x="5492533" y="7828488"/>
+            <a:ext cx="3803475" cy="924812"/>
+          </a:xfrm>
+          <a:prstGeom prst="rect">
+            <a:avLst/>
+          </a:prstGeom>
+        </p:spPr>
+        <p:txBody>
+          <a:bodyPr/>
+          <a:lstStyle>
+            <a:lvl1pPr marL="0">
+              <a:defRPr>
+                <a:latin typeface="+mn-lt"/>
+                <a:ea typeface="+mn-ea"/>
+                <a:cs typeface="+mn-cs"/>
+              </a:defRPr>
+            </a:lvl1pPr>
+            <a:lvl2pPr marL="457246">
+              <a:defRPr>
+                <a:latin typeface="+mn-lt"/>
+                <a:ea typeface="+mn-ea"/>
+                <a:cs typeface="+mn-cs"/>
+              </a:defRPr>
+            </a:lvl2pPr>
+            <a:lvl3pPr marL="914491">
+              <a:defRPr>
+                <a:latin typeface="+mn-lt"/>
+                <a:ea typeface="+mn-ea"/>
+                <a:cs typeface="+mn-cs"/>
+              </a:defRPr>
+            </a:lvl3pPr>
+            <a:lvl4pPr marL="1371737">
+              <a:defRPr>
+                <a:latin typeface="+mn-lt"/>
+                <a:ea typeface="+mn-ea"/>
+                <a:cs typeface="+mn-cs"/>
+              </a:defRPr>
+            </a:lvl4pPr>
+            <a:lvl5pPr marL="1828983">
+              <a:defRPr>
+                <a:latin typeface="+mn-lt"/>
+                <a:ea typeface="+mn-ea"/>
+                <a:cs typeface="+mn-cs"/>
+              </a:defRPr>
+            </a:lvl5pPr>
+            <a:lvl6pPr marL="2286229">
+              <a:defRPr>
+                <a:latin typeface="+mn-lt"/>
+                <a:ea typeface="+mn-ea"/>
+                <a:cs typeface="+mn-cs"/>
+              </a:defRPr>
+            </a:lvl6pPr>
+            <a:lvl7pPr marL="2743474">
+              <a:defRPr>
+                <a:latin typeface="+mn-lt"/>
+                <a:ea typeface="+mn-ea"/>
+                <a:cs typeface="+mn-cs"/>
+              </a:defRPr>
+            </a:lvl7pPr>
+            <a:lvl8pPr marL="3200720">
+              <a:defRPr>
+                <a:latin typeface="+mn-lt"/>
+                <a:ea typeface="+mn-ea"/>
+                <a:cs typeface="+mn-cs"/>
+              </a:defRPr>
+            </a:lvl8pPr>
+            <a:lvl9pPr marL="3657966">
+              <a:defRPr>
+                <a:latin typeface="+mn-lt"/>
+                <a:ea typeface="+mn-ea"/>
+                <a:cs typeface="+mn-cs"/>
+              </a:defRPr>
+            </a:lvl9pPr>
+          </a:lstStyle>
+          <a:p>
+            <a:r>
+              <a:rPr lang="en-GB" sz="2000" dirty="0">
+                <a:solidFill>
+                  <a:schemeClr val="bg1"/>
+                </a:solidFill>
+                <a:latin typeface="Poppins" panose="00000500000000000000" pitchFamily="2" charset="0"/>
+                <a:cs typeface="Poppins" panose="00000500000000000000" pitchFamily="2" charset="0"/>
+              </a:rPr>
+              <a:t>Average number of LBG customers 2020-2022</a:t>
+            </a:r>
+          </a:p>
+        </p:txBody>
+      </p:sp>
+      <p:pic>
+        <p:nvPicPr>
+          <p:cNvPr id="42" name="Picture Placeholder 6">
+            <a:extLst>
+              <a:ext uri="{FF2B5EF4-FFF2-40B4-BE49-F238E27FC236}">
+                <a16:creationId xmlns:a16="http://schemas.microsoft.com/office/drawing/2014/main" id="{8EAF8A26-28DD-423E-9B85-49A97EC43E17}"/>
+              </a:ext>
+              <a:ext uri="{C183D7F6-B498-43B3-948B-1728B52AA6E4}">
+                <adec:decorative xmlns:adec="http://schemas.microsoft.com/office/drawing/2017/decorative" val="1"/>
+              </a:ext>
+            </a:extLst>
+          </p:cNvPr>
+          <p:cNvPicPr>
+            <a:picLocks noChangeAspect="1"/>
+          </p:cNvPicPr>
+          <p:nvPr/>
+        </p:nvPicPr>
+        <p:blipFill rotWithShape="1">
+          <a:blip r:embed="rId3" cstate="screen">
+            <a:extLst>
+              <a:ext uri="{28A0092B-C50C-407E-A947-70E740481C1C}">
+                <a14:useLocalDpi xmlns:a14="http://schemas.microsoft.com/office/drawing/2010/main"/>
+              </a:ext>
+            </a:extLst>
+          </a:blip>
+          <a:srcRect t="7768" b="7768"/>
+          <a:stretch/>
+        </p:blipFill>
+        <p:spPr bwMode="black">
+          <a:xfrm>
+            <a:off x="5411681" y="6485458"/>
+            <a:ext cx="720057" cy="698267"/>
+          </a:xfrm>
+          <a:prstGeom prst="rect">
+            <a:avLst/>
+          </a:prstGeom>
+        </p:spPr>
+      </p:pic>
+      <p:pic>
+        <p:nvPicPr>
+          <p:cNvPr id="44" name="Graphic 43">
+            <a:extLst>
+              <a:ext uri="{FF2B5EF4-FFF2-40B4-BE49-F238E27FC236}">
+                <a16:creationId xmlns:a16="http://schemas.microsoft.com/office/drawing/2014/main" id="{37638BB4-FBC5-49A9-92F2-9EA7D8554A4E}"/>
+              </a:ext>
+              <a:ext uri="{C183D7F6-B498-43B3-948B-1728B52AA6E4}">
+                <adec:decorative xmlns:adec="http://schemas.microsoft.com/office/drawing/2017/decorative" val="1"/>
+              </a:ext>
+            </a:extLst>
+          </p:cNvPr>
+          <p:cNvPicPr>
+            <a:picLocks noChangeAspect="1"/>
+          </p:cNvPicPr>
+          <p:nvPr/>
+        </p:nvPicPr>
+        <p:blipFill>
+          <a:blip r:embed="rId4">
+            <a:extLst>
+              <a:ext uri="{28A0092B-C50C-407E-A947-70E740481C1C}">
+                <a14:useLocalDpi xmlns:a14="http://schemas.microsoft.com/office/drawing/2010/main" val="0"/>
+              </a:ext>
+              <a:ext uri="{96DAC541-7B7A-43D3-8B79-37D633B846F1}">
+                <asvg:svgBlip xmlns:asvg="http://schemas.microsoft.com/office/drawing/2016/SVG/main" r:embed="rId5"/>
+              </a:ext>
+            </a:extLst>
+          </a:blip>
+          <a:stretch>
+            <a:fillRect/>
+          </a:stretch>
+        </p:blipFill>
+        <p:spPr>
+          <a:xfrm>
+            <a:off x="1268198" y="2668813"/>
+            <a:ext cx="564176" cy="534483"/>
+          </a:xfrm>
+          <a:prstGeom prst="rect">
+            <a:avLst/>
+          </a:prstGeom>
+        </p:spPr>
+      </p:pic>
+      <p:pic>
+        <p:nvPicPr>
+          <p:cNvPr id="30" name="Picture 6">
+            <a:extLst>
+              <a:ext uri="{FF2B5EF4-FFF2-40B4-BE49-F238E27FC236}">
+                <a16:creationId xmlns:a16="http://schemas.microsoft.com/office/drawing/2014/main" id="{22C3C9AC-6530-4487-A7B3-951491AE2D3D}"/>
+              </a:ext>
+            </a:extLst>
+          </p:cNvPr>
+          <p:cNvPicPr>
+            <a:picLocks noChangeAspect="1" noChangeArrowheads="1"/>
+          </p:cNvPicPr>
+          <p:nvPr/>
+        </p:nvPicPr>
+        <p:blipFill>
+          <a:blip r:embed="rId6">
+            <a:extLst>
+              <a:ext uri="{28A0092B-C50C-407E-A947-70E740481C1C}">
+                <a14:useLocalDpi xmlns:a14="http://schemas.microsoft.com/office/drawing/2010/main" val="0"/>
+              </a:ext>
+            </a:extLst>
+          </a:blip>
+          <a:srcRect/>
+          <a:stretch>
+            <a:fillRect/>
+          </a:stretch>
+        </p:blipFill>
+        <p:spPr bwMode="auto">
+          <a:xfrm>
+            <a:off x="1034080" y="6627897"/>
+            <a:ext cx="4103808" cy="2607514"/>
+          </a:xfrm>
+          <a:prstGeom prst="rect">
+            <a:avLst/>
+          </a:prstGeom>
+          <a:noFill/>
+          <a:extLst>
+            <a:ext uri="{909E8E84-426E-40DD-AFC4-6F175D3DCCD1}">
+              <a14:hiddenFill xmlns:a14="http://schemas.microsoft.com/office/drawing/2010/main">
+                <a:solidFill>
+                  <a:srgbClr val="FFFFFF"/>
+                </a:solidFill>
+              </a14:hiddenFill>
+            </a:ext>
+          </a:extLst>
+        </p:spPr>
+      </p:pic>
+      <p:pic>
+        <p:nvPicPr>
+          <p:cNvPr id="31" name="Picture 10">
+            <a:extLst>
+              <a:ext uri="{FF2B5EF4-FFF2-40B4-BE49-F238E27FC236}">
+                <a16:creationId xmlns:a16="http://schemas.microsoft.com/office/drawing/2014/main" id="{B76B3A41-9A1F-48BF-BC0A-326E4E8737C8}"/>
+              </a:ext>
+            </a:extLst>
+          </p:cNvPr>
+          <p:cNvPicPr>
+            <a:picLocks noChangeAspect="1" noChangeArrowheads="1"/>
+          </p:cNvPicPr>
+          <p:nvPr/>
+        </p:nvPicPr>
+        <p:blipFill>
+          <a:blip r:embed="rId7">
+            <a:extLst>
+              <a:ext uri="{28A0092B-C50C-407E-A947-70E740481C1C}">
+                <a14:useLocalDpi xmlns:a14="http://schemas.microsoft.com/office/drawing/2010/main" val="0"/>
+              </a:ext>
+            </a:extLst>
+          </a:blip>
+          <a:srcRect/>
+          <a:stretch>
+            <a:fillRect/>
+          </a:stretch>
+        </p:blipFill>
+        <p:spPr bwMode="auto">
+          <a:xfrm>
+            <a:off x="5335127" y="2671775"/>
+            <a:ext cx="4178752" cy="3360233"/>
+          </a:xfrm>
+          <a:prstGeom prst="rect">
+            <a:avLst/>
+          </a:prstGeom>
+          <a:noFill/>
+          <a:extLst>
+            <a:ext uri="{909E8E84-426E-40DD-AFC4-6F175D3DCCD1}">
+              <a14:hiddenFill xmlns:a14="http://schemas.microsoft.com/office/drawing/2010/main">
+                <a:solidFill>
+                  <a:srgbClr val="FFFFFF"/>
+                </a:solidFill>
+              </a14:hiddenFill>
+            </a:ext>
+          </a:extLst>
+        </p:spPr>
+      </p:pic>
+      <p:pic>
+        <p:nvPicPr>
+          <p:cNvPr id="33" name="Picture 12" descr="image">
+            <a:extLst>
+              <a:ext uri="{FF2B5EF4-FFF2-40B4-BE49-F238E27FC236}">
+                <a16:creationId xmlns:a16="http://schemas.microsoft.com/office/drawing/2014/main" id="{404C1398-7E6D-49FD-84C2-A8DEEF7CA7C6}"/>
+              </a:ext>
+            </a:extLst>
+          </p:cNvPr>
+          <p:cNvPicPr>
+            <a:picLocks noChangeAspect="1" noChangeArrowheads="1"/>
+          </p:cNvPicPr>
+          <p:nvPr/>
+        </p:nvPicPr>
+        <p:blipFill>
+          <a:blip r:embed="rId8">
+            <a:extLst>
+              <a:ext uri="{28A0092B-C50C-407E-A947-70E740481C1C}">
+                <a14:useLocalDpi xmlns:a14="http://schemas.microsoft.com/office/drawing/2010/main" val="0"/>
+              </a:ext>
+            </a:extLst>
+          </a:blip>
+          <a:srcRect/>
+          <a:stretch>
+            <a:fillRect/>
+          </a:stretch>
+        </p:blipFill>
+        <p:spPr bwMode="auto">
+          <a:xfrm>
+            <a:off x="12597981" y="2849096"/>
+            <a:ext cx="4756669" cy="7308139"/>
+          </a:xfrm>
+          <a:prstGeom prst="rect">
+            <a:avLst/>
+          </a:prstGeom>
+          <a:noFill/>
+          <a:extLst>
+            <a:ext uri="{909E8E84-426E-40DD-AFC4-6F175D3DCCD1}">
+              <a14:hiddenFill xmlns:a14="http://schemas.microsoft.com/office/drawing/2010/main">
+                <a:solidFill>
+                  <a:srgbClr val="FFFFFF"/>
+                </a:solidFill>
+              </a14:hiddenFill>
+            </a:ext>
+          </a:extLst>
+        </p:spPr>
+      </p:pic>
+      <p:sp>
+        <p:nvSpPr>
+          <p:cNvPr id="35" name="TextBox 35">
+            <a:extLst>
+              <a:ext uri="{FF2B5EF4-FFF2-40B4-BE49-F238E27FC236}">
+                <a16:creationId xmlns:a16="http://schemas.microsoft.com/office/drawing/2014/main" id="{1ED03AC9-6320-441A-8087-C23C3046E3ED}"/>
+              </a:ext>
+            </a:extLst>
+          </p:cNvPr>
+          <p:cNvSpPr txBox="1"/>
+          <p:nvPr/>
+        </p:nvSpPr>
+        <p:spPr>
+          <a:xfrm>
+            <a:off x="13176511" y="2377386"/>
+            <a:ext cx="4261966" cy="400110"/>
+          </a:xfrm>
+          <a:prstGeom prst="rect">
+            <a:avLst/>
+          </a:prstGeom>
+          <a:noFill/>
+        </p:spPr>
+        <p:txBody>
+          <a:bodyPr wrap="square" rtlCol="0">
+            <a:spAutoFit/>
+          </a:bodyPr>
+          <a:lstStyle>
+            <a:defPPr>
+              <a:defRPr kern="0"/>
+            </a:defPPr>
+          </a:lstStyle>
+          <a:p>
+            <a:pPr marL="0" marR="0" lvl="0" indent="0" algn="l" defTabSz="914400" rtl="0" eaLnBrk="1" fontAlgn="auto" latinLnBrk="0" hangingPunct="1">
+              <a:lnSpc>
+                <a:spcPct val="100000"/>
+              </a:lnSpc>
+              <a:spcBef>
+                <a:spcPts val="0"/>
+              </a:spcBef>
+              <a:spcAft>
+                <a:spcPts val="0"/>
+              </a:spcAft>
+              <a:buClrTx/>
+              <a:buSzTx/>
+              <a:buFontTx/>
+              <a:buNone/>
+              <a:tabLst/>
+              <a:defRPr/>
+            </a:pPr>
+            <a:r>
+              <a:rPr lang="en-GB" sz="2000" b="1" kern="1200" dirty="0">
+                <a:solidFill>
+                  <a:srgbClr val="353132"/>
+                </a:solidFill>
+                <a:latin typeface="Avenir Next LT Pro" panose="020B0504020202020204" pitchFamily="34" charset="0"/>
+                <a:ea typeface="+mn-ea"/>
+                <a:cs typeface="+mn-cs"/>
+              </a:rPr>
+              <a:t>Customer Churn Calculator</a:t>
+            </a:r>
+            <a:endParaRPr kumimoji="0" lang="en-GB" sz="2000" b="1" i="0" u="none" strike="noStrike" kern="1200" cap="none" spc="0" normalizeH="0" baseline="0" noProof="0" dirty="0">
+              <a:ln>
+                <a:noFill/>
+              </a:ln>
+              <a:solidFill>
+                <a:srgbClr val="353132"/>
+              </a:solidFill>
+              <a:effectLst/>
+              <a:uLnTx/>
+              <a:uFillTx/>
+              <a:latin typeface="Avenir Next LT Pro" panose="020B0504020202020204" pitchFamily="34" charset="0"/>
+              <a:ea typeface="+mn-ea"/>
+              <a:cs typeface="+mn-cs"/>
+            </a:endParaRPr>
+          </a:p>
+        </p:txBody>
+      </p:sp>
+    </p:spTree>
+    <p:extLst>
+      <p:ext uri="{BB962C8B-B14F-4D97-AF65-F5344CB8AC3E}">
+        <p14:creationId xmlns:p14="http://schemas.microsoft.com/office/powerpoint/2010/main" val="625615937"/>
+      </p:ext>
+    </p:extLst>
+  </p:cSld>
+  <p:clrMapOvr>
+    <a:masterClrMapping/>
+  </p:clrMapOvr>
+</p:sld>
+</file>
+
+<file path=ppt/slides/slide13.xml><?xml version="1.0" encoding="utf-8"?>
 <p:sld xmlns:a="http://schemas.openxmlformats.org/drawingml/2006/main" xmlns:r="http://schemas.openxmlformats.org/officeDocument/2006/relationships" xmlns:p="http://schemas.openxmlformats.org/presentationml/2006/main">
   <p:cSld>
     <p:bg>
@@ -34107,7 +36051,7 @@
                 </a:solidFill>
               </a:rPr>
               <a:pPr/>
-              <a:t>11</a:t>
+              <a:t>13</a:t>
             </a:fld>
             <a:endParaRPr lang="en-GB">
               <a:solidFill>
@@ -34121,6 +36065,6596 @@
     <p:extLst>
       <p:ext uri="{BB962C8B-B14F-4D97-AF65-F5344CB8AC3E}">
         <p14:creationId xmlns:p14="http://schemas.microsoft.com/office/powerpoint/2010/main" val="951276376"/>
+      </p:ext>
+    </p:extLst>
+  </p:cSld>
+  <p:clrMapOvr>
+    <a:masterClrMapping/>
+  </p:clrMapOvr>
+</p:sld>
+</file>
+
+<file path=ppt/slides/slide14.xml><?xml version="1.0" encoding="utf-8"?>
+<p:sld xmlns:a="http://schemas.openxmlformats.org/drawingml/2006/main" xmlns:r="http://schemas.openxmlformats.org/officeDocument/2006/relationships" xmlns:p="http://schemas.openxmlformats.org/presentationml/2006/main">
+  <p:cSld>
+    <p:spTree>
+      <p:nvGrpSpPr>
+        <p:cNvPr id="1" name="">
+          <a:extLst>
+            <a:ext uri="{FF2B5EF4-FFF2-40B4-BE49-F238E27FC236}">
+              <a16:creationId xmlns:a16="http://schemas.microsoft.com/office/drawing/2014/main" id="{0A16B502-1BA8-7B09-D0E4-8137798F1800}"/>
+            </a:ext>
+          </a:extLst>
+        </p:cNvPr>
+        <p:cNvGrpSpPr/>
+        <p:nvPr/>
+      </p:nvGrpSpPr>
+      <p:grpSpPr>
+        <a:xfrm>
+          <a:off x="0" y="0"/>
+          <a:ext cx="0" cy="0"/>
+          <a:chOff x="0" y="0"/>
+          <a:chExt cx="0" cy="0"/>
+        </a:xfrm>
+      </p:grpSpPr>
+      <p:sp>
+        <p:nvSpPr>
+          <p:cNvPr id="11" name="Text Placeholder 25">
+            <a:extLst>
+              <a:ext uri="{FF2B5EF4-FFF2-40B4-BE49-F238E27FC236}">
+                <a16:creationId xmlns:a16="http://schemas.microsoft.com/office/drawing/2014/main" id="{CE17DDE2-9D33-8E79-D1EA-612188515986}"/>
+              </a:ext>
+            </a:extLst>
+          </p:cNvPr>
+          <p:cNvSpPr txBox="1">
+            <a:spLocks noGrp="1"/>
+          </p:cNvSpPr>
+          <p:nvPr>
+            <p:ph type="title" idx="4294967295"/>
+          </p:nvPr>
+        </p:nvSpPr>
+        <p:spPr>
+          <a:xfrm>
+            <a:off x="686347" y="795223"/>
+            <a:ext cx="15562276" cy="1389180"/>
+          </a:xfrm>
+          <a:prstGeom prst="rect">
+            <a:avLst/>
+          </a:prstGeom>
+          <a:noFill/>
+          <a:ln>
+            <a:noFill/>
+            <a:prstDash/>
+          </a:ln>
+          <a:effectLst/>
+        </p:spPr>
+        <p:txBody>
+          <a:bodyPr rot="0" spcFirstLastPara="0" vertOverflow="overflow" horzOverflow="overflow" vert="horz" wrap="square" lIns="91440" tIns="45720" rIns="91440" bIns="45720" numCol="1" spcCol="0" rtlCol="0" fromWordArt="0" anchor="t" anchorCtr="0" forceAA="0" compatLnSpc="1">
+            <a:prstTxWarp prst="textNoShape">
+              <a:avLst/>
+            </a:prstTxWarp>
+            <a:noAutofit/>
+          </a:bodyPr>
+          <a:lstStyle>
+            <a:lvl1pPr marL="0">
+              <a:defRPr>
+                <a:latin typeface="+mn-lt"/>
+                <a:ea typeface="+mn-ea"/>
+                <a:cs typeface="+mn-cs"/>
+              </a:defRPr>
+            </a:lvl1pPr>
+            <a:lvl2pPr marL="457246">
+              <a:defRPr>
+                <a:latin typeface="+mn-lt"/>
+                <a:ea typeface="+mn-ea"/>
+                <a:cs typeface="+mn-cs"/>
+              </a:defRPr>
+            </a:lvl2pPr>
+            <a:lvl3pPr marL="914491">
+              <a:defRPr>
+                <a:latin typeface="+mn-lt"/>
+                <a:ea typeface="+mn-ea"/>
+                <a:cs typeface="+mn-cs"/>
+              </a:defRPr>
+            </a:lvl3pPr>
+            <a:lvl4pPr marL="1371737">
+              <a:defRPr>
+                <a:latin typeface="+mn-lt"/>
+                <a:ea typeface="+mn-ea"/>
+                <a:cs typeface="+mn-cs"/>
+              </a:defRPr>
+            </a:lvl4pPr>
+            <a:lvl5pPr marL="1828983">
+              <a:defRPr>
+                <a:latin typeface="+mn-lt"/>
+                <a:ea typeface="+mn-ea"/>
+                <a:cs typeface="+mn-cs"/>
+              </a:defRPr>
+            </a:lvl5pPr>
+            <a:lvl6pPr marL="2286229">
+              <a:defRPr>
+                <a:latin typeface="+mn-lt"/>
+                <a:ea typeface="+mn-ea"/>
+                <a:cs typeface="+mn-cs"/>
+              </a:defRPr>
+            </a:lvl6pPr>
+            <a:lvl7pPr marL="2743474">
+              <a:defRPr>
+                <a:latin typeface="+mn-lt"/>
+                <a:ea typeface="+mn-ea"/>
+                <a:cs typeface="+mn-cs"/>
+              </a:defRPr>
+            </a:lvl7pPr>
+            <a:lvl8pPr marL="3200720">
+              <a:defRPr>
+                <a:latin typeface="+mn-lt"/>
+                <a:ea typeface="+mn-ea"/>
+                <a:cs typeface="+mn-cs"/>
+              </a:defRPr>
+            </a:lvl8pPr>
+            <a:lvl9pPr marL="3657966">
+              <a:defRPr>
+                <a:latin typeface="+mn-lt"/>
+                <a:ea typeface="+mn-ea"/>
+                <a:cs typeface="+mn-cs"/>
+              </a:defRPr>
+            </a:lvl9pPr>
+          </a:lstStyle>
+          <a:p>
+            <a:pPr marL="0" marR="0" lvl="0" indent="0" defTabSz="914400" eaLnBrk="1" fontAlgn="auto" latinLnBrk="0" hangingPunct="1">
+              <a:lnSpc>
+                <a:spcPct val="100000"/>
+              </a:lnSpc>
+              <a:spcBef>
+                <a:spcPts val="0"/>
+              </a:spcBef>
+              <a:spcAft>
+                <a:spcPts val="0"/>
+              </a:spcAft>
+              <a:buClrTx/>
+              <a:buSzTx/>
+              <a:buFontTx/>
+              <a:buNone/>
+              <a:tabLst/>
+              <a:defRPr/>
+            </a:pPr>
+            <a:r>
+              <a:rPr lang="en-US" b="1" kern="0" spc="-120" dirty="0">
+                <a:solidFill>
+                  <a:srgbClr val="007C43"/>
+                </a:solidFill>
+                <a:latin typeface="Poppins"/>
+                <a:ea typeface="+mj-ea"/>
+                <a:cs typeface="Poppins"/>
+              </a:rPr>
+              <a:t>Project benefits from </a:t>
+            </a:r>
+            <a:r>
+              <a:rPr lang="en-US" b="1" kern="0" spc="-120" dirty="0" err="1">
+                <a:solidFill>
+                  <a:srgbClr val="007C43"/>
+                </a:solidFill>
+                <a:latin typeface="Poppins"/>
+                <a:ea typeface="+mj-ea"/>
+                <a:cs typeface="Poppins"/>
+              </a:rPr>
+              <a:t>utilising</a:t>
+            </a:r>
+            <a:r>
+              <a:rPr lang="en-US" b="1" kern="0" spc="-120" dirty="0">
+                <a:solidFill>
+                  <a:srgbClr val="007C43"/>
+                </a:solidFill>
+                <a:latin typeface="Poppins"/>
+                <a:ea typeface="+mj-ea"/>
+                <a:cs typeface="Poppins"/>
+              </a:rPr>
+              <a:t> GCP Technologies</a:t>
+            </a:r>
+            <a:endParaRPr kumimoji="0" lang="en-GB" b="1" i="0" u="none" strike="noStrike" kern="0" cap="none" spc="-120" normalizeH="0" baseline="0" noProof="0" dirty="0">
+              <a:ln>
+                <a:noFill/>
+              </a:ln>
+              <a:solidFill>
+                <a:srgbClr val="007C43"/>
+              </a:solidFill>
+              <a:effectLst/>
+              <a:uLnTx/>
+              <a:uFillTx/>
+              <a:latin typeface="Poppins"/>
+              <a:ea typeface="+mj-ea"/>
+              <a:cs typeface="Poppins"/>
+            </a:endParaRPr>
+          </a:p>
+        </p:txBody>
+      </p:sp>
+      <p:sp>
+        <p:nvSpPr>
+          <p:cNvPr id="4" name="Rectangle 3">
+            <a:extLst>
+              <a:ext uri="{FF2B5EF4-FFF2-40B4-BE49-F238E27FC236}">
+                <a16:creationId xmlns:a16="http://schemas.microsoft.com/office/drawing/2014/main" id="{7EBBD2EC-0F03-FF07-5EE5-3D27030047E3}"/>
+              </a:ext>
+              <a:ext uri="{C183D7F6-B498-43B3-948B-1728B52AA6E4}">
+                <adec:decorative xmlns:adec="http://schemas.microsoft.com/office/drawing/2017/decorative" val="1"/>
+              </a:ext>
+            </a:extLst>
+          </p:cNvPr>
+          <p:cNvSpPr/>
+          <p:nvPr/>
+        </p:nvSpPr>
+        <p:spPr>
+          <a:xfrm>
+            <a:off x="0" y="2529841"/>
+            <a:ext cx="6710400" cy="8779508"/>
+          </a:xfrm>
+          <a:prstGeom prst="rect">
+            <a:avLst/>
+          </a:prstGeom>
+          <a:solidFill>
+            <a:srgbClr val="282828"/>
+          </a:solidFill>
+          <a:ln>
+            <a:noFill/>
+          </a:ln>
+        </p:spPr>
+        <p:style>
+          <a:lnRef idx="2">
+            <a:schemeClr val="accent1">
+              <a:shade val="50000"/>
+            </a:schemeClr>
+          </a:lnRef>
+          <a:fillRef idx="1">
+            <a:schemeClr val="accent1"/>
+          </a:fillRef>
+          <a:effectRef idx="0">
+            <a:schemeClr val="accent1"/>
+          </a:effectRef>
+          <a:fontRef idx="minor">
+            <a:schemeClr val="lt1"/>
+          </a:fontRef>
+        </p:style>
+        <p:txBody>
+          <a:bodyPr rtlCol="0" anchor="ctr"/>
+          <a:lstStyle/>
+          <a:p>
+            <a:pPr algn="ctr"/>
+            <a:endParaRPr lang="en-GB"/>
+          </a:p>
+        </p:txBody>
+      </p:sp>
+      <p:sp>
+        <p:nvSpPr>
+          <p:cNvPr id="8" name="Text Placeholder 16">
+            <a:extLst>
+              <a:ext uri="{FF2B5EF4-FFF2-40B4-BE49-F238E27FC236}">
+                <a16:creationId xmlns:a16="http://schemas.microsoft.com/office/drawing/2014/main" id="{38FE018F-989D-F8E7-A871-504B19487D28}"/>
+              </a:ext>
+            </a:extLst>
+          </p:cNvPr>
+          <p:cNvSpPr txBox="1">
+            <a:spLocks/>
+          </p:cNvSpPr>
+          <p:nvPr/>
+        </p:nvSpPr>
+        <p:spPr bwMode="white">
+          <a:xfrm>
+            <a:off x="813146" y="2821331"/>
+            <a:ext cx="4667039" cy="539238"/>
+          </a:xfrm>
+          <a:prstGeom prst="rect">
+            <a:avLst/>
+          </a:prstGeom>
+        </p:spPr>
+        <p:txBody>
+          <a:bodyPr/>
+          <a:lstStyle>
+            <a:lvl1pPr marL="0">
+              <a:defRPr>
+                <a:latin typeface="+mn-lt"/>
+                <a:ea typeface="+mn-ea"/>
+                <a:cs typeface="+mn-cs"/>
+              </a:defRPr>
+            </a:lvl1pPr>
+            <a:lvl2pPr marL="457246">
+              <a:defRPr>
+                <a:latin typeface="+mn-lt"/>
+                <a:ea typeface="+mn-ea"/>
+                <a:cs typeface="+mn-cs"/>
+              </a:defRPr>
+            </a:lvl2pPr>
+            <a:lvl3pPr marL="914491">
+              <a:defRPr>
+                <a:latin typeface="+mn-lt"/>
+                <a:ea typeface="+mn-ea"/>
+                <a:cs typeface="+mn-cs"/>
+              </a:defRPr>
+            </a:lvl3pPr>
+            <a:lvl4pPr marL="1371737">
+              <a:defRPr>
+                <a:latin typeface="+mn-lt"/>
+                <a:ea typeface="+mn-ea"/>
+                <a:cs typeface="+mn-cs"/>
+              </a:defRPr>
+            </a:lvl4pPr>
+            <a:lvl5pPr marL="1828983">
+              <a:defRPr>
+                <a:latin typeface="+mn-lt"/>
+                <a:ea typeface="+mn-ea"/>
+                <a:cs typeface="+mn-cs"/>
+              </a:defRPr>
+            </a:lvl5pPr>
+            <a:lvl6pPr marL="2286229">
+              <a:defRPr>
+                <a:latin typeface="+mn-lt"/>
+                <a:ea typeface="+mn-ea"/>
+                <a:cs typeface="+mn-cs"/>
+              </a:defRPr>
+            </a:lvl6pPr>
+            <a:lvl7pPr marL="2743474">
+              <a:defRPr>
+                <a:latin typeface="+mn-lt"/>
+                <a:ea typeface="+mn-ea"/>
+                <a:cs typeface="+mn-cs"/>
+              </a:defRPr>
+            </a:lvl7pPr>
+            <a:lvl8pPr marL="3200720">
+              <a:defRPr>
+                <a:latin typeface="+mn-lt"/>
+                <a:ea typeface="+mn-ea"/>
+                <a:cs typeface="+mn-cs"/>
+              </a:defRPr>
+            </a:lvl8pPr>
+            <a:lvl9pPr marL="3657966">
+              <a:defRPr>
+                <a:latin typeface="+mn-lt"/>
+                <a:ea typeface="+mn-ea"/>
+                <a:cs typeface="+mn-cs"/>
+              </a:defRPr>
+            </a:lvl9pPr>
+          </a:lstStyle>
+          <a:p>
+            <a:pPr algn="l"/>
+            <a:r>
+              <a:rPr lang="en-US" sz="2400" dirty="0">
+                <a:solidFill>
+                  <a:schemeClr val="bg1"/>
+                </a:solidFill>
+                <a:latin typeface="Poppins" panose="00000500000000000000" pitchFamily="2" charset="0"/>
+                <a:cs typeface="Poppins" panose="00000500000000000000" pitchFamily="2" charset="0"/>
+              </a:rPr>
+              <a:t>The Next Step</a:t>
+            </a:r>
+            <a:endParaRPr lang="en-GB" sz="2400" dirty="0">
+              <a:solidFill>
+                <a:schemeClr val="bg1"/>
+              </a:solidFill>
+              <a:latin typeface="Poppins" panose="00000500000000000000" pitchFamily="2" charset="0"/>
+              <a:cs typeface="Poppins" panose="00000500000000000000" pitchFamily="2" charset="0"/>
+            </a:endParaRPr>
+          </a:p>
+        </p:txBody>
+      </p:sp>
+      <p:sp>
+        <p:nvSpPr>
+          <p:cNvPr id="30" name="Text Placeholder 6">
+            <a:extLst>
+              <a:ext uri="{FF2B5EF4-FFF2-40B4-BE49-F238E27FC236}">
+                <a16:creationId xmlns:a16="http://schemas.microsoft.com/office/drawing/2014/main" id="{94B57C21-8A65-EA5E-47D5-09B9BE82B76A}"/>
+              </a:ext>
+            </a:extLst>
+          </p:cNvPr>
+          <p:cNvSpPr txBox="1">
+            <a:spLocks/>
+          </p:cNvSpPr>
+          <p:nvPr/>
+        </p:nvSpPr>
+        <p:spPr bwMode="white">
+          <a:xfrm>
+            <a:off x="493939" y="5114426"/>
+            <a:ext cx="5551319" cy="4308475"/>
+          </a:xfrm>
+          <a:prstGeom prst="rect">
+            <a:avLst/>
+          </a:prstGeom>
+        </p:spPr>
+        <p:txBody>
+          <a:bodyPr/>
+          <a:lstStyle>
+            <a:lvl1pPr marL="0">
+              <a:defRPr>
+                <a:latin typeface="+mn-lt"/>
+                <a:ea typeface="+mn-ea"/>
+                <a:cs typeface="+mn-cs"/>
+              </a:defRPr>
+            </a:lvl1pPr>
+            <a:lvl2pPr marL="457246">
+              <a:defRPr>
+                <a:latin typeface="+mn-lt"/>
+                <a:ea typeface="+mn-ea"/>
+                <a:cs typeface="+mn-cs"/>
+              </a:defRPr>
+            </a:lvl2pPr>
+            <a:lvl3pPr marL="914491">
+              <a:defRPr>
+                <a:latin typeface="+mn-lt"/>
+                <a:ea typeface="+mn-ea"/>
+                <a:cs typeface="+mn-cs"/>
+              </a:defRPr>
+            </a:lvl3pPr>
+            <a:lvl4pPr marL="1371737">
+              <a:defRPr>
+                <a:latin typeface="+mn-lt"/>
+                <a:ea typeface="+mn-ea"/>
+                <a:cs typeface="+mn-cs"/>
+              </a:defRPr>
+            </a:lvl4pPr>
+            <a:lvl5pPr marL="1828983">
+              <a:defRPr>
+                <a:latin typeface="+mn-lt"/>
+                <a:ea typeface="+mn-ea"/>
+                <a:cs typeface="+mn-cs"/>
+              </a:defRPr>
+            </a:lvl5pPr>
+            <a:lvl6pPr marL="2286229">
+              <a:defRPr>
+                <a:latin typeface="+mn-lt"/>
+                <a:ea typeface="+mn-ea"/>
+                <a:cs typeface="+mn-cs"/>
+              </a:defRPr>
+            </a:lvl6pPr>
+            <a:lvl7pPr marL="2743474">
+              <a:defRPr>
+                <a:latin typeface="+mn-lt"/>
+                <a:ea typeface="+mn-ea"/>
+                <a:cs typeface="+mn-cs"/>
+              </a:defRPr>
+            </a:lvl7pPr>
+            <a:lvl8pPr marL="3200720">
+              <a:defRPr>
+                <a:latin typeface="+mn-lt"/>
+                <a:ea typeface="+mn-ea"/>
+                <a:cs typeface="+mn-cs"/>
+              </a:defRPr>
+            </a:lvl8pPr>
+            <a:lvl9pPr marL="3657966">
+              <a:defRPr>
+                <a:latin typeface="+mn-lt"/>
+                <a:ea typeface="+mn-ea"/>
+                <a:cs typeface="+mn-cs"/>
+              </a:defRPr>
+            </a:lvl9pPr>
+          </a:lstStyle>
+          <a:p>
+            <a:r>
+              <a:rPr lang="en-US" sz="4000" dirty="0">
+                <a:solidFill>
+                  <a:schemeClr val="bg1"/>
+                </a:solidFill>
+                <a:latin typeface="Poppins" panose="00000500000000000000" pitchFamily="2" charset="0"/>
+                <a:cs typeface="Poppins" panose="00000500000000000000" pitchFamily="2" charset="0"/>
+              </a:rPr>
+              <a:t>To fully </a:t>
+            </a:r>
+            <a:r>
+              <a:rPr lang="en-US" sz="4000" dirty="0" err="1">
+                <a:solidFill>
+                  <a:schemeClr val="bg1"/>
+                </a:solidFill>
+                <a:latin typeface="Poppins" panose="00000500000000000000" pitchFamily="2" charset="0"/>
+                <a:cs typeface="Poppins" panose="00000500000000000000" pitchFamily="2" charset="0"/>
+              </a:rPr>
+              <a:t>realise</a:t>
+            </a:r>
+            <a:r>
+              <a:rPr lang="en-US" sz="4000" dirty="0">
+                <a:solidFill>
+                  <a:schemeClr val="bg1"/>
+                </a:solidFill>
+                <a:latin typeface="Poppins" panose="00000500000000000000" pitchFamily="2" charset="0"/>
+                <a:cs typeface="Poppins" panose="00000500000000000000" pitchFamily="2" charset="0"/>
+              </a:rPr>
+              <a:t> our data and insight capability, moving this project to Google Cloud Platform will be hugely beneficial.</a:t>
+            </a:r>
+            <a:endParaRPr lang="en-GB" sz="4000" dirty="0">
+              <a:solidFill>
+                <a:schemeClr val="bg1"/>
+              </a:solidFill>
+              <a:latin typeface="Poppins" panose="00000500000000000000" pitchFamily="2" charset="0"/>
+              <a:cs typeface="Poppins" panose="00000500000000000000" pitchFamily="2" charset="0"/>
+            </a:endParaRPr>
+          </a:p>
+        </p:txBody>
+      </p:sp>
+      <p:sp>
+        <p:nvSpPr>
+          <p:cNvPr id="9" name="Rectangle 8">
+            <a:extLst>
+              <a:ext uri="{FF2B5EF4-FFF2-40B4-BE49-F238E27FC236}">
+                <a16:creationId xmlns:a16="http://schemas.microsoft.com/office/drawing/2014/main" id="{D0F12935-359F-A022-0CCD-836A464CBD4D}"/>
+              </a:ext>
+              <a:ext uri="{C183D7F6-B498-43B3-948B-1728B52AA6E4}">
+                <adec:decorative xmlns:adec="http://schemas.microsoft.com/office/drawing/2017/decorative" val="1"/>
+              </a:ext>
+            </a:extLst>
+          </p:cNvPr>
+          <p:cNvSpPr/>
+          <p:nvPr/>
+        </p:nvSpPr>
+        <p:spPr>
+          <a:xfrm>
+            <a:off x="6644168" y="2529842"/>
+            <a:ext cx="6751122" cy="8779508"/>
+          </a:xfrm>
+          <a:prstGeom prst="rect">
+            <a:avLst/>
+          </a:prstGeom>
+          <a:solidFill>
+            <a:srgbClr val="F4F4F4"/>
+          </a:solidFill>
+          <a:ln>
+            <a:noFill/>
+          </a:ln>
+        </p:spPr>
+        <p:style>
+          <a:lnRef idx="2">
+            <a:schemeClr val="accent1">
+              <a:shade val="50000"/>
+            </a:schemeClr>
+          </a:lnRef>
+          <a:fillRef idx="1">
+            <a:schemeClr val="accent1"/>
+          </a:fillRef>
+          <a:effectRef idx="0">
+            <a:schemeClr val="accent1"/>
+          </a:effectRef>
+          <a:fontRef idx="minor">
+            <a:schemeClr val="lt1"/>
+          </a:fontRef>
+        </p:style>
+        <p:txBody>
+          <a:bodyPr rtlCol="0" anchor="ctr"/>
+          <a:lstStyle/>
+          <a:p>
+            <a:pPr algn="ctr"/>
+            <a:endParaRPr lang="en-GB"/>
+          </a:p>
+        </p:txBody>
+      </p:sp>
+      <p:sp>
+        <p:nvSpPr>
+          <p:cNvPr id="10" name="Arrow: Chevron 9">
+            <a:extLst>
+              <a:ext uri="{FF2B5EF4-FFF2-40B4-BE49-F238E27FC236}">
+                <a16:creationId xmlns:a16="http://schemas.microsoft.com/office/drawing/2014/main" id="{770CC8E8-C429-93FD-3A28-A07A084F056F}"/>
+              </a:ext>
+              <a:ext uri="{C183D7F6-B498-43B3-948B-1728B52AA6E4}">
+                <adec:decorative xmlns:adec="http://schemas.microsoft.com/office/drawing/2017/decorative" val="1"/>
+              </a:ext>
+            </a:extLst>
+          </p:cNvPr>
+          <p:cNvSpPr/>
+          <p:nvPr/>
+        </p:nvSpPr>
+        <p:spPr>
+          <a:xfrm>
+            <a:off x="6319044" y="2768225"/>
+            <a:ext cx="665285" cy="647482"/>
+          </a:xfrm>
+          <a:prstGeom prst="chevron">
+            <a:avLst/>
+          </a:prstGeom>
+          <a:solidFill>
+            <a:srgbClr val="282828"/>
+          </a:solidFill>
+          <a:ln>
+            <a:noFill/>
+          </a:ln>
+        </p:spPr>
+        <p:style>
+          <a:lnRef idx="2">
+            <a:schemeClr val="accent1">
+              <a:shade val="50000"/>
+            </a:schemeClr>
+          </a:lnRef>
+          <a:fillRef idx="1">
+            <a:schemeClr val="accent1"/>
+          </a:fillRef>
+          <a:effectRef idx="0">
+            <a:schemeClr val="accent1"/>
+          </a:effectRef>
+          <a:fontRef idx="minor">
+            <a:schemeClr val="lt1"/>
+          </a:fontRef>
+        </p:style>
+        <p:txBody>
+          <a:bodyPr rtlCol="0" anchor="ctr"/>
+          <a:lstStyle/>
+          <a:p>
+            <a:pPr algn="ctr"/>
+            <a:endParaRPr lang="en-GB">
+              <a:solidFill>
+                <a:schemeClr val="tx1"/>
+              </a:solidFill>
+            </a:endParaRPr>
+          </a:p>
+        </p:txBody>
+      </p:sp>
+      <p:sp>
+        <p:nvSpPr>
+          <p:cNvPr id="6" name="Text Placeholder 16">
+            <a:extLst>
+              <a:ext uri="{FF2B5EF4-FFF2-40B4-BE49-F238E27FC236}">
+                <a16:creationId xmlns:a16="http://schemas.microsoft.com/office/drawing/2014/main" id="{BA5850A1-051F-E2D1-EA0B-E7DE1B93A4E3}"/>
+              </a:ext>
+            </a:extLst>
+          </p:cNvPr>
+          <p:cNvSpPr txBox="1">
+            <a:spLocks/>
+          </p:cNvSpPr>
+          <p:nvPr/>
+        </p:nvSpPr>
+        <p:spPr>
+          <a:xfrm>
+            <a:off x="7880897" y="2821331"/>
+            <a:ext cx="4667039" cy="539238"/>
+          </a:xfrm>
+          <a:prstGeom prst="rect">
+            <a:avLst/>
+          </a:prstGeom>
+        </p:spPr>
+        <p:txBody>
+          <a:bodyPr/>
+          <a:lstStyle>
+            <a:lvl1pPr marL="0">
+              <a:defRPr>
+                <a:latin typeface="+mn-lt"/>
+                <a:ea typeface="+mn-ea"/>
+                <a:cs typeface="+mn-cs"/>
+              </a:defRPr>
+            </a:lvl1pPr>
+            <a:lvl2pPr marL="457246">
+              <a:defRPr>
+                <a:latin typeface="+mn-lt"/>
+                <a:ea typeface="+mn-ea"/>
+                <a:cs typeface="+mn-cs"/>
+              </a:defRPr>
+            </a:lvl2pPr>
+            <a:lvl3pPr marL="914491">
+              <a:defRPr>
+                <a:latin typeface="+mn-lt"/>
+                <a:ea typeface="+mn-ea"/>
+                <a:cs typeface="+mn-cs"/>
+              </a:defRPr>
+            </a:lvl3pPr>
+            <a:lvl4pPr marL="1371737">
+              <a:defRPr>
+                <a:latin typeface="+mn-lt"/>
+                <a:ea typeface="+mn-ea"/>
+                <a:cs typeface="+mn-cs"/>
+              </a:defRPr>
+            </a:lvl4pPr>
+            <a:lvl5pPr marL="1828983">
+              <a:defRPr>
+                <a:latin typeface="+mn-lt"/>
+                <a:ea typeface="+mn-ea"/>
+                <a:cs typeface="+mn-cs"/>
+              </a:defRPr>
+            </a:lvl5pPr>
+            <a:lvl6pPr marL="2286229">
+              <a:defRPr>
+                <a:latin typeface="+mn-lt"/>
+                <a:ea typeface="+mn-ea"/>
+                <a:cs typeface="+mn-cs"/>
+              </a:defRPr>
+            </a:lvl6pPr>
+            <a:lvl7pPr marL="2743474">
+              <a:defRPr>
+                <a:latin typeface="+mn-lt"/>
+                <a:ea typeface="+mn-ea"/>
+                <a:cs typeface="+mn-cs"/>
+              </a:defRPr>
+            </a:lvl7pPr>
+            <a:lvl8pPr marL="3200720">
+              <a:defRPr>
+                <a:latin typeface="+mn-lt"/>
+                <a:ea typeface="+mn-ea"/>
+                <a:cs typeface="+mn-cs"/>
+              </a:defRPr>
+            </a:lvl8pPr>
+            <a:lvl9pPr marL="3657966">
+              <a:defRPr>
+                <a:latin typeface="+mn-lt"/>
+                <a:ea typeface="+mn-ea"/>
+                <a:cs typeface="+mn-cs"/>
+              </a:defRPr>
+            </a:lvl9pPr>
+          </a:lstStyle>
+          <a:p>
+            <a:pPr algn="l"/>
+            <a:r>
+              <a:rPr lang="en-US" sz="2400" dirty="0">
+                <a:latin typeface="Poppins" panose="00000500000000000000" pitchFamily="2" charset="0"/>
+                <a:cs typeface="Poppins" panose="00000500000000000000" pitchFamily="2" charset="0"/>
+              </a:rPr>
+              <a:t>Benefits</a:t>
+            </a:r>
+            <a:endParaRPr lang="en-GB" sz="2400" dirty="0">
+              <a:latin typeface="Poppins" panose="00000500000000000000" pitchFamily="2" charset="0"/>
+              <a:cs typeface="Poppins" panose="00000500000000000000" pitchFamily="2" charset="0"/>
+            </a:endParaRPr>
+          </a:p>
+        </p:txBody>
+      </p:sp>
+      <p:grpSp>
+        <p:nvGrpSpPr>
+          <p:cNvPr id="50" name="Group 49" descr="chart showing growth">
+            <a:extLst>
+              <a:ext uri="{FF2B5EF4-FFF2-40B4-BE49-F238E27FC236}">
+                <a16:creationId xmlns:a16="http://schemas.microsoft.com/office/drawing/2014/main" id="{C33B3BC8-512A-6101-2B5F-F66F4B38F6EE}"/>
+              </a:ext>
+            </a:extLst>
+          </p:cNvPr>
+          <p:cNvGrpSpPr/>
+          <p:nvPr/>
+        </p:nvGrpSpPr>
+        <p:grpSpPr>
+          <a:xfrm>
+            <a:off x="7403555" y="4205044"/>
+            <a:ext cx="904397" cy="940939"/>
+            <a:chOff x="16613656" y="8805024"/>
+            <a:chExt cx="904397" cy="940939"/>
+          </a:xfrm>
+        </p:grpSpPr>
+        <p:sp>
+          <p:nvSpPr>
+            <p:cNvPr id="51" name="Freeform: Shape 50">
+              <a:extLst>
+                <a:ext uri="{FF2B5EF4-FFF2-40B4-BE49-F238E27FC236}">
+                  <a16:creationId xmlns:a16="http://schemas.microsoft.com/office/drawing/2014/main" id="{6DDB3868-B303-1496-0FFC-07A251C6F782}"/>
+                </a:ext>
+              </a:extLst>
+            </p:cNvPr>
+            <p:cNvSpPr/>
+            <p:nvPr/>
+          </p:nvSpPr>
+          <p:spPr>
+            <a:xfrm>
+              <a:off x="16613656" y="9692226"/>
+              <a:ext cx="904397" cy="53737"/>
+            </a:xfrm>
+            <a:custGeom>
+              <a:avLst/>
+              <a:gdLst>
+                <a:gd name="connsiteX0" fmla="*/ 0 w 904397"/>
+                <a:gd name="connsiteY0" fmla="*/ 0 h 53737"/>
+                <a:gd name="connsiteX1" fmla="*/ 904398 w 904397"/>
+                <a:gd name="connsiteY1" fmla="*/ 0 h 53737"/>
+              </a:gdLst>
+              <a:ahLst/>
+              <a:cxnLst>
+                <a:cxn ang="0">
+                  <a:pos x="connsiteX0" y="connsiteY0"/>
+                </a:cxn>
+                <a:cxn ang="0">
+                  <a:pos x="connsiteX1" y="connsiteY1"/>
+                </a:cxn>
+              </a:cxnLst>
+              <a:rect l="l" t="t" r="r" b="b"/>
+              <a:pathLst>
+                <a:path w="904397" h="53737">
+                  <a:moveTo>
+                    <a:pt x="0" y="0"/>
+                  </a:moveTo>
+                  <a:lnTo>
+                    <a:pt x="904398" y="0"/>
+                  </a:lnTo>
+                </a:path>
+              </a:pathLst>
+            </a:custGeom>
+            <a:ln w="53408" cap="flat">
+              <a:solidFill>
+                <a:srgbClr val="007C43"/>
+              </a:solidFill>
+              <a:prstDash val="solid"/>
+              <a:round/>
+            </a:ln>
+          </p:spPr>
+          <p:txBody>
+            <a:bodyPr rtlCol="0" anchor="ctr"/>
+            <a:lstStyle/>
+            <a:p>
+              <a:endParaRPr lang="en-GB"/>
+            </a:p>
+          </p:txBody>
+        </p:sp>
+        <p:sp>
+          <p:nvSpPr>
+            <p:cNvPr id="52" name="Freeform: Shape 51">
+              <a:extLst>
+                <a:ext uri="{FF2B5EF4-FFF2-40B4-BE49-F238E27FC236}">
+                  <a16:creationId xmlns:a16="http://schemas.microsoft.com/office/drawing/2014/main" id="{CD0B4A65-5FAB-AA32-4D98-48B37AE50BE5}"/>
+                </a:ext>
+              </a:extLst>
+            </p:cNvPr>
+            <p:cNvSpPr/>
+            <p:nvPr/>
+          </p:nvSpPr>
+          <p:spPr>
+            <a:xfrm>
+              <a:off x="17306329" y="9204829"/>
+              <a:ext cx="184856" cy="338544"/>
+            </a:xfrm>
+            <a:custGeom>
+              <a:avLst/>
+              <a:gdLst>
+                <a:gd name="connsiteX0" fmla="*/ 184856 w 184856"/>
+                <a:gd name="connsiteY0" fmla="*/ 338545 h 338544"/>
+                <a:gd name="connsiteX1" fmla="*/ 184856 w 184856"/>
+                <a:gd name="connsiteY1" fmla="*/ 0 h 338544"/>
+                <a:gd name="connsiteX2" fmla="*/ 0 w 184856"/>
+                <a:gd name="connsiteY2" fmla="*/ 0 h 338544"/>
+                <a:gd name="connsiteX3" fmla="*/ 0 w 184856"/>
+                <a:gd name="connsiteY3" fmla="*/ 281583 h 338544"/>
+                <a:gd name="connsiteX4" fmla="*/ 0 w 184856"/>
+                <a:gd name="connsiteY4" fmla="*/ 338545 h 338544"/>
+              </a:gdLst>
+              <a:ahLst/>
+              <a:cxnLst>
+                <a:cxn ang="0">
+                  <a:pos x="connsiteX0" y="connsiteY0"/>
+                </a:cxn>
+                <a:cxn ang="0">
+                  <a:pos x="connsiteX1" y="connsiteY1"/>
+                </a:cxn>
+                <a:cxn ang="0">
+                  <a:pos x="connsiteX2" y="connsiteY2"/>
+                </a:cxn>
+                <a:cxn ang="0">
+                  <a:pos x="connsiteX3" y="connsiteY3"/>
+                </a:cxn>
+                <a:cxn ang="0">
+                  <a:pos x="connsiteX4" y="connsiteY4"/>
+                </a:cxn>
+              </a:cxnLst>
+              <a:rect l="l" t="t" r="r" b="b"/>
+              <a:pathLst>
+                <a:path w="184856" h="338544">
+                  <a:moveTo>
+                    <a:pt x="184856" y="338545"/>
+                  </a:moveTo>
+                  <a:lnTo>
+                    <a:pt x="184856" y="0"/>
+                  </a:lnTo>
+                  <a:lnTo>
+                    <a:pt x="0" y="0"/>
+                  </a:lnTo>
+                  <a:lnTo>
+                    <a:pt x="0" y="281583"/>
+                  </a:lnTo>
+                  <a:lnTo>
+                    <a:pt x="0" y="338545"/>
+                  </a:lnTo>
+                </a:path>
+              </a:pathLst>
+            </a:custGeom>
+            <a:noFill/>
+            <a:ln w="53408" cap="sq">
+              <a:solidFill>
+                <a:srgbClr val="007C43"/>
+              </a:solidFill>
+              <a:prstDash val="solid"/>
+              <a:miter/>
+            </a:ln>
+          </p:spPr>
+          <p:txBody>
+            <a:bodyPr rtlCol="0" anchor="ctr"/>
+            <a:lstStyle/>
+            <a:p>
+              <a:endParaRPr lang="en-GB"/>
+            </a:p>
+          </p:txBody>
+        </p:sp>
+        <p:sp>
+          <p:nvSpPr>
+            <p:cNvPr id="53" name="Freeform: Shape 52">
+              <a:extLst>
+                <a:ext uri="{FF2B5EF4-FFF2-40B4-BE49-F238E27FC236}">
+                  <a16:creationId xmlns:a16="http://schemas.microsoft.com/office/drawing/2014/main" id="{C3C54D5D-963A-9097-E040-ECD84B34907A}"/>
+                </a:ext>
+              </a:extLst>
+            </p:cNvPr>
+            <p:cNvSpPr/>
+            <p:nvPr/>
+          </p:nvSpPr>
+          <p:spPr>
+            <a:xfrm>
+              <a:off x="16973695" y="9333799"/>
+              <a:ext cx="184856" cy="209575"/>
+            </a:xfrm>
+            <a:custGeom>
+              <a:avLst/>
+              <a:gdLst>
+                <a:gd name="connsiteX0" fmla="*/ 184856 w 184856"/>
+                <a:gd name="connsiteY0" fmla="*/ 209575 h 209575"/>
+                <a:gd name="connsiteX1" fmla="*/ 184856 w 184856"/>
+                <a:gd name="connsiteY1" fmla="*/ 0 h 209575"/>
+                <a:gd name="connsiteX2" fmla="*/ 0 w 184856"/>
+                <a:gd name="connsiteY2" fmla="*/ 0 h 209575"/>
+                <a:gd name="connsiteX3" fmla="*/ 0 w 184856"/>
+                <a:gd name="connsiteY3" fmla="*/ 152614 h 209575"/>
+                <a:gd name="connsiteX4" fmla="*/ 0 w 184856"/>
+                <a:gd name="connsiteY4" fmla="*/ 209575 h 209575"/>
+              </a:gdLst>
+              <a:ahLst/>
+              <a:cxnLst>
+                <a:cxn ang="0">
+                  <a:pos x="connsiteX0" y="connsiteY0"/>
+                </a:cxn>
+                <a:cxn ang="0">
+                  <a:pos x="connsiteX1" y="connsiteY1"/>
+                </a:cxn>
+                <a:cxn ang="0">
+                  <a:pos x="connsiteX2" y="connsiteY2"/>
+                </a:cxn>
+                <a:cxn ang="0">
+                  <a:pos x="connsiteX3" y="connsiteY3"/>
+                </a:cxn>
+                <a:cxn ang="0">
+                  <a:pos x="connsiteX4" y="connsiteY4"/>
+                </a:cxn>
+              </a:cxnLst>
+              <a:rect l="l" t="t" r="r" b="b"/>
+              <a:pathLst>
+                <a:path w="184856" h="209575">
+                  <a:moveTo>
+                    <a:pt x="184856" y="209575"/>
+                  </a:moveTo>
+                  <a:lnTo>
+                    <a:pt x="184856" y="0"/>
+                  </a:lnTo>
+                  <a:lnTo>
+                    <a:pt x="0" y="0"/>
+                  </a:lnTo>
+                  <a:lnTo>
+                    <a:pt x="0" y="152614"/>
+                  </a:lnTo>
+                  <a:lnTo>
+                    <a:pt x="0" y="209575"/>
+                  </a:lnTo>
+                </a:path>
+              </a:pathLst>
+            </a:custGeom>
+            <a:noFill/>
+            <a:ln w="53408" cap="sq">
+              <a:solidFill>
+                <a:srgbClr val="007C43"/>
+              </a:solidFill>
+              <a:prstDash val="solid"/>
+              <a:miter/>
+            </a:ln>
+          </p:spPr>
+          <p:txBody>
+            <a:bodyPr rtlCol="0" anchor="ctr"/>
+            <a:lstStyle/>
+            <a:p>
+              <a:endParaRPr lang="en-GB"/>
+            </a:p>
+          </p:txBody>
+        </p:sp>
+        <p:sp>
+          <p:nvSpPr>
+            <p:cNvPr id="54" name="Freeform: Shape 53">
+              <a:extLst>
+                <a:ext uri="{FF2B5EF4-FFF2-40B4-BE49-F238E27FC236}">
+                  <a16:creationId xmlns:a16="http://schemas.microsoft.com/office/drawing/2014/main" id="{3C2B4C82-5E39-64E3-4969-E59B7593D8E9}"/>
+                </a:ext>
+              </a:extLst>
+            </p:cNvPr>
+            <p:cNvSpPr/>
+            <p:nvPr/>
+          </p:nvSpPr>
+          <p:spPr>
+            <a:xfrm>
+              <a:off x="16641062" y="9436437"/>
+              <a:ext cx="184856" cy="106937"/>
+            </a:xfrm>
+            <a:custGeom>
+              <a:avLst/>
+              <a:gdLst>
+                <a:gd name="connsiteX0" fmla="*/ 184856 w 184856"/>
+                <a:gd name="connsiteY0" fmla="*/ 106937 h 106937"/>
+                <a:gd name="connsiteX1" fmla="*/ 184856 w 184856"/>
+                <a:gd name="connsiteY1" fmla="*/ 0 h 106937"/>
+                <a:gd name="connsiteX2" fmla="*/ 0 w 184856"/>
+                <a:gd name="connsiteY2" fmla="*/ 0 h 106937"/>
+                <a:gd name="connsiteX3" fmla="*/ 0 w 184856"/>
+                <a:gd name="connsiteY3" fmla="*/ 27406 h 106937"/>
+                <a:gd name="connsiteX4" fmla="*/ 0 w 184856"/>
+                <a:gd name="connsiteY4" fmla="*/ 106937 h 106937"/>
+              </a:gdLst>
+              <a:ahLst/>
+              <a:cxnLst>
+                <a:cxn ang="0">
+                  <a:pos x="connsiteX0" y="connsiteY0"/>
+                </a:cxn>
+                <a:cxn ang="0">
+                  <a:pos x="connsiteX1" y="connsiteY1"/>
+                </a:cxn>
+                <a:cxn ang="0">
+                  <a:pos x="connsiteX2" y="connsiteY2"/>
+                </a:cxn>
+                <a:cxn ang="0">
+                  <a:pos x="connsiteX3" y="connsiteY3"/>
+                </a:cxn>
+                <a:cxn ang="0">
+                  <a:pos x="connsiteX4" y="connsiteY4"/>
+                </a:cxn>
+              </a:cxnLst>
+              <a:rect l="l" t="t" r="r" b="b"/>
+              <a:pathLst>
+                <a:path w="184856" h="106937">
+                  <a:moveTo>
+                    <a:pt x="184856" y="106937"/>
+                  </a:moveTo>
+                  <a:lnTo>
+                    <a:pt x="184856" y="0"/>
+                  </a:lnTo>
+                  <a:lnTo>
+                    <a:pt x="0" y="0"/>
+                  </a:lnTo>
+                  <a:lnTo>
+                    <a:pt x="0" y="27406"/>
+                  </a:lnTo>
+                  <a:lnTo>
+                    <a:pt x="0" y="106937"/>
+                  </a:lnTo>
+                </a:path>
+              </a:pathLst>
+            </a:custGeom>
+            <a:noFill/>
+            <a:ln w="53408" cap="sq">
+              <a:solidFill>
+                <a:srgbClr val="007C43"/>
+              </a:solidFill>
+              <a:prstDash val="solid"/>
+              <a:miter/>
+            </a:ln>
+          </p:spPr>
+          <p:txBody>
+            <a:bodyPr rtlCol="0" anchor="ctr"/>
+            <a:lstStyle/>
+            <a:p>
+              <a:endParaRPr lang="en-GB"/>
+            </a:p>
+          </p:txBody>
+        </p:sp>
+        <p:sp>
+          <p:nvSpPr>
+            <p:cNvPr id="55" name="Freeform: Shape 54">
+              <a:extLst>
+                <a:ext uri="{FF2B5EF4-FFF2-40B4-BE49-F238E27FC236}">
+                  <a16:creationId xmlns:a16="http://schemas.microsoft.com/office/drawing/2014/main" id="{7E90BD7C-C367-F0FE-CBBC-16B74CDE611B}"/>
+                </a:ext>
+              </a:extLst>
+            </p:cNvPr>
+            <p:cNvSpPr/>
+            <p:nvPr/>
+          </p:nvSpPr>
+          <p:spPr>
+            <a:xfrm>
+              <a:off x="17306329" y="8805024"/>
+              <a:ext cx="184856" cy="184856"/>
+            </a:xfrm>
+            <a:custGeom>
+              <a:avLst/>
+              <a:gdLst>
+                <a:gd name="connsiteX0" fmla="*/ 184856 w 184856"/>
+                <a:gd name="connsiteY0" fmla="*/ 184856 h 184856"/>
+                <a:gd name="connsiteX1" fmla="*/ 184856 w 184856"/>
+                <a:gd name="connsiteY1" fmla="*/ 0 h 184856"/>
+                <a:gd name="connsiteX2" fmla="*/ 0 w 184856"/>
+                <a:gd name="connsiteY2" fmla="*/ 0 h 184856"/>
+              </a:gdLst>
+              <a:ahLst/>
+              <a:cxnLst>
+                <a:cxn ang="0">
+                  <a:pos x="connsiteX0" y="connsiteY0"/>
+                </a:cxn>
+                <a:cxn ang="0">
+                  <a:pos x="connsiteX1" y="connsiteY1"/>
+                </a:cxn>
+                <a:cxn ang="0">
+                  <a:pos x="connsiteX2" y="connsiteY2"/>
+                </a:cxn>
+              </a:cxnLst>
+              <a:rect l="l" t="t" r="r" b="b"/>
+              <a:pathLst>
+                <a:path w="184856" h="184856">
+                  <a:moveTo>
+                    <a:pt x="184856" y="184856"/>
+                  </a:moveTo>
+                  <a:lnTo>
+                    <a:pt x="184856" y="0"/>
+                  </a:lnTo>
+                  <a:lnTo>
+                    <a:pt x="0" y="0"/>
+                  </a:lnTo>
+                </a:path>
+              </a:pathLst>
+            </a:custGeom>
+            <a:noFill/>
+            <a:ln w="53408" cap="sq">
+              <a:solidFill>
+                <a:srgbClr val="007C43"/>
+              </a:solidFill>
+              <a:prstDash val="solid"/>
+              <a:miter/>
+            </a:ln>
+          </p:spPr>
+          <p:txBody>
+            <a:bodyPr rtlCol="0" anchor="ctr"/>
+            <a:lstStyle/>
+            <a:p>
+              <a:endParaRPr lang="en-GB"/>
+            </a:p>
+          </p:txBody>
+        </p:sp>
+        <p:sp>
+          <p:nvSpPr>
+            <p:cNvPr id="56" name="Freeform: Shape 55">
+              <a:extLst>
+                <a:ext uri="{FF2B5EF4-FFF2-40B4-BE49-F238E27FC236}">
+                  <a16:creationId xmlns:a16="http://schemas.microsoft.com/office/drawing/2014/main" id="{1A1ADCC4-1713-17EA-A5C5-AAE789C31DCC}"/>
+                </a:ext>
+              </a:extLst>
+            </p:cNvPr>
+            <p:cNvSpPr/>
+            <p:nvPr/>
+          </p:nvSpPr>
+          <p:spPr>
+            <a:xfrm>
+              <a:off x="16649122" y="8844252"/>
+              <a:ext cx="807133" cy="383146"/>
+            </a:xfrm>
+            <a:custGeom>
+              <a:avLst/>
+              <a:gdLst>
+                <a:gd name="connsiteX0" fmla="*/ 807133 w 807133"/>
+                <a:gd name="connsiteY0" fmla="*/ 0 h 383146"/>
+                <a:gd name="connsiteX1" fmla="*/ 461066 w 807133"/>
+                <a:gd name="connsiteY1" fmla="*/ 345531 h 383146"/>
+                <a:gd name="connsiteX2" fmla="*/ 249341 w 807133"/>
+                <a:gd name="connsiteY2" fmla="*/ 133806 h 383146"/>
+                <a:gd name="connsiteX3" fmla="*/ 0 w 807133"/>
+                <a:gd name="connsiteY3" fmla="*/ 383147 h 383146"/>
+              </a:gdLst>
+              <a:ahLst/>
+              <a:cxnLst>
+                <a:cxn ang="0">
+                  <a:pos x="connsiteX0" y="connsiteY0"/>
+                </a:cxn>
+                <a:cxn ang="0">
+                  <a:pos x="connsiteX1" y="connsiteY1"/>
+                </a:cxn>
+                <a:cxn ang="0">
+                  <a:pos x="connsiteX2" y="connsiteY2"/>
+                </a:cxn>
+                <a:cxn ang="0">
+                  <a:pos x="connsiteX3" y="connsiteY3"/>
+                </a:cxn>
+              </a:cxnLst>
+              <a:rect l="l" t="t" r="r" b="b"/>
+              <a:pathLst>
+                <a:path w="807133" h="383146">
+                  <a:moveTo>
+                    <a:pt x="807133" y="0"/>
+                  </a:moveTo>
+                  <a:lnTo>
+                    <a:pt x="461066" y="345531"/>
+                  </a:lnTo>
+                  <a:lnTo>
+                    <a:pt x="249341" y="133806"/>
+                  </a:lnTo>
+                  <a:lnTo>
+                    <a:pt x="0" y="383147"/>
+                  </a:lnTo>
+                </a:path>
+              </a:pathLst>
+            </a:custGeom>
+            <a:noFill/>
+            <a:ln w="53408" cap="sq">
+              <a:solidFill>
+                <a:srgbClr val="007C43"/>
+              </a:solidFill>
+              <a:prstDash val="solid"/>
+              <a:miter/>
+            </a:ln>
+          </p:spPr>
+          <p:txBody>
+            <a:bodyPr rtlCol="0" anchor="ctr"/>
+            <a:lstStyle/>
+            <a:p>
+              <a:endParaRPr lang="en-GB"/>
+            </a:p>
+          </p:txBody>
+        </p:sp>
+      </p:grpSp>
+      <p:sp>
+        <p:nvSpPr>
+          <p:cNvPr id="31" name="Text Placeholder 28">
+            <a:extLst>
+              <a:ext uri="{FF2B5EF4-FFF2-40B4-BE49-F238E27FC236}">
+                <a16:creationId xmlns:a16="http://schemas.microsoft.com/office/drawing/2014/main" id="{0E676A24-F83D-2CB4-F05B-10FAECBF8C3A}"/>
+              </a:ext>
+            </a:extLst>
+          </p:cNvPr>
+          <p:cNvSpPr txBox="1">
+            <a:spLocks/>
+          </p:cNvSpPr>
+          <p:nvPr/>
+        </p:nvSpPr>
+        <p:spPr>
+          <a:xfrm>
+            <a:off x="6991305" y="5267427"/>
+            <a:ext cx="1878056" cy="458787"/>
+          </a:xfrm>
+          <a:prstGeom prst="rect">
+            <a:avLst/>
+          </a:prstGeom>
+        </p:spPr>
+        <p:txBody>
+          <a:bodyPr/>
+          <a:lstStyle>
+            <a:lvl1pPr marL="0">
+              <a:defRPr>
+                <a:latin typeface="+mn-lt"/>
+                <a:ea typeface="+mn-ea"/>
+                <a:cs typeface="+mn-cs"/>
+              </a:defRPr>
+            </a:lvl1pPr>
+            <a:lvl2pPr marL="457246">
+              <a:defRPr>
+                <a:latin typeface="+mn-lt"/>
+                <a:ea typeface="+mn-ea"/>
+                <a:cs typeface="+mn-cs"/>
+              </a:defRPr>
+            </a:lvl2pPr>
+            <a:lvl3pPr marL="914491">
+              <a:defRPr>
+                <a:latin typeface="+mn-lt"/>
+                <a:ea typeface="+mn-ea"/>
+                <a:cs typeface="+mn-cs"/>
+              </a:defRPr>
+            </a:lvl3pPr>
+            <a:lvl4pPr marL="1371737">
+              <a:defRPr>
+                <a:latin typeface="+mn-lt"/>
+                <a:ea typeface="+mn-ea"/>
+                <a:cs typeface="+mn-cs"/>
+              </a:defRPr>
+            </a:lvl4pPr>
+            <a:lvl5pPr marL="1828983">
+              <a:defRPr>
+                <a:latin typeface="+mn-lt"/>
+                <a:ea typeface="+mn-ea"/>
+                <a:cs typeface="+mn-cs"/>
+              </a:defRPr>
+            </a:lvl5pPr>
+            <a:lvl6pPr marL="2286229">
+              <a:defRPr>
+                <a:latin typeface="+mn-lt"/>
+                <a:ea typeface="+mn-ea"/>
+                <a:cs typeface="+mn-cs"/>
+              </a:defRPr>
+            </a:lvl6pPr>
+            <a:lvl7pPr marL="2743474">
+              <a:defRPr>
+                <a:latin typeface="+mn-lt"/>
+                <a:ea typeface="+mn-ea"/>
+                <a:cs typeface="+mn-cs"/>
+              </a:defRPr>
+            </a:lvl7pPr>
+            <a:lvl8pPr marL="3200720">
+              <a:defRPr>
+                <a:latin typeface="+mn-lt"/>
+                <a:ea typeface="+mn-ea"/>
+                <a:cs typeface="+mn-cs"/>
+              </a:defRPr>
+            </a:lvl8pPr>
+            <a:lvl9pPr marL="3657966">
+              <a:defRPr>
+                <a:latin typeface="+mn-lt"/>
+                <a:ea typeface="+mn-ea"/>
+                <a:cs typeface="+mn-cs"/>
+              </a:defRPr>
+            </a:lvl9pPr>
+          </a:lstStyle>
+          <a:p>
+            <a:pPr algn="ctr"/>
+            <a:r>
+              <a:rPr lang="en-US" sz="2400" b="1" dirty="0" err="1">
+                <a:latin typeface="Poppins" panose="00000500000000000000" pitchFamily="2" charset="0"/>
+                <a:cs typeface="Poppins" panose="00000500000000000000" pitchFamily="2" charset="0"/>
+              </a:rPr>
+              <a:t>Scalablity</a:t>
+            </a:r>
+            <a:endParaRPr lang="en-US" sz="2400" b="1" dirty="0">
+              <a:latin typeface="Poppins" panose="00000500000000000000" pitchFamily="2" charset="0"/>
+              <a:cs typeface="Poppins" panose="00000500000000000000" pitchFamily="2" charset="0"/>
+            </a:endParaRPr>
+          </a:p>
+        </p:txBody>
+      </p:sp>
+      <p:sp>
+        <p:nvSpPr>
+          <p:cNvPr id="59" name="Text Placeholder 18">
+            <a:extLst>
+              <a:ext uri="{FF2B5EF4-FFF2-40B4-BE49-F238E27FC236}">
+                <a16:creationId xmlns:a16="http://schemas.microsoft.com/office/drawing/2014/main" id="{E2073CE8-1CAE-92E3-1F37-7D5CBC52E733}"/>
+              </a:ext>
+            </a:extLst>
+          </p:cNvPr>
+          <p:cNvSpPr txBox="1">
+            <a:spLocks/>
+          </p:cNvSpPr>
+          <p:nvPr/>
+        </p:nvSpPr>
+        <p:spPr>
+          <a:xfrm>
+            <a:off x="9062934" y="4142036"/>
+            <a:ext cx="3405341" cy="694421"/>
+          </a:xfrm>
+          <a:prstGeom prst="rect">
+            <a:avLst/>
+          </a:prstGeom>
+        </p:spPr>
+        <p:txBody>
+          <a:bodyPr/>
+          <a:lstStyle>
+            <a:lvl1pPr marL="0">
+              <a:defRPr>
+                <a:latin typeface="+mn-lt"/>
+                <a:ea typeface="+mn-ea"/>
+                <a:cs typeface="+mn-cs"/>
+              </a:defRPr>
+            </a:lvl1pPr>
+            <a:lvl2pPr marL="457246">
+              <a:defRPr>
+                <a:latin typeface="+mn-lt"/>
+                <a:ea typeface="+mn-ea"/>
+                <a:cs typeface="+mn-cs"/>
+              </a:defRPr>
+            </a:lvl2pPr>
+            <a:lvl3pPr marL="914491">
+              <a:defRPr>
+                <a:latin typeface="+mn-lt"/>
+                <a:ea typeface="+mn-ea"/>
+                <a:cs typeface="+mn-cs"/>
+              </a:defRPr>
+            </a:lvl3pPr>
+            <a:lvl4pPr marL="1371737">
+              <a:defRPr>
+                <a:latin typeface="+mn-lt"/>
+                <a:ea typeface="+mn-ea"/>
+                <a:cs typeface="+mn-cs"/>
+              </a:defRPr>
+            </a:lvl4pPr>
+            <a:lvl5pPr marL="1828983">
+              <a:defRPr>
+                <a:latin typeface="+mn-lt"/>
+                <a:ea typeface="+mn-ea"/>
+                <a:cs typeface="+mn-cs"/>
+              </a:defRPr>
+            </a:lvl5pPr>
+            <a:lvl6pPr marL="2286229">
+              <a:defRPr>
+                <a:latin typeface="+mn-lt"/>
+                <a:ea typeface="+mn-ea"/>
+                <a:cs typeface="+mn-cs"/>
+              </a:defRPr>
+            </a:lvl6pPr>
+            <a:lvl7pPr marL="2743474">
+              <a:defRPr>
+                <a:latin typeface="+mn-lt"/>
+                <a:ea typeface="+mn-ea"/>
+                <a:cs typeface="+mn-cs"/>
+              </a:defRPr>
+            </a:lvl7pPr>
+            <a:lvl8pPr marL="3200720">
+              <a:defRPr>
+                <a:latin typeface="+mn-lt"/>
+                <a:ea typeface="+mn-ea"/>
+                <a:cs typeface="+mn-cs"/>
+              </a:defRPr>
+            </a:lvl8pPr>
+            <a:lvl9pPr marL="3657966">
+              <a:defRPr>
+                <a:latin typeface="+mn-lt"/>
+                <a:ea typeface="+mn-ea"/>
+                <a:cs typeface="+mn-cs"/>
+              </a:defRPr>
+            </a:lvl9pPr>
+          </a:lstStyle>
+          <a:p>
+            <a:r>
+              <a:rPr lang="en-US" sz="2200" dirty="0">
+                <a:latin typeface="Poppins Medium" panose="00000600000000000000" pitchFamily="2" charset="0"/>
+                <a:cs typeface="Poppins Medium" panose="00000600000000000000" pitchFamily="2" charset="0"/>
+              </a:rPr>
+              <a:t>Storage and infrastructure can be scaled up or down to meet demand.</a:t>
+            </a:r>
+            <a:endParaRPr lang="en-GB" sz="2200" dirty="0">
+              <a:latin typeface="Poppins Medium" panose="00000600000000000000" pitchFamily="2" charset="0"/>
+              <a:cs typeface="Poppins Medium" panose="00000600000000000000" pitchFamily="2" charset="0"/>
+            </a:endParaRPr>
+          </a:p>
+        </p:txBody>
+      </p:sp>
+      <p:cxnSp>
+        <p:nvCxnSpPr>
+          <p:cNvPr id="57" name="Straight Connector 56">
+            <a:extLst>
+              <a:ext uri="{FF2B5EF4-FFF2-40B4-BE49-F238E27FC236}">
+                <a16:creationId xmlns:a16="http://schemas.microsoft.com/office/drawing/2014/main" id="{1F90B66A-52AC-50FF-7896-3B09B7A617F2}"/>
+              </a:ext>
+              <a:ext uri="{C183D7F6-B498-43B3-948B-1728B52AA6E4}">
+                <adec:decorative xmlns:adec="http://schemas.microsoft.com/office/drawing/2017/decorative" val="1"/>
+              </a:ext>
+            </a:extLst>
+          </p:cNvPr>
+          <p:cNvCxnSpPr/>
+          <p:nvPr/>
+        </p:nvCxnSpPr>
+        <p:spPr>
+          <a:xfrm>
+            <a:off x="7046033" y="6035675"/>
+            <a:ext cx="5962650" cy="0"/>
+          </a:xfrm>
+          <a:prstGeom prst="line">
+            <a:avLst/>
+          </a:prstGeom>
+          <a:ln>
+            <a:solidFill>
+              <a:srgbClr val="383738"/>
+            </a:solidFill>
+          </a:ln>
+        </p:spPr>
+        <p:style>
+          <a:lnRef idx="1">
+            <a:schemeClr val="accent1"/>
+          </a:lnRef>
+          <a:fillRef idx="0">
+            <a:schemeClr val="accent1"/>
+          </a:fillRef>
+          <a:effectRef idx="0">
+            <a:schemeClr val="accent1"/>
+          </a:effectRef>
+          <a:fontRef idx="minor">
+            <a:schemeClr val="tx1"/>
+          </a:fontRef>
+        </p:style>
+      </p:cxnSp>
+      <p:grpSp>
+        <p:nvGrpSpPr>
+          <p:cNvPr id="42" name="Group 41" descr="magnified glass icon ">
+            <a:extLst>
+              <a:ext uri="{FF2B5EF4-FFF2-40B4-BE49-F238E27FC236}">
+                <a16:creationId xmlns:a16="http://schemas.microsoft.com/office/drawing/2014/main" id="{4B5512E8-502C-C983-34FB-F7D51E063FFE}"/>
+              </a:ext>
+            </a:extLst>
+          </p:cNvPr>
+          <p:cNvGrpSpPr/>
+          <p:nvPr/>
+        </p:nvGrpSpPr>
+        <p:grpSpPr>
+          <a:xfrm>
+            <a:off x="7436805" y="6662456"/>
+            <a:ext cx="686636" cy="741040"/>
+            <a:chOff x="1199506" y="3418381"/>
+            <a:chExt cx="686636" cy="741040"/>
+          </a:xfrm>
+        </p:grpSpPr>
+        <p:sp>
+          <p:nvSpPr>
+            <p:cNvPr id="43" name="Freeform: Shape 42">
+              <a:extLst>
+                <a:ext uri="{FF2B5EF4-FFF2-40B4-BE49-F238E27FC236}">
+                  <a16:creationId xmlns:a16="http://schemas.microsoft.com/office/drawing/2014/main" id="{6340AB42-D05F-09CF-8FDB-836E2535CAA3}"/>
+                </a:ext>
+              </a:extLst>
+            </p:cNvPr>
+            <p:cNvSpPr/>
+            <p:nvPr/>
+          </p:nvSpPr>
+          <p:spPr>
+            <a:xfrm>
+              <a:off x="1199506" y="3418381"/>
+              <a:ext cx="560856" cy="560856"/>
+            </a:xfrm>
+            <a:custGeom>
+              <a:avLst/>
+              <a:gdLst>
+                <a:gd name="connsiteX0" fmla="*/ 558292 w 560856"/>
+                <a:gd name="connsiteY0" fmla="*/ 558292 h 560856"/>
+                <a:gd name="connsiteX1" fmla="*/ 479635 w 560856"/>
+                <a:gd name="connsiteY1" fmla="*/ 477498 h 560856"/>
+                <a:gd name="connsiteX2" fmla="*/ 560857 w 560856"/>
+                <a:gd name="connsiteY2" fmla="*/ 280428 h 560856"/>
+                <a:gd name="connsiteX3" fmla="*/ 280428 w 560856"/>
+                <a:gd name="connsiteY3" fmla="*/ 0 h 560856"/>
+                <a:gd name="connsiteX4" fmla="*/ 0 w 560856"/>
+                <a:gd name="connsiteY4" fmla="*/ 280428 h 560856"/>
+                <a:gd name="connsiteX5" fmla="*/ 280428 w 560856"/>
+                <a:gd name="connsiteY5" fmla="*/ 560857 h 560856"/>
+                <a:gd name="connsiteX6" fmla="*/ 396703 w 560856"/>
+                <a:gd name="connsiteY6" fmla="*/ 535635 h 560856"/>
+              </a:gdLst>
+              <a:ahLst/>
+              <a:cxnLst>
+                <a:cxn ang="0">
+                  <a:pos x="connsiteX0" y="connsiteY0"/>
+                </a:cxn>
+                <a:cxn ang="0">
+                  <a:pos x="connsiteX1" y="connsiteY1"/>
+                </a:cxn>
+                <a:cxn ang="0">
+                  <a:pos x="connsiteX2" y="connsiteY2"/>
+                </a:cxn>
+                <a:cxn ang="0">
+                  <a:pos x="connsiteX3" y="connsiteY3"/>
+                </a:cxn>
+                <a:cxn ang="0">
+                  <a:pos x="connsiteX4" y="connsiteY4"/>
+                </a:cxn>
+                <a:cxn ang="0">
+                  <a:pos x="connsiteX5" y="connsiteY5"/>
+                </a:cxn>
+                <a:cxn ang="0">
+                  <a:pos x="connsiteX6" y="connsiteY6"/>
+                </a:cxn>
+              </a:cxnLst>
+              <a:rect l="l" t="t" r="r" b="b"/>
+              <a:pathLst>
+                <a:path w="560856" h="560856">
+                  <a:moveTo>
+                    <a:pt x="558292" y="558292"/>
+                  </a:moveTo>
+                  <a:lnTo>
+                    <a:pt x="479635" y="477498"/>
+                  </a:lnTo>
+                  <a:cubicBezTo>
+                    <a:pt x="529650" y="427055"/>
+                    <a:pt x="560857" y="357375"/>
+                    <a:pt x="560857" y="280428"/>
+                  </a:cubicBezTo>
+                  <a:cubicBezTo>
+                    <a:pt x="560857" y="125680"/>
+                    <a:pt x="435177" y="0"/>
+                    <a:pt x="280428" y="0"/>
+                  </a:cubicBezTo>
+                  <a:cubicBezTo>
+                    <a:pt x="125680" y="0"/>
+                    <a:pt x="0" y="125680"/>
+                    <a:pt x="0" y="280428"/>
+                  </a:cubicBezTo>
+                  <a:cubicBezTo>
+                    <a:pt x="0" y="435177"/>
+                    <a:pt x="125680" y="560857"/>
+                    <a:pt x="280428" y="560857"/>
+                  </a:cubicBezTo>
+                  <a:cubicBezTo>
+                    <a:pt x="321894" y="560857"/>
+                    <a:pt x="361222" y="551880"/>
+                    <a:pt x="396703" y="535635"/>
+                  </a:cubicBezTo>
+                </a:path>
+              </a:pathLst>
+            </a:custGeom>
+            <a:noFill/>
+            <a:ln w="47625" cap="flat">
+              <a:solidFill>
+                <a:srgbClr val="007C43"/>
+              </a:solidFill>
+              <a:prstDash val="solid"/>
+              <a:miter/>
+            </a:ln>
+          </p:spPr>
+          <p:txBody>
+            <a:bodyPr rtlCol="0" anchor="ctr"/>
+            <a:lstStyle/>
+            <a:p>
+              <a:endParaRPr lang="en-GB"/>
+            </a:p>
+          </p:txBody>
+        </p:sp>
+        <p:sp>
+          <p:nvSpPr>
+            <p:cNvPr id="44" name="Freeform: Shape 43">
+              <a:extLst>
+                <a:ext uri="{FF2B5EF4-FFF2-40B4-BE49-F238E27FC236}">
+                  <a16:creationId xmlns:a16="http://schemas.microsoft.com/office/drawing/2014/main" id="{74C5E483-A4BA-3378-34FE-60D5526CA779}"/>
+                </a:ext>
+              </a:extLst>
+            </p:cNvPr>
+            <p:cNvSpPr/>
+            <p:nvPr/>
+          </p:nvSpPr>
+          <p:spPr>
+            <a:xfrm rot="18900000">
+              <a:off x="1781409" y="3945253"/>
+              <a:ext cx="104733" cy="214168"/>
+            </a:xfrm>
+            <a:custGeom>
+              <a:avLst/>
+              <a:gdLst>
+                <a:gd name="connsiteX0" fmla="*/ 0 w 104733"/>
+                <a:gd name="connsiteY0" fmla="*/ 0 h 214168"/>
+                <a:gd name="connsiteX1" fmla="*/ 104733 w 104733"/>
+                <a:gd name="connsiteY1" fmla="*/ 0 h 214168"/>
+                <a:gd name="connsiteX2" fmla="*/ 104733 w 104733"/>
+                <a:gd name="connsiteY2" fmla="*/ 214169 h 214168"/>
+                <a:gd name="connsiteX3" fmla="*/ 0 w 104733"/>
+                <a:gd name="connsiteY3" fmla="*/ 214169 h 214168"/>
+              </a:gdLst>
+              <a:ahLst/>
+              <a:cxnLst>
+                <a:cxn ang="0">
+                  <a:pos x="connsiteX0" y="connsiteY0"/>
+                </a:cxn>
+                <a:cxn ang="0">
+                  <a:pos x="connsiteX1" y="connsiteY1"/>
+                </a:cxn>
+                <a:cxn ang="0">
+                  <a:pos x="connsiteX2" y="connsiteY2"/>
+                </a:cxn>
+                <a:cxn ang="0">
+                  <a:pos x="connsiteX3" y="connsiteY3"/>
+                </a:cxn>
+              </a:cxnLst>
+              <a:rect l="l" t="t" r="r" b="b"/>
+              <a:pathLst>
+                <a:path w="104733" h="214168">
+                  <a:moveTo>
+                    <a:pt x="0" y="0"/>
+                  </a:moveTo>
+                  <a:lnTo>
+                    <a:pt x="104733" y="0"/>
+                  </a:lnTo>
+                  <a:lnTo>
+                    <a:pt x="104733" y="214169"/>
+                  </a:lnTo>
+                  <a:lnTo>
+                    <a:pt x="0" y="214169"/>
+                  </a:lnTo>
+                  <a:close/>
+                </a:path>
+              </a:pathLst>
+            </a:custGeom>
+            <a:noFill/>
+            <a:ln w="47625" cap="sq">
+              <a:solidFill>
+                <a:srgbClr val="007C43"/>
+              </a:solidFill>
+              <a:prstDash val="solid"/>
+              <a:miter/>
+            </a:ln>
+          </p:spPr>
+          <p:txBody>
+            <a:bodyPr rtlCol="0" anchor="ctr"/>
+            <a:lstStyle/>
+            <a:p>
+              <a:endParaRPr lang="en-GB"/>
+            </a:p>
+          </p:txBody>
+        </p:sp>
+        <p:sp>
+          <p:nvSpPr>
+            <p:cNvPr id="45" name="Freeform: Shape 44">
+              <a:extLst>
+                <a:ext uri="{FF2B5EF4-FFF2-40B4-BE49-F238E27FC236}">
+                  <a16:creationId xmlns:a16="http://schemas.microsoft.com/office/drawing/2014/main" id="{DD9C1CF8-BE85-5BDB-620B-4B572164912F}"/>
+                </a:ext>
+              </a:extLst>
+            </p:cNvPr>
+            <p:cNvSpPr/>
+            <p:nvPr/>
+          </p:nvSpPr>
+          <p:spPr>
+            <a:xfrm>
+              <a:off x="1479935" y="3519267"/>
+              <a:ext cx="179542" cy="179542"/>
+            </a:xfrm>
+            <a:custGeom>
+              <a:avLst/>
+              <a:gdLst>
+                <a:gd name="connsiteX0" fmla="*/ 179542 w 179542"/>
+                <a:gd name="connsiteY0" fmla="*/ 179543 h 179542"/>
+                <a:gd name="connsiteX1" fmla="*/ 0 w 179542"/>
+                <a:gd name="connsiteY1" fmla="*/ 0 h 179542"/>
+              </a:gdLst>
+              <a:ahLst/>
+              <a:cxnLst>
+                <a:cxn ang="0">
+                  <a:pos x="connsiteX0" y="connsiteY0"/>
+                </a:cxn>
+                <a:cxn ang="0">
+                  <a:pos x="connsiteX1" y="connsiteY1"/>
+                </a:cxn>
+              </a:cxnLst>
+              <a:rect l="l" t="t" r="r" b="b"/>
+              <a:pathLst>
+                <a:path w="179542" h="179542">
+                  <a:moveTo>
+                    <a:pt x="179542" y="179543"/>
+                  </a:moveTo>
+                  <a:cubicBezTo>
+                    <a:pt x="179542" y="80367"/>
+                    <a:pt x="99176" y="0"/>
+                    <a:pt x="0" y="0"/>
+                  </a:cubicBezTo>
+                </a:path>
+              </a:pathLst>
+            </a:custGeom>
+            <a:noFill/>
+            <a:ln w="47625" cap="flat">
+              <a:solidFill>
+                <a:srgbClr val="007C43"/>
+              </a:solidFill>
+              <a:prstDash val="solid"/>
+              <a:round/>
+            </a:ln>
+          </p:spPr>
+          <p:txBody>
+            <a:bodyPr rtlCol="0" anchor="ctr"/>
+            <a:lstStyle/>
+            <a:p>
+              <a:endParaRPr lang="en-GB"/>
+            </a:p>
+          </p:txBody>
+        </p:sp>
+      </p:grpSp>
+      <p:sp>
+        <p:nvSpPr>
+          <p:cNvPr id="32" name="Text Placeholder 30">
+            <a:extLst>
+              <a:ext uri="{FF2B5EF4-FFF2-40B4-BE49-F238E27FC236}">
+                <a16:creationId xmlns:a16="http://schemas.microsoft.com/office/drawing/2014/main" id="{F42E37B5-5341-D5C2-9D68-0E17ED7798A5}"/>
+              </a:ext>
+            </a:extLst>
+          </p:cNvPr>
+          <p:cNvSpPr txBox="1">
+            <a:spLocks/>
+          </p:cNvSpPr>
+          <p:nvPr/>
+        </p:nvSpPr>
+        <p:spPr>
+          <a:xfrm>
+            <a:off x="6933449" y="10224437"/>
+            <a:ext cx="1993768" cy="458787"/>
+          </a:xfrm>
+          <a:prstGeom prst="rect">
+            <a:avLst/>
+          </a:prstGeom>
+        </p:spPr>
+        <p:txBody>
+          <a:bodyPr/>
+          <a:lstStyle>
+            <a:lvl1pPr marL="0">
+              <a:defRPr>
+                <a:latin typeface="+mn-lt"/>
+                <a:ea typeface="+mn-ea"/>
+                <a:cs typeface="+mn-cs"/>
+              </a:defRPr>
+            </a:lvl1pPr>
+            <a:lvl2pPr marL="457246">
+              <a:defRPr>
+                <a:latin typeface="+mn-lt"/>
+                <a:ea typeface="+mn-ea"/>
+                <a:cs typeface="+mn-cs"/>
+              </a:defRPr>
+            </a:lvl2pPr>
+            <a:lvl3pPr marL="914491">
+              <a:defRPr>
+                <a:latin typeface="+mn-lt"/>
+                <a:ea typeface="+mn-ea"/>
+                <a:cs typeface="+mn-cs"/>
+              </a:defRPr>
+            </a:lvl3pPr>
+            <a:lvl4pPr marL="1371737">
+              <a:defRPr>
+                <a:latin typeface="+mn-lt"/>
+                <a:ea typeface="+mn-ea"/>
+                <a:cs typeface="+mn-cs"/>
+              </a:defRPr>
+            </a:lvl4pPr>
+            <a:lvl5pPr marL="1828983">
+              <a:defRPr>
+                <a:latin typeface="+mn-lt"/>
+                <a:ea typeface="+mn-ea"/>
+                <a:cs typeface="+mn-cs"/>
+              </a:defRPr>
+            </a:lvl5pPr>
+            <a:lvl6pPr marL="2286229">
+              <a:defRPr>
+                <a:latin typeface="+mn-lt"/>
+                <a:ea typeface="+mn-ea"/>
+                <a:cs typeface="+mn-cs"/>
+              </a:defRPr>
+            </a:lvl6pPr>
+            <a:lvl7pPr marL="2743474">
+              <a:defRPr>
+                <a:latin typeface="+mn-lt"/>
+                <a:ea typeface="+mn-ea"/>
+                <a:cs typeface="+mn-cs"/>
+              </a:defRPr>
+            </a:lvl7pPr>
+            <a:lvl8pPr marL="3200720">
+              <a:defRPr>
+                <a:latin typeface="+mn-lt"/>
+                <a:ea typeface="+mn-ea"/>
+                <a:cs typeface="+mn-cs"/>
+              </a:defRPr>
+            </a:lvl8pPr>
+            <a:lvl9pPr marL="3657966">
+              <a:defRPr>
+                <a:latin typeface="+mn-lt"/>
+                <a:ea typeface="+mn-ea"/>
+                <a:cs typeface="+mn-cs"/>
+              </a:defRPr>
+            </a:lvl9pPr>
+          </a:lstStyle>
+          <a:p>
+            <a:pPr algn="ctr"/>
+            <a:r>
+              <a:rPr lang="en-US" sz="2400" b="1" dirty="0">
+                <a:latin typeface="Poppins" panose="00000500000000000000" pitchFamily="2" charset="0"/>
+                <a:cs typeface="Poppins" panose="00000500000000000000" pitchFamily="2" charset="0"/>
+              </a:rPr>
+              <a:t>Integration</a:t>
+            </a:r>
+            <a:endParaRPr lang="en-GB" sz="2400" b="1" dirty="0">
+              <a:latin typeface="Poppins" panose="00000500000000000000" pitchFamily="2" charset="0"/>
+              <a:cs typeface="Poppins" panose="00000500000000000000" pitchFamily="2" charset="0"/>
+            </a:endParaRPr>
+          </a:p>
+        </p:txBody>
+      </p:sp>
+      <p:sp>
+        <p:nvSpPr>
+          <p:cNvPr id="60" name="Text Placeholder 21">
+            <a:extLst>
+              <a:ext uri="{FF2B5EF4-FFF2-40B4-BE49-F238E27FC236}">
+                <a16:creationId xmlns:a16="http://schemas.microsoft.com/office/drawing/2014/main" id="{E8263BC1-10A5-6B3B-6D44-90349EE77114}"/>
+              </a:ext>
+            </a:extLst>
+          </p:cNvPr>
+          <p:cNvSpPr txBox="1">
+            <a:spLocks/>
+          </p:cNvSpPr>
+          <p:nvPr/>
+        </p:nvSpPr>
+        <p:spPr>
+          <a:xfrm>
+            <a:off x="9142596" y="7018183"/>
+            <a:ext cx="3406140" cy="694421"/>
+          </a:xfrm>
+          <a:prstGeom prst="rect">
+            <a:avLst/>
+          </a:prstGeom>
+        </p:spPr>
+        <p:txBody>
+          <a:bodyPr/>
+          <a:lstStyle>
+            <a:lvl1pPr marL="0">
+              <a:defRPr>
+                <a:latin typeface="+mn-lt"/>
+                <a:ea typeface="+mn-ea"/>
+                <a:cs typeface="+mn-cs"/>
+              </a:defRPr>
+            </a:lvl1pPr>
+            <a:lvl2pPr marL="457246">
+              <a:defRPr>
+                <a:latin typeface="+mn-lt"/>
+                <a:ea typeface="+mn-ea"/>
+                <a:cs typeface="+mn-cs"/>
+              </a:defRPr>
+            </a:lvl2pPr>
+            <a:lvl3pPr marL="914491">
+              <a:defRPr>
+                <a:latin typeface="+mn-lt"/>
+                <a:ea typeface="+mn-ea"/>
+                <a:cs typeface="+mn-cs"/>
+              </a:defRPr>
+            </a:lvl3pPr>
+            <a:lvl4pPr marL="1371737">
+              <a:defRPr>
+                <a:latin typeface="+mn-lt"/>
+                <a:ea typeface="+mn-ea"/>
+                <a:cs typeface="+mn-cs"/>
+              </a:defRPr>
+            </a:lvl4pPr>
+            <a:lvl5pPr marL="1828983">
+              <a:defRPr>
+                <a:latin typeface="+mn-lt"/>
+                <a:ea typeface="+mn-ea"/>
+                <a:cs typeface="+mn-cs"/>
+              </a:defRPr>
+            </a:lvl5pPr>
+            <a:lvl6pPr marL="2286229">
+              <a:defRPr>
+                <a:latin typeface="+mn-lt"/>
+                <a:ea typeface="+mn-ea"/>
+                <a:cs typeface="+mn-cs"/>
+              </a:defRPr>
+            </a:lvl6pPr>
+            <a:lvl7pPr marL="2743474">
+              <a:defRPr>
+                <a:latin typeface="+mn-lt"/>
+                <a:ea typeface="+mn-ea"/>
+                <a:cs typeface="+mn-cs"/>
+              </a:defRPr>
+            </a:lvl7pPr>
+            <a:lvl8pPr marL="3200720">
+              <a:defRPr>
+                <a:latin typeface="+mn-lt"/>
+                <a:ea typeface="+mn-ea"/>
+                <a:cs typeface="+mn-cs"/>
+              </a:defRPr>
+            </a:lvl8pPr>
+            <a:lvl9pPr marL="3657966">
+              <a:defRPr>
+                <a:latin typeface="+mn-lt"/>
+                <a:ea typeface="+mn-ea"/>
+                <a:cs typeface="+mn-cs"/>
+              </a:defRPr>
+            </a:lvl9pPr>
+          </a:lstStyle>
+          <a:p>
+            <a:endParaRPr lang="en-GB" sz="2200" dirty="0">
+              <a:latin typeface="Poppins Medium" panose="00000600000000000000" pitchFamily="2" charset="0"/>
+              <a:cs typeface="Poppins Medium" panose="00000600000000000000" pitchFamily="2" charset="0"/>
+            </a:endParaRPr>
+          </a:p>
+        </p:txBody>
+      </p:sp>
+      <p:cxnSp>
+        <p:nvCxnSpPr>
+          <p:cNvPr id="58" name="Straight Connector 57">
+            <a:extLst>
+              <a:ext uri="{FF2B5EF4-FFF2-40B4-BE49-F238E27FC236}">
+                <a16:creationId xmlns:a16="http://schemas.microsoft.com/office/drawing/2014/main" id="{C1C6F731-4584-23ED-44E7-02BC9E3DDE33}"/>
+              </a:ext>
+              <a:ext uri="{C183D7F6-B498-43B3-948B-1728B52AA6E4}">
+                <adec:decorative xmlns:adec="http://schemas.microsoft.com/office/drawing/2017/decorative" val="1"/>
+              </a:ext>
+            </a:extLst>
+          </p:cNvPr>
+          <p:cNvCxnSpPr/>
+          <p:nvPr/>
+        </p:nvCxnSpPr>
+        <p:spPr>
+          <a:xfrm>
+            <a:off x="6984329" y="8626475"/>
+            <a:ext cx="5962650" cy="0"/>
+          </a:xfrm>
+          <a:prstGeom prst="line">
+            <a:avLst/>
+          </a:prstGeom>
+          <a:ln>
+            <a:solidFill>
+              <a:srgbClr val="383738"/>
+            </a:solidFill>
+          </a:ln>
+        </p:spPr>
+        <p:style>
+          <a:lnRef idx="1">
+            <a:schemeClr val="accent1"/>
+          </a:lnRef>
+          <a:fillRef idx="0">
+            <a:schemeClr val="accent1"/>
+          </a:fillRef>
+          <a:effectRef idx="0">
+            <a:schemeClr val="accent1"/>
+          </a:effectRef>
+          <a:fontRef idx="minor">
+            <a:schemeClr val="tx1"/>
+          </a:fontRef>
+        </p:style>
+      </p:cxnSp>
+      <p:pic>
+        <p:nvPicPr>
+          <p:cNvPr id="34" name="Graphic 33" descr="Laptop icon">
+            <a:extLst>
+              <a:ext uri="{FF2B5EF4-FFF2-40B4-BE49-F238E27FC236}">
+                <a16:creationId xmlns:a16="http://schemas.microsoft.com/office/drawing/2014/main" id="{7D3F1E5B-3B23-4013-67D6-ECBB6E323C37}"/>
+              </a:ext>
+            </a:extLst>
+          </p:cNvPr>
+          <p:cNvPicPr>
+            <a:picLocks noChangeAspect="1"/>
+          </p:cNvPicPr>
+          <p:nvPr/>
+        </p:nvPicPr>
+        <p:blipFill>
+          <a:blip r:embed="rId3" cstate="print">
+            <a:extLst>
+              <a:ext uri="{28A0092B-C50C-407E-A947-70E740481C1C}">
+                <a14:useLocalDpi xmlns:a14="http://schemas.microsoft.com/office/drawing/2010/main" val="0"/>
+              </a:ext>
+              <a:ext uri="{96DAC541-7B7A-43D3-8B79-37D633B846F1}">
+                <asvg:svgBlip xmlns:asvg="http://schemas.microsoft.com/office/drawing/2016/SVG/main" r:embed="rId4"/>
+              </a:ext>
+            </a:extLst>
+          </a:blip>
+          <a:stretch>
+            <a:fillRect/>
+          </a:stretch>
+        </p:blipFill>
+        <p:spPr>
+          <a:xfrm>
+            <a:off x="7244020" y="9136835"/>
+            <a:ext cx="1223465" cy="1064130"/>
+          </a:xfrm>
+          <a:prstGeom prst="rect">
+            <a:avLst/>
+          </a:prstGeom>
+        </p:spPr>
+      </p:pic>
+      <p:sp>
+        <p:nvSpPr>
+          <p:cNvPr id="33" name="Text Placeholder 15">
+            <a:extLst>
+              <a:ext uri="{FF2B5EF4-FFF2-40B4-BE49-F238E27FC236}">
+                <a16:creationId xmlns:a16="http://schemas.microsoft.com/office/drawing/2014/main" id="{4B122A82-3998-053A-3CF6-6F96FEBFEBCA}"/>
+              </a:ext>
+            </a:extLst>
+          </p:cNvPr>
+          <p:cNvSpPr txBox="1">
+            <a:spLocks/>
+          </p:cNvSpPr>
+          <p:nvPr/>
+        </p:nvSpPr>
+        <p:spPr>
+          <a:xfrm>
+            <a:off x="7016464" y="7535372"/>
+            <a:ext cx="1749837" cy="458787"/>
+          </a:xfrm>
+          <a:prstGeom prst="rect">
+            <a:avLst/>
+          </a:prstGeom>
+        </p:spPr>
+        <p:txBody>
+          <a:bodyPr/>
+          <a:lstStyle>
+            <a:lvl1pPr marL="0">
+              <a:defRPr>
+                <a:latin typeface="+mn-lt"/>
+                <a:ea typeface="+mn-ea"/>
+                <a:cs typeface="+mn-cs"/>
+              </a:defRPr>
+            </a:lvl1pPr>
+            <a:lvl2pPr marL="457246">
+              <a:defRPr>
+                <a:latin typeface="+mn-lt"/>
+                <a:ea typeface="+mn-ea"/>
+                <a:cs typeface="+mn-cs"/>
+              </a:defRPr>
+            </a:lvl2pPr>
+            <a:lvl3pPr marL="914491">
+              <a:defRPr>
+                <a:latin typeface="+mn-lt"/>
+                <a:ea typeface="+mn-ea"/>
+                <a:cs typeface="+mn-cs"/>
+              </a:defRPr>
+            </a:lvl3pPr>
+            <a:lvl4pPr marL="1371737">
+              <a:defRPr>
+                <a:latin typeface="+mn-lt"/>
+                <a:ea typeface="+mn-ea"/>
+                <a:cs typeface="+mn-cs"/>
+              </a:defRPr>
+            </a:lvl4pPr>
+            <a:lvl5pPr marL="1828983">
+              <a:defRPr>
+                <a:latin typeface="+mn-lt"/>
+                <a:ea typeface="+mn-ea"/>
+                <a:cs typeface="+mn-cs"/>
+              </a:defRPr>
+            </a:lvl5pPr>
+            <a:lvl6pPr marL="2286229">
+              <a:defRPr>
+                <a:latin typeface="+mn-lt"/>
+                <a:ea typeface="+mn-ea"/>
+                <a:cs typeface="+mn-cs"/>
+              </a:defRPr>
+            </a:lvl6pPr>
+            <a:lvl7pPr marL="2743474">
+              <a:defRPr>
+                <a:latin typeface="+mn-lt"/>
+                <a:ea typeface="+mn-ea"/>
+                <a:cs typeface="+mn-cs"/>
+              </a:defRPr>
+            </a:lvl7pPr>
+            <a:lvl8pPr marL="3200720">
+              <a:defRPr>
+                <a:latin typeface="+mn-lt"/>
+                <a:ea typeface="+mn-ea"/>
+                <a:cs typeface="+mn-cs"/>
+              </a:defRPr>
+            </a:lvl8pPr>
+            <a:lvl9pPr marL="3657966">
+              <a:defRPr>
+                <a:latin typeface="+mn-lt"/>
+                <a:ea typeface="+mn-ea"/>
+                <a:cs typeface="+mn-cs"/>
+              </a:defRPr>
+            </a:lvl9pPr>
+          </a:lstStyle>
+          <a:p>
+            <a:pPr algn="ctr"/>
+            <a:r>
+              <a:rPr lang="en-US" sz="2400" b="1" dirty="0">
+                <a:latin typeface="Poppins" panose="00000500000000000000" pitchFamily="2" charset="0"/>
+                <a:cs typeface="Poppins" panose="00000500000000000000" pitchFamily="2" charset="0"/>
+              </a:rPr>
+              <a:t>Managed Service</a:t>
+            </a:r>
+            <a:endParaRPr lang="en-GB" sz="2400" b="1" dirty="0">
+              <a:latin typeface="Poppins" panose="00000500000000000000" pitchFamily="2" charset="0"/>
+              <a:cs typeface="Poppins" panose="00000500000000000000" pitchFamily="2" charset="0"/>
+            </a:endParaRPr>
+          </a:p>
+        </p:txBody>
+      </p:sp>
+      <p:sp>
+        <p:nvSpPr>
+          <p:cNvPr id="61" name="Text Placeholder 24">
+            <a:extLst>
+              <a:ext uri="{FF2B5EF4-FFF2-40B4-BE49-F238E27FC236}">
+                <a16:creationId xmlns:a16="http://schemas.microsoft.com/office/drawing/2014/main" id="{7D80AC2B-E30C-6138-98FA-CBCA7514E22A}"/>
+              </a:ext>
+            </a:extLst>
+          </p:cNvPr>
+          <p:cNvSpPr txBox="1">
+            <a:spLocks/>
+          </p:cNvSpPr>
+          <p:nvPr/>
+        </p:nvSpPr>
+        <p:spPr>
+          <a:xfrm>
+            <a:off x="9062934" y="6487446"/>
+            <a:ext cx="3481541" cy="694421"/>
+          </a:xfrm>
+          <a:prstGeom prst="rect">
+            <a:avLst/>
+          </a:prstGeom>
+        </p:spPr>
+        <p:txBody>
+          <a:bodyPr/>
+          <a:lstStyle>
+            <a:lvl1pPr marL="0">
+              <a:defRPr>
+                <a:latin typeface="+mn-lt"/>
+                <a:ea typeface="+mn-ea"/>
+                <a:cs typeface="+mn-cs"/>
+              </a:defRPr>
+            </a:lvl1pPr>
+            <a:lvl2pPr marL="457246">
+              <a:defRPr>
+                <a:latin typeface="+mn-lt"/>
+                <a:ea typeface="+mn-ea"/>
+                <a:cs typeface="+mn-cs"/>
+              </a:defRPr>
+            </a:lvl2pPr>
+            <a:lvl3pPr marL="914491">
+              <a:defRPr>
+                <a:latin typeface="+mn-lt"/>
+                <a:ea typeface="+mn-ea"/>
+                <a:cs typeface="+mn-cs"/>
+              </a:defRPr>
+            </a:lvl3pPr>
+            <a:lvl4pPr marL="1371737">
+              <a:defRPr>
+                <a:latin typeface="+mn-lt"/>
+                <a:ea typeface="+mn-ea"/>
+                <a:cs typeface="+mn-cs"/>
+              </a:defRPr>
+            </a:lvl4pPr>
+            <a:lvl5pPr marL="1828983">
+              <a:defRPr>
+                <a:latin typeface="+mn-lt"/>
+                <a:ea typeface="+mn-ea"/>
+                <a:cs typeface="+mn-cs"/>
+              </a:defRPr>
+            </a:lvl5pPr>
+            <a:lvl6pPr marL="2286229">
+              <a:defRPr>
+                <a:latin typeface="+mn-lt"/>
+                <a:ea typeface="+mn-ea"/>
+                <a:cs typeface="+mn-cs"/>
+              </a:defRPr>
+            </a:lvl6pPr>
+            <a:lvl7pPr marL="2743474">
+              <a:defRPr>
+                <a:latin typeface="+mn-lt"/>
+                <a:ea typeface="+mn-ea"/>
+                <a:cs typeface="+mn-cs"/>
+              </a:defRPr>
+            </a:lvl7pPr>
+            <a:lvl8pPr marL="3200720">
+              <a:defRPr>
+                <a:latin typeface="+mn-lt"/>
+                <a:ea typeface="+mn-ea"/>
+                <a:cs typeface="+mn-cs"/>
+              </a:defRPr>
+            </a:lvl8pPr>
+            <a:lvl9pPr marL="3657966">
+              <a:defRPr>
+                <a:latin typeface="+mn-lt"/>
+                <a:ea typeface="+mn-ea"/>
+                <a:cs typeface="+mn-cs"/>
+              </a:defRPr>
+            </a:lvl9pPr>
+          </a:lstStyle>
+          <a:p>
+            <a:r>
+              <a:rPr lang="en-US" sz="2200" dirty="0">
+                <a:latin typeface="Poppins Medium" panose="00000600000000000000" pitchFamily="2" charset="0"/>
+                <a:cs typeface="Poppins Medium" panose="00000600000000000000" pitchFamily="2" charset="0"/>
+              </a:rPr>
+              <a:t>Removes the need to manage complex infrastructure. Allowing the focus on modelling and testing.</a:t>
+            </a:r>
+            <a:endParaRPr lang="en-GB" sz="2200" dirty="0">
+              <a:latin typeface="Poppins Medium" panose="00000600000000000000" pitchFamily="2" charset="0"/>
+              <a:cs typeface="Poppins Medium" panose="00000600000000000000" pitchFamily="2" charset="0"/>
+            </a:endParaRPr>
+          </a:p>
+        </p:txBody>
+      </p:sp>
+      <p:sp>
+        <p:nvSpPr>
+          <p:cNvPr id="3" name="Rectangle 2" descr="Green Gradient">
+            <a:extLst>
+              <a:ext uri="{FF2B5EF4-FFF2-40B4-BE49-F238E27FC236}">
+                <a16:creationId xmlns:a16="http://schemas.microsoft.com/office/drawing/2014/main" id="{8CEF621D-1F72-FBEF-B10F-D0379CCFFF9D}"/>
+              </a:ext>
+            </a:extLst>
+          </p:cNvPr>
+          <p:cNvSpPr/>
+          <p:nvPr/>
+        </p:nvSpPr>
+        <p:spPr>
+          <a:xfrm>
+            <a:off x="13396734" y="2524763"/>
+            <a:ext cx="6710400" cy="8779508"/>
+          </a:xfrm>
+          <a:prstGeom prst="rect">
+            <a:avLst/>
+          </a:prstGeom>
+          <a:gradFill>
+            <a:gsLst>
+              <a:gs pos="50000">
+                <a:srgbClr val="007C43"/>
+              </a:gs>
+              <a:gs pos="100000">
+                <a:srgbClr val="598C3B"/>
+              </a:gs>
+            </a:gsLst>
+            <a:lin ang="0" scaled="1"/>
+          </a:gradFill>
+          <a:ln w="0" cap="flat">
+            <a:noFill/>
+            <a:prstDash val="solid"/>
+            <a:miter/>
+          </a:ln>
+        </p:spPr>
+        <p:txBody>
+          <a:bodyPr rot="0" spcFirstLastPara="0" vertOverflow="overflow" horzOverflow="overflow" vert="horz" wrap="square" lIns="91440" tIns="45720" rIns="91440" bIns="45720" numCol="1" spcCol="0" rtlCol="0" fromWordArt="0" anchor="ctr" anchorCtr="0" forceAA="0" compatLnSpc="1">
+            <a:prstTxWarp prst="textNoShape">
+              <a:avLst/>
+            </a:prstTxWarp>
+            <a:noAutofit/>
+          </a:bodyPr>
+          <a:lstStyle/>
+          <a:p>
+            <a:endParaRPr lang="en-GB"/>
+          </a:p>
+        </p:txBody>
+      </p:sp>
+      <p:cxnSp>
+        <p:nvCxnSpPr>
+          <p:cNvPr id="5" name="Straight Connector 4">
+            <a:extLst>
+              <a:ext uri="{FF2B5EF4-FFF2-40B4-BE49-F238E27FC236}">
+                <a16:creationId xmlns:a16="http://schemas.microsoft.com/office/drawing/2014/main" id="{7DE9D748-9371-CACF-CD95-4D622063046E}"/>
+              </a:ext>
+              <a:ext uri="{C183D7F6-B498-43B3-948B-1728B52AA6E4}">
+                <adec:decorative xmlns:adec="http://schemas.microsoft.com/office/drawing/2017/decorative" val="1"/>
+              </a:ext>
+            </a:extLst>
+          </p:cNvPr>
+          <p:cNvCxnSpPr/>
+          <p:nvPr/>
+        </p:nvCxnSpPr>
+        <p:spPr bwMode="white">
+          <a:xfrm>
+            <a:off x="-48126" y="3669464"/>
+            <a:ext cx="20105688" cy="0"/>
+          </a:xfrm>
+          <a:prstGeom prst="line">
+            <a:avLst/>
+          </a:prstGeom>
+          <a:ln w="63500">
+            <a:solidFill>
+              <a:schemeClr val="bg1"/>
+            </a:solidFill>
+          </a:ln>
+        </p:spPr>
+        <p:style>
+          <a:lnRef idx="1">
+            <a:schemeClr val="accent1"/>
+          </a:lnRef>
+          <a:fillRef idx="0">
+            <a:schemeClr val="accent1"/>
+          </a:fillRef>
+          <a:effectRef idx="0">
+            <a:schemeClr val="accent1"/>
+          </a:effectRef>
+          <a:fontRef idx="minor">
+            <a:schemeClr val="tx1"/>
+          </a:fontRef>
+        </p:style>
+      </p:cxnSp>
+      <p:sp>
+        <p:nvSpPr>
+          <p:cNvPr id="7" name="Text Placeholder 17">
+            <a:extLst>
+              <a:ext uri="{FF2B5EF4-FFF2-40B4-BE49-F238E27FC236}">
+                <a16:creationId xmlns:a16="http://schemas.microsoft.com/office/drawing/2014/main" id="{25A9BFCE-0910-437B-4000-9D7A879E20B4}"/>
+              </a:ext>
+            </a:extLst>
+          </p:cNvPr>
+          <p:cNvSpPr txBox="1">
+            <a:spLocks/>
+          </p:cNvSpPr>
+          <p:nvPr/>
+        </p:nvSpPr>
+        <p:spPr bwMode="white">
+          <a:xfrm>
+            <a:off x="14324974" y="2754214"/>
+            <a:ext cx="4909296" cy="685800"/>
+          </a:xfrm>
+          <a:prstGeom prst="rect">
+            <a:avLst/>
+          </a:prstGeom>
+        </p:spPr>
+        <p:txBody>
+          <a:bodyPr/>
+          <a:lstStyle>
+            <a:lvl1pPr marL="0">
+              <a:defRPr>
+                <a:latin typeface="+mn-lt"/>
+                <a:ea typeface="+mn-ea"/>
+                <a:cs typeface="+mn-cs"/>
+              </a:defRPr>
+            </a:lvl1pPr>
+            <a:lvl2pPr marL="457246">
+              <a:defRPr>
+                <a:latin typeface="+mn-lt"/>
+                <a:ea typeface="+mn-ea"/>
+                <a:cs typeface="+mn-cs"/>
+              </a:defRPr>
+            </a:lvl2pPr>
+            <a:lvl3pPr marL="914491">
+              <a:defRPr>
+                <a:latin typeface="+mn-lt"/>
+                <a:ea typeface="+mn-ea"/>
+                <a:cs typeface="+mn-cs"/>
+              </a:defRPr>
+            </a:lvl3pPr>
+            <a:lvl4pPr marL="1371737">
+              <a:defRPr>
+                <a:latin typeface="+mn-lt"/>
+                <a:ea typeface="+mn-ea"/>
+                <a:cs typeface="+mn-cs"/>
+              </a:defRPr>
+            </a:lvl4pPr>
+            <a:lvl5pPr marL="1828983">
+              <a:defRPr>
+                <a:latin typeface="+mn-lt"/>
+                <a:ea typeface="+mn-ea"/>
+                <a:cs typeface="+mn-cs"/>
+              </a:defRPr>
+            </a:lvl5pPr>
+            <a:lvl6pPr marL="2286229">
+              <a:defRPr>
+                <a:latin typeface="+mn-lt"/>
+                <a:ea typeface="+mn-ea"/>
+                <a:cs typeface="+mn-cs"/>
+              </a:defRPr>
+            </a:lvl6pPr>
+            <a:lvl7pPr marL="2743474">
+              <a:defRPr>
+                <a:latin typeface="+mn-lt"/>
+                <a:ea typeface="+mn-ea"/>
+                <a:cs typeface="+mn-cs"/>
+              </a:defRPr>
+            </a:lvl7pPr>
+            <a:lvl8pPr marL="3200720">
+              <a:defRPr>
+                <a:latin typeface="+mn-lt"/>
+                <a:ea typeface="+mn-ea"/>
+                <a:cs typeface="+mn-cs"/>
+              </a:defRPr>
+            </a:lvl8pPr>
+            <a:lvl9pPr marL="3657966">
+              <a:defRPr>
+                <a:latin typeface="+mn-lt"/>
+                <a:ea typeface="+mn-ea"/>
+                <a:cs typeface="+mn-cs"/>
+              </a:defRPr>
+            </a:lvl9pPr>
+          </a:lstStyle>
+          <a:p>
+            <a:pPr algn="l"/>
+            <a:r>
+              <a:rPr lang="en-US" sz="2400" dirty="0">
+                <a:solidFill>
+                  <a:schemeClr val="bg1"/>
+                </a:solidFill>
+                <a:latin typeface="Poppins" panose="00000500000000000000" pitchFamily="2" charset="0"/>
+                <a:cs typeface="Poppins" panose="00000500000000000000" pitchFamily="2" charset="0"/>
+              </a:rPr>
+              <a:t>…creating higher and more sustainable value</a:t>
+            </a:r>
+            <a:endParaRPr lang="en-GB" sz="2400" dirty="0">
+              <a:solidFill>
+                <a:schemeClr val="bg1"/>
+              </a:solidFill>
+              <a:latin typeface="Poppins" panose="00000500000000000000" pitchFamily="2" charset="0"/>
+              <a:cs typeface="Poppins" panose="00000500000000000000" pitchFamily="2" charset="0"/>
+            </a:endParaRPr>
+          </a:p>
+        </p:txBody>
+      </p:sp>
+      <p:sp>
+        <p:nvSpPr>
+          <p:cNvPr id="17" name="Arrow: Chevron 16">
+            <a:extLst>
+              <a:ext uri="{FF2B5EF4-FFF2-40B4-BE49-F238E27FC236}">
+                <a16:creationId xmlns:a16="http://schemas.microsoft.com/office/drawing/2014/main" id="{10C365E9-2BEC-C4C1-55A1-FCBC2A60C43D}"/>
+              </a:ext>
+              <a:ext uri="{C183D7F6-B498-43B3-948B-1728B52AA6E4}">
+                <adec:decorative xmlns:adec="http://schemas.microsoft.com/office/drawing/2017/decorative" val="1"/>
+              </a:ext>
+            </a:extLst>
+          </p:cNvPr>
+          <p:cNvSpPr/>
+          <p:nvPr/>
+        </p:nvSpPr>
+        <p:spPr>
+          <a:xfrm>
+            <a:off x="13070723" y="2759294"/>
+            <a:ext cx="665285" cy="647482"/>
+          </a:xfrm>
+          <a:prstGeom prst="chevron">
+            <a:avLst/>
+          </a:prstGeom>
+          <a:solidFill>
+            <a:srgbClr val="F4F4F4"/>
+          </a:solidFill>
+          <a:ln>
+            <a:noFill/>
+          </a:ln>
+        </p:spPr>
+        <p:style>
+          <a:lnRef idx="2">
+            <a:schemeClr val="accent1">
+              <a:shade val="50000"/>
+            </a:schemeClr>
+          </a:lnRef>
+          <a:fillRef idx="1">
+            <a:schemeClr val="accent1"/>
+          </a:fillRef>
+          <a:effectRef idx="0">
+            <a:schemeClr val="accent1"/>
+          </a:effectRef>
+          <a:fontRef idx="minor">
+            <a:schemeClr val="lt1"/>
+          </a:fontRef>
+        </p:style>
+        <p:txBody>
+          <a:bodyPr rtlCol="0" anchor="ctr"/>
+          <a:lstStyle/>
+          <a:p>
+            <a:pPr algn="ctr"/>
+            <a:endParaRPr lang="en-GB">
+              <a:solidFill>
+                <a:schemeClr val="tx1"/>
+              </a:solidFill>
+            </a:endParaRPr>
+          </a:p>
+        </p:txBody>
+      </p:sp>
+      <p:sp>
+        <p:nvSpPr>
+          <p:cNvPr id="62" name="Text Placeholder 82">
+            <a:extLst>
+              <a:ext uri="{FF2B5EF4-FFF2-40B4-BE49-F238E27FC236}">
+                <a16:creationId xmlns:a16="http://schemas.microsoft.com/office/drawing/2014/main" id="{BB1BFCBE-9AB4-2ED5-8652-D88598D5386B}"/>
+              </a:ext>
+            </a:extLst>
+          </p:cNvPr>
+          <p:cNvSpPr txBox="1">
+            <a:spLocks/>
+          </p:cNvSpPr>
+          <p:nvPr/>
+        </p:nvSpPr>
+        <p:spPr bwMode="white">
+          <a:xfrm>
+            <a:off x="14448484" y="4733819"/>
+            <a:ext cx="5357813" cy="3293023"/>
+          </a:xfrm>
+          <a:prstGeom prst="rect">
+            <a:avLst/>
+          </a:prstGeom>
+          <a:noFill/>
+          <a:ln>
+            <a:noFill/>
+            <a:prstDash/>
+          </a:ln>
+          <a:effectLst/>
+        </p:spPr>
+        <p:txBody>
+          <a:bodyPr rot="0" spcFirstLastPara="0" vertOverflow="overflow" horzOverflow="overflow" vert="horz" wrap="square" lIns="0" tIns="45720" rIns="91440" bIns="45720" numCol="1" spcCol="0" rtlCol="0" fromWordArt="0" anchor="t" anchorCtr="0" forceAA="0" compatLnSpc="1">
+            <a:prstTxWarp prst="textNoShape">
+              <a:avLst/>
+            </a:prstTxWarp>
+            <a:noAutofit/>
+          </a:bodyPr>
+          <a:lstStyle>
+            <a:lvl1pPr>
+              <a:defRPr sz="8750" b="1" i="0">
+                <a:solidFill>
+                  <a:schemeClr val="tx1"/>
+                </a:solidFill>
+                <a:latin typeface="Poppins"/>
+                <a:ea typeface="+mj-ea"/>
+                <a:cs typeface="Poppins"/>
+              </a:defRPr>
+            </a:lvl1pPr>
+          </a:lstStyle>
+          <a:p>
+            <a:pPr algn="l">
+              <a:defRPr/>
+            </a:pPr>
+            <a:r>
+              <a:rPr lang="en-US" sz="3600" spc="-140" dirty="0">
+                <a:solidFill>
+                  <a:schemeClr val="bg1"/>
+                </a:solidFill>
+              </a:rPr>
+              <a:t>By </a:t>
+            </a:r>
+            <a:r>
+              <a:rPr lang="en-US" sz="3600" spc="-140" dirty="0" err="1">
+                <a:solidFill>
+                  <a:schemeClr val="bg1"/>
+                </a:solidFill>
+              </a:rPr>
+              <a:t>analysing</a:t>
+            </a:r>
+            <a:r>
+              <a:rPr lang="en-US" sz="3600" spc="-140" dirty="0">
+                <a:solidFill>
+                  <a:schemeClr val="bg1"/>
+                </a:solidFill>
+              </a:rPr>
+              <a:t> data in real-time and at scale, businesses can make data-driven decisions, identify trends and patterns, optimize operations, and uncover new revenue opportunities.</a:t>
+            </a:r>
+            <a:endParaRPr lang="en-GB" sz="3600" spc="-140" dirty="0">
+              <a:solidFill>
+                <a:schemeClr val="bg1"/>
+              </a:solidFill>
+            </a:endParaRPr>
+          </a:p>
+        </p:txBody>
+      </p:sp>
+      <p:pic>
+        <p:nvPicPr>
+          <p:cNvPr id="13" name="Picture 12">
+            <a:extLst>
+              <a:ext uri="{FF2B5EF4-FFF2-40B4-BE49-F238E27FC236}">
+                <a16:creationId xmlns:a16="http://schemas.microsoft.com/office/drawing/2014/main" id="{765727BB-68AC-32CC-DF80-CDA1A804EE41}"/>
+              </a:ext>
+              <a:ext uri="{C183D7F6-B498-43B3-948B-1728B52AA6E4}">
+                <adec:decorative xmlns:adec="http://schemas.microsoft.com/office/drawing/2017/decorative" val="1"/>
+              </a:ext>
+            </a:extLst>
+          </p:cNvPr>
+          <p:cNvPicPr>
+            <a:picLocks noChangeAspect="1"/>
+          </p:cNvPicPr>
+          <p:nvPr/>
+        </p:nvPicPr>
+        <p:blipFill>
+          <a:blip r:embed="rId5">
+            <a:extLst>
+              <a:ext uri="{28A0092B-C50C-407E-A947-70E740481C1C}">
+                <a14:useLocalDpi xmlns:a14="http://schemas.microsoft.com/office/drawing/2010/main"/>
+              </a:ext>
+            </a:extLst>
+          </a:blip>
+          <a:stretch>
+            <a:fillRect/>
+          </a:stretch>
+        </p:blipFill>
+        <p:spPr>
+          <a:xfrm>
+            <a:off x="17438477" y="530398"/>
+            <a:ext cx="2140119" cy="1084718"/>
+          </a:xfrm>
+          <a:prstGeom prst="rect">
+            <a:avLst/>
+          </a:prstGeom>
+        </p:spPr>
+      </p:pic>
+      <p:sp>
+        <p:nvSpPr>
+          <p:cNvPr id="2" name="Slide Number Placeholder 1">
+            <a:extLst>
+              <a:ext uri="{FF2B5EF4-FFF2-40B4-BE49-F238E27FC236}">
+                <a16:creationId xmlns:a16="http://schemas.microsoft.com/office/drawing/2014/main" id="{33344AED-C43A-953D-7806-24B5D6449E8D}"/>
+              </a:ext>
+            </a:extLst>
+          </p:cNvPr>
+          <p:cNvSpPr>
+            <a:spLocks noGrp="1"/>
+          </p:cNvSpPr>
+          <p:nvPr>
+            <p:ph type="sldNum" sz="quarter" idx="4"/>
+          </p:nvPr>
+        </p:nvSpPr>
+        <p:spPr/>
+        <p:txBody>
+          <a:bodyPr/>
+          <a:lstStyle/>
+          <a:p>
+            <a:fld id="{B6F15528-21DE-4FAA-801E-634DDDAF4B2B}" type="slidenum">
+              <a:rPr lang="en-GB" smtClean="0">
+                <a:solidFill>
+                  <a:schemeClr val="bg1"/>
+                </a:solidFill>
+              </a:rPr>
+              <a:pPr/>
+              <a:t>14</a:t>
+            </a:fld>
+            <a:endParaRPr lang="en-GB" dirty="0">
+              <a:solidFill>
+                <a:schemeClr val="bg1"/>
+              </a:solidFill>
+            </a:endParaRPr>
+          </a:p>
+        </p:txBody>
+      </p:sp>
+      <p:sp>
+        <p:nvSpPr>
+          <p:cNvPr id="12" name="Text Placeholder 18">
+            <a:extLst>
+              <a:ext uri="{FF2B5EF4-FFF2-40B4-BE49-F238E27FC236}">
+                <a16:creationId xmlns:a16="http://schemas.microsoft.com/office/drawing/2014/main" id="{9703585F-3513-80CD-137E-9513DEE1947B}"/>
+              </a:ext>
+            </a:extLst>
+          </p:cNvPr>
+          <p:cNvSpPr txBox="1">
+            <a:spLocks/>
+          </p:cNvSpPr>
+          <p:nvPr/>
+        </p:nvSpPr>
+        <p:spPr>
+          <a:xfrm>
+            <a:off x="9101033" y="9099046"/>
+            <a:ext cx="3405341" cy="694421"/>
+          </a:xfrm>
+          <a:prstGeom prst="rect">
+            <a:avLst/>
+          </a:prstGeom>
+        </p:spPr>
+        <p:txBody>
+          <a:bodyPr/>
+          <a:lstStyle>
+            <a:lvl1pPr marL="0">
+              <a:defRPr>
+                <a:latin typeface="+mn-lt"/>
+                <a:ea typeface="+mn-ea"/>
+                <a:cs typeface="+mn-cs"/>
+              </a:defRPr>
+            </a:lvl1pPr>
+            <a:lvl2pPr marL="457246">
+              <a:defRPr>
+                <a:latin typeface="+mn-lt"/>
+                <a:ea typeface="+mn-ea"/>
+                <a:cs typeface="+mn-cs"/>
+              </a:defRPr>
+            </a:lvl2pPr>
+            <a:lvl3pPr marL="914491">
+              <a:defRPr>
+                <a:latin typeface="+mn-lt"/>
+                <a:ea typeface="+mn-ea"/>
+                <a:cs typeface="+mn-cs"/>
+              </a:defRPr>
+            </a:lvl3pPr>
+            <a:lvl4pPr marL="1371737">
+              <a:defRPr>
+                <a:latin typeface="+mn-lt"/>
+                <a:ea typeface="+mn-ea"/>
+                <a:cs typeface="+mn-cs"/>
+              </a:defRPr>
+            </a:lvl4pPr>
+            <a:lvl5pPr marL="1828983">
+              <a:defRPr>
+                <a:latin typeface="+mn-lt"/>
+                <a:ea typeface="+mn-ea"/>
+                <a:cs typeface="+mn-cs"/>
+              </a:defRPr>
+            </a:lvl5pPr>
+            <a:lvl6pPr marL="2286229">
+              <a:defRPr>
+                <a:latin typeface="+mn-lt"/>
+                <a:ea typeface="+mn-ea"/>
+                <a:cs typeface="+mn-cs"/>
+              </a:defRPr>
+            </a:lvl6pPr>
+            <a:lvl7pPr marL="2743474">
+              <a:defRPr>
+                <a:latin typeface="+mn-lt"/>
+                <a:ea typeface="+mn-ea"/>
+                <a:cs typeface="+mn-cs"/>
+              </a:defRPr>
+            </a:lvl7pPr>
+            <a:lvl8pPr marL="3200720">
+              <a:defRPr>
+                <a:latin typeface="+mn-lt"/>
+                <a:ea typeface="+mn-ea"/>
+                <a:cs typeface="+mn-cs"/>
+              </a:defRPr>
+            </a:lvl8pPr>
+            <a:lvl9pPr marL="3657966">
+              <a:defRPr>
+                <a:latin typeface="+mn-lt"/>
+                <a:ea typeface="+mn-ea"/>
+                <a:cs typeface="+mn-cs"/>
+              </a:defRPr>
+            </a:lvl9pPr>
+          </a:lstStyle>
+          <a:p>
+            <a:r>
+              <a:rPr lang="en-US" sz="2200" dirty="0">
+                <a:latin typeface="Poppins Medium" panose="00000600000000000000" pitchFamily="2" charset="0"/>
+                <a:cs typeface="Poppins Medium" panose="00000600000000000000" pitchFamily="2" charset="0"/>
+              </a:rPr>
+              <a:t>Can seamlessly integrate services in one place for an </a:t>
+            </a:r>
+            <a:r>
+              <a:rPr lang="en-US" sz="2200" dirty="0" err="1">
+                <a:latin typeface="Poppins Medium" panose="00000600000000000000" pitchFamily="2" charset="0"/>
+                <a:cs typeface="Poppins Medium" panose="00000600000000000000" pitchFamily="2" charset="0"/>
+              </a:rPr>
+              <a:t>optimised</a:t>
+            </a:r>
+            <a:r>
+              <a:rPr lang="en-US" sz="2200" dirty="0">
+                <a:latin typeface="Poppins Medium" panose="00000600000000000000" pitchFamily="2" charset="0"/>
+                <a:cs typeface="Poppins Medium" panose="00000600000000000000" pitchFamily="2" charset="0"/>
+              </a:rPr>
+              <a:t> end-to-end  solution. </a:t>
+            </a:r>
+            <a:endParaRPr lang="en-GB" sz="2200" dirty="0">
+              <a:latin typeface="Poppins Medium" panose="00000600000000000000" pitchFamily="2" charset="0"/>
+              <a:cs typeface="Poppins Medium" panose="00000600000000000000" pitchFamily="2" charset="0"/>
+            </a:endParaRPr>
+          </a:p>
+        </p:txBody>
+      </p:sp>
+    </p:spTree>
+    <p:extLst>
+      <p:ext uri="{BB962C8B-B14F-4D97-AF65-F5344CB8AC3E}">
+        <p14:creationId xmlns:p14="http://schemas.microsoft.com/office/powerpoint/2010/main" val="2831220413"/>
+      </p:ext>
+    </p:extLst>
+  </p:cSld>
+  <p:clrMapOvr>
+    <a:masterClrMapping/>
+  </p:clrMapOvr>
+</p:sld>
+</file>
+
+<file path=ppt/slides/slide15.xml><?xml version="1.0" encoding="utf-8"?>
+<p:sld xmlns:a="http://schemas.openxmlformats.org/drawingml/2006/main" xmlns:r="http://schemas.openxmlformats.org/officeDocument/2006/relationships" xmlns:p="http://schemas.openxmlformats.org/presentationml/2006/main">
+  <p:cSld>
+    <p:spTree>
+      <p:nvGrpSpPr>
+        <p:cNvPr id="1" name=""/>
+        <p:cNvGrpSpPr/>
+        <p:nvPr/>
+      </p:nvGrpSpPr>
+      <p:grpSpPr>
+        <a:xfrm>
+          <a:off x="0" y="0"/>
+          <a:ext cx="0" cy="0"/>
+          <a:chOff x="0" y="0"/>
+          <a:chExt cx="0" cy="0"/>
+        </a:xfrm>
+      </p:grpSpPr>
+      <p:sp>
+        <p:nvSpPr>
+          <p:cNvPr id="2" name="Slide Number Placeholder 1">
+            <a:extLst>
+              <a:ext uri="{FF2B5EF4-FFF2-40B4-BE49-F238E27FC236}">
+                <a16:creationId xmlns:a16="http://schemas.microsoft.com/office/drawing/2014/main" id="{EC1C419A-5E80-3B13-7F81-245106D9C105}"/>
+              </a:ext>
+            </a:extLst>
+          </p:cNvPr>
+          <p:cNvSpPr>
+            <a:spLocks noGrp="1"/>
+          </p:cNvSpPr>
+          <p:nvPr>
+            <p:ph type="sldNum" sz="quarter" idx="4"/>
+          </p:nvPr>
+        </p:nvSpPr>
+        <p:spPr/>
+        <p:txBody>
+          <a:bodyPr/>
+          <a:lstStyle/>
+          <a:p>
+            <a:fld id="{B6F15528-21DE-4FAA-801E-634DDDAF4B2B}" type="slidenum">
+              <a:rPr lang="en-GB" smtClean="0"/>
+              <a:pPr/>
+              <a:t>15</a:t>
+            </a:fld>
+            <a:endParaRPr lang="en-GB"/>
+          </a:p>
+        </p:txBody>
+      </p:sp>
+      <p:sp>
+        <p:nvSpPr>
+          <p:cNvPr id="3" name="object 8">
+            <a:extLst>
+              <a:ext uri="{FF2B5EF4-FFF2-40B4-BE49-F238E27FC236}">
+                <a16:creationId xmlns:a16="http://schemas.microsoft.com/office/drawing/2014/main" id="{4542FBA9-FD8F-5916-4C02-B3E037867732}"/>
+              </a:ext>
+            </a:extLst>
+          </p:cNvPr>
+          <p:cNvSpPr/>
+          <p:nvPr/>
+        </p:nvSpPr>
+        <p:spPr>
+          <a:xfrm>
+            <a:off x="5433124" y="6090073"/>
+            <a:ext cx="4413681" cy="4766667"/>
+          </a:xfrm>
+          <a:custGeom>
+            <a:avLst/>
+            <a:gdLst/>
+            <a:ahLst/>
+            <a:cxnLst/>
+            <a:rect l="l" t="t" r="r" b="b"/>
+            <a:pathLst>
+              <a:path w="2785110" h="4000500">
+                <a:moveTo>
+                  <a:pt x="2784957" y="0"/>
+                </a:moveTo>
+                <a:lnTo>
+                  <a:pt x="0" y="0"/>
+                </a:lnTo>
+                <a:lnTo>
+                  <a:pt x="0" y="3783901"/>
+                </a:lnTo>
+                <a:lnTo>
+                  <a:pt x="5704" y="3833427"/>
+                </a:lnTo>
+                <a:lnTo>
+                  <a:pt x="21955" y="3878892"/>
+                </a:lnTo>
+                <a:lnTo>
+                  <a:pt x="47454" y="3918998"/>
+                </a:lnTo>
+                <a:lnTo>
+                  <a:pt x="80904" y="3952448"/>
+                </a:lnTo>
+                <a:lnTo>
+                  <a:pt x="121011" y="3977947"/>
+                </a:lnTo>
+                <a:lnTo>
+                  <a:pt x="166475" y="3994198"/>
+                </a:lnTo>
+                <a:lnTo>
+                  <a:pt x="216001" y="3999903"/>
+                </a:lnTo>
+                <a:lnTo>
+                  <a:pt x="2568956" y="3999903"/>
+                </a:lnTo>
+                <a:lnTo>
+                  <a:pt x="2618482" y="3994198"/>
+                </a:lnTo>
+                <a:lnTo>
+                  <a:pt x="2663946" y="3977947"/>
+                </a:lnTo>
+                <a:lnTo>
+                  <a:pt x="2704052" y="3952448"/>
+                </a:lnTo>
+                <a:lnTo>
+                  <a:pt x="2737503" y="3918998"/>
+                </a:lnTo>
+                <a:lnTo>
+                  <a:pt x="2763002" y="3878892"/>
+                </a:lnTo>
+                <a:lnTo>
+                  <a:pt x="2779252" y="3833427"/>
+                </a:lnTo>
+                <a:lnTo>
+                  <a:pt x="2784957" y="3783901"/>
+                </a:lnTo>
+                <a:lnTo>
+                  <a:pt x="2784957" y="0"/>
+                </a:lnTo>
+                <a:close/>
+              </a:path>
+            </a:pathLst>
+          </a:custGeom>
+          <a:solidFill>
+            <a:srgbClr val="EDEDED"/>
+          </a:solidFill>
+        </p:spPr>
+        <p:txBody>
+          <a:bodyPr wrap="square" lIns="0" tIns="0" rIns="0" bIns="0" rtlCol="0"/>
+          <a:lstStyle/>
+          <a:p>
+            <a:pPr defTabSz="1496163"/>
+            <a:endParaRPr lang="en-GB" sz="2381" dirty="0">
+              <a:solidFill>
+                <a:prstClr val="black"/>
+              </a:solidFill>
+              <a:latin typeface="Poppins" panose="00000500000000000000" pitchFamily="2" charset="0"/>
+              <a:cs typeface="Poppins" panose="00000500000000000000" pitchFamily="2" charset="0"/>
+            </a:endParaRPr>
+          </a:p>
+        </p:txBody>
+      </p:sp>
+      <p:sp>
+        <p:nvSpPr>
+          <p:cNvPr id="4" name="object 8">
+            <a:extLst>
+              <a:ext uri="{FF2B5EF4-FFF2-40B4-BE49-F238E27FC236}">
+                <a16:creationId xmlns:a16="http://schemas.microsoft.com/office/drawing/2014/main" id="{A3187351-2C23-1445-10B1-ACA9A87BE572}"/>
+              </a:ext>
+            </a:extLst>
+          </p:cNvPr>
+          <p:cNvSpPr/>
+          <p:nvPr/>
+        </p:nvSpPr>
+        <p:spPr>
+          <a:xfrm>
+            <a:off x="14777873" y="6090073"/>
+            <a:ext cx="4413681" cy="4766667"/>
+          </a:xfrm>
+          <a:custGeom>
+            <a:avLst/>
+            <a:gdLst/>
+            <a:ahLst/>
+            <a:cxnLst/>
+            <a:rect l="l" t="t" r="r" b="b"/>
+            <a:pathLst>
+              <a:path w="2785110" h="4000500">
+                <a:moveTo>
+                  <a:pt x="2784957" y="0"/>
+                </a:moveTo>
+                <a:lnTo>
+                  <a:pt x="0" y="0"/>
+                </a:lnTo>
+                <a:lnTo>
+                  <a:pt x="0" y="3783901"/>
+                </a:lnTo>
+                <a:lnTo>
+                  <a:pt x="5704" y="3833427"/>
+                </a:lnTo>
+                <a:lnTo>
+                  <a:pt x="21955" y="3878892"/>
+                </a:lnTo>
+                <a:lnTo>
+                  <a:pt x="47454" y="3918998"/>
+                </a:lnTo>
+                <a:lnTo>
+                  <a:pt x="80904" y="3952448"/>
+                </a:lnTo>
+                <a:lnTo>
+                  <a:pt x="121011" y="3977947"/>
+                </a:lnTo>
+                <a:lnTo>
+                  <a:pt x="166475" y="3994198"/>
+                </a:lnTo>
+                <a:lnTo>
+                  <a:pt x="216001" y="3999903"/>
+                </a:lnTo>
+                <a:lnTo>
+                  <a:pt x="2568956" y="3999903"/>
+                </a:lnTo>
+                <a:lnTo>
+                  <a:pt x="2618482" y="3994198"/>
+                </a:lnTo>
+                <a:lnTo>
+                  <a:pt x="2663946" y="3977947"/>
+                </a:lnTo>
+                <a:lnTo>
+                  <a:pt x="2704052" y="3952448"/>
+                </a:lnTo>
+                <a:lnTo>
+                  <a:pt x="2737503" y="3918998"/>
+                </a:lnTo>
+                <a:lnTo>
+                  <a:pt x="2763002" y="3878892"/>
+                </a:lnTo>
+                <a:lnTo>
+                  <a:pt x="2779252" y="3833427"/>
+                </a:lnTo>
+                <a:lnTo>
+                  <a:pt x="2784957" y="3783901"/>
+                </a:lnTo>
+                <a:lnTo>
+                  <a:pt x="2784957" y="0"/>
+                </a:lnTo>
+                <a:close/>
+              </a:path>
+            </a:pathLst>
+          </a:custGeom>
+          <a:solidFill>
+            <a:srgbClr val="EDEDED"/>
+          </a:solidFill>
+        </p:spPr>
+        <p:txBody>
+          <a:bodyPr wrap="square" lIns="0" tIns="0" rIns="0" bIns="0" rtlCol="0"/>
+          <a:lstStyle/>
+          <a:p>
+            <a:pPr defTabSz="1496163"/>
+            <a:endParaRPr lang="en-GB" sz="2381">
+              <a:solidFill>
+                <a:prstClr val="black"/>
+              </a:solidFill>
+              <a:latin typeface="Poppins" panose="00000500000000000000" pitchFamily="2" charset="0"/>
+              <a:cs typeface="Poppins" panose="00000500000000000000" pitchFamily="2" charset="0"/>
+            </a:endParaRPr>
+          </a:p>
+        </p:txBody>
+      </p:sp>
+      <p:sp>
+        <p:nvSpPr>
+          <p:cNvPr id="5" name="object 8">
+            <a:extLst>
+              <a:ext uri="{FF2B5EF4-FFF2-40B4-BE49-F238E27FC236}">
+                <a16:creationId xmlns:a16="http://schemas.microsoft.com/office/drawing/2014/main" id="{215A58C2-5A0B-B1F1-DB51-2D54CCAA75FF}"/>
+              </a:ext>
+            </a:extLst>
+          </p:cNvPr>
+          <p:cNvSpPr/>
+          <p:nvPr/>
+        </p:nvSpPr>
+        <p:spPr>
+          <a:xfrm>
+            <a:off x="10117226" y="6090073"/>
+            <a:ext cx="4413681" cy="4766667"/>
+          </a:xfrm>
+          <a:custGeom>
+            <a:avLst/>
+            <a:gdLst/>
+            <a:ahLst/>
+            <a:cxnLst/>
+            <a:rect l="l" t="t" r="r" b="b"/>
+            <a:pathLst>
+              <a:path w="2785110" h="4000500">
+                <a:moveTo>
+                  <a:pt x="2784957" y="0"/>
+                </a:moveTo>
+                <a:lnTo>
+                  <a:pt x="0" y="0"/>
+                </a:lnTo>
+                <a:lnTo>
+                  <a:pt x="0" y="3783901"/>
+                </a:lnTo>
+                <a:lnTo>
+                  <a:pt x="5704" y="3833427"/>
+                </a:lnTo>
+                <a:lnTo>
+                  <a:pt x="21955" y="3878892"/>
+                </a:lnTo>
+                <a:lnTo>
+                  <a:pt x="47454" y="3918998"/>
+                </a:lnTo>
+                <a:lnTo>
+                  <a:pt x="80904" y="3952448"/>
+                </a:lnTo>
+                <a:lnTo>
+                  <a:pt x="121011" y="3977947"/>
+                </a:lnTo>
+                <a:lnTo>
+                  <a:pt x="166475" y="3994198"/>
+                </a:lnTo>
+                <a:lnTo>
+                  <a:pt x="216001" y="3999903"/>
+                </a:lnTo>
+                <a:lnTo>
+                  <a:pt x="2568956" y="3999903"/>
+                </a:lnTo>
+                <a:lnTo>
+                  <a:pt x="2618482" y="3994198"/>
+                </a:lnTo>
+                <a:lnTo>
+                  <a:pt x="2663946" y="3977947"/>
+                </a:lnTo>
+                <a:lnTo>
+                  <a:pt x="2704052" y="3952448"/>
+                </a:lnTo>
+                <a:lnTo>
+                  <a:pt x="2737503" y="3918998"/>
+                </a:lnTo>
+                <a:lnTo>
+                  <a:pt x="2763002" y="3878892"/>
+                </a:lnTo>
+                <a:lnTo>
+                  <a:pt x="2779252" y="3833427"/>
+                </a:lnTo>
+                <a:lnTo>
+                  <a:pt x="2784957" y="3783901"/>
+                </a:lnTo>
+                <a:lnTo>
+                  <a:pt x="2784957" y="0"/>
+                </a:lnTo>
+                <a:close/>
+              </a:path>
+            </a:pathLst>
+          </a:custGeom>
+          <a:solidFill>
+            <a:srgbClr val="EDEDED"/>
+          </a:solidFill>
+        </p:spPr>
+        <p:txBody>
+          <a:bodyPr wrap="square" lIns="0" tIns="0" rIns="0" bIns="0" rtlCol="0"/>
+          <a:lstStyle/>
+          <a:p>
+            <a:pPr defTabSz="1496163"/>
+            <a:endParaRPr lang="en-GB" sz="2381">
+              <a:solidFill>
+                <a:prstClr val="black"/>
+              </a:solidFill>
+              <a:latin typeface="Poppins" panose="00000500000000000000" pitchFamily="2" charset="0"/>
+              <a:cs typeface="Poppins" panose="00000500000000000000" pitchFamily="2" charset="0"/>
+            </a:endParaRPr>
+          </a:p>
+        </p:txBody>
+      </p:sp>
+      <p:sp>
+        <p:nvSpPr>
+          <p:cNvPr id="6" name="object 8">
+            <a:extLst>
+              <a:ext uri="{FF2B5EF4-FFF2-40B4-BE49-F238E27FC236}">
+                <a16:creationId xmlns:a16="http://schemas.microsoft.com/office/drawing/2014/main" id="{2490860D-C5D9-C6FD-C15C-4C7D4A0B88DF}"/>
+              </a:ext>
+            </a:extLst>
+          </p:cNvPr>
+          <p:cNvSpPr/>
+          <p:nvPr/>
+        </p:nvSpPr>
+        <p:spPr>
+          <a:xfrm>
+            <a:off x="795928" y="6090073"/>
+            <a:ext cx="4413681" cy="4766667"/>
+          </a:xfrm>
+          <a:custGeom>
+            <a:avLst/>
+            <a:gdLst/>
+            <a:ahLst/>
+            <a:cxnLst/>
+            <a:rect l="l" t="t" r="r" b="b"/>
+            <a:pathLst>
+              <a:path w="2785110" h="4000500">
+                <a:moveTo>
+                  <a:pt x="2784957" y="0"/>
+                </a:moveTo>
+                <a:lnTo>
+                  <a:pt x="0" y="0"/>
+                </a:lnTo>
+                <a:lnTo>
+                  <a:pt x="0" y="3783901"/>
+                </a:lnTo>
+                <a:lnTo>
+                  <a:pt x="5704" y="3833427"/>
+                </a:lnTo>
+                <a:lnTo>
+                  <a:pt x="21955" y="3878892"/>
+                </a:lnTo>
+                <a:lnTo>
+                  <a:pt x="47454" y="3918998"/>
+                </a:lnTo>
+                <a:lnTo>
+                  <a:pt x="80904" y="3952448"/>
+                </a:lnTo>
+                <a:lnTo>
+                  <a:pt x="121011" y="3977947"/>
+                </a:lnTo>
+                <a:lnTo>
+                  <a:pt x="166475" y="3994198"/>
+                </a:lnTo>
+                <a:lnTo>
+                  <a:pt x="216001" y="3999903"/>
+                </a:lnTo>
+                <a:lnTo>
+                  <a:pt x="2568956" y="3999903"/>
+                </a:lnTo>
+                <a:lnTo>
+                  <a:pt x="2618482" y="3994198"/>
+                </a:lnTo>
+                <a:lnTo>
+                  <a:pt x="2663946" y="3977947"/>
+                </a:lnTo>
+                <a:lnTo>
+                  <a:pt x="2704052" y="3952448"/>
+                </a:lnTo>
+                <a:lnTo>
+                  <a:pt x="2737503" y="3918998"/>
+                </a:lnTo>
+                <a:lnTo>
+                  <a:pt x="2763002" y="3878892"/>
+                </a:lnTo>
+                <a:lnTo>
+                  <a:pt x="2779252" y="3833427"/>
+                </a:lnTo>
+                <a:lnTo>
+                  <a:pt x="2784957" y="3783901"/>
+                </a:lnTo>
+                <a:lnTo>
+                  <a:pt x="2784957" y="0"/>
+                </a:lnTo>
+                <a:close/>
+              </a:path>
+            </a:pathLst>
+          </a:custGeom>
+          <a:solidFill>
+            <a:srgbClr val="EDEDED"/>
+          </a:solidFill>
+        </p:spPr>
+        <p:txBody>
+          <a:bodyPr wrap="square" lIns="0" tIns="0" rIns="0" bIns="0" rtlCol="0"/>
+          <a:lstStyle/>
+          <a:p>
+            <a:pPr defTabSz="1496163"/>
+            <a:endParaRPr lang="en-GB" sz="2381" dirty="0">
+              <a:solidFill>
+                <a:prstClr val="black"/>
+              </a:solidFill>
+              <a:latin typeface="Poppins" panose="00000500000000000000" pitchFamily="2" charset="0"/>
+              <a:cs typeface="Poppins" panose="00000500000000000000" pitchFamily="2" charset="0"/>
+            </a:endParaRPr>
+          </a:p>
+        </p:txBody>
+      </p:sp>
+      <p:pic>
+        <p:nvPicPr>
+          <p:cNvPr id="7" name="object 9">
+            <a:extLst>
+              <a:ext uri="{FF2B5EF4-FFF2-40B4-BE49-F238E27FC236}">
+                <a16:creationId xmlns:a16="http://schemas.microsoft.com/office/drawing/2014/main" id="{8D2D35D8-DF72-5EA0-1663-9E84BBB5A71B}"/>
+              </a:ext>
+            </a:extLst>
+          </p:cNvPr>
+          <p:cNvPicPr/>
+          <p:nvPr/>
+        </p:nvPicPr>
+        <p:blipFill>
+          <a:blip r:embed="rId2" cstate="print"/>
+          <a:stretch>
+            <a:fillRect/>
+          </a:stretch>
+        </p:blipFill>
+        <p:spPr>
+          <a:xfrm>
+            <a:off x="788229" y="5186333"/>
+            <a:ext cx="4413437" cy="1355582"/>
+          </a:xfrm>
+          <a:prstGeom prst="rect">
+            <a:avLst/>
+          </a:prstGeom>
+        </p:spPr>
+      </p:pic>
+      <p:sp>
+        <p:nvSpPr>
+          <p:cNvPr id="8" name="object 14">
+            <a:extLst>
+              <a:ext uri="{FF2B5EF4-FFF2-40B4-BE49-F238E27FC236}">
+                <a16:creationId xmlns:a16="http://schemas.microsoft.com/office/drawing/2014/main" id="{AF9203F8-E9D7-BBB9-D562-2E0463AED8BF}"/>
+              </a:ext>
+            </a:extLst>
+          </p:cNvPr>
+          <p:cNvSpPr txBox="1"/>
+          <p:nvPr/>
+        </p:nvSpPr>
+        <p:spPr>
+          <a:xfrm>
+            <a:off x="1184131" y="5886186"/>
+            <a:ext cx="3570708" cy="423850"/>
+          </a:xfrm>
+          <a:prstGeom prst="rect">
+            <a:avLst/>
+          </a:prstGeom>
+        </p:spPr>
+        <p:txBody>
+          <a:bodyPr vert="horz" wrap="square" lIns="0" tIns="20780" rIns="0" bIns="0" rtlCol="0">
+            <a:spAutoFit/>
+          </a:bodyPr>
+          <a:lstStyle/>
+          <a:p>
+            <a:pPr marL="20780" algn="ctr" defTabSz="1496163">
+              <a:spcBef>
+                <a:spcPts val="164"/>
+              </a:spcBef>
+            </a:pPr>
+            <a:r>
+              <a:rPr lang="en-GB" sz="2618" b="1" dirty="0">
+                <a:solidFill>
+                  <a:srgbClr val="FFFFFF"/>
+                </a:solidFill>
+                <a:latin typeface="Poppins" panose="00000500000000000000" pitchFamily="2" charset="0"/>
+                <a:cs typeface="Poppins" panose="00000500000000000000" pitchFamily="2" charset="0"/>
+              </a:rPr>
+              <a:t>Data Storage</a:t>
+            </a:r>
+            <a:endParaRPr lang="en-GB" sz="2618" dirty="0">
+              <a:solidFill>
+                <a:prstClr val="black"/>
+              </a:solidFill>
+              <a:latin typeface="Poppins" panose="00000500000000000000" pitchFamily="2" charset="0"/>
+              <a:cs typeface="Poppins" panose="00000500000000000000" pitchFamily="2" charset="0"/>
+            </a:endParaRPr>
+          </a:p>
+        </p:txBody>
+      </p:sp>
+      <p:pic>
+        <p:nvPicPr>
+          <p:cNvPr id="9" name="object 16">
+            <a:extLst>
+              <a:ext uri="{FF2B5EF4-FFF2-40B4-BE49-F238E27FC236}">
+                <a16:creationId xmlns:a16="http://schemas.microsoft.com/office/drawing/2014/main" id="{2A8065A0-4BC4-C6E0-AF8C-8F99A27E48F2}"/>
+              </a:ext>
+            </a:extLst>
+          </p:cNvPr>
+          <p:cNvPicPr/>
+          <p:nvPr/>
+        </p:nvPicPr>
+        <p:blipFill>
+          <a:blip r:embed="rId3" cstate="print"/>
+          <a:stretch>
+            <a:fillRect/>
+          </a:stretch>
+        </p:blipFill>
+        <p:spPr>
+          <a:xfrm>
+            <a:off x="14804505" y="5186333"/>
+            <a:ext cx="4413459" cy="1355582"/>
+          </a:xfrm>
+          <a:prstGeom prst="rect">
+            <a:avLst/>
+          </a:prstGeom>
+        </p:spPr>
+      </p:pic>
+      <p:pic>
+        <p:nvPicPr>
+          <p:cNvPr id="10" name="object 22">
+            <a:extLst>
+              <a:ext uri="{FF2B5EF4-FFF2-40B4-BE49-F238E27FC236}">
+                <a16:creationId xmlns:a16="http://schemas.microsoft.com/office/drawing/2014/main" id="{B532A048-FFE1-6909-261E-77E4FC804124}"/>
+              </a:ext>
+            </a:extLst>
+          </p:cNvPr>
+          <p:cNvPicPr/>
+          <p:nvPr/>
+        </p:nvPicPr>
+        <p:blipFill>
+          <a:blip r:embed="rId4" cstate="print"/>
+          <a:stretch>
+            <a:fillRect/>
+          </a:stretch>
+        </p:blipFill>
+        <p:spPr>
+          <a:xfrm>
+            <a:off x="5435872" y="5186333"/>
+            <a:ext cx="4413459" cy="1355582"/>
+          </a:xfrm>
+          <a:prstGeom prst="rect">
+            <a:avLst/>
+          </a:prstGeom>
+        </p:spPr>
+      </p:pic>
+      <p:pic>
+        <p:nvPicPr>
+          <p:cNvPr id="11" name="object 28">
+            <a:extLst>
+              <a:ext uri="{FF2B5EF4-FFF2-40B4-BE49-F238E27FC236}">
+                <a16:creationId xmlns:a16="http://schemas.microsoft.com/office/drawing/2014/main" id="{79B1CAAC-833A-85CC-1853-753CB66E26FB}"/>
+              </a:ext>
+            </a:extLst>
+          </p:cNvPr>
+          <p:cNvPicPr/>
+          <p:nvPr/>
+        </p:nvPicPr>
+        <p:blipFill>
+          <a:blip r:embed="rId5" cstate="print"/>
+          <a:stretch>
+            <a:fillRect/>
+          </a:stretch>
+        </p:blipFill>
+        <p:spPr>
+          <a:xfrm>
+            <a:off x="10148459" y="5186333"/>
+            <a:ext cx="4413459" cy="1355582"/>
+          </a:xfrm>
+          <a:prstGeom prst="rect">
+            <a:avLst/>
+          </a:prstGeom>
+        </p:spPr>
+      </p:pic>
+      <p:sp>
+        <p:nvSpPr>
+          <p:cNvPr id="12" name="object 33">
+            <a:extLst>
+              <a:ext uri="{FF2B5EF4-FFF2-40B4-BE49-F238E27FC236}">
+                <a16:creationId xmlns:a16="http://schemas.microsoft.com/office/drawing/2014/main" id="{F4C6143D-6B01-4A7C-89BC-6701AAC0EE0F}"/>
+              </a:ext>
+            </a:extLst>
+          </p:cNvPr>
+          <p:cNvSpPr txBox="1"/>
+          <p:nvPr/>
+        </p:nvSpPr>
+        <p:spPr>
+          <a:xfrm>
+            <a:off x="1051416" y="6757453"/>
+            <a:ext cx="3412403" cy="342931"/>
+          </a:xfrm>
+          <a:prstGeom prst="rect">
+            <a:avLst/>
+          </a:prstGeom>
+        </p:spPr>
+        <p:txBody>
+          <a:bodyPr vert="horz" wrap="square" lIns="0" tIns="20780" rIns="0" bIns="0" rtlCol="0">
+            <a:spAutoFit/>
+          </a:bodyPr>
+          <a:lstStyle/>
+          <a:p>
+            <a:pPr marL="20780" marR="8312" defTabSz="1496163">
+              <a:lnSpc>
+                <a:spcPct val="111100"/>
+              </a:lnSpc>
+              <a:spcBef>
+                <a:spcPts val="164"/>
+              </a:spcBef>
+            </a:pPr>
+            <a:r>
+              <a:rPr lang="en-GB" sz="1963" b="1" dirty="0">
+                <a:solidFill>
+                  <a:srgbClr val="383738"/>
+                </a:solidFill>
+                <a:latin typeface="Poppins" panose="00000500000000000000" pitchFamily="2" charset="0"/>
+                <a:cs typeface="Poppins" panose="00000500000000000000" pitchFamily="2" charset="0"/>
+              </a:rPr>
+              <a:t>Big Query</a:t>
+            </a:r>
+            <a:endParaRPr lang="en-GB" sz="1963" dirty="0">
+              <a:solidFill>
+                <a:prstClr val="black"/>
+              </a:solidFill>
+              <a:latin typeface="Poppins" panose="00000500000000000000" pitchFamily="2" charset="0"/>
+              <a:cs typeface="Poppins" panose="00000500000000000000" pitchFamily="2" charset="0"/>
+            </a:endParaRPr>
+          </a:p>
+        </p:txBody>
+      </p:sp>
+      <p:sp>
+        <p:nvSpPr>
+          <p:cNvPr id="13" name="green circle 1">
+            <a:extLst>
+              <a:ext uri="{FF2B5EF4-FFF2-40B4-BE49-F238E27FC236}">
+                <a16:creationId xmlns:a16="http://schemas.microsoft.com/office/drawing/2014/main" id="{2056DC86-0ADD-373B-B044-DDE8ADDF1229}"/>
+              </a:ext>
+            </a:extLst>
+          </p:cNvPr>
+          <p:cNvSpPr/>
+          <p:nvPr/>
+        </p:nvSpPr>
+        <p:spPr>
+          <a:xfrm>
+            <a:off x="1060127" y="7411080"/>
+            <a:ext cx="509490" cy="509605"/>
+          </a:xfrm>
+          <a:prstGeom prst="ellipse">
+            <a:avLst/>
+          </a:prstGeom>
+          <a:gradFill flip="none" rotWithShape="1">
+            <a:gsLst>
+              <a:gs pos="13000">
+                <a:srgbClr val="00864F"/>
+              </a:gs>
+              <a:gs pos="100000">
+                <a:srgbClr val="62B34F"/>
+              </a:gs>
+            </a:gsLst>
+            <a:lin ang="0" scaled="1"/>
+            <a:tileRect/>
+          </a:gradFill>
+          <a:ln w="19050" cap="flat" cmpd="sng" algn="ctr">
+            <a:solidFill>
+              <a:sysClr val="window" lastClr="FFFFFF"/>
+            </a:solidFill>
+            <a:prstDash val="solid"/>
+            <a:miter lim="800000"/>
+          </a:ln>
+          <a:effectLst/>
+        </p:spPr>
+        <p:txBody>
+          <a:bodyPr rtlCol="0" anchor="ctr"/>
+          <a:lstStyle/>
+          <a:p>
+            <a:pPr algn="ctr" defTabSz="1496163">
+              <a:defRPr/>
+            </a:pPr>
+            <a:r>
+              <a:rPr lang="en-US" b="1" dirty="0">
+                <a:solidFill>
+                  <a:prstClr val="white"/>
+                </a:solidFill>
+                <a:latin typeface="Poppins" panose="00000500000000000000" pitchFamily="2" charset="0"/>
+                <a:cs typeface="Poppins" panose="00000500000000000000" pitchFamily="2" charset="0"/>
+              </a:rPr>
+              <a:t>1</a:t>
+            </a:r>
+            <a:endParaRPr lang="en-GB" sz="1587" b="1" dirty="0">
+              <a:solidFill>
+                <a:prstClr val="white"/>
+              </a:solidFill>
+              <a:latin typeface="Poppins" panose="00000500000000000000" pitchFamily="2" charset="0"/>
+              <a:cs typeface="Poppins" panose="00000500000000000000" pitchFamily="2" charset="0"/>
+            </a:endParaRPr>
+          </a:p>
+        </p:txBody>
+      </p:sp>
+      <p:sp>
+        <p:nvSpPr>
+          <p:cNvPr id="14" name="red circle 1">
+            <a:extLst>
+              <a:ext uri="{FF2B5EF4-FFF2-40B4-BE49-F238E27FC236}">
+                <a16:creationId xmlns:a16="http://schemas.microsoft.com/office/drawing/2014/main" id="{F5972E8A-E43D-4BBF-14BE-35BE1610C2F9}"/>
+              </a:ext>
+            </a:extLst>
+          </p:cNvPr>
+          <p:cNvSpPr/>
+          <p:nvPr/>
+        </p:nvSpPr>
+        <p:spPr>
+          <a:xfrm>
+            <a:off x="5639154" y="7336514"/>
+            <a:ext cx="509490" cy="525793"/>
+          </a:xfrm>
+          <a:prstGeom prst="ellipse">
+            <a:avLst/>
+          </a:prstGeom>
+          <a:gradFill flip="none" rotWithShape="1">
+            <a:gsLst>
+              <a:gs pos="13000">
+                <a:srgbClr val="8B1C68"/>
+              </a:gs>
+              <a:gs pos="100000">
+                <a:srgbClr val="CD143E"/>
+              </a:gs>
+            </a:gsLst>
+            <a:lin ang="0" scaled="1"/>
+            <a:tileRect/>
+          </a:gradFill>
+          <a:ln w="19050" cap="flat" cmpd="sng" algn="ctr">
+            <a:solidFill>
+              <a:sysClr val="window" lastClr="FFFFFF"/>
+            </a:solidFill>
+            <a:prstDash val="solid"/>
+            <a:miter lim="800000"/>
+          </a:ln>
+          <a:effectLst/>
+        </p:spPr>
+        <p:txBody>
+          <a:bodyPr rtlCol="0" anchor="ctr"/>
+          <a:lstStyle/>
+          <a:p>
+            <a:pPr algn="ctr" defTabSz="1496163">
+              <a:defRPr/>
+            </a:pPr>
+            <a:r>
+              <a:rPr lang="en-US" b="1" dirty="0">
+                <a:solidFill>
+                  <a:prstClr val="white"/>
+                </a:solidFill>
+                <a:latin typeface="Poppins" panose="00000500000000000000" pitchFamily="2" charset="0"/>
+                <a:cs typeface="Poppins" panose="00000500000000000000" pitchFamily="2" charset="0"/>
+              </a:rPr>
+              <a:t>1</a:t>
+            </a:r>
+            <a:endParaRPr lang="en-GB" b="1" dirty="0">
+              <a:solidFill>
+                <a:prstClr val="white"/>
+              </a:solidFill>
+              <a:latin typeface="Poppins" panose="00000500000000000000" pitchFamily="2" charset="0"/>
+              <a:cs typeface="Poppins" panose="00000500000000000000" pitchFamily="2" charset="0"/>
+            </a:endParaRPr>
+          </a:p>
+        </p:txBody>
+      </p:sp>
+      <p:sp>
+        <p:nvSpPr>
+          <p:cNvPr id="15" name="blue circle 1">
+            <a:extLst>
+              <a:ext uri="{FF2B5EF4-FFF2-40B4-BE49-F238E27FC236}">
+                <a16:creationId xmlns:a16="http://schemas.microsoft.com/office/drawing/2014/main" id="{153FA3B7-0842-255E-4500-BB1E3FF48842}"/>
+              </a:ext>
+            </a:extLst>
+          </p:cNvPr>
+          <p:cNvSpPr/>
+          <p:nvPr/>
+        </p:nvSpPr>
+        <p:spPr>
+          <a:xfrm>
+            <a:off x="10360669" y="7336512"/>
+            <a:ext cx="509490" cy="525793"/>
+          </a:xfrm>
+          <a:prstGeom prst="ellipse">
+            <a:avLst/>
+          </a:prstGeom>
+          <a:gradFill flip="none" rotWithShape="1">
+            <a:gsLst>
+              <a:gs pos="13000">
+                <a:srgbClr val="18509D"/>
+              </a:gs>
+              <a:gs pos="100000">
+                <a:srgbClr val="3191CF"/>
+              </a:gs>
+            </a:gsLst>
+            <a:lin ang="0" scaled="1"/>
+            <a:tileRect/>
+          </a:gradFill>
+          <a:ln w="19050" cap="flat" cmpd="sng" algn="ctr">
+            <a:solidFill>
+              <a:sysClr val="window" lastClr="FFFFFF"/>
+            </a:solidFill>
+            <a:prstDash val="solid"/>
+            <a:miter lim="800000"/>
+          </a:ln>
+          <a:effectLst/>
+        </p:spPr>
+        <p:txBody>
+          <a:bodyPr rtlCol="0" anchor="ctr"/>
+          <a:lstStyle/>
+          <a:p>
+            <a:pPr algn="ctr" defTabSz="1496163">
+              <a:defRPr/>
+            </a:pPr>
+            <a:r>
+              <a:rPr lang="en-US" b="1" dirty="0">
+                <a:solidFill>
+                  <a:prstClr val="white"/>
+                </a:solidFill>
+                <a:latin typeface="Poppins" panose="00000500000000000000" pitchFamily="2" charset="0"/>
+                <a:cs typeface="Poppins" panose="00000500000000000000" pitchFamily="2" charset="0"/>
+              </a:rPr>
+              <a:t>1</a:t>
+            </a:r>
+            <a:endParaRPr lang="en-GB" b="1" dirty="0">
+              <a:solidFill>
+                <a:prstClr val="white"/>
+              </a:solidFill>
+              <a:latin typeface="Poppins" panose="00000500000000000000" pitchFamily="2" charset="0"/>
+              <a:cs typeface="Poppins" panose="00000500000000000000" pitchFamily="2" charset="0"/>
+            </a:endParaRPr>
+          </a:p>
+        </p:txBody>
+      </p:sp>
+      <p:pic>
+        <p:nvPicPr>
+          <p:cNvPr id="16" name="Picture 15">
+            <a:extLst>
+              <a:ext uri="{FF2B5EF4-FFF2-40B4-BE49-F238E27FC236}">
+                <a16:creationId xmlns:a16="http://schemas.microsoft.com/office/drawing/2014/main" id="{FFA031FA-934B-52F3-1B4D-110E38A01120}"/>
+              </a:ext>
+            </a:extLst>
+          </p:cNvPr>
+          <p:cNvPicPr>
+            <a:picLocks noChangeAspect="1"/>
+          </p:cNvPicPr>
+          <p:nvPr/>
+        </p:nvPicPr>
+        <p:blipFill>
+          <a:blip r:embed="rId6" cstate="print">
+            <a:extLst>
+              <a:ext uri="{28A0092B-C50C-407E-A947-70E740481C1C}">
+                <a14:useLocalDpi xmlns:a14="http://schemas.microsoft.com/office/drawing/2010/main" val="0"/>
+              </a:ext>
+            </a:extLst>
+          </a:blip>
+          <a:stretch>
+            <a:fillRect/>
+          </a:stretch>
+        </p:blipFill>
+        <p:spPr>
+          <a:xfrm>
+            <a:off x="2715883" y="5373640"/>
+            <a:ext cx="551012" cy="477477"/>
+          </a:xfrm>
+          <a:prstGeom prst="rect">
+            <a:avLst/>
+          </a:prstGeom>
+        </p:spPr>
+      </p:pic>
+      <p:pic>
+        <p:nvPicPr>
+          <p:cNvPr id="17" name="Picture 16">
+            <a:extLst>
+              <a:ext uri="{FF2B5EF4-FFF2-40B4-BE49-F238E27FC236}">
+                <a16:creationId xmlns:a16="http://schemas.microsoft.com/office/drawing/2014/main" id="{BCB0C605-A91B-14FE-6244-4AFE1CCAA0B4}"/>
+              </a:ext>
+            </a:extLst>
+          </p:cNvPr>
+          <p:cNvPicPr>
+            <a:picLocks noChangeAspect="1"/>
+          </p:cNvPicPr>
+          <p:nvPr/>
+        </p:nvPicPr>
+        <p:blipFill>
+          <a:blip r:embed="rId7" cstate="print">
+            <a:extLst>
+              <a:ext uri="{28A0092B-C50C-407E-A947-70E740481C1C}">
+                <a14:useLocalDpi xmlns:a14="http://schemas.microsoft.com/office/drawing/2010/main" val="0"/>
+              </a:ext>
+            </a:extLst>
+          </a:blip>
+          <a:stretch>
+            <a:fillRect/>
+          </a:stretch>
+        </p:blipFill>
+        <p:spPr>
+          <a:xfrm>
+            <a:off x="12073832" y="5280517"/>
+            <a:ext cx="431882" cy="426740"/>
+          </a:xfrm>
+          <a:prstGeom prst="rect">
+            <a:avLst/>
+          </a:prstGeom>
+        </p:spPr>
+      </p:pic>
+      <p:pic>
+        <p:nvPicPr>
+          <p:cNvPr id="18" name="Picture 17">
+            <a:extLst>
+              <a:ext uri="{FF2B5EF4-FFF2-40B4-BE49-F238E27FC236}">
+                <a16:creationId xmlns:a16="http://schemas.microsoft.com/office/drawing/2014/main" id="{7E44EA63-EB5E-9C50-1BE3-24493103A395}"/>
+              </a:ext>
+            </a:extLst>
+          </p:cNvPr>
+          <p:cNvPicPr>
+            <a:picLocks noChangeAspect="1"/>
+          </p:cNvPicPr>
+          <p:nvPr/>
+        </p:nvPicPr>
+        <p:blipFill>
+          <a:blip r:embed="rId6" cstate="print">
+            <a:extLst>
+              <a:ext uri="{28A0092B-C50C-407E-A947-70E740481C1C}">
+                <a14:useLocalDpi xmlns:a14="http://schemas.microsoft.com/office/drawing/2010/main" val="0"/>
+              </a:ext>
+            </a:extLst>
+          </a:blip>
+          <a:stretch>
+            <a:fillRect/>
+          </a:stretch>
+        </p:blipFill>
+        <p:spPr>
+          <a:xfrm>
+            <a:off x="16670012" y="5396571"/>
+            <a:ext cx="551012" cy="477477"/>
+          </a:xfrm>
+          <a:prstGeom prst="rect">
+            <a:avLst/>
+          </a:prstGeom>
+        </p:spPr>
+      </p:pic>
+      <p:sp>
+        <p:nvSpPr>
+          <p:cNvPr id="19" name="yellow circle 1">
+            <a:extLst>
+              <a:ext uri="{FF2B5EF4-FFF2-40B4-BE49-F238E27FC236}">
+                <a16:creationId xmlns:a16="http://schemas.microsoft.com/office/drawing/2014/main" id="{3A1036B1-20E0-2876-655D-B585BA1276E6}"/>
+              </a:ext>
+            </a:extLst>
+          </p:cNvPr>
+          <p:cNvSpPr/>
+          <p:nvPr/>
+        </p:nvSpPr>
+        <p:spPr>
+          <a:xfrm>
+            <a:off x="15033435" y="7336510"/>
+            <a:ext cx="509490" cy="525793"/>
+          </a:xfrm>
+          <a:prstGeom prst="ellipse">
+            <a:avLst/>
+          </a:prstGeom>
+          <a:gradFill flip="none" rotWithShape="1">
+            <a:gsLst>
+              <a:gs pos="13000">
+                <a:srgbClr val="D84F14"/>
+              </a:gs>
+              <a:gs pos="100000">
+                <a:srgbClr val="F6A400"/>
+              </a:gs>
+            </a:gsLst>
+            <a:lin ang="0" scaled="1"/>
+            <a:tileRect/>
+          </a:gradFill>
+          <a:ln w="19050" cap="flat" cmpd="sng" algn="ctr">
+            <a:solidFill>
+              <a:sysClr val="window" lastClr="FFFFFF"/>
+            </a:solidFill>
+            <a:prstDash val="solid"/>
+            <a:miter lim="800000"/>
+          </a:ln>
+          <a:effectLst/>
+        </p:spPr>
+        <p:txBody>
+          <a:bodyPr rtlCol="0" anchor="ctr"/>
+          <a:lstStyle/>
+          <a:p>
+            <a:pPr algn="ctr" defTabSz="1496163">
+              <a:defRPr/>
+            </a:pPr>
+            <a:r>
+              <a:rPr lang="en-US" b="1" dirty="0">
+                <a:solidFill>
+                  <a:prstClr val="white"/>
+                </a:solidFill>
+                <a:latin typeface="Poppins" panose="00000500000000000000" pitchFamily="2" charset="0"/>
+                <a:cs typeface="Poppins" panose="00000500000000000000" pitchFamily="2" charset="0"/>
+              </a:rPr>
+              <a:t>1</a:t>
+            </a:r>
+            <a:endParaRPr lang="en-GB" sz="1587" b="1" dirty="0">
+              <a:solidFill>
+                <a:prstClr val="white"/>
+              </a:solidFill>
+              <a:latin typeface="Poppins" panose="00000500000000000000" pitchFamily="2" charset="0"/>
+              <a:cs typeface="Poppins" panose="00000500000000000000" pitchFamily="2" charset="0"/>
+            </a:endParaRPr>
+          </a:p>
+        </p:txBody>
+      </p:sp>
+      <p:pic>
+        <p:nvPicPr>
+          <p:cNvPr id="20" name="Picture 19">
+            <a:extLst>
+              <a:ext uri="{FF2B5EF4-FFF2-40B4-BE49-F238E27FC236}">
+                <a16:creationId xmlns:a16="http://schemas.microsoft.com/office/drawing/2014/main" id="{E2DAF008-45A1-8E06-17F2-416B96EDD74F}"/>
+              </a:ext>
+            </a:extLst>
+          </p:cNvPr>
+          <p:cNvPicPr>
+            <a:picLocks noChangeAspect="1"/>
+          </p:cNvPicPr>
+          <p:nvPr/>
+        </p:nvPicPr>
+        <p:blipFill>
+          <a:blip r:embed="rId8" cstate="print">
+            <a:extLst>
+              <a:ext uri="{28A0092B-C50C-407E-A947-70E740481C1C}">
+                <a14:useLocalDpi xmlns:a14="http://schemas.microsoft.com/office/drawing/2010/main" val="0"/>
+              </a:ext>
+            </a:extLst>
+          </a:blip>
+          <a:stretch>
+            <a:fillRect/>
+          </a:stretch>
+        </p:blipFill>
+        <p:spPr>
+          <a:xfrm>
+            <a:off x="7381843" y="5278548"/>
+            <a:ext cx="521515" cy="527953"/>
+          </a:xfrm>
+          <a:prstGeom prst="rect">
+            <a:avLst/>
+          </a:prstGeom>
+        </p:spPr>
+      </p:pic>
+      <p:sp>
+        <p:nvSpPr>
+          <p:cNvPr id="21" name="object 14">
+            <a:extLst>
+              <a:ext uri="{FF2B5EF4-FFF2-40B4-BE49-F238E27FC236}">
+                <a16:creationId xmlns:a16="http://schemas.microsoft.com/office/drawing/2014/main" id="{06C4B454-180D-FDF7-EDD8-C6492397335F}"/>
+              </a:ext>
+            </a:extLst>
+          </p:cNvPr>
+          <p:cNvSpPr txBox="1"/>
+          <p:nvPr/>
+        </p:nvSpPr>
+        <p:spPr>
+          <a:xfrm>
+            <a:off x="5893899" y="5926722"/>
+            <a:ext cx="3570708" cy="423850"/>
+          </a:xfrm>
+          <a:prstGeom prst="rect">
+            <a:avLst/>
+          </a:prstGeom>
+        </p:spPr>
+        <p:txBody>
+          <a:bodyPr vert="horz" wrap="square" lIns="0" tIns="20780" rIns="0" bIns="0" rtlCol="0">
+            <a:spAutoFit/>
+          </a:bodyPr>
+          <a:lstStyle/>
+          <a:p>
+            <a:pPr marL="20780" algn="ctr" defTabSz="1496163">
+              <a:spcBef>
+                <a:spcPts val="164"/>
+              </a:spcBef>
+            </a:pPr>
+            <a:r>
+              <a:rPr lang="en-GB" sz="2618" b="1" dirty="0">
+                <a:solidFill>
+                  <a:srgbClr val="FFFFFF"/>
+                </a:solidFill>
+                <a:latin typeface="Poppins" panose="00000500000000000000" pitchFamily="2" charset="0"/>
+                <a:cs typeface="Poppins" panose="00000500000000000000" pitchFamily="2" charset="0"/>
+              </a:rPr>
+              <a:t>Model Training</a:t>
+            </a:r>
+            <a:endParaRPr lang="en-GB" sz="2618" dirty="0">
+              <a:solidFill>
+                <a:prstClr val="black"/>
+              </a:solidFill>
+              <a:latin typeface="Poppins" panose="00000500000000000000" pitchFamily="2" charset="0"/>
+              <a:cs typeface="Poppins" panose="00000500000000000000" pitchFamily="2" charset="0"/>
+            </a:endParaRPr>
+          </a:p>
+        </p:txBody>
+      </p:sp>
+      <p:sp>
+        <p:nvSpPr>
+          <p:cNvPr id="22" name="object 14">
+            <a:extLst>
+              <a:ext uri="{FF2B5EF4-FFF2-40B4-BE49-F238E27FC236}">
+                <a16:creationId xmlns:a16="http://schemas.microsoft.com/office/drawing/2014/main" id="{D41FE4B8-0C74-EFEA-2176-FF30E47BB4A2}"/>
+              </a:ext>
+            </a:extLst>
+          </p:cNvPr>
+          <p:cNvSpPr txBox="1"/>
+          <p:nvPr/>
+        </p:nvSpPr>
+        <p:spPr>
+          <a:xfrm>
+            <a:off x="10562416" y="5945751"/>
+            <a:ext cx="3570708" cy="423850"/>
+          </a:xfrm>
+          <a:prstGeom prst="rect">
+            <a:avLst/>
+          </a:prstGeom>
+        </p:spPr>
+        <p:txBody>
+          <a:bodyPr vert="horz" wrap="square" lIns="0" tIns="20780" rIns="0" bIns="0" rtlCol="0">
+            <a:spAutoFit/>
+          </a:bodyPr>
+          <a:lstStyle/>
+          <a:p>
+            <a:pPr marL="20780" algn="ctr" defTabSz="1496163">
+              <a:spcBef>
+                <a:spcPts val="164"/>
+              </a:spcBef>
+            </a:pPr>
+            <a:r>
+              <a:rPr lang="en-GB" sz="2618" b="1" dirty="0">
+                <a:solidFill>
+                  <a:srgbClr val="FFFFFF"/>
+                </a:solidFill>
+                <a:latin typeface="Poppins" panose="00000500000000000000" pitchFamily="2" charset="0"/>
+                <a:cs typeface="Poppins" panose="00000500000000000000" pitchFamily="2" charset="0"/>
+              </a:rPr>
+              <a:t>Model Evaluation</a:t>
+            </a:r>
+            <a:endParaRPr lang="en-GB" sz="2618" dirty="0">
+              <a:solidFill>
+                <a:prstClr val="black"/>
+              </a:solidFill>
+              <a:latin typeface="Poppins" panose="00000500000000000000" pitchFamily="2" charset="0"/>
+              <a:cs typeface="Poppins" panose="00000500000000000000" pitchFamily="2" charset="0"/>
+            </a:endParaRPr>
+          </a:p>
+        </p:txBody>
+      </p:sp>
+      <p:sp>
+        <p:nvSpPr>
+          <p:cNvPr id="23" name="object 14">
+            <a:extLst>
+              <a:ext uri="{FF2B5EF4-FFF2-40B4-BE49-F238E27FC236}">
+                <a16:creationId xmlns:a16="http://schemas.microsoft.com/office/drawing/2014/main" id="{4D9EC895-E811-729F-8A86-E7EB7322868E}"/>
+              </a:ext>
+            </a:extLst>
+          </p:cNvPr>
+          <p:cNvSpPr txBox="1"/>
+          <p:nvPr/>
+        </p:nvSpPr>
+        <p:spPr>
+          <a:xfrm>
+            <a:off x="15225879" y="5952846"/>
+            <a:ext cx="3570708" cy="423850"/>
+          </a:xfrm>
+          <a:prstGeom prst="rect">
+            <a:avLst/>
+          </a:prstGeom>
+        </p:spPr>
+        <p:txBody>
+          <a:bodyPr vert="horz" wrap="square" lIns="0" tIns="20780" rIns="0" bIns="0" rtlCol="0">
+            <a:spAutoFit/>
+          </a:bodyPr>
+          <a:lstStyle/>
+          <a:p>
+            <a:pPr marL="20780" algn="ctr" defTabSz="1496163">
+              <a:spcBef>
+                <a:spcPts val="164"/>
+              </a:spcBef>
+            </a:pPr>
+            <a:r>
+              <a:rPr lang="en-GB" sz="2618" b="1" dirty="0">
+                <a:solidFill>
+                  <a:srgbClr val="FFFFFF"/>
+                </a:solidFill>
+                <a:latin typeface="Poppins" panose="00000500000000000000" pitchFamily="2" charset="0"/>
+                <a:cs typeface="Poppins" panose="00000500000000000000" pitchFamily="2" charset="0"/>
+              </a:rPr>
+              <a:t>Deployment</a:t>
+            </a:r>
+            <a:endParaRPr lang="en-GB" sz="2618" dirty="0">
+              <a:solidFill>
+                <a:prstClr val="black"/>
+              </a:solidFill>
+              <a:latin typeface="Poppins" panose="00000500000000000000" pitchFamily="2" charset="0"/>
+              <a:cs typeface="Poppins" panose="00000500000000000000" pitchFamily="2" charset="0"/>
+            </a:endParaRPr>
+          </a:p>
+        </p:txBody>
+      </p:sp>
+      <p:sp>
+        <p:nvSpPr>
+          <p:cNvPr id="24" name="green circle 1">
+            <a:extLst>
+              <a:ext uri="{FF2B5EF4-FFF2-40B4-BE49-F238E27FC236}">
+                <a16:creationId xmlns:a16="http://schemas.microsoft.com/office/drawing/2014/main" id="{04C5CEC9-310F-0697-D256-3362404F2841}"/>
+              </a:ext>
+            </a:extLst>
+          </p:cNvPr>
+          <p:cNvSpPr/>
+          <p:nvPr/>
+        </p:nvSpPr>
+        <p:spPr>
+          <a:xfrm>
+            <a:off x="1051416" y="8858056"/>
+            <a:ext cx="509490" cy="509605"/>
+          </a:xfrm>
+          <a:prstGeom prst="ellipse">
+            <a:avLst/>
+          </a:prstGeom>
+          <a:gradFill flip="none" rotWithShape="1">
+            <a:gsLst>
+              <a:gs pos="13000">
+                <a:srgbClr val="00864F"/>
+              </a:gs>
+              <a:gs pos="100000">
+                <a:srgbClr val="62B34F"/>
+              </a:gs>
+            </a:gsLst>
+            <a:lin ang="0" scaled="1"/>
+            <a:tileRect/>
+          </a:gradFill>
+          <a:ln w="19050" cap="flat" cmpd="sng" algn="ctr">
+            <a:solidFill>
+              <a:sysClr val="window" lastClr="FFFFFF"/>
+            </a:solidFill>
+            <a:prstDash val="solid"/>
+            <a:miter lim="800000"/>
+          </a:ln>
+          <a:effectLst/>
+        </p:spPr>
+        <p:txBody>
+          <a:bodyPr rtlCol="0" anchor="ctr"/>
+          <a:lstStyle/>
+          <a:p>
+            <a:pPr algn="ctr" defTabSz="1496163">
+              <a:defRPr/>
+            </a:pPr>
+            <a:r>
+              <a:rPr lang="en-US" b="1" dirty="0">
+                <a:solidFill>
+                  <a:prstClr val="white"/>
+                </a:solidFill>
+                <a:latin typeface="Poppins" panose="00000500000000000000" pitchFamily="2" charset="0"/>
+                <a:cs typeface="Poppins" panose="00000500000000000000" pitchFamily="2" charset="0"/>
+              </a:rPr>
+              <a:t>2</a:t>
+            </a:r>
+            <a:endParaRPr lang="en-GB" sz="1587" b="1" dirty="0">
+              <a:solidFill>
+                <a:prstClr val="white"/>
+              </a:solidFill>
+              <a:latin typeface="Poppins" panose="00000500000000000000" pitchFamily="2" charset="0"/>
+              <a:cs typeface="Poppins" panose="00000500000000000000" pitchFamily="2" charset="0"/>
+            </a:endParaRPr>
+          </a:p>
+        </p:txBody>
+      </p:sp>
+      <p:sp>
+        <p:nvSpPr>
+          <p:cNvPr id="25" name="object 33">
+            <a:extLst>
+              <a:ext uri="{FF2B5EF4-FFF2-40B4-BE49-F238E27FC236}">
+                <a16:creationId xmlns:a16="http://schemas.microsoft.com/office/drawing/2014/main" id="{F759A337-3391-7FB3-5F03-65ED95987474}"/>
+              </a:ext>
+            </a:extLst>
+          </p:cNvPr>
+          <p:cNvSpPr txBox="1"/>
+          <p:nvPr/>
+        </p:nvSpPr>
+        <p:spPr>
+          <a:xfrm>
+            <a:off x="1683411" y="7355647"/>
+            <a:ext cx="3412403" cy="1010293"/>
+          </a:xfrm>
+          <a:prstGeom prst="rect">
+            <a:avLst/>
+          </a:prstGeom>
+        </p:spPr>
+        <p:txBody>
+          <a:bodyPr vert="horz" wrap="square" lIns="0" tIns="20780" rIns="0" bIns="0" rtlCol="0">
+            <a:spAutoFit/>
+          </a:bodyPr>
+          <a:lstStyle/>
+          <a:p>
+            <a:pPr marL="20780" marR="8312" defTabSz="1496163">
+              <a:lnSpc>
+                <a:spcPct val="111100"/>
+              </a:lnSpc>
+              <a:spcBef>
+                <a:spcPts val="164"/>
+              </a:spcBef>
+            </a:pPr>
+            <a:r>
+              <a:rPr lang="en-GB" sz="1963" b="1" dirty="0">
+                <a:solidFill>
+                  <a:srgbClr val="383738"/>
+                </a:solidFill>
+                <a:latin typeface="Poppins" panose="00000500000000000000" pitchFamily="2" charset="0"/>
+                <a:cs typeface="Poppins" panose="00000500000000000000" pitchFamily="2" charset="0"/>
+              </a:rPr>
+              <a:t>Performance</a:t>
+            </a:r>
+          </a:p>
+          <a:p>
+            <a:pPr marL="306530" marR="8312" indent="-285750" defTabSz="1496163">
+              <a:lnSpc>
+                <a:spcPct val="111100"/>
+              </a:lnSpc>
+              <a:spcBef>
+                <a:spcPts val="164"/>
+              </a:spcBef>
+              <a:buFont typeface="Wingdings" panose="05000000000000000000" pitchFamily="2" charset="2"/>
+              <a:buChar char="§"/>
+            </a:pPr>
+            <a:r>
+              <a:rPr lang="en-GB" dirty="0">
+                <a:solidFill>
+                  <a:prstClr val="black"/>
+                </a:solidFill>
+                <a:latin typeface="Poppins" panose="00000500000000000000" pitchFamily="2" charset="0"/>
+                <a:cs typeface="Poppins" panose="00000500000000000000" pitchFamily="2" charset="0"/>
+              </a:rPr>
+              <a:t>High speed querying</a:t>
+            </a:r>
+          </a:p>
+          <a:p>
+            <a:pPr marL="306530" marR="8312" indent="-285750" defTabSz="1496163">
+              <a:lnSpc>
+                <a:spcPct val="111100"/>
+              </a:lnSpc>
+              <a:spcBef>
+                <a:spcPts val="164"/>
+              </a:spcBef>
+              <a:buFont typeface="Wingdings" panose="05000000000000000000" pitchFamily="2" charset="2"/>
+              <a:buChar char="§"/>
+            </a:pPr>
+            <a:r>
+              <a:rPr lang="en-GB" dirty="0">
+                <a:solidFill>
+                  <a:prstClr val="black"/>
+                </a:solidFill>
+                <a:latin typeface="Poppins" panose="00000500000000000000" pitchFamily="2" charset="0"/>
+                <a:cs typeface="Poppins" panose="00000500000000000000" pitchFamily="2" charset="0"/>
+              </a:rPr>
+              <a:t>Rapid Data Retrieval</a:t>
+            </a:r>
+          </a:p>
+        </p:txBody>
+      </p:sp>
+      <p:sp>
+        <p:nvSpPr>
+          <p:cNvPr id="26" name="object 33">
+            <a:extLst>
+              <a:ext uri="{FF2B5EF4-FFF2-40B4-BE49-F238E27FC236}">
+                <a16:creationId xmlns:a16="http://schemas.microsoft.com/office/drawing/2014/main" id="{737AFF2B-89D7-F8C0-FBE9-F5C796364A95}"/>
+              </a:ext>
+            </a:extLst>
+          </p:cNvPr>
+          <p:cNvSpPr txBox="1"/>
+          <p:nvPr/>
+        </p:nvSpPr>
+        <p:spPr>
+          <a:xfrm>
+            <a:off x="1677374" y="8855952"/>
+            <a:ext cx="3412403" cy="703862"/>
+          </a:xfrm>
+          <a:prstGeom prst="rect">
+            <a:avLst/>
+          </a:prstGeom>
+        </p:spPr>
+        <p:txBody>
+          <a:bodyPr vert="horz" wrap="square" lIns="0" tIns="20780" rIns="0" bIns="0" rtlCol="0">
+            <a:spAutoFit/>
+          </a:bodyPr>
+          <a:lstStyle/>
+          <a:p>
+            <a:pPr marL="20780" marR="8312" defTabSz="1496163">
+              <a:lnSpc>
+                <a:spcPct val="111100"/>
+              </a:lnSpc>
+              <a:spcBef>
+                <a:spcPts val="164"/>
+              </a:spcBef>
+            </a:pPr>
+            <a:r>
+              <a:rPr lang="en-US" sz="1963" b="1" dirty="0">
+                <a:solidFill>
+                  <a:srgbClr val="383738"/>
+                </a:solidFill>
+                <a:latin typeface="Poppins" panose="00000500000000000000" pitchFamily="2" charset="0"/>
+                <a:cs typeface="Poppins" panose="00000500000000000000" pitchFamily="2" charset="0"/>
+              </a:rPr>
+              <a:t>Cost-Effective</a:t>
+            </a:r>
+          </a:p>
+          <a:p>
+            <a:pPr marL="306530" marR="8312" indent="-285750" defTabSz="1496163">
+              <a:lnSpc>
+                <a:spcPct val="111100"/>
+              </a:lnSpc>
+              <a:spcBef>
+                <a:spcPts val="164"/>
+              </a:spcBef>
+              <a:buFont typeface="Wingdings" panose="05000000000000000000" pitchFamily="2" charset="2"/>
+              <a:buChar char="§"/>
+            </a:pPr>
+            <a:r>
+              <a:rPr lang="en-US" dirty="0">
+                <a:solidFill>
+                  <a:srgbClr val="383738"/>
+                </a:solidFill>
+                <a:latin typeface="Poppins" panose="00000500000000000000" pitchFamily="2" charset="0"/>
+                <a:cs typeface="Poppins" panose="00000500000000000000" pitchFamily="2" charset="0"/>
+              </a:rPr>
+              <a:t>Pay-as-you-go pricing</a:t>
+            </a:r>
+            <a:endParaRPr lang="en-GB" dirty="0">
+              <a:solidFill>
+                <a:prstClr val="black"/>
+              </a:solidFill>
+              <a:latin typeface="Poppins" panose="00000500000000000000" pitchFamily="2" charset="0"/>
+              <a:cs typeface="Poppins" panose="00000500000000000000" pitchFamily="2" charset="0"/>
+            </a:endParaRPr>
+          </a:p>
+        </p:txBody>
+      </p:sp>
+      <p:sp>
+        <p:nvSpPr>
+          <p:cNvPr id="27" name="object 33">
+            <a:extLst>
+              <a:ext uri="{FF2B5EF4-FFF2-40B4-BE49-F238E27FC236}">
+                <a16:creationId xmlns:a16="http://schemas.microsoft.com/office/drawing/2014/main" id="{FAC49329-41F0-2DE0-4BBC-BAF8472C8719}"/>
+              </a:ext>
+            </a:extLst>
+          </p:cNvPr>
+          <p:cNvSpPr txBox="1"/>
+          <p:nvPr/>
+        </p:nvSpPr>
+        <p:spPr>
+          <a:xfrm>
+            <a:off x="5675641" y="6724262"/>
+            <a:ext cx="3412403" cy="342931"/>
+          </a:xfrm>
+          <a:prstGeom prst="rect">
+            <a:avLst/>
+          </a:prstGeom>
+        </p:spPr>
+        <p:txBody>
+          <a:bodyPr vert="horz" wrap="square" lIns="0" tIns="20780" rIns="0" bIns="0" rtlCol="0">
+            <a:spAutoFit/>
+          </a:bodyPr>
+          <a:lstStyle/>
+          <a:p>
+            <a:pPr marL="20780" marR="8312" defTabSz="1496163">
+              <a:lnSpc>
+                <a:spcPct val="111100"/>
+              </a:lnSpc>
+              <a:spcBef>
+                <a:spcPts val="164"/>
+              </a:spcBef>
+            </a:pPr>
+            <a:r>
+              <a:rPr lang="en-GB" sz="1963" b="1" dirty="0">
+                <a:solidFill>
+                  <a:srgbClr val="383738"/>
+                </a:solidFill>
+                <a:latin typeface="Poppins" panose="00000500000000000000" pitchFamily="2" charset="0"/>
+                <a:cs typeface="Poppins" panose="00000500000000000000" pitchFamily="2" charset="0"/>
+              </a:rPr>
+              <a:t>Vertex AI</a:t>
+            </a:r>
+            <a:endParaRPr lang="en-GB" sz="1963" dirty="0">
+              <a:solidFill>
+                <a:prstClr val="black"/>
+              </a:solidFill>
+              <a:latin typeface="Poppins" panose="00000500000000000000" pitchFamily="2" charset="0"/>
+              <a:cs typeface="Poppins" panose="00000500000000000000" pitchFamily="2" charset="0"/>
+            </a:endParaRPr>
+          </a:p>
+        </p:txBody>
+      </p:sp>
+      <p:sp>
+        <p:nvSpPr>
+          <p:cNvPr id="28" name="object 33">
+            <a:extLst>
+              <a:ext uri="{FF2B5EF4-FFF2-40B4-BE49-F238E27FC236}">
+                <a16:creationId xmlns:a16="http://schemas.microsoft.com/office/drawing/2014/main" id="{4F5679CF-8890-535F-71FA-0DCE983C7F03}"/>
+              </a:ext>
+            </a:extLst>
+          </p:cNvPr>
+          <p:cNvSpPr txBox="1"/>
+          <p:nvPr/>
+        </p:nvSpPr>
+        <p:spPr>
+          <a:xfrm>
+            <a:off x="6251449" y="7317428"/>
+            <a:ext cx="3412403" cy="1625205"/>
+          </a:xfrm>
+          <a:prstGeom prst="rect">
+            <a:avLst/>
+          </a:prstGeom>
+        </p:spPr>
+        <p:txBody>
+          <a:bodyPr vert="horz" wrap="square" lIns="0" tIns="20780" rIns="0" bIns="0" rtlCol="0">
+            <a:spAutoFit/>
+          </a:bodyPr>
+          <a:lstStyle/>
+          <a:p>
+            <a:pPr marL="20780" marR="8312" defTabSz="1496163">
+              <a:lnSpc>
+                <a:spcPct val="111100"/>
+              </a:lnSpc>
+              <a:spcBef>
+                <a:spcPts val="164"/>
+              </a:spcBef>
+            </a:pPr>
+            <a:r>
+              <a:rPr lang="en-GB" sz="1963" b="1" dirty="0" err="1">
+                <a:solidFill>
+                  <a:srgbClr val="383738"/>
+                </a:solidFill>
+                <a:latin typeface="Poppins" panose="00000500000000000000" pitchFamily="2" charset="0"/>
+                <a:cs typeface="Poppins" panose="00000500000000000000" pitchFamily="2" charset="0"/>
+              </a:rPr>
+              <a:t>AutoML</a:t>
+            </a:r>
+            <a:r>
+              <a:rPr lang="en-GB" sz="1963" b="1" dirty="0">
+                <a:solidFill>
+                  <a:srgbClr val="383738"/>
+                </a:solidFill>
+                <a:latin typeface="Poppins" panose="00000500000000000000" pitchFamily="2" charset="0"/>
+                <a:cs typeface="Poppins" panose="00000500000000000000" pitchFamily="2" charset="0"/>
+              </a:rPr>
+              <a:t> Capability</a:t>
+            </a:r>
+          </a:p>
+          <a:p>
+            <a:pPr marL="306530" marR="8312" indent="-285750" defTabSz="1496163">
+              <a:lnSpc>
+                <a:spcPct val="111100"/>
+              </a:lnSpc>
+              <a:spcBef>
+                <a:spcPts val="164"/>
+              </a:spcBef>
+              <a:buFont typeface="Wingdings" panose="05000000000000000000" pitchFamily="2" charset="2"/>
+              <a:buChar char="§"/>
+            </a:pPr>
+            <a:r>
+              <a:rPr lang="en-GB" dirty="0">
+                <a:solidFill>
+                  <a:prstClr val="black"/>
+                </a:solidFill>
+                <a:latin typeface="Poppins" panose="00000500000000000000" pitchFamily="2" charset="0"/>
+                <a:cs typeface="Poppins" panose="00000500000000000000" pitchFamily="2" charset="0"/>
+              </a:rPr>
+              <a:t>Suite of tools requiring minimal effort</a:t>
+            </a:r>
+          </a:p>
+          <a:p>
+            <a:pPr marL="306530" marR="8312" indent="-285750" defTabSz="1496163">
+              <a:lnSpc>
+                <a:spcPct val="111100"/>
+              </a:lnSpc>
+              <a:spcBef>
+                <a:spcPts val="164"/>
+              </a:spcBef>
+              <a:buFont typeface="Wingdings" panose="05000000000000000000" pitchFamily="2" charset="2"/>
+              <a:buChar char="§"/>
+            </a:pPr>
+            <a:r>
+              <a:rPr lang="en-GB" dirty="0">
+                <a:solidFill>
+                  <a:prstClr val="black"/>
+                </a:solidFill>
+                <a:latin typeface="Poppins" panose="00000500000000000000" pitchFamily="2" charset="0"/>
+                <a:cs typeface="Poppins" panose="00000500000000000000" pitchFamily="2" charset="0"/>
+              </a:rPr>
+              <a:t>Good for varying degrees of technical ability</a:t>
+            </a:r>
+          </a:p>
+        </p:txBody>
+      </p:sp>
+      <p:sp>
+        <p:nvSpPr>
+          <p:cNvPr id="29" name="red circle 1">
+            <a:extLst>
+              <a:ext uri="{FF2B5EF4-FFF2-40B4-BE49-F238E27FC236}">
+                <a16:creationId xmlns:a16="http://schemas.microsoft.com/office/drawing/2014/main" id="{40F3C38B-0BB2-1CBF-7B53-DBD4BD1FF1CA}"/>
+              </a:ext>
+            </a:extLst>
+          </p:cNvPr>
+          <p:cNvSpPr/>
+          <p:nvPr/>
+        </p:nvSpPr>
+        <p:spPr>
+          <a:xfrm>
+            <a:off x="5639154" y="9244229"/>
+            <a:ext cx="509490" cy="525793"/>
+          </a:xfrm>
+          <a:prstGeom prst="ellipse">
+            <a:avLst/>
+          </a:prstGeom>
+          <a:gradFill flip="none" rotWithShape="1">
+            <a:gsLst>
+              <a:gs pos="13000">
+                <a:srgbClr val="8B1C68"/>
+              </a:gs>
+              <a:gs pos="100000">
+                <a:srgbClr val="CD143E"/>
+              </a:gs>
+            </a:gsLst>
+            <a:lin ang="0" scaled="1"/>
+            <a:tileRect/>
+          </a:gradFill>
+          <a:ln w="19050" cap="flat" cmpd="sng" algn="ctr">
+            <a:solidFill>
+              <a:sysClr val="window" lastClr="FFFFFF"/>
+            </a:solidFill>
+            <a:prstDash val="solid"/>
+            <a:miter lim="800000"/>
+          </a:ln>
+          <a:effectLst/>
+        </p:spPr>
+        <p:txBody>
+          <a:bodyPr rtlCol="0" anchor="ctr"/>
+          <a:lstStyle/>
+          <a:p>
+            <a:pPr algn="ctr" defTabSz="1496163">
+              <a:defRPr/>
+            </a:pPr>
+            <a:r>
+              <a:rPr lang="en-US" b="1" dirty="0">
+                <a:solidFill>
+                  <a:prstClr val="white"/>
+                </a:solidFill>
+                <a:latin typeface="Poppins" panose="00000500000000000000" pitchFamily="2" charset="0"/>
+                <a:cs typeface="Poppins" panose="00000500000000000000" pitchFamily="2" charset="0"/>
+              </a:rPr>
+              <a:t>2</a:t>
+            </a:r>
+            <a:endParaRPr lang="en-GB" b="1" dirty="0">
+              <a:solidFill>
+                <a:prstClr val="white"/>
+              </a:solidFill>
+              <a:latin typeface="Poppins" panose="00000500000000000000" pitchFamily="2" charset="0"/>
+              <a:cs typeface="Poppins" panose="00000500000000000000" pitchFamily="2" charset="0"/>
+            </a:endParaRPr>
+          </a:p>
+        </p:txBody>
+      </p:sp>
+      <p:sp>
+        <p:nvSpPr>
+          <p:cNvPr id="30" name="object 33">
+            <a:extLst>
+              <a:ext uri="{FF2B5EF4-FFF2-40B4-BE49-F238E27FC236}">
+                <a16:creationId xmlns:a16="http://schemas.microsoft.com/office/drawing/2014/main" id="{35FF693C-1E60-F908-B2C8-FFEC228C885D}"/>
+              </a:ext>
+            </a:extLst>
+          </p:cNvPr>
+          <p:cNvSpPr txBox="1"/>
+          <p:nvPr/>
+        </p:nvSpPr>
+        <p:spPr>
+          <a:xfrm>
+            <a:off x="6237296" y="9192868"/>
+            <a:ext cx="3412403" cy="984645"/>
+          </a:xfrm>
+          <a:prstGeom prst="rect">
+            <a:avLst/>
+          </a:prstGeom>
+        </p:spPr>
+        <p:txBody>
+          <a:bodyPr vert="horz" wrap="square" lIns="0" tIns="20780" rIns="0" bIns="0" rtlCol="0">
+            <a:spAutoFit/>
+          </a:bodyPr>
+          <a:lstStyle/>
+          <a:p>
+            <a:pPr marL="20780" marR="8312" defTabSz="1496163">
+              <a:lnSpc>
+                <a:spcPct val="111100"/>
+              </a:lnSpc>
+              <a:spcBef>
+                <a:spcPts val="164"/>
+              </a:spcBef>
+            </a:pPr>
+            <a:r>
+              <a:rPr lang="en-GB" sz="1963" b="1" dirty="0">
+                <a:solidFill>
+                  <a:srgbClr val="383738"/>
+                </a:solidFill>
+                <a:latin typeface="Poppins" panose="00000500000000000000" pitchFamily="2" charset="0"/>
+                <a:cs typeface="Poppins" panose="00000500000000000000" pitchFamily="2" charset="0"/>
+              </a:rPr>
+              <a:t>Hyperparameter Tuning</a:t>
+            </a:r>
+          </a:p>
+          <a:p>
+            <a:pPr marL="306530" marR="8312" indent="-285750" defTabSz="1496163">
+              <a:lnSpc>
+                <a:spcPct val="111100"/>
+              </a:lnSpc>
+              <a:spcBef>
+                <a:spcPts val="164"/>
+              </a:spcBef>
+              <a:buFont typeface="Wingdings" panose="05000000000000000000" pitchFamily="2" charset="2"/>
+              <a:buChar char="§"/>
+            </a:pPr>
+            <a:r>
+              <a:rPr lang="en-GB" dirty="0">
+                <a:solidFill>
+                  <a:srgbClr val="383738"/>
+                </a:solidFill>
+                <a:latin typeface="Poppins" panose="00000500000000000000" pitchFamily="2" charset="0"/>
+                <a:cs typeface="Poppins" panose="00000500000000000000" pitchFamily="2" charset="0"/>
+              </a:rPr>
+              <a:t>Automatic model optimisation </a:t>
+            </a:r>
+            <a:endParaRPr lang="en-GB" dirty="0">
+              <a:solidFill>
+                <a:prstClr val="black"/>
+              </a:solidFill>
+              <a:latin typeface="Poppins" panose="00000500000000000000" pitchFamily="2" charset="0"/>
+              <a:cs typeface="Poppins" panose="00000500000000000000" pitchFamily="2" charset="0"/>
+            </a:endParaRPr>
+          </a:p>
+        </p:txBody>
+      </p:sp>
+      <p:sp>
+        <p:nvSpPr>
+          <p:cNvPr id="31" name="object 33">
+            <a:extLst>
+              <a:ext uri="{FF2B5EF4-FFF2-40B4-BE49-F238E27FC236}">
+                <a16:creationId xmlns:a16="http://schemas.microsoft.com/office/drawing/2014/main" id="{F3F4A71C-EADA-AEDF-7F74-B12CAEFA3A40}"/>
+              </a:ext>
+            </a:extLst>
+          </p:cNvPr>
+          <p:cNvSpPr txBox="1"/>
+          <p:nvPr/>
+        </p:nvSpPr>
+        <p:spPr>
+          <a:xfrm>
+            <a:off x="10968846" y="7322653"/>
+            <a:ext cx="3412403" cy="1344422"/>
+          </a:xfrm>
+          <a:prstGeom prst="rect">
+            <a:avLst/>
+          </a:prstGeom>
+        </p:spPr>
+        <p:txBody>
+          <a:bodyPr vert="horz" wrap="square" lIns="0" tIns="20780" rIns="0" bIns="0" rtlCol="0">
+            <a:spAutoFit/>
+          </a:bodyPr>
+          <a:lstStyle/>
+          <a:p>
+            <a:pPr marL="20780" marR="8312" defTabSz="1496163">
+              <a:lnSpc>
+                <a:spcPct val="111100"/>
+              </a:lnSpc>
+              <a:spcBef>
+                <a:spcPts val="164"/>
+              </a:spcBef>
+            </a:pPr>
+            <a:r>
+              <a:rPr lang="en-GB" sz="1963" b="1" dirty="0" err="1">
+                <a:solidFill>
+                  <a:srgbClr val="383738"/>
+                </a:solidFill>
+                <a:latin typeface="Poppins" panose="00000500000000000000" pitchFamily="2" charset="0"/>
+                <a:cs typeface="Poppins" panose="00000500000000000000" pitchFamily="2" charset="0"/>
+              </a:rPr>
+              <a:t>AutoML</a:t>
+            </a:r>
+            <a:r>
+              <a:rPr lang="en-GB" sz="1963" b="1" dirty="0">
+                <a:solidFill>
+                  <a:srgbClr val="383738"/>
+                </a:solidFill>
+                <a:latin typeface="Poppins" panose="00000500000000000000" pitchFamily="2" charset="0"/>
+                <a:cs typeface="Poppins" panose="00000500000000000000" pitchFamily="2" charset="0"/>
+              </a:rPr>
+              <a:t> Evaluation</a:t>
+            </a:r>
+          </a:p>
+          <a:p>
+            <a:pPr marL="306530" marR="8312" indent="-285750" defTabSz="1496163">
+              <a:lnSpc>
+                <a:spcPct val="111100"/>
+              </a:lnSpc>
+              <a:spcBef>
+                <a:spcPts val="164"/>
+              </a:spcBef>
+              <a:buFont typeface="Wingdings" panose="05000000000000000000" pitchFamily="2" charset="2"/>
+              <a:buChar char="§"/>
+            </a:pPr>
+            <a:r>
+              <a:rPr lang="en-GB" dirty="0">
+                <a:solidFill>
+                  <a:srgbClr val="383738"/>
+                </a:solidFill>
+                <a:latin typeface="Poppins" panose="00000500000000000000" pitchFamily="2" charset="0"/>
+                <a:cs typeface="Poppins" panose="00000500000000000000" pitchFamily="2" charset="0"/>
+              </a:rPr>
+              <a:t>Automated visuals and dashboards</a:t>
+            </a:r>
+          </a:p>
+          <a:p>
+            <a:pPr marL="20780" marR="8312" defTabSz="1496163">
+              <a:lnSpc>
+                <a:spcPct val="111100"/>
+              </a:lnSpc>
+              <a:spcBef>
+                <a:spcPts val="164"/>
+              </a:spcBef>
+            </a:pPr>
+            <a:endParaRPr lang="en-GB" sz="1963" dirty="0">
+              <a:solidFill>
+                <a:prstClr val="black"/>
+              </a:solidFill>
+              <a:latin typeface="Poppins" panose="00000500000000000000" pitchFamily="2" charset="0"/>
+              <a:cs typeface="Poppins" panose="00000500000000000000" pitchFamily="2" charset="0"/>
+            </a:endParaRPr>
+          </a:p>
+        </p:txBody>
+      </p:sp>
+      <p:sp>
+        <p:nvSpPr>
+          <p:cNvPr id="32" name="object 33">
+            <a:extLst>
+              <a:ext uri="{FF2B5EF4-FFF2-40B4-BE49-F238E27FC236}">
+                <a16:creationId xmlns:a16="http://schemas.microsoft.com/office/drawing/2014/main" id="{E757CC57-6888-6B99-5537-8C515588080B}"/>
+              </a:ext>
+            </a:extLst>
+          </p:cNvPr>
+          <p:cNvSpPr txBox="1"/>
+          <p:nvPr/>
+        </p:nvSpPr>
+        <p:spPr>
+          <a:xfrm>
+            <a:off x="10968846" y="8621866"/>
+            <a:ext cx="3335629" cy="2320267"/>
+          </a:xfrm>
+          <a:prstGeom prst="rect">
+            <a:avLst/>
+          </a:prstGeom>
+        </p:spPr>
+        <p:txBody>
+          <a:bodyPr vert="horz" wrap="square" lIns="0" tIns="20780" rIns="0" bIns="0" rtlCol="0">
+            <a:spAutoFit/>
+          </a:bodyPr>
+          <a:lstStyle/>
+          <a:p>
+            <a:pPr marL="20780" marR="8312" defTabSz="1496163">
+              <a:lnSpc>
+                <a:spcPct val="111100"/>
+              </a:lnSpc>
+              <a:spcBef>
+                <a:spcPts val="164"/>
+              </a:spcBef>
+            </a:pPr>
+            <a:r>
+              <a:rPr lang="en-GB" sz="1963" b="1" dirty="0">
+                <a:solidFill>
+                  <a:srgbClr val="383738"/>
+                </a:solidFill>
+                <a:latin typeface="Poppins" panose="00000500000000000000" pitchFamily="2" charset="0"/>
+                <a:cs typeface="Poppins" panose="00000500000000000000" pitchFamily="2" charset="0"/>
+              </a:rPr>
+              <a:t>Model Monitoring and Management</a:t>
+            </a:r>
+          </a:p>
+          <a:p>
+            <a:pPr marL="306530" marR="8312" indent="-285750" defTabSz="1496163">
+              <a:lnSpc>
+                <a:spcPct val="111100"/>
+              </a:lnSpc>
+              <a:spcBef>
+                <a:spcPts val="164"/>
+              </a:spcBef>
+              <a:buFont typeface="Wingdings" panose="05000000000000000000" pitchFamily="2" charset="2"/>
+              <a:buChar char="§"/>
+            </a:pPr>
+            <a:r>
+              <a:rPr lang="en-GB" dirty="0">
+                <a:solidFill>
+                  <a:srgbClr val="383738"/>
+                </a:solidFill>
+                <a:latin typeface="Poppins" panose="00000500000000000000" pitchFamily="2" charset="0"/>
+                <a:cs typeface="Poppins" panose="00000500000000000000" pitchFamily="2" charset="0"/>
+              </a:rPr>
+              <a:t>Alerts for anomalies and performance degradation</a:t>
+            </a:r>
+          </a:p>
+          <a:p>
+            <a:pPr marL="306530" marR="8312" indent="-285750" defTabSz="1496163">
+              <a:lnSpc>
+                <a:spcPct val="111100"/>
+              </a:lnSpc>
+              <a:spcBef>
+                <a:spcPts val="164"/>
+              </a:spcBef>
+              <a:buFont typeface="Wingdings" panose="05000000000000000000" pitchFamily="2" charset="2"/>
+              <a:buChar char="§"/>
+            </a:pPr>
+            <a:r>
+              <a:rPr lang="en-GB" dirty="0">
+                <a:solidFill>
+                  <a:srgbClr val="383738"/>
+                </a:solidFill>
+                <a:latin typeface="Poppins" panose="00000500000000000000" pitchFamily="2" charset="0"/>
+                <a:cs typeface="Poppins" panose="00000500000000000000" pitchFamily="2" charset="0"/>
+              </a:rPr>
+              <a:t>Custom evaluation metrics</a:t>
+            </a:r>
+          </a:p>
+          <a:p>
+            <a:pPr marL="20780" marR="8312" defTabSz="1496163">
+              <a:lnSpc>
+                <a:spcPct val="111100"/>
+              </a:lnSpc>
+              <a:spcBef>
+                <a:spcPts val="164"/>
+              </a:spcBef>
+            </a:pPr>
+            <a:endParaRPr lang="en-GB" sz="1963" dirty="0">
+              <a:solidFill>
+                <a:prstClr val="black"/>
+              </a:solidFill>
+              <a:latin typeface="Poppins" panose="00000500000000000000" pitchFamily="2" charset="0"/>
+              <a:cs typeface="Poppins" panose="00000500000000000000" pitchFamily="2" charset="0"/>
+            </a:endParaRPr>
+          </a:p>
+        </p:txBody>
+      </p:sp>
+      <p:sp>
+        <p:nvSpPr>
+          <p:cNvPr id="33" name="object 33">
+            <a:extLst>
+              <a:ext uri="{FF2B5EF4-FFF2-40B4-BE49-F238E27FC236}">
+                <a16:creationId xmlns:a16="http://schemas.microsoft.com/office/drawing/2014/main" id="{2B0FC453-9421-7031-27F3-6326759BEA19}"/>
+              </a:ext>
+            </a:extLst>
+          </p:cNvPr>
+          <p:cNvSpPr txBox="1"/>
+          <p:nvPr/>
+        </p:nvSpPr>
+        <p:spPr>
+          <a:xfrm>
+            <a:off x="15661038" y="7307812"/>
+            <a:ext cx="3412403" cy="1039147"/>
+          </a:xfrm>
+          <a:prstGeom prst="rect">
+            <a:avLst/>
+          </a:prstGeom>
+        </p:spPr>
+        <p:txBody>
+          <a:bodyPr vert="horz" wrap="square" lIns="0" tIns="20780" rIns="0" bIns="0" rtlCol="0">
+            <a:spAutoFit/>
+          </a:bodyPr>
+          <a:lstStyle/>
+          <a:p>
+            <a:pPr marL="20780" marR="8312" defTabSz="1496163">
+              <a:lnSpc>
+                <a:spcPct val="111100"/>
+              </a:lnSpc>
+              <a:spcBef>
+                <a:spcPts val="164"/>
+              </a:spcBef>
+            </a:pPr>
+            <a:r>
+              <a:rPr lang="en-GB" sz="1963" b="1" dirty="0">
+                <a:solidFill>
+                  <a:srgbClr val="383738"/>
+                </a:solidFill>
+                <a:latin typeface="Poppins" panose="00000500000000000000" pitchFamily="2" charset="0"/>
+                <a:cs typeface="Poppins" panose="00000500000000000000" pitchFamily="2" charset="0"/>
+              </a:rPr>
+              <a:t>Model Versioning and Monitoring</a:t>
+            </a:r>
+          </a:p>
+          <a:p>
+            <a:pPr marL="363680" marR="8312" indent="-342900" defTabSz="1496163">
+              <a:lnSpc>
+                <a:spcPct val="111100"/>
+              </a:lnSpc>
+              <a:spcBef>
+                <a:spcPts val="164"/>
+              </a:spcBef>
+              <a:buFont typeface="Wingdings" panose="05000000000000000000" pitchFamily="2" charset="2"/>
+              <a:buChar char="§"/>
+            </a:pPr>
+            <a:r>
+              <a:rPr lang="en-GB" dirty="0">
+                <a:solidFill>
+                  <a:srgbClr val="383738"/>
+                </a:solidFill>
+                <a:latin typeface="Poppins" panose="00000500000000000000" pitchFamily="2" charset="0"/>
+                <a:cs typeface="Poppins" panose="00000500000000000000" pitchFamily="2" charset="0"/>
+              </a:rPr>
+              <a:t>Track different versions</a:t>
+            </a:r>
+            <a:endParaRPr lang="en-GB" dirty="0">
+              <a:solidFill>
+                <a:prstClr val="black"/>
+              </a:solidFill>
+              <a:latin typeface="Poppins" panose="00000500000000000000" pitchFamily="2" charset="0"/>
+              <a:cs typeface="Poppins" panose="00000500000000000000" pitchFamily="2" charset="0"/>
+            </a:endParaRPr>
+          </a:p>
+        </p:txBody>
+      </p:sp>
+      <p:sp>
+        <p:nvSpPr>
+          <p:cNvPr id="34" name="object 33">
+            <a:extLst>
+              <a:ext uri="{FF2B5EF4-FFF2-40B4-BE49-F238E27FC236}">
+                <a16:creationId xmlns:a16="http://schemas.microsoft.com/office/drawing/2014/main" id="{D3683DE5-6885-BCAE-C768-5963156D368B}"/>
+              </a:ext>
+            </a:extLst>
+          </p:cNvPr>
+          <p:cNvSpPr txBox="1"/>
+          <p:nvPr/>
+        </p:nvSpPr>
+        <p:spPr>
+          <a:xfrm>
+            <a:off x="15665676" y="8531859"/>
+            <a:ext cx="3219854" cy="2320267"/>
+          </a:xfrm>
+          <a:prstGeom prst="rect">
+            <a:avLst/>
+          </a:prstGeom>
+        </p:spPr>
+        <p:txBody>
+          <a:bodyPr vert="horz" wrap="square" lIns="0" tIns="20780" rIns="0" bIns="0" rtlCol="0">
+            <a:spAutoFit/>
+          </a:bodyPr>
+          <a:lstStyle/>
+          <a:p>
+            <a:pPr marL="20780" marR="8312" defTabSz="1496163">
+              <a:lnSpc>
+                <a:spcPct val="111100"/>
+              </a:lnSpc>
+              <a:spcBef>
+                <a:spcPts val="164"/>
+              </a:spcBef>
+            </a:pPr>
+            <a:r>
+              <a:rPr lang="en-GB" sz="1963" b="1" dirty="0">
+                <a:solidFill>
+                  <a:srgbClr val="383738"/>
+                </a:solidFill>
+                <a:latin typeface="Poppins" panose="00000500000000000000" pitchFamily="2" charset="0"/>
+                <a:cs typeface="Poppins" panose="00000500000000000000" pitchFamily="2" charset="0"/>
+              </a:rPr>
+              <a:t>Integration: AI Platform Prediction</a:t>
+            </a:r>
+          </a:p>
+          <a:p>
+            <a:pPr marL="363680" marR="8312" indent="-342900" defTabSz="1496163">
+              <a:lnSpc>
+                <a:spcPct val="111100"/>
+              </a:lnSpc>
+              <a:spcBef>
+                <a:spcPts val="164"/>
+              </a:spcBef>
+              <a:buFont typeface="Wingdings" panose="05000000000000000000" pitchFamily="2" charset="2"/>
+              <a:buChar char="§"/>
+            </a:pPr>
+            <a:r>
+              <a:rPr lang="en-GB" dirty="0">
+                <a:solidFill>
+                  <a:srgbClr val="383738"/>
+                </a:solidFill>
+                <a:latin typeface="Poppins" panose="00000500000000000000" pitchFamily="2" charset="0"/>
+                <a:cs typeface="Poppins" panose="00000500000000000000" pitchFamily="2" charset="0"/>
+              </a:rPr>
+              <a:t>Managed service to deploy model at scale</a:t>
+            </a:r>
+          </a:p>
+          <a:p>
+            <a:pPr marL="363680" marR="8312" indent="-342900" defTabSz="1496163">
+              <a:lnSpc>
+                <a:spcPct val="111100"/>
+              </a:lnSpc>
+              <a:spcBef>
+                <a:spcPts val="164"/>
+              </a:spcBef>
+              <a:buFont typeface="Wingdings" panose="05000000000000000000" pitchFamily="2" charset="2"/>
+              <a:buChar char="§"/>
+            </a:pPr>
+            <a:r>
+              <a:rPr lang="en-GB" dirty="0">
+                <a:solidFill>
+                  <a:srgbClr val="383738"/>
+                </a:solidFill>
+                <a:latin typeface="Poppins" panose="00000500000000000000" pitchFamily="2" charset="0"/>
+                <a:cs typeface="Poppins" panose="00000500000000000000" pitchFamily="2" charset="0"/>
+              </a:rPr>
+              <a:t>Handles full model serving</a:t>
+            </a:r>
+          </a:p>
+          <a:p>
+            <a:pPr marL="20780" marR="8312" defTabSz="1496163">
+              <a:lnSpc>
+                <a:spcPct val="111100"/>
+              </a:lnSpc>
+              <a:spcBef>
+                <a:spcPts val="164"/>
+              </a:spcBef>
+            </a:pPr>
+            <a:endParaRPr lang="en-GB" sz="1963" dirty="0">
+              <a:solidFill>
+                <a:prstClr val="black"/>
+              </a:solidFill>
+              <a:latin typeface="Poppins" panose="00000500000000000000" pitchFamily="2" charset="0"/>
+              <a:cs typeface="Poppins" panose="00000500000000000000" pitchFamily="2" charset="0"/>
+            </a:endParaRPr>
+          </a:p>
+        </p:txBody>
+      </p:sp>
+      <p:sp>
+        <p:nvSpPr>
+          <p:cNvPr id="35" name="object 33">
+            <a:extLst>
+              <a:ext uri="{FF2B5EF4-FFF2-40B4-BE49-F238E27FC236}">
+                <a16:creationId xmlns:a16="http://schemas.microsoft.com/office/drawing/2014/main" id="{7A3A6CF9-5710-EEEB-EB9B-9C0415B680CE}"/>
+              </a:ext>
+            </a:extLst>
+          </p:cNvPr>
+          <p:cNvSpPr txBox="1"/>
+          <p:nvPr/>
+        </p:nvSpPr>
+        <p:spPr>
+          <a:xfrm>
+            <a:off x="10367630" y="6686238"/>
+            <a:ext cx="3412403" cy="342931"/>
+          </a:xfrm>
+          <a:prstGeom prst="rect">
+            <a:avLst/>
+          </a:prstGeom>
+        </p:spPr>
+        <p:txBody>
+          <a:bodyPr vert="horz" wrap="square" lIns="0" tIns="20780" rIns="0" bIns="0" rtlCol="0">
+            <a:spAutoFit/>
+          </a:bodyPr>
+          <a:lstStyle/>
+          <a:p>
+            <a:pPr marL="20780" marR="8312" defTabSz="1496163">
+              <a:lnSpc>
+                <a:spcPct val="111100"/>
+              </a:lnSpc>
+              <a:spcBef>
+                <a:spcPts val="164"/>
+              </a:spcBef>
+            </a:pPr>
+            <a:r>
+              <a:rPr lang="en-GB" sz="1963" b="1" dirty="0">
+                <a:solidFill>
+                  <a:srgbClr val="383738"/>
+                </a:solidFill>
+                <a:latin typeface="Poppins" panose="00000500000000000000" pitchFamily="2" charset="0"/>
+                <a:cs typeface="Poppins" panose="00000500000000000000" pitchFamily="2" charset="0"/>
+              </a:rPr>
+              <a:t>Big Query &amp; Vertex AI</a:t>
+            </a:r>
+            <a:endParaRPr lang="en-GB" sz="1963" dirty="0">
+              <a:solidFill>
+                <a:prstClr val="black"/>
+              </a:solidFill>
+              <a:latin typeface="Poppins" panose="00000500000000000000" pitchFamily="2" charset="0"/>
+              <a:cs typeface="Poppins" panose="00000500000000000000" pitchFamily="2" charset="0"/>
+            </a:endParaRPr>
+          </a:p>
+        </p:txBody>
+      </p:sp>
+      <p:sp>
+        <p:nvSpPr>
+          <p:cNvPr id="36" name="object 33">
+            <a:extLst>
+              <a:ext uri="{FF2B5EF4-FFF2-40B4-BE49-F238E27FC236}">
+                <a16:creationId xmlns:a16="http://schemas.microsoft.com/office/drawing/2014/main" id="{96B321F4-73FE-D95A-6875-FCACD942E703}"/>
+              </a:ext>
+            </a:extLst>
+          </p:cNvPr>
+          <p:cNvSpPr txBox="1"/>
+          <p:nvPr/>
+        </p:nvSpPr>
+        <p:spPr>
+          <a:xfrm>
+            <a:off x="15033434" y="6640560"/>
+            <a:ext cx="3412403" cy="342931"/>
+          </a:xfrm>
+          <a:prstGeom prst="rect">
+            <a:avLst/>
+          </a:prstGeom>
+        </p:spPr>
+        <p:txBody>
+          <a:bodyPr vert="horz" wrap="square" lIns="0" tIns="20780" rIns="0" bIns="0" rtlCol="0">
+            <a:spAutoFit/>
+          </a:bodyPr>
+          <a:lstStyle/>
+          <a:p>
+            <a:pPr marL="20780" marR="8312" defTabSz="1496163">
+              <a:lnSpc>
+                <a:spcPct val="111100"/>
+              </a:lnSpc>
+              <a:spcBef>
+                <a:spcPts val="164"/>
+              </a:spcBef>
+            </a:pPr>
+            <a:r>
+              <a:rPr lang="en-GB" sz="1963" b="1" dirty="0">
+                <a:solidFill>
+                  <a:srgbClr val="383738"/>
+                </a:solidFill>
+                <a:latin typeface="Poppins" panose="00000500000000000000" pitchFamily="2" charset="0"/>
+                <a:cs typeface="Poppins" panose="00000500000000000000" pitchFamily="2" charset="0"/>
+              </a:rPr>
+              <a:t>Vertex AI</a:t>
+            </a:r>
+            <a:endParaRPr lang="en-GB" sz="1963" dirty="0">
+              <a:solidFill>
+                <a:prstClr val="black"/>
+              </a:solidFill>
+              <a:latin typeface="Poppins" panose="00000500000000000000" pitchFamily="2" charset="0"/>
+              <a:cs typeface="Poppins" panose="00000500000000000000" pitchFamily="2" charset="0"/>
+            </a:endParaRPr>
+          </a:p>
+        </p:txBody>
+      </p:sp>
+      <p:pic>
+        <p:nvPicPr>
+          <p:cNvPr id="37" name="Picture 36">
+            <a:extLst>
+              <a:ext uri="{FF2B5EF4-FFF2-40B4-BE49-F238E27FC236}">
+                <a16:creationId xmlns:a16="http://schemas.microsoft.com/office/drawing/2014/main" id="{A76E724D-E158-E5DA-9DB9-3D4C89941009}"/>
+              </a:ext>
+              <a:ext uri="{C183D7F6-B498-43B3-948B-1728B52AA6E4}">
+                <adec:decorative xmlns:adec="http://schemas.microsoft.com/office/drawing/2017/decorative" val="1"/>
+              </a:ext>
+            </a:extLst>
+          </p:cNvPr>
+          <p:cNvPicPr>
+            <a:picLocks noChangeAspect="1"/>
+          </p:cNvPicPr>
+          <p:nvPr/>
+        </p:nvPicPr>
+        <p:blipFill>
+          <a:blip r:embed="rId9">
+            <a:extLst>
+              <a:ext uri="{28A0092B-C50C-407E-A947-70E740481C1C}">
+                <a14:useLocalDpi xmlns:a14="http://schemas.microsoft.com/office/drawing/2010/main"/>
+              </a:ext>
+            </a:extLst>
+          </a:blip>
+          <a:stretch>
+            <a:fillRect/>
+          </a:stretch>
+        </p:blipFill>
+        <p:spPr>
+          <a:xfrm>
+            <a:off x="17438477" y="530398"/>
+            <a:ext cx="2140119" cy="1084718"/>
+          </a:xfrm>
+          <a:prstGeom prst="rect">
+            <a:avLst/>
+          </a:prstGeom>
+        </p:spPr>
+      </p:pic>
+      <p:sp>
+        <p:nvSpPr>
+          <p:cNvPr id="38" name="TextBox 37">
+            <a:extLst>
+              <a:ext uri="{FF2B5EF4-FFF2-40B4-BE49-F238E27FC236}">
+                <a16:creationId xmlns:a16="http://schemas.microsoft.com/office/drawing/2014/main" id="{7B1556FC-FBCB-D501-B56D-6429A8740B84}"/>
+              </a:ext>
+            </a:extLst>
+          </p:cNvPr>
+          <p:cNvSpPr txBox="1"/>
+          <p:nvPr/>
+        </p:nvSpPr>
+        <p:spPr>
+          <a:xfrm>
+            <a:off x="709031" y="866372"/>
+            <a:ext cx="15163129" cy="830997"/>
+          </a:xfrm>
+          <a:prstGeom prst="rect">
+            <a:avLst/>
+          </a:prstGeom>
+          <a:noFill/>
+        </p:spPr>
+        <p:txBody>
+          <a:bodyPr wrap="square">
+            <a:spAutoFit/>
+          </a:bodyPr>
+          <a:lstStyle/>
+          <a:p>
+            <a:r>
+              <a:rPr kumimoji="0" lang="en-GB" sz="4800" b="1" i="0" u="none" strike="noStrike" kern="1200" cap="none" spc="-140" normalizeH="0" baseline="0" noProof="0" dirty="0">
+                <a:ln>
+                  <a:noFill/>
+                </a:ln>
+                <a:gradFill flip="none" rotWithShape="1">
+                  <a:gsLst>
+                    <a:gs pos="0">
+                      <a:srgbClr val="006AB4"/>
+                    </a:gs>
+                    <a:gs pos="50000">
+                      <a:srgbClr val="277A92"/>
+                    </a:gs>
+                    <a:gs pos="100000">
+                      <a:srgbClr val="4E8A70"/>
+                    </a:gs>
+                  </a:gsLst>
+                  <a:lin ang="0" scaled="1"/>
+                  <a:tileRect/>
+                </a:gradFill>
+                <a:effectLst/>
+                <a:uLnTx/>
+                <a:uFillTx/>
+                <a:latin typeface="Poppins"/>
+                <a:ea typeface="+mj-ea"/>
+                <a:cs typeface="Poppins"/>
+              </a:rPr>
+              <a:t>Architecture, Infrastructure &amp; Skills</a:t>
+            </a:r>
+            <a:endParaRPr lang="en-GB" sz="1400" b="1" dirty="0"/>
+          </a:p>
+        </p:txBody>
+      </p:sp>
+      <p:sp>
+        <p:nvSpPr>
+          <p:cNvPr id="39" name="blue circle 1">
+            <a:extLst>
+              <a:ext uri="{FF2B5EF4-FFF2-40B4-BE49-F238E27FC236}">
+                <a16:creationId xmlns:a16="http://schemas.microsoft.com/office/drawing/2014/main" id="{97C5B42B-F1DF-A118-8CE9-A85723243CED}"/>
+              </a:ext>
+            </a:extLst>
+          </p:cNvPr>
+          <p:cNvSpPr/>
+          <p:nvPr/>
+        </p:nvSpPr>
+        <p:spPr>
+          <a:xfrm>
+            <a:off x="10367630" y="8667075"/>
+            <a:ext cx="509490" cy="525793"/>
+          </a:xfrm>
+          <a:prstGeom prst="ellipse">
+            <a:avLst/>
+          </a:prstGeom>
+          <a:gradFill flip="none" rotWithShape="1">
+            <a:gsLst>
+              <a:gs pos="13000">
+                <a:srgbClr val="18509D"/>
+              </a:gs>
+              <a:gs pos="100000">
+                <a:srgbClr val="3191CF"/>
+              </a:gs>
+            </a:gsLst>
+            <a:lin ang="0" scaled="1"/>
+            <a:tileRect/>
+          </a:gradFill>
+          <a:ln w="19050" cap="flat" cmpd="sng" algn="ctr">
+            <a:solidFill>
+              <a:sysClr val="window" lastClr="FFFFFF"/>
+            </a:solidFill>
+            <a:prstDash val="solid"/>
+            <a:miter lim="800000"/>
+          </a:ln>
+          <a:effectLst/>
+        </p:spPr>
+        <p:txBody>
+          <a:bodyPr rtlCol="0" anchor="ctr"/>
+          <a:lstStyle/>
+          <a:p>
+            <a:pPr algn="ctr" defTabSz="1496163">
+              <a:defRPr/>
+            </a:pPr>
+            <a:r>
+              <a:rPr lang="en-US" b="1" dirty="0">
+                <a:solidFill>
+                  <a:prstClr val="white"/>
+                </a:solidFill>
+                <a:latin typeface="Poppins" panose="00000500000000000000" pitchFamily="2" charset="0"/>
+                <a:cs typeface="Poppins" panose="00000500000000000000" pitchFamily="2" charset="0"/>
+              </a:rPr>
+              <a:t>2</a:t>
+            </a:r>
+            <a:endParaRPr lang="en-GB" b="1" dirty="0">
+              <a:solidFill>
+                <a:prstClr val="white"/>
+              </a:solidFill>
+              <a:latin typeface="Poppins" panose="00000500000000000000" pitchFamily="2" charset="0"/>
+              <a:cs typeface="Poppins" panose="00000500000000000000" pitchFamily="2" charset="0"/>
+            </a:endParaRPr>
+          </a:p>
+        </p:txBody>
+      </p:sp>
+      <p:sp>
+        <p:nvSpPr>
+          <p:cNvPr id="40" name="yellow circle 1">
+            <a:extLst>
+              <a:ext uri="{FF2B5EF4-FFF2-40B4-BE49-F238E27FC236}">
+                <a16:creationId xmlns:a16="http://schemas.microsoft.com/office/drawing/2014/main" id="{1CD1C9B6-DB19-4CB2-46CE-2C579E5C9F3F}"/>
+              </a:ext>
+            </a:extLst>
+          </p:cNvPr>
+          <p:cNvSpPr/>
+          <p:nvPr/>
+        </p:nvSpPr>
+        <p:spPr>
+          <a:xfrm>
+            <a:off x="15039717" y="8550729"/>
+            <a:ext cx="509490" cy="525793"/>
+          </a:xfrm>
+          <a:prstGeom prst="ellipse">
+            <a:avLst/>
+          </a:prstGeom>
+          <a:gradFill flip="none" rotWithShape="1">
+            <a:gsLst>
+              <a:gs pos="13000">
+                <a:srgbClr val="D84F14"/>
+              </a:gs>
+              <a:gs pos="100000">
+                <a:srgbClr val="F6A400"/>
+              </a:gs>
+            </a:gsLst>
+            <a:lin ang="0" scaled="1"/>
+            <a:tileRect/>
+          </a:gradFill>
+          <a:ln w="19050" cap="flat" cmpd="sng" algn="ctr">
+            <a:solidFill>
+              <a:sysClr val="window" lastClr="FFFFFF"/>
+            </a:solidFill>
+            <a:prstDash val="solid"/>
+            <a:miter lim="800000"/>
+          </a:ln>
+          <a:effectLst/>
+        </p:spPr>
+        <p:txBody>
+          <a:bodyPr rtlCol="0" anchor="ctr"/>
+          <a:lstStyle/>
+          <a:p>
+            <a:pPr algn="ctr" defTabSz="1496163">
+              <a:defRPr/>
+            </a:pPr>
+            <a:r>
+              <a:rPr lang="en-US" b="1" dirty="0">
+                <a:solidFill>
+                  <a:prstClr val="white"/>
+                </a:solidFill>
+                <a:latin typeface="Poppins" panose="00000500000000000000" pitchFamily="2" charset="0"/>
+                <a:cs typeface="Poppins" panose="00000500000000000000" pitchFamily="2" charset="0"/>
+              </a:rPr>
+              <a:t>2</a:t>
+            </a:r>
+            <a:endParaRPr lang="en-GB" sz="1587" b="1" dirty="0">
+              <a:solidFill>
+                <a:prstClr val="white"/>
+              </a:solidFill>
+              <a:latin typeface="Poppins" panose="00000500000000000000" pitchFamily="2" charset="0"/>
+              <a:cs typeface="Poppins" panose="00000500000000000000" pitchFamily="2" charset="0"/>
+            </a:endParaRPr>
+          </a:p>
+        </p:txBody>
+      </p:sp>
+      <p:sp>
+        <p:nvSpPr>
+          <p:cNvPr id="41" name="Rectangle 40">
+            <a:extLst>
+              <a:ext uri="{FF2B5EF4-FFF2-40B4-BE49-F238E27FC236}">
+                <a16:creationId xmlns:a16="http://schemas.microsoft.com/office/drawing/2014/main" id="{F2797BDA-57E1-77CE-C9C8-AACD372E9CC3}"/>
+              </a:ext>
+            </a:extLst>
+          </p:cNvPr>
+          <p:cNvSpPr/>
+          <p:nvPr/>
+        </p:nvSpPr>
+        <p:spPr>
+          <a:xfrm>
+            <a:off x="788229" y="2139134"/>
+            <a:ext cx="13773689" cy="2649900"/>
+          </a:xfrm>
+          <a:prstGeom prst="rect">
+            <a:avLst/>
+          </a:prstGeom>
+          <a:solidFill>
+            <a:schemeClr val="tx1">
+              <a:lumMod val="10000"/>
+              <a:lumOff val="90000"/>
+            </a:schemeClr>
+          </a:solidFill>
+          <a:ln>
+            <a:noFill/>
+          </a:ln>
+        </p:spPr>
+        <p:style>
+          <a:lnRef idx="2">
+            <a:schemeClr val="accent1">
+              <a:shade val="15000"/>
+            </a:schemeClr>
+          </a:lnRef>
+          <a:fillRef idx="1">
+            <a:schemeClr val="accent1"/>
+          </a:fillRef>
+          <a:effectRef idx="0">
+            <a:schemeClr val="accent1"/>
+          </a:effectRef>
+          <a:fontRef idx="minor">
+            <a:schemeClr val="lt1"/>
+          </a:fontRef>
+        </p:style>
+        <p:txBody>
+          <a:bodyPr rtlCol="0" anchor="ctr"/>
+          <a:lstStyle/>
+          <a:p>
+            <a:pPr algn="ctr"/>
+            <a:endParaRPr lang="en-GB"/>
+          </a:p>
+        </p:txBody>
+      </p:sp>
+      <p:sp>
+        <p:nvSpPr>
+          <p:cNvPr id="42" name="object 22">
+            <a:extLst>
+              <a:ext uri="{FF2B5EF4-FFF2-40B4-BE49-F238E27FC236}">
+                <a16:creationId xmlns:a16="http://schemas.microsoft.com/office/drawing/2014/main" id="{12E93B8F-7824-D023-2C26-8FF647AF812E}"/>
+              </a:ext>
+              <a:ext uri="{C183D7F6-B498-43B3-948B-1728B52AA6E4}">
+                <adec:decorative xmlns:adec="http://schemas.microsoft.com/office/drawing/2017/decorative" val="1"/>
+              </a:ext>
+            </a:extLst>
+          </p:cNvPr>
+          <p:cNvSpPr/>
+          <p:nvPr/>
+        </p:nvSpPr>
+        <p:spPr>
+          <a:xfrm flipH="1">
+            <a:off x="7629354" y="2350433"/>
+            <a:ext cx="45719" cy="2156673"/>
+          </a:xfrm>
+          <a:custGeom>
+            <a:avLst/>
+            <a:gdLst/>
+            <a:ahLst/>
+            <a:cxnLst/>
+            <a:rect l="l" t="t" r="r" b="b"/>
+            <a:pathLst>
+              <a:path h="3738245">
+                <a:moveTo>
+                  <a:pt x="0" y="0"/>
+                </a:moveTo>
+                <a:lnTo>
+                  <a:pt x="0" y="3738106"/>
+                </a:lnTo>
+              </a:path>
+            </a:pathLst>
+          </a:custGeom>
+          <a:ln w="10470">
+            <a:solidFill>
+              <a:srgbClr val="282828"/>
+            </a:solidFill>
+          </a:ln>
+        </p:spPr>
+        <p:txBody>
+          <a:bodyPr wrap="square" lIns="0" tIns="0" rIns="0" bIns="0" rtlCol="0"/>
+          <a:lstStyle/>
+          <a:p>
+            <a:endParaRPr/>
+          </a:p>
+        </p:txBody>
+      </p:sp>
+      <p:sp>
+        <p:nvSpPr>
+          <p:cNvPr id="43" name="Text Placeholder 23">
+            <a:extLst>
+              <a:ext uri="{FF2B5EF4-FFF2-40B4-BE49-F238E27FC236}">
+                <a16:creationId xmlns:a16="http://schemas.microsoft.com/office/drawing/2014/main" id="{5FA8EA4F-0EF7-B3C5-947E-B5C115FAB563}"/>
+              </a:ext>
+            </a:extLst>
+          </p:cNvPr>
+          <p:cNvSpPr txBox="1">
+            <a:spLocks/>
+          </p:cNvSpPr>
+          <p:nvPr/>
+        </p:nvSpPr>
+        <p:spPr>
+          <a:xfrm>
+            <a:off x="1060127" y="2349655"/>
+            <a:ext cx="3037940" cy="578435"/>
+          </a:xfrm>
+          <a:prstGeom prst="rect">
+            <a:avLst/>
+          </a:prstGeom>
+          <a:noFill/>
+        </p:spPr>
+        <p:txBody>
+          <a:bodyPr lIns="0" anchor="ctr"/>
+          <a:lstStyle>
+            <a:lvl1pPr marL="0">
+              <a:lnSpc>
+                <a:spcPts val="9400"/>
+              </a:lnSpc>
+              <a:defRPr lang="en-GB" sz="7200" b="1" i="0" spc="-140" dirty="0" smtClean="0">
+                <a:gradFill flip="none" rotWithShape="1">
+                  <a:gsLst>
+                    <a:gs pos="0">
+                      <a:srgbClr val="00863B"/>
+                    </a:gs>
+                    <a:gs pos="7000">
+                      <a:srgbClr val="07893A"/>
+                    </a:gs>
+                    <a:gs pos="100000">
+                      <a:srgbClr val="BCCF00"/>
+                    </a:gs>
+                  </a:gsLst>
+                  <a:lin ang="0" scaled="1"/>
+                  <a:tileRect/>
+                </a:gradFill>
+                <a:latin typeface="Poppins"/>
+                <a:ea typeface="+mj-ea"/>
+                <a:cs typeface="Poppins"/>
+              </a:defRPr>
+            </a:lvl1pPr>
+            <a:lvl2pPr marL="457200">
+              <a:defRPr>
+                <a:latin typeface="+mn-lt"/>
+                <a:ea typeface="+mn-ea"/>
+                <a:cs typeface="+mn-cs"/>
+              </a:defRPr>
+            </a:lvl2pPr>
+            <a:lvl3pPr marL="914400">
+              <a:defRPr>
+                <a:latin typeface="+mn-lt"/>
+                <a:ea typeface="+mn-ea"/>
+                <a:cs typeface="+mn-cs"/>
+              </a:defRPr>
+            </a:lvl3pPr>
+            <a:lvl4pPr marL="1371600">
+              <a:defRPr>
+                <a:latin typeface="+mn-lt"/>
+                <a:ea typeface="+mn-ea"/>
+                <a:cs typeface="+mn-cs"/>
+              </a:defRPr>
+            </a:lvl4pPr>
+            <a:lvl5pPr marL="1828800">
+              <a:defRPr>
+                <a:latin typeface="+mn-lt"/>
+                <a:ea typeface="+mn-ea"/>
+                <a:cs typeface="+mn-cs"/>
+              </a:defRPr>
+            </a:lvl5pPr>
+            <a:lvl6pPr marL="2286000">
+              <a:defRPr>
+                <a:latin typeface="+mn-lt"/>
+                <a:ea typeface="+mn-ea"/>
+                <a:cs typeface="+mn-cs"/>
+              </a:defRPr>
+            </a:lvl6pPr>
+            <a:lvl7pPr marL="2743200">
+              <a:defRPr>
+                <a:latin typeface="+mn-lt"/>
+                <a:ea typeface="+mn-ea"/>
+                <a:cs typeface="+mn-cs"/>
+              </a:defRPr>
+            </a:lvl7pPr>
+            <a:lvl8pPr marL="3200400">
+              <a:defRPr>
+                <a:latin typeface="+mn-lt"/>
+                <a:ea typeface="+mn-ea"/>
+                <a:cs typeface="+mn-cs"/>
+              </a:defRPr>
+            </a:lvl8pPr>
+            <a:lvl9pPr marL="3657600">
+              <a:defRPr>
+                <a:latin typeface="+mn-lt"/>
+                <a:ea typeface="+mn-ea"/>
+                <a:cs typeface="+mn-cs"/>
+              </a:defRPr>
+            </a:lvl9pPr>
+          </a:lstStyle>
+          <a:p>
+            <a:pPr>
+              <a:lnSpc>
+                <a:spcPct val="90000"/>
+              </a:lnSpc>
+            </a:pPr>
+            <a:r>
+              <a:rPr lang="en-US" sz="4000" spc="0" dirty="0">
+                <a:gradFill>
+                  <a:gsLst>
+                    <a:gs pos="60000">
+                      <a:srgbClr val="2D843F"/>
+                    </a:gs>
+                    <a:gs pos="0">
+                      <a:srgbClr val="007C43"/>
+                    </a:gs>
+                    <a:gs pos="100000">
+                      <a:srgbClr val="598C3B"/>
+                    </a:gs>
+                  </a:gsLst>
+                  <a:lin ang="0" scaled="1"/>
+                </a:gradFill>
+              </a:rPr>
+              <a:t>Big Query</a:t>
+            </a:r>
+          </a:p>
+        </p:txBody>
+      </p:sp>
+      <p:sp>
+        <p:nvSpPr>
+          <p:cNvPr id="44" name="Text Placeholder 23">
+            <a:extLst>
+              <a:ext uri="{FF2B5EF4-FFF2-40B4-BE49-F238E27FC236}">
+                <a16:creationId xmlns:a16="http://schemas.microsoft.com/office/drawing/2014/main" id="{36EC1EAD-24EF-4767-8B45-6C47C3F0D991}"/>
+              </a:ext>
+            </a:extLst>
+          </p:cNvPr>
+          <p:cNvSpPr txBox="1">
+            <a:spLocks/>
+          </p:cNvSpPr>
+          <p:nvPr/>
+        </p:nvSpPr>
+        <p:spPr>
+          <a:xfrm>
+            <a:off x="7962862" y="2343575"/>
+            <a:ext cx="3037940" cy="578435"/>
+          </a:xfrm>
+          <a:prstGeom prst="rect">
+            <a:avLst/>
+          </a:prstGeom>
+          <a:noFill/>
+        </p:spPr>
+        <p:txBody>
+          <a:bodyPr lIns="0" anchor="ctr"/>
+          <a:lstStyle>
+            <a:lvl1pPr marL="0">
+              <a:lnSpc>
+                <a:spcPts val="9400"/>
+              </a:lnSpc>
+              <a:defRPr lang="en-GB" sz="7200" b="1" i="0" spc="-140" dirty="0" smtClean="0">
+                <a:gradFill flip="none" rotWithShape="1">
+                  <a:gsLst>
+                    <a:gs pos="0">
+                      <a:srgbClr val="00863B"/>
+                    </a:gs>
+                    <a:gs pos="7000">
+                      <a:srgbClr val="07893A"/>
+                    </a:gs>
+                    <a:gs pos="100000">
+                      <a:srgbClr val="BCCF00"/>
+                    </a:gs>
+                  </a:gsLst>
+                  <a:lin ang="0" scaled="1"/>
+                  <a:tileRect/>
+                </a:gradFill>
+                <a:latin typeface="Poppins"/>
+                <a:ea typeface="+mj-ea"/>
+                <a:cs typeface="Poppins"/>
+              </a:defRPr>
+            </a:lvl1pPr>
+            <a:lvl2pPr marL="457200">
+              <a:defRPr>
+                <a:latin typeface="+mn-lt"/>
+                <a:ea typeface="+mn-ea"/>
+                <a:cs typeface="+mn-cs"/>
+              </a:defRPr>
+            </a:lvl2pPr>
+            <a:lvl3pPr marL="914400">
+              <a:defRPr>
+                <a:latin typeface="+mn-lt"/>
+                <a:ea typeface="+mn-ea"/>
+                <a:cs typeface="+mn-cs"/>
+              </a:defRPr>
+            </a:lvl3pPr>
+            <a:lvl4pPr marL="1371600">
+              <a:defRPr>
+                <a:latin typeface="+mn-lt"/>
+                <a:ea typeface="+mn-ea"/>
+                <a:cs typeface="+mn-cs"/>
+              </a:defRPr>
+            </a:lvl4pPr>
+            <a:lvl5pPr marL="1828800">
+              <a:defRPr>
+                <a:latin typeface="+mn-lt"/>
+                <a:ea typeface="+mn-ea"/>
+                <a:cs typeface="+mn-cs"/>
+              </a:defRPr>
+            </a:lvl5pPr>
+            <a:lvl6pPr marL="2286000">
+              <a:defRPr>
+                <a:latin typeface="+mn-lt"/>
+                <a:ea typeface="+mn-ea"/>
+                <a:cs typeface="+mn-cs"/>
+              </a:defRPr>
+            </a:lvl6pPr>
+            <a:lvl7pPr marL="2743200">
+              <a:defRPr>
+                <a:latin typeface="+mn-lt"/>
+                <a:ea typeface="+mn-ea"/>
+                <a:cs typeface="+mn-cs"/>
+              </a:defRPr>
+            </a:lvl7pPr>
+            <a:lvl8pPr marL="3200400">
+              <a:defRPr>
+                <a:latin typeface="+mn-lt"/>
+                <a:ea typeface="+mn-ea"/>
+                <a:cs typeface="+mn-cs"/>
+              </a:defRPr>
+            </a:lvl8pPr>
+            <a:lvl9pPr marL="3657600">
+              <a:defRPr>
+                <a:latin typeface="+mn-lt"/>
+                <a:ea typeface="+mn-ea"/>
+                <a:cs typeface="+mn-cs"/>
+              </a:defRPr>
+            </a:lvl9pPr>
+          </a:lstStyle>
+          <a:p>
+            <a:pPr>
+              <a:lnSpc>
+                <a:spcPct val="90000"/>
+              </a:lnSpc>
+            </a:pPr>
+            <a:r>
+              <a:rPr lang="en-US" sz="4000" spc="0" dirty="0">
+                <a:gradFill>
+                  <a:gsLst>
+                    <a:gs pos="60000">
+                      <a:srgbClr val="2D843F"/>
+                    </a:gs>
+                    <a:gs pos="0">
+                      <a:srgbClr val="007C43"/>
+                    </a:gs>
+                    <a:gs pos="100000">
+                      <a:srgbClr val="598C3B"/>
+                    </a:gs>
+                  </a:gsLst>
+                  <a:lin ang="0" scaled="1"/>
+                </a:gradFill>
+              </a:rPr>
+              <a:t>Vertex AI</a:t>
+            </a:r>
+          </a:p>
+        </p:txBody>
+      </p:sp>
+      <p:sp>
+        <p:nvSpPr>
+          <p:cNvPr id="45" name="Rectangle 44">
+            <a:extLst>
+              <a:ext uri="{FF2B5EF4-FFF2-40B4-BE49-F238E27FC236}">
+                <a16:creationId xmlns:a16="http://schemas.microsoft.com/office/drawing/2014/main" id="{C2B70912-629E-4E10-1889-5A3B033A8E2F}"/>
+              </a:ext>
+              <a:ext uri="{C183D7F6-B498-43B3-948B-1728B52AA6E4}">
+                <adec:decorative xmlns:adec="http://schemas.microsoft.com/office/drawing/2017/decorative" val="1"/>
+              </a:ext>
+            </a:extLst>
+          </p:cNvPr>
+          <p:cNvSpPr/>
+          <p:nvPr/>
+        </p:nvSpPr>
+        <p:spPr>
+          <a:xfrm>
+            <a:off x="14804505" y="2131578"/>
+            <a:ext cx="4413458" cy="2657456"/>
+          </a:xfrm>
+          <a:prstGeom prst="rect">
+            <a:avLst/>
+          </a:prstGeom>
+          <a:solidFill>
+            <a:srgbClr val="282828"/>
+          </a:solidFill>
+          <a:ln w="0" cap="flat">
+            <a:noFill/>
+            <a:prstDash val="solid"/>
+            <a:miter/>
+          </a:ln>
+        </p:spPr>
+        <p:txBody>
+          <a:bodyPr rot="0" spcFirstLastPara="0" vertOverflow="overflow" horzOverflow="overflow" vert="horz" wrap="square" lIns="91440" tIns="45720" rIns="91440" bIns="45720" numCol="1" spcCol="0" rtlCol="0" fromWordArt="0" anchor="ctr" anchorCtr="0" forceAA="0" compatLnSpc="1">
+            <a:prstTxWarp prst="textNoShape">
+              <a:avLst/>
+            </a:prstTxWarp>
+            <a:noAutofit/>
+          </a:bodyPr>
+          <a:lstStyle/>
+          <a:p>
+            <a:endParaRPr lang="en-GB"/>
+          </a:p>
+        </p:txBody>
+      </p:sp>
+      <p:sp>
+        <p:nvSpPr>
+          <p:cNvPr id="46" name="Text Placeholder 23">
+            <a:extLst>
+              <a:ext uri="{FF2B5EF4-FFF2-40B4-BE49-F238E27FC236}">
+                <a16:creationId xmlns:a16="http://schemas.microsoft.com/office/drawing/2014/main" id="{27C66713-CF1E-8D17-F42F-5EEA8ABC358D}"/>
+              </a:ext>
+            </a:extLst>
+          </p:cNvPr>
+          <p:cNvSpPr txBox="1">
+            <a:spLocks/>
+          </p:cNvSpPr>
+          <p:nvPr/>
+        </p:nvSpPr>
+        <p:spPr>
+          <a:xfrm>
+            <a:off x="15033434" y="2350433"/>
+            <a:ext cx="3037940" cy="578435"/>
+          </a:xfrm>
+          <a:prstGeom prst="rect">
+            <a:avLst/>
+          </a:prstGeom>
+          <a:noFill/>
+        </p:spPr>
+        <p:txBody>
+          <a:bodyPr lIns="0" anchor="ctr"/>
+          <a:lstStyle>
+            <a:lvl1pPr marL="0">
+              <a:lnSpc>
+                <a:spcPts val="9400"/>
+              </a:lnSpc>
+              <a:defRPr lang="en-GB" sz="7200" b="1" i="0" spc="-140" dirty="0" smtClean="0">
+                <a:gradFill flip="none" rotWithShape="1">
+                  <a:gsLst>
+                    <a:gs pos="0">
+                      <a:srgbClr val="00863B"/>
+                    </a:gs>
+                    <a:gs pos="7000">
+                      <a:srgbClr val="07893A"/>
+                    </a:gs>
+                    <a:gs pos="100000">
+                      <a:srgbClr val="BCCF00"/>
+                    </a:gs>
+                  </a:gsLst>
+                  <a:lin ang="0" scaled="1"/>
+                  <a:tileRect/>
+                </a:gradFill>
+                <a:latin typeface="Poppins"/>
+                <a:ea typeface="+mj-ea"/>
+                <a:cs typeface="Poppins"/>
+              </a:defRPr>
+            </a:lvl1pPr>
+            <a:lvl2pPr marL="457200">
+              <a:defRPr>
+                <a:latin typeface="+mn-lt"/>
+                <a:ea typeface="+mn-ea"/>
+                <a:cs typeface="+mn-cs"/>
+              </a:defRPr>
+            </a:lvl2pPr>
+            <a:lvl3pPr marL="914400">
+              <a:defRPr>
+                <a:latin typeface="+mn-lt"/>
+                <a:ea typeface="+mn-ea"/>
+                <a:cs typeface="+mn-cs"/>
+              </a:defRPr>
+            </a:lvl3pPr>
+            <a:lvl4pPr marL="1371600">
+              <a:defRPr>
+                <a:latin typeface="+mn-lt"/>
+                <a:ea typeface="+mn-ea"/>
+                <a:cs typeface="+mn-cs"/>
+              </a:defRPr>
+            </a:lvl4pPr>
+            <a:lvl5pPr marL="1828800">
+              <a:defRPr>
+                <a:latin typeface="+mn-lt"/>
+                <a:ea typeface="+mn-ea"/>
+                <a:cs typeface="+mn-cs"/>
+              </a:defRPr>
+            </a:lvl5pPr>
+            <a:lvl6pPr marL="2286000">
+              <a:defRPr>
+                <a:latin typeface="+mn-lt"/>
+                <a:ea typeface="+mn-ea"/>
+                <a:cs typeface="+mn-cs"/>
+              </a:defRPr>
+            </a:lvl6pPr>
+            <a:lvl7pPr marL="2743200">
+              <a:defRPr>
+                <a:latin typeface="+mn-lt"/>
+                <a:ea typeface="+mn-ea"/>
+                <a:cs typeface="+mn-cs"/>
+              </a:defRPr>
+            </a:lvl7pPr>
+            <a:lvl8pPr marL="3200400">
+              <a:defRPr>
+                <a:latin typeface="+mn-lt"/>
+                <a:ea typeface="+mn-ea"/>
+                <a:cs typeface="+mn-cs"/>
+              </a:defRPr>
+            </a:lvl8pPr>
+            <a:lvl9pPr marL="3657600">
+              <a:defRPr>
+                <a:latin typeface="+mn-lt"/>
+                <a:ea typeface="+mn-ea"/>
+                <a:cs typeface="+mn-cs"/>
+              </a:defRPr>
+            </a:lvl9pPr>
+          </a:lstStyle>
+          <a:p>
+            <a:pPr>
+              <a:lnSpc>
+                <a:spcPct val="90000"/>
+              </a:lnSpc>
+            </a:pPr>
+            <a:r>
+              <a:rPr lang="en-US" sz="4000" spc="0" dirty="0">
+                <a:gradFill flip="none" rotWithShape="1">
+                  <a:gsLst>
+                    <a:gs pos="0">
+                      <a:srgbClr val="009C43"/>
+                    </a:gs>
+                    <a:gs pos="60000">
+                      <a:srgbClr val="5EB622"/>
+                    </a:gs>
+                    <a:gs pos="100000">
+                      <a:srgbClr val="BCCF00"/>
+                    </a:gs>
+                  </a:gsLst>
+                  <a:lin ang="0" scaled="1"/>
+                  <a:tileRect/>
+                </a:gradFill>
+              </a:rPr>
+              <a:t>Skills</a:t>
+            </a:r>
+          </a:p>
+        </p:txBody>
+      </p:sp>
+      <p:sp>
+        <p:nvSpPr>
+          <p:cNvPr id="47" name="object 33">
+            <a:extLst>
+              <a:ext uri="{FF2B5EF4-FFF2-40B4-BE49-F238E27FC236}">
+                <a16:creationId xmlns:a16="http://schemas.microsoft.com/office/drawing/2014/main" id="{A0567C7A-7A0D-DD26-CD0D-EDA961FB8CD8}"/>
+              </a:ext>
+            </a:extLst>
+          </p:cNvPr>
+          <p:cNvSpPr txBox="1"/>
+          <p:nvPr/>
+        </p:nvSpPr>
+        <p:spPr>
+          <a:xfrm>
+            <a:off x="4545247" y="2820802"/>
+            <a:ext cx="3412403" cy="1832761"/>
+          </a:xfrm>
+          <a:prstGeom prst="rect">
+            <a:avLst/>
+          </a:prstGeom>
+        </p:spPr>
+        <p:txBody>
+          <a:bodyPr vert="horz" wrap="square" lIns="0" tIns="20780" rIns="0" bIns="0" rtlCol="0">
+            <a:spAutoFit/>
+          </a:bodyPr>
+          <a:lstStyle/>
+          <a:p>
+            <a:pPr algn="l">
+              <a:lnSpc>
+                <a:spcPct val="150000"/>
+              </a:lnSpc>
+              <a:buFont typeface="Arial" panose="020B0604020202020204" pitchFamily="34" charset="0"/>
+              <a:buChar char="•"/>
+            </a:pPr>
+            <a:r>
+              <a:rPr lang="en-US" sz="1600" b="0" i="0" dirty="0">
+                <a:solidFill>
+                  <a:srgbClr val="0D0D0D"/>
+                </a:solidFill>
+                <a:effectLst/>
+                <a:latin typeface="+mn-lt"/>
+              </a:rPr>
+              <a:t>Large-scale data analysis</a:t>
+            </a:r>
+          </a:p>
+          <a:p>
+            <a:pPr algn="l">
+              <a:lnSpc>
+                <a:spcPct val="150000"/>
+              </a:lnSpc>
+              <a:buFont typeface="Arial" panose="020B0604020202020204" pitchFamily="34" charset="0"/>
+              <a:buChar char="•"/>
+            </a:pPr>
+            <a:r>
+              <a:rPr lang="en-US" sz="1600" b="0" i="0" dirty="0">
+                <a:solidFill>
+                  <a:srgbClr val="0D0D0D"/>
+                </a:solidFill>
+                <a:effectLst/>
+                <a:latin typeface="+mn-lt"/>
+              </a:rPr>
+              <a:t>Ad-hoc querying</a:t>
+            </a:r>
+          </a:p>
+          <a:p>
+            <a:pPr algn="l">
+              <a:lnSpc>
+                <a:spcPct val="150000"/>
+              </a:lnSpc>
+              <a:buFont typeface="Arial" panose="020B0604020202020204" pitchFamily="34" charset="0"/>
+              <a:buChar char="•"/>
+            </a:pPr>
+            <a:r>
+              <a:rPr lang="en-US" sz="1600" b="0" i="0" dirty="0">
+                <a:solidFill>
+                  <a:srgbClr val="0D0D0D"/>
+                </a:solidFill>
+                <a:effectLst/>
+                <a:latin typeface="+mn-lt"/>
+              </a:rPr>
+              <a:t>Real-time analytics</a:t>
+            </a:r>
+          </a:p>
+          <a:p>
+            <a:pPr algn="l">
+              <a:lnSpc>
+                <a:spcPct val="150000"/>
+              </a:lnSpc>
+              <a:buFont typeface="Arial" panose="020B0604020202020204" pitchFamily="34" charset="0"/>
+              <a:buChar char="•"/>
+            </a:pPr>
+            <a:r>
+              <a:rPr lang="en-US" sz="1600" b="0" i="0" dirty="0">
+                <a:solidFill>
+                  <a:srgbClr val="0D0D0D"/>
+                </a:solidFill>
+                <a:effectLst/>
+                <a:latin typeface="+mn-lt"/>
+              </a:rPr>
+              <a:t>Data warehousing</a:t>
+            </a:r>
+          </a:p>
+          <a:p>
+            <a:pPr algn="l">
+              <a:lnSpc>
+                <a:spcPct val="150000"/>
+              </a:lnSpc>
+              <a:buFont typeface="Arial" panose="020B0604020202020204" pitchFamily="34" charset="0"/>
+              <a:buChar char="•"/>
+            </a:pPr>
+            <a:r>
+              <a:rPr lang="en-US" sz="1600" dirty="0">
+                <a:solidFill>
+                  <a:srgbClr val="0D0D0D"/>
+                </a:solidFill>
+                <a:latin typeface="+mn-lt"/>
+              </a:rPr>
+              <a:t>Great for Structured data</a:t>
+            </a:r>
+            <a:endParaRPr lang="en-US" sz="1600" b="0" i="0" dirty="0">
+              <a:solidFill>
+                <a:srgbClr val="0D0D0D"/>
+              </a:solidFill>
+              <a:effectLst/>
+              <a:latin typeface="+mn-lt"/>
+            </a:endParaRPr>
+          </a:p>
+        </p:txBody>
+      </p:sp>
+      <p:sp>
+        <p:nvSpPr>
+          <p:cNvPr id="48" name="object 33">
+            <a:extLst>
+              <a:ext uri="{FF2B5EF4-FFF2-40B4-BE49-F238E27FC236}">
+                <a16:creationId xmlns:a16="http://schemas.microsoft.com/office/drawing/2014/main" id="{6CCF29AA-DEAD-E1C6-CAEC-7499B5EF69C8}"/>
+              </a:ext>
+            </a:extLst>
+          </p:cNvPr>
+          <p:cNvSpPr txBox="1"/>
+          <p:nvPr/>
+        </p:nvSpPr>
+        <p:spPr>
+          <a:xfrm>
+            <a:off x="1072531" y="3036986"/>
+            <a:ext cx="3338462" cy="1546080"/>
+          </a:xfrm>
+          <a:prstGeom prst="rect">
+            <a:avLst/>
+          </a:prstGeom>
+        </p:spPr>
+        <p:txBody>
+          <a:bodyPr vert="horz" wrap="square" lIns="0" tIns="20780" rIns="0" bIns="0" rtlCol="0">
+            <a:spAutoFit/>
+          </a:bodyPr>
+          <a:lstStyle/>
+          <a:p>
+            <a:pPr marL="20780" marR="8312" defTabSz="1496163">
+              <a:lnSpc>
+                <a:spcPct val="111100"/>
+              </a:lnSpc>
+              <a:spcBef>
+                <a:spcPts val="164"/>
+              </a:spcBef>
+            </a:pPr>
+            <a:r>
+              <a:rPr lang="en-US" b="1" dirty="0">
+                <a:solidFill>
+                  <a:srgbClr val="383738"/>
+                </a:solidFill>
+                <a:latin typeface="Poppins" panose="00000500000000000000" pitchFamily="2" charset="0"/>
+                <a:cs typeface="Poppins" panose="00000500000000000000" pitchFamily="2" charset="0"/>
+              </a:rPr>
+              <a:t>A fully managed, serverless data warehouse solution on Google Cloud Platform for storing, querying, and </a:t>
+            </a:r>
+            <a:r>
+              <a:rPr lang="en-US" b="1" dirty="0" err="1">
+                <a:solidFill>
+                  <a:srgbClr val="383738"/>
+                </a:solidFill>
+                <a:latin typeface="Poppins" panose="00000500000000000000" pitchFamily="2" charset="0"/>
+                <a:cs typeface="Poppins" panose="00000500000000000000" pitchFamily="2" charset="0"/>
+              </a:rPr>
+              <a:t>analysing</a:t>
+            </a:r>
+            <a:r>
+              <a:rPr lang="en-US" b="1" dirty="0">
+                <a:solidFill>
+                  <a:srgbClr val="383738"/>
+                </a:solidFill>
+                <a:latin typeface="Poppins" panose="00000500000000000000" pitchFamily="2" charset="0"/>
+                <a:cs typeface="Poppins" panose="00000500000000000000" pitchFamily="2" charset="0"/>
+              </a:rPr>
+              <a:t> data.</a:t>
+            </a:r>
+            <a:endParaRPr lang="en-GB" b="1" dirty="0">
+              <a:solidFill>
+                <a:srgbClr val="383738"/>
+              </a:solidFill>
+              <a:latin typeface="Poppins" panose="00000500000000000000" pitchFamily="2" charset="0"/>
+              <a:cs typeface="Poppins" panose="00000500000000000000" pitchFamily="2" charset="0"/>
+            </a:endParaRPr>
+          </a:p>
+        </p:txBody>
+      </p:sp>
+      <p:sp>
+        <p:nvSpPr>
+          <p:cNvPr id="49" name="object 33">
+            <a:extLst>
+              <a:ext uri="{FF2B5EF4-FFF2-40B4-BE49-F238E27FC236}">
+                <a16:creationId xmlns:a16="http://schemas.microsoft.com/office/drawing/2014/main" id="{C2F2E8CB-653E-D66E-1872-4D1E37655A67}"/>
+              </a:ext>
+            </a:extLst>
+          </p:cNvPr>
+          <p:cNvSpPr txBox="1"/>
+          <p:nvPr/>
+        </p:nvSpPr>
+        <p:spPr>
+          <a:xfrm>
+            <a:off x="11543911" y="2797236"/>
+            <a:ext cx="2837338" cy="1832761"/>
+          </a:xfrm>
+          <a:prstGeom prst="rect">
+            <a:avLst/>
+          </a:prstGeom>
+        </p:spPr>
+        <p:txBody>
+          <a:bodyPr vert="horz" wrap="square" lIns="0" tIns="20780" rIns="0" bIns="0" rtlCol="0">
+            <a:spAutoFit/>
+          </a:bodyPr>
+          <a:lstStyle/>
+          <a:p>
+            <a:pPr algn="l">
+              <a:lnSpc>
+                <a:spcPct val="150000"/>
+              </a:lnSpc>
+              <a:buFont typeface="Arial" panose="020B0604020202020204" pitchFamily="34" charset="0"/>
+              <a:buChar char="•"/>
+            </a:pPr>
+            <a:r>
+              <a:rPr lang="en-US" sz="1600" b="0" i="0" dirty="0">
+                <a:solidFill>
+                  <a:srgbClr val="0D0D0D"/>
+                </a:solidFill>
+                <a:effectLst/>
+                <a:latin typeface="+mn-lt"/>
+              </a:rPr>
+              <a:t>No code environment</a:t>
+            </a:r>
+          </a:p>
+          <a:p>
+            <a:pPr algn="l">
+              <a:lnSpc>
+                <a:spcPct val="150000"/>
+              </a:lnSpc>
+              <a:buFont typeface="Arial" panose="020B0604020202020204" pitchFamily="34" charset="0"/>
+              <a:buChar char="•"/>
+            </a:pPr>
+            <a:r>
+              <a:rPr lang="en-US" sz="1600" b="0" i="0" dirty="0">
+                <a:solidFill>
+                  <a:srgbClr val="0D0D0D"/>
+                </a:solidFill>
+                <a:effectLst/>
+                <a:latin typeface="+mn-lt"/>
+              </a:rPr>
+              <a:t>Scalable deployment</a:t>
+            </a:r>
+          </a:p>
+          <a:p>
+            <a:pPr algn="l">
+              <a:lnSpc>
+                <a:spcPct val="150000"/>
+              </a:lnSpc>
+              <a:buFont typeface="Arial" panose="020B0604020202020204" pitchFamily="34" charset="0"/>
+              <a:buChar char="•"/>
+            </a:pPr>
+            <a:r>
+              <a:rPr lang="en-US" sz="1600" b="0" i="0" dirty="0">
+                <a:solidFill>
+                  <a:srgbClr val="0D0D0D"/>
+                </a:solidFill>
+                <a:effectLst/>
+                <a:latin typeface="+mn-lt"/>
+              </a:rPr>
+              <a:t>Automated workflows</a:t>
+            </a:r>
+          </a:p>
+          <a:p>
+            <a:pPr algn="l">
+              <a:lnSpc>
+                <a:spcPct val="150000"/>
+              </a:lnSpc>
+              <a:buFont typeface="Arial" panose="020B0604020202020204" pitchFamily="34" charset="0"/>
+              <a:buChar char="•"/>
+            </a:pPr>
+            <a:r>
+              <a:rPr lang="en-US" sz="1600" b="0" i="0" dirty="0">
+                <a:solidFill>
+                  <a:srgbClr val="0D0D0D"/>
+                </a:solidFill>
+                <a:effectLst/>
+                <a:latin typeface="+mn-lt"/>
+              </a:rPr>
+              <a:t>Suitable for varying technical ability</a:t>
+            </a:r>
+          </a:p>
+        </p:txBody>
+      </p:sp>
+      <p:sp>
+        <p:nvSpPr>
+          <p:cNvPr id="50" name="object 33">
+            <a:extLst>
+              <a:ext uri="{FF2B5EF4-FFF2-40B4-BE49-F238E27FC236}">
+                <a16:creationId xmlns:a16="http://schemas.microsoft.com/office/drawing/2014/main" id="{05CF4BD9-EBE1-52B4-E0BC-328A4FC64BFF}"/>
+              </a:ext>
+            </a:extLst>
+          </p:cNvPr>
+          <p:cNvSpPr txBox="1"/>
+          <p:nvPr/>
+        </p:nvSpPr>
+        <p:spPr>
+          <a:xfrm>
+            <a:off x="7962862" y="3036986"/>
+            <a:ext cx="3338462" cy="1546080"/>
+          </a:xfrm>
+          <a:prstGeom prst="rect">
+            <a:avLst/>
+          </a:prstGeom>
+        </p:spPr>
+        <p:txBody>
+          <a:bodyPr vert="horz" wrap="square" lIns="0" tIns="20780" rIns="0" bIns="0" rtlCol="0">
+            <a:spAutoFit/>
+          </a:bodyPr>
+          <a:lstStyle/>
+          <a:p>
+            <a:pPr marL="20780" marR="8312" defTabSz="1496163">
+              <a:lnSpc>
+                <a:spcPct val="111100"/>
+              </a:lnSpc>
+              <a:spcBef>
+                <a:spcPts val="164"/>
+              </a:spcBef>
+            </a:pPr>
+            <a:r>
+              <a:rPr lang="en-US" b="1" dirty="0">
+                <a:solidFill>
+                  <a:srgbClr val="383738"/>
+                </a:solidFill>
+                <a:latin typeface="Poppins" panose="00000500000000000000" pitchFamily="2" charset="0"/>
+                <a:cs typeface="Poppins" panose="00000500000000000000" pitchFamily="2" charset="0"/>
+              </a:rPr>
+              <a:t>A unified platform on Google Cloud for building, deploying, and managing machine learning models at scale</a:t>
+            </a:r>
+            <a:endParaRPr lang="en-GB" b="1" dirty="0">
+              <a:solidFill>
+                <a:srgbClr val="383738"/>
+              </a:solidFill>
+              <a:latin typeface="Poppins" panose="00000500000000000000" pitchFamily="2" charset="0"/>
+              <a:cs typeface="Poppins" panose="00000500000000000000" pitchFamily="2" charset="0"/>
+            </a:endParaRPr>
+          </a:p>
+        </p:txBody>
+      </p:sp>
+      <p:sp>
+        <p:nvSpPr>
+          <p:cNvPr id="51" name="object 33">
+            <a:extLst>
+              <a:ext uri="{FF2B5EF4-FFF2-40B4-BE49-F238E27FC236}">
+                <a16:creationId xmlns:a16="http://schemas.microsoft.com/office/drawing/2014/main" id="{88EC2D9E-F5E8-4A15-D71C-14E933C6FF08}"/>
+              </a:ext>
+            </a:extLst>
+          </p:cNvPr>
+          <p:cNvSpPr txBox="1"/>
+          <p:nvPr/>
+        </p:nvSpPr>
+        <p:spPr>
+          <a:xfrm>
+            <a:off x="15045104" y="3007666"/>
+            <a:ext cx="3751483" cy="1472149"/>
+          </a:xfrm>
+          <a:prstGeom prst="rect">
+            <a:avLst/>
+          </a:prstGeom>
+        </p:spPr>
+        <p:txBody>
+          <a:bodyPr vert="horz" wrap="square" lIns="0" tIns="20780" rIns="0" bIns="0" rtlCol="0">
+            <a:spAutoFit/>
+          </a:bodyPr>
+          <a:lstStyle/>
+          <a:p>
+            <a:pPr marL="20780" marR="8312" defTabSz="1496163">
+              <a:lnSpc>
+                <a:spcPct val="111100"/>
+              </a:lnSpc>
+              <a:spcBef>
+                <a:spcPts val="164"/>
+              </a:spcBef>
+            </a:pPr>
+            <a:r>
+              <a:rPr lang="en-US" sz="1400" b="1" dirty="0">
+                <a:solidFill>
+                  <a:schemeClr val="bg1"/>
+                </a:solidFill>
+                <a:latin typeface="Poppins" panose="00000500000000000000" pitchFamily="2" charset="0"/>
+                <a:cs typeface="Poppins" panose="00000500000000000000" pitchFamily="2" charset="0"/>
+              </a:rPr>
+              <a:t>Essential skills: </a:t>
+            </a:r>
+            <a:r>
+              <a:rPr lang="en-US" sz="1400" dirty="0">
+                <a:solidFill>
+                  <a:schemeClr val="bg1"/>
+                </a:solidFill>
+                <a:latin typeface="Poppins" panose="00000500000000000000" pitchFamily="2" charset="0"/>
+                <a:cs typeface="Poppins" panose="00000500000000000000" pitchFamily="2" charset="0"/>
+              </a:rPr>
+              <a:t>basic data and programming skills. </a:t>
+            </a:r>
+          </a:p>
+          <a:p>
+            <a:pPr marL="20780" marR="8312" defTabSz="1496163">
+              <a:lnSpc>
+                <a:spcPct val="111100"/>
+              </a:lnSpc>
+              <a:spcBef>
+                <a:spcPts val="164"/>
+              </a:spcBef>
+            </a:pPr>
+            <a:r>
+              <a:rPr lang="en-US" sz="1400" b="1" dirty="0">
+                <a:solidFill>
+                  <a:schemeClr val="bg1"/>
+                </a:solidFill>
+                <a:latin typeface="Poppins" panose="00000500000000000000" pitchFamily="2" charset="0"/>
+                <a:cs typeface="Poppins" panose="00000500000000000000" pitchFamily="2" charset="0"/>
+              </a:rPr>
+              <a:t>Desired skills </a:t>
+            </a:r>
+            <a:r>
+              <a:rPr lang="en-US" sz="1400" dirty="0">
+                <a:solidFill>
+                  <a:schemeClr val="bg1"/>
+                </a:solidFill>
+                <a:latin typeface="Poppins" panose="00000500000000000000" pitchFamily="2" charset="0"/>
+                <a:cs typeface="Poppins" panose="00000500000000000000" pitchFamily="2" charset="0"/>
+              </a:rPr>
+              <a:t>SQL proficiency, machine learning concepts, Python programming, statistics, data visualization, and cloud platform experience.</a:t>
+            </a:r>
+            <a:endParaRPr lang="en-GB" sz="1400" dirty="0">
+              <a:solidFill>
+                <a:schemeClr val="bg1"/>
+              </a:solidFill>
+              <a:latin typeface="Poppins" panose="00000500000000000000" pitchFamily="2" charset="0"/>
+              <a:cs typeface="Poppins" panose="00000500000000000000" pitchFamily="2" charset="0"/>
+            </a:endParaRPr>
+          </a:p>
+        </p:txBody>
+      </p:sp>
+    </p:spTree>
+    <p:extLst>
+      <p:ext uri="{BB962C8B-B14F-4D97-AF65-F5344CB8AC3E}">
+        <p14:creationId xmlns:p14="http://schemas.microsoft.com/office/powerpoint/2010/main" val="2002548611"/>
+      </p:ext>
+    </p:extLst>
+  </p:cSld>
+  <p:clrMapOvr>
+    <a:masterClrMapping/>
+  </p:clrMapOvr>
+</p:sld>
+</file>
+
+<file path=ppt/slides/slide16.xml><?xml version="1.0" encoding="utf-8"?>
+<p:sld xmlns:a="http://schemas.openxmlformats.org/drawingml/2006/main" xmlns:r="http://schemas.openxmlformats.org/officeDocument/2006/relationships" xmlns:p="http://schemas.openxmlformats.org/presentationml/2006/main">
+  <p:cSld>
+    <p:spTree>
+      <p:nvGrpSpPr>
+        <p:cNvPr id="1" name=""/>
+        <p:cNvGrpSpPr/>
+        <p:nvPr/>
+      </p:nvGrpSpPr>
+      <p:grpSpPr>
+        <a:xfrm>
+          <a:off x="0" y="0"/>
+          <a:ext cx="0" cy="0"/>
+          <a:chOff x="0" y="0"/>
+          <a:chExt cx="0" cy="0"/>
+        </a:xfrm>
+      </p:grpSpPr>
+      <p:sp>
+        <p:nvSpPr>
+          <p:cNvPr id="2" name="Rectangle 1">
+            <a:extLst>
+              <a:ext uri="{FF2B5EF4-FFF2-40B4-BE49-F238E27FC236}">
+                <a16:creationId xmlns:a16="http://schemas.microsoft.com/office/drawing/2014/main" id="{5F1CF5F4-D9F2-3472-4C67-FFF5F394B65D}"/>
+              </a:ext>
+              <a:ext uri="{C183D7F6-B498-43B3-948B-1728B52AA6E4}">
+                <adec:decorative xmlns:adec="http://schemas.microsoft.com/office/drawing/2017/decorative" val="1"/>
+              </a:ext>
+            </a:extLst>
+          </p:cNvPr>
+          <p:cNvSpPr/>
+          <p:nvPr/>
+        </p:nvSpPr>
+        <p:spPr>
+          <a:xfrm>
+            <a:off x="0" y="5078"/>
+            <a:ext cx="20105687" cy="11304271"/>
+          </a:xfrm>
+          <a:prstGeom prst="rect">
+            <a:avLst/>
+          </a:prstGeom>
+          <a:solidFill>
+            <a:srgbClr val="282828"/>
+          </a:solidFill>
+          <a:ln>
+            <a:noFill/>
+          </a:ln>
+        </p:spPr>
+        <p:style>
+          <a:lnRef idx="2">
+            <a:schemeClr val="accent1">
+              <a:shade val="50000"/>
+            </a:schemeClr>
+          </a:lnRef>
+          <a:fillRef idx="1">
+            <a:schemeClr val="accent1"/>
+          </a:fillRef>
+          <a:effectRef idx="0">
+            <a:schemeClr val="accent1"/>
+          </a:effectRef>
+          <a:fontRef idx="minor">
+            <a:schemeClr val="lt1"/>
+          </a:fontRef>
+        </p:style>
+        <p:txBody>
+          <a:bodyPr rtlCol="0" anchor="ctr"/>
+          <a:lstStyle/>
+          <a:p>
+            <a:pPr algn="ctr"/>
+            <a:endParaRPr lang="en-GB"/>
+          </a:p>
+        </p:txBody>
+      </p:sp>
+      <p:sp>
+        <p:nvSpPr>
+          <p:cNvPr id="6" name="Text Placeholder 14">
+            <a:extLst>
+              <a:ext uri="{FF2B5EF4-FFF2-40B4-BE49-F238E27FC236}">
+                <a16:creationId xmlns:a16="http://schemas.microsoft.com/office/drawing/2014/main" id="{C2F08B31-610D-476F-59FE-EA3E88CB6143}"/>
+              </a:ext>
+            </a:extLst>
+          </p:cNvPr>
+          <p:cNvSpPr txBox="1">
+            <a:spLocks noGrp="1"/>
+          </p:cNvSpPr>
+          <p:nvPr>
+            <p:ph type="title" idx="4294967295"/>
+          </p:nvPr>
+        </p:nvSpPr>
+        <p:spPr bwMode="white">
+          <a:xfrm>
+            <a:off x="1630657" y="5201398"/>
+            <a:ext cx="13862384" cy="2873375"/>
+          </a:xfrm>
+          <a:prstGeom prst="rect">
+            <a:avLst/>
+          </a:prstGeom>
+          <a:noFill/>
+          <a:ln>
+            <a:noFill/>
+            <a:prstDash/>
+          </a:ln>
+          <a:effectLst/>
+        </p:spPr>
+        <p:txBody>
+          <a:bodyPr rot="0" spcFirstLastPara="0" vertOverflow="overflow" horzOverflow="overflow" vert="horz" wrap="square" lIns="0" tIns="45720" rIns="91440" bIns="45720" numCol="1" spcCol="0" rtlCol="0" fromWordArt="0" anchor="t" anchorCtr="0" forceAA="0" compatLnSpc="1">
+            <a:prstTxWarp prst="textNoShape">
+              <a:avLst/>
+            </a:prstTxWarp>
+            <a:noAutofit/>
+          </a:bodyPr>
+          <a:lstStyle>
+            <a:lvl1pPr algn="l" defTabSz="1507937" rtl="0" eaLnBrk="1" latinLnBrk="0" hangingPunct="1">
+              <a:lnSpc>
+                <a:spcPct val="90000"/>
+              </a:lnSpc>
+              <a:spcBef>
+                <a:spcPct val="0"/>
+              </a:spcBef>
+              <a:buNone/>
+              <a:defRPr sz="7256" kern="1200">
+                <a:solidFill>
+                  <a:schemeClr val="tx1"/>
+                </a:solidFill>
+                <a:latin typeface="+mj-lt"/>
+                <a:ea typeface="+mj-ea"/>
+                <a:cs typeface="+mj-cs"/>
+              </a:defRPr>
+            </a:lvl1pPr>
+          </a:lstStyle>
+          <a:p>
+            <a:pPr marL="0" marR="0" lvl="0" indent="0" algn="l" defTabSz="914400" rtl="0" eaLnBrk="1" fontAlgn="auto" latinLnBrk="0" hangingPunct="1">
+              <a:lnSpc>
+                <a:spcPct val="90000"/>
+              </a:lnSpc>
+              <a:spcBef>
+                <a:spcPts val="0"/>
+              </a:spcBef>
+              <a:spcAft>
+                <a:spcPts val="0"/>
+              </a:spcAft>
+              <a:buClrTx/>
+              <a:buSzTx/>
+              <a:buFontTx/>
+              <a:buNone/>
+              <a:tabLst/>
+              <a:defRPr/>
+            </a:pPr>
+            <a:r>
+              <a:rPr kumimoji="0" lang="en-GB" sz="8500" b="1" i="0" u="none" strike="noStrike" kern="1200" cap="none" spc="-198" normalizeH="0" baseline="0" noProof="0" dirty="0">
+                <a:ln>
+                  <a:noFill/>
+                </a:ln>
+                <a:gradFill flip="none" rotWithShape="1">
+                  <a:gsLst>
+                    <a:gs pos="50000">
+                      <a:srgbClr val="009C43"/>
+                    </a:gs>
+                    <a:gs pos="85000">
+                      <a:srgbClr val="BCCF00"/>
+                    </a:gs>
+                  </a:gsLst>
+                  <a:lin ang="0" scaled="1"/>
+                  <a:tileRect/>
+                </a:gradFill>
+                <a:effectLst/>
+                <a:uLnTx/>
+                <a:uFillTx/>
+                <a:latin typeface="Poppins"/>
+                <a:ea typeface="+mj-ea"/>
+                <a:cs typeface="Poppins"/>
+              </a:rPr>
+              <a:t>Thank You</a:t>
+            </a:r>
+          </a:p>
+        </p:txBody>
+      </p:sp>
+      <p:pic>
+        <p:nvPicPr>
+          <p:cNvPr id="4" name="Picture 3" descr="LBG Logo">
+            <a:extLst>
+              <a:ext uri="{FF2B5EF4-FFF2-40B4-BE49-F238E27FC236}">
+                <a16:creationId xmlns:a16="http://schemas.microsoft.com/office/drawing/2014/main" id="{ED713301-9332-C673-576A-213C92C1F271}"/>
+              </a:ext>
+            </a:extLst>
+          </p:cNvPr>
+          <p:cNvPicPr>
+            <a:picLocks noChangeAspect="1"/>
+          </p:cNvPicPr>
+          <p:nvPr/>
+        </p:nvPicPr>
+        <p:blipFill>
+          <a:blip r:embed="rId3">
+            <a:extLst>
+              <a:ext uri="{28A0092B-C50C-407E-A947-70E740481C1C}">
+                <a14:useLocalDpi xmlns:a14="http://schemas.microsoft.com/office/drawing/2010/main"/>
+              </a:ext>
+            </a:extLst>
+          </a:blip>
+          <a:stretch>
+            <a:fillRect/>
+          </a:stretch>
+        </p:blipFill>
+        <p:spPr>
+          <a:xfrm>
+            <a:off x="17438477" y="530398"/>
+            <a:ext cx="2140119" cy="1084718"/>
+          </a:xfrm>
+          <a:prstGeom prst="rect">
+            <a:avLst/>
+          </a:prstGeom>
+        </p:spPr>
+      </p:pic>
+    </p:spTree>
+    <p:extLst>
+      <p:ext uri="{BB962C8B-B14F-4D97-AF65-F5344CB8AC3E}">
+        <p14:creationId xmlns:p14="http://schemas.microsoft.com/office/powerpoint/2010/main" val="3492069873"/>
       </p:ext>
     </p:extLst>
   </p:cSld>
@@ -35919,15 +44453,15 @@
             <a:fld id="{B6F15528-21DE-4FAA-801E-634DDDAF4B2B}" type="slidenum">
               <a:rPr lang="en-GB" smtClean="0">
                 <a:solidFill>
-                  <a:schemeClr val="bg1"/>
+                  <a:schemeClr val="tx1"/>
                 </a:solidFill>
               </a:rPr>
               <a:pPr/>
               <a:t>3</a:t>
             </a:fld>
-            <a:endParaRPr lang="en-GB">
+            <a:endParaRPr lang="en-GB" dirty="0">
               <a:solidFill>
-                <a:schemeClr val="bg1"/>
+                <a:schemeClr val="tx1"/>
               </a:solidFill>
             </a:endParaRPr>
           </a:p>
@@ -38677,6 +47211,61 @@
       </p:grpSpPr>
       <p:sp>
         <p:nvSpPr>
+          <p:cNvPr id="3" name="Rectangle 2">
+            <a:extLst>
+              <a:ext uri="{FF2B5EF4-FFF2-40B4-BE49-F238E27FC236}">
+                <a16:creationId xmlns:a16="http://schemas.microsoft.com/office/drawing/2014/main" id="{FDAA7234-169C-50F0-1CE4-94787ACD78F7}"/>
+              </a:ext>
+            </a:extLst>
+          </p:cNvPr>
+          <p:cNvSpPr/>
+          <p:nvPr/>
+        </p:nvSpPr>
+        <p:spPr>
+          <a:xfrm>
+            <a:off x="11275852" y="5197134"/>
+            <a:ext cx="2652976" cy="977406"/>
+          </a:xfrm>
+          <a:prstGeom prst="rect">
+            <a:avLst/>
+          </a:prstGeom>
+          <a:solidFill>
+            <a:schemeClr val="tx1">
+              <a:lumMod val="10000"/>
+              <a:lumOff val="90000"/>
+            </a:schemeClr>
+          </a:solidFill>
+          <a:ln>
+            <a:noFill/>
+          </a:ln>
+        </p:spPr>
+        <p:style>
+          <a:lnRef idx="2">
+            <a:schemeClr val="accent1">
+              <a:shade val="15000"/>
+            </a:schemeClr>
+          </a:lnRef>
+          <a:fillRef idx="1">
+            <a:schemeClr val="accent1"/>
+          </a:fillRef>
+          <a:effectRef idx="0">
+            <a:schemeClr val="accent1"/>
+          </a:effectRef>
+          <a:fontRef idx="minor">
+            <a:schemeClr val="lt1"/>
+          </a:fontRef>
+        </p:style>
+        <p:txBody>
+          <a:bodyPr rtlCol="0" anchor="ctr"/>
+          <a:lstStyle/>
+          <a:p>
+            <a:pPr algn="ctr"/>
+            <a:endParaRPr lang="en-GB"/>
+          </a:p>
+        </p:txBody>
+      </p:sp>
+      <p:sp>
+        <p:nvSpPr>
           <p:cNvPr id="138" name="Rectangle 137">
             <a:extLst>
               <a:ext uri="{FF2B5EF4-FFF2-40B4-BE49-F238E27FC236}">
@@ -38875,7 +47464,7 @@
         </p:nvSpPr>
         <p:spPr>
           <a:xfrm>
-            <a:off x="11280186" y="6161358"/>
+            <a:off x="11273194" y="6298287"/>
             <a:ext cx="2640408" cy="1068151"/>
           </a:xfrm>
           <a:prstGeom prst="rect">
@@ -40726,7 +49315,7 @@
         </p:nvSpPr>
         <p:spPr>
           <a:xfrm>
-            <a:off x="8367837" y="5148530"/>
+            <a:off x="8357730" y="5150504"/>
             <a:ext cx="2427229" cy="307777"/>
           </a:xfrm>
           <a:prstGeom prst="rect">
@@ -40809,7 +49398,7 @@
         </p:nvSpPr>
         <p:spPr>
           <a:xfrm>
-            <a:off x="8362205" y="5865721"/>
+            <a:off x="8353508" y="6644401"/>
             <a:ext cx="2731742" cy="307777"/>
           </a:xfrm>
           <a:prstGeom prst="rect">
@@ -41455,7 +50044,7 @@
                 <a:latin typeface="Poppins" panose="00000500000000000000" pitchFamily="2" charset="0"/>
                 <a:cs typeface="Poppins" panose="00000500000000000000" pitchFamily="2" charset="0"/>
               </a:rPr>
-              <a:t>14%</a:t>
+              <a:t>1</a:t>
             </a:r>
             <a:endParaRPr lang="en-GB" sz="2400" b="1" dirty="0">
               <a:solidFill>
@@ -41567,7 +50156,7 @@
                 <a:latin typeface="Poppins" panose="00000500000000000000" pitchFamily="2" charset="0"/>
                 <a:cs typeface="Poppins" panose="00000500000000000000" pitchFamily="2" charset="0"/>
               </a:rPr>
-              <a:t>13%</a:t>
+              <a:t>2</a:t>
             </a:r>
             <a:endParaRPr lang="en-GB" sz="2400" b="1" dirty="0">
               <a:solidFill>
@@ -41679,7 +50268,7 @@
                 <a:latin typeface="Poppins" panose="00000500000000000000" pitchFamily="2" charset="0"/>
                 <a:cs typeface="Poppins" panose="00000500000000000000" pitchFamily="2" charset="0"/>
               </a:rPr>
-              <a:t>12%</a:t>
+              <a:t>3</a:t>
             </a:r>
             <a:endParaRPr lang="en-GB" sz="2400" b="1" dirty="0">
               <a:solidFill>
@@ -41787,7 +50376,7 @@
         </p:nvSpPr>
         <p:spPr>
           <a:xfrm>
-            <a:off x="8481141" y="5371833"/>
+            <a:off x="8471034" y="5373807"/>
             <a:ext cx="2612806" cy="507831"/>
           </a:xfrm>
           <a:prstGeom prst="rect">
@@ -41864,7 +50453,7 @@
         </p:nvSpPr>
         <p:spPr>
           <a:xfrm>
-            <a:off x="8481140" y="6088924"/>
+            <a:off x="8472443" y="6867604"/>
             <a:ext cx="2759453" cy="507831"/>
           </a:xfrm>
           <a:prstGeom prst="rect">
@@ -41947,7 +50536,7 @@
         </p:nvSpPr>
         <p:spPr>
           <a:xfrm>
-            <a:off x="8362205" y="6524301"/>
+            <a:off x="8338343" y="5891270"/>
             <a:ext cx="2731742" cy="307777"/>
           </a:xfrm>
           <a:prstGeom prst="rect">
@@ -42030,7 +50619,7 @@
         </p:nvSpPr>
         <p:spPr>
           <a:xfrm>
-            <a:off x="8481140" y="6747504"/>
+            <a:off x="8457278" y="6114473"/>
             <a:ext cx="2759453" cy="507831"/>
           </a:xfrm>
           <a:prstGeom prst="rect">
@@ -42101,151 +50690,136 @@
       </p:sp>
       <p:sp>
         <p:nvSpPr>
-          <p:cNvPr id="155" name="Rectangle 154">
-            <a:extLst>
-              <a:ext uri="{FF2B5EF4-FFF2-40B4-BE49-F238E27FC236}">
-                <a16:creationId xmlns:a16="http://schemas.microsoft.com/office/drawing/2014/main" id="{17AAF4EC-C5BE-3E54-6E7A-D926B1E69213}"/>
-              </a:ext>
-            </a:extLst>
-          </p:cNvPr>
-          <p:cNvSpPr/>
+          <p:cNvPr id="163" name="Text Placeholder 35">
+            <a:extLst>
+              <a:ext uri="{FF2B5EF4-FFF2-40B4-BE49-F238E27FC236}">
+                <a16:creationId xmlns:a16="http://schemas.microsoft.com/office/drawing/2014/main" id="{F745648E-DF52-BCE6-78EB-811FA71FB3EB}"/>
+              </a:ext>
+            </a:extLst>
+          </p:cNvPr>
+          <p:cNvSpPr txBox="1">
+            <a:spLocks/>
+          </p:cNvSpPr>
           <p:nvPr/>
         </p:nvSpPr>
         <p:spPr>
           <a:xfrm>
-            <a:off x="11268578" y="5199505"/>
-            <a:ext cx="897516" cy="549680"/>
+            <a:off x="11314135" y="6343060"/>
+            <a:ext cx="829617" cy="508533"/>
           </a:xfrm>
           <a:prstGeom prst="rect">
             <a:avLst/>
           </a:prstGeom>
-          <a:gradFill>
-            <a:gsLst>
-              <a:gs pos="0">
-                <a:srgbClr val="DF1642"/>
-              </a:gs>
-              <a:gs pos="70000">
-                <a:srgbClr val="F7A600"/>
-              </a:gs>
-            </a:gsLst>
-            <a:lin ang="0" scaled="0"/>
-          </a:gradFill>
-          <a:ln>
-            <a:noFill/>
-          </a:ln>
-        </p:spPr>
-        <p:style>
-          <a:lnRef idx="2">
-            <a:schemeClr val="accent1">
-              <a:shade val="50000"/>
-            </a:schemeClr>
-          </a:lnRef>
-          <a:fillRef idx="1">
-            <a:schemeClr val="accent1"/>
-          </a:fillRef>
-          <a:effectRef idx="0">
-            <a:schemeClr val="accent1"/>
-          </a:effectRef>
-          <a:fontRef idx="minor">
-            <a:schemeClr val="lt1"/>
-          </a:fontRef>
-        </p:style>
+        </p:spPr>
         <p:txBody>
-          <a:bodyPr rtlCol="0" anchor="ctr"/>
+          <a:bodyPr/>
+          <a:lstStyle>
+            <a:lvl1pPr marL="0">
+              <a:defRPr>
+                <a:latin typeface="+mn-lt"/>
+                <a:ea typeface="+mn-ea"/>
+                <a:cs typeface="+mn-cs"/>
+              </a:defRPr>
+            </a:lvl1pPr>
+            <a:lvl2pPr marL="457246">
+              <a:defRPr>
+                <a:latin typeface="+mn-lt"/>
+                <a:ea typeface="+mn-ea"/>
+                <a:cs typeface="+mn-cs"/>
+              </a:defRPr>
+            </a:lvl2pPr>
+            <a:lvl3pPr marL="914491">
+              <a:defRPr>
+                <a:latin typeface="+mn-lt"/>
+                <a:ea typeface="+mn-ea"/>
+                <a:cs typeface="+mn-cs"/>
+              </a:defRPr>
+            </a:lvl3pPr>
+            <a:lvl4pPr marL="1371737">
+              <a:defRPr>
+                <a:latin typeface="+mn-lt"/>
+                <a:ea typeface="+mn-ea"/>
+                <a:cs typeface="+mn-cs"/>
+              </a:defRPr>
+            </a:lvl4pPr>
+            <a:lvl5pPr marL="1828983">
+              <a:defRPr>
+                <a:latin typeface="+mn-lt"/>
+                <a:ea typeface="+mn-ea"/>
+                <a:cs typeface="+mn-cs"/>
+              </a:defRPr>
+            </a:lvl5pPr>
+            <a:lvl6pPr marL="2286229">
+              <a:defRPr>
+                <a:latin typeface="+mn-lt"/>
+                <a:ea typeface="+mn-ea"/>
+                <a:cs typeface="+mn-cs"/>
+              </a:defRPr>
+            </a:lvl6pPr>
+            <a:lvl7pPr marL="2743474">
+              <a:defRPr>
+                <a:latin typeface="+mn-lt"/>
+                <a:ea typeface="+mn-ea"/>
+                <a:cs typeface="+mn-cs"/>
+              </a:defRPr>
+            </a:lvl7pPr>
+            <a:lvl8pPr marL="3200720">
+              <a:defRPr>
+                <a:latin typeface="+mn-lt"/>
+                <a:ea typeface="+mn-ea"/>
+                <a:cs typeface="+mn-cs"/>
+              </a:defRPr>
+            </a:lvl8pPr>
+            <a:lvl9pPr marL="3657966">
+              <a:defRPr>
+                <a:latin typeface="+mn-lt"/>
+                <a:ea typeface="+mn-ea"/>
+                <a:cs typeface="+mn-cs"/>
+              </a:defRPr>
+            </a:lvl9pPr>
+          </a:lstStyle>
+          <a:p>
+            <a:pPr algn="ctr"/>
+            <a:endParaRPr lang="en-GB" sz="2400" b="1" dirty="0">
+              <a:solidFill>
+                <a:srgbClr val="FAFAFA"/>
+              </a:solidFill>
+              <a:latin typeface="Poppins" panose="00000500000000000000" pitchFamily="2" charset="0"/>
+              <a:cs typeface="Poppins" panose="00000500000000000000" pitchFamily="2" charset="0"/>
+            </a:endParaRPr>
+          </a:p>
+        </p:txBody>
+      </p:sp>
+      <p:sp>
+        <p:nvSpPr>
+          <p:cNvPr id="168" name="TextBox 57">
+            <a:extLst>
+              <a:ext uri="{FF2B5EF4-FFF2-40B4-BE49-F238E27FC236}">
+                <a16:creationId xmlns:a16="http://schemas.microsoft.com/office/drawing/2014/main" id="{392C9DA4-F749-49D2-0EBD-FE4477B9DE38}"/>
+              </a:ext>
+            </a:extLst>
+          </p:cNvPr>
+          <p:cNvSpPr txBox="1"/>
+          <p:nvPr/>
+        </p:nvSpPr>
+        <p:spPr>
+          <a:xfrm>
+            <a:off x="11309228" y="5307204"/>
+            <a:ext cx="2652976" cy="769441"/>
+          </a:xfrm>
+          <a:prstGeom prst="rect">
+            <a:avLst/>
+          </a:prstGeom>
+          <a:noFill/>
+        </p:spPr>
+        <p:txBody>
+          <a:bodyPr wrap="square" rtlCol="0">
+            <a:spAutoFit/>
+          </a:bodyPr>
           <a:lstStyle>
             <a:defPPr>
               <a:defRPr kern="0"/>
             </a:defPPr>
-            <a:lvl1pPr>
-              <a:defRPr>
-                <a:solidFill>
-                  <a:schemeClr val="lt1"/>
-                </a:solidFill>
-                <a:latin typeface="+mn-lt"/>
-                <a:ea typeface="+mn-ea"/>
-                <a:cs typeface="+mn-cs"/>
-              </a:defRPr>
-            </a:lvl1pPr>
-            <a:lvl2pPr>
-              <a:defRPr>
-                <a:solidFill>
-                  <a:schemeClr val="lt1"/>
-                </a:solidFill>
-                <a:latin typeface="+mn-lt"/>
-                <a:ea typeface="+mn-ea"/>
-                <a:cs typeface="+mn-cs"/>
-              </a:defRPr>
-            </a:lvl2pPr>
-            <a:lvl3pPr>
-              <a:defRPr>
-                <a:solidFill>
-                  <a:schemeClr val="lt1"/>
-                </a:solidFill>
-                <a:latin typeface="+mn-lt"/>
-                <a:ea typeface="+mn-ea"/>
-                <a:cs typeface="+mn-cs"/>
-              </a:defRPr>
-            </a:lvl3pPr>
-            <a:lvl4pPr>
-              <a:defRPr>
-                <a:solidFill>
-                  <a:schemeClr val="lt1"/>
-                </a:solidFill>
-                <a:latin typeface="+mn-lt"/>
-                <a:ea typeface="+mn-ea"/>
-                <a:cs typeface="+mn-cs"/>
-              </a:defRPr>
-            </a:lvl4pPr>
-            <a:lvl5pPr>
-              <a:defRPr>
-                <a:solidFill>
-                  <a:schemeClr val="lt1"/>
-                </a:solidFill>
-                <a:latin typeface="+mn-lt"/>
-                <a:ea typeface="+mn-ea"/>
-                <a:cs typeface="+mn-cs"/>
-              </a:defRPr>
-            </a:lvl5pPr>
-            <a:lvl6pPr>
-              <a:defRPr>
-                <a:solidFill>
-                  <a:schemeClr val="lt1"/>
-                </a:solidFill>
-                <a:latin typeface="+mn-lt"/>
-                <a:ea typeface="+mn-ea"/>
-                <a:cs typeface="+mn-cs"/>
-              </a:defRPr>
-            </a:lvl6pPr>
-            <a:lvl7pPr>
-              <a:defRPr>
-                <a:solidFill>
-                  <a:schemeClr val="lt1"/>
-                </a:solidFill>
-                <a:latin typeface="+mn-lt"/>
-                <a:ea typeface="+mn-ea"/>
-                <a:cs typeface="+mn-cs"/>
-              </a:defRPr>
-            </a:lvl7pPr>
-            <a:lvl8pPr>
-              <a:defRPr>
-                <a:solidFill>
-                  <a:schemeClr val="lt1"/>
-                </a:solidFill>
-                <a:latin typeface="+mn-lt"/>
-                <a:ea typeface="+mn-ea"/>
-                <a:cs typeface="+mn-cs"/>
-              </a:defRPr>
-            </a:lvl8pPr>
-            <a:lvl9pPr>
-              <a:defRPr>
-                <a:solidFill>
-                  <a:schemeClr val="lt1"/>
-                </a:solidFill>
-                <a:latin typeface="+mn-lt"/>
-                <a:ea typeface="+mn-ea"/>
-                <a:cs typeface="+mn-cs"/>
-              </a:defRPr>
-            </a:lvl9pPr>
           </a:lstStyle>
           <a:p>
             <a:pPr marL="0" marR="0" lvl="0" indent="0" algn="l" defTabSz="914400" rtl="0" eaLnBrk="1" fontAlgn="auto" latinLnBrk="0" hangingPunct="1">
@@ -42265,74 +50839,8 @@
               <a:tabLst/>
               <a:defRPr/>
             </a:pPr>
-            <a:endParaRPr kumimoji="0" lang="en-GB" sz="11500" b="1" i="0" u="none" strike="noStrike" kern="1200" cap="none" spc="0" normalizeH="0" baseline="0" noProof="0">
-              <a:ln>
-                <a:noFill/>
-              </a:ln>
-              <a:solidFill>
-                <a:prstClr val="white"/>
-              </a:solidFill>
-              <a:effectLst/>
-              <a:uLnTx/>
-              <a:uFillTx/>
-              <a:latin typeface="Poppins" panose="00000500000000000000" pitchFamily="2" charset="0"/>
-              <a:ea typeface="+mn-ea"/>
-              <a:cs typeface="Poppins" panose="00000500000000000000" pitchFamily="2" charset="0"/>
-            </a:endParaRPr>
-          </a:p>
-        </p:txBody>
-      </p:sp>
-      <p:sp>
-        <p:nvSpPr>
-          <p:cNvPr id="157" name="TextBox 57">
-            <a:extLst>
-              <a:ext uri="{FF2B5EF4-FFF2-40B4-BE49-F238E27FC236}">
-                <a16:creationId xmlns:a16="http://schemas.microsoft.com/office/drawing/2014/main" id="{FA50D658-2DD4-C7DD-0213-A9DA9C0C434E}"/>
-              </a:ext>
-            </a:extLst>
-          </p:cNvPr>
-          <p:cNvSpPr txBox="1"/>
-          <p:nvPr/>
-        </p:nvSpPr>
-        <p:spPr>
-          <a:xfrm>
-            <a:off x="12219304" y="5129265"/>
-            <a:ext cx="2427229" cy="307777"/>
-          </a:xfrm>
-          <a:prstGeom prst="rect">
-            <a:avLst/>
-          </a:prstGeom>
-          <a:noFill/>
-        </p:spPr>
-        <p:txBody>
-          <a:bodyPr wrap="square" rtlCol="0">
-            <a:spAutoFit/>
-          </a:bodyPr>
-          <a:lstStyle>
-            <a:defPPr>
-              <a:defRPr kern="0"/>
-            </a:defPPr>
-          </a:lstStyle>
-          <a:p>
-            <a:pPr marL="0" marR="0" lvl="0" indent="0" algn="just" defTabSz="914400" rtl="0" eaLnBrk="1" fontAlgn="auto" latinLnBrk="0" hangingPunct="1">
-              <a:lnSpc>
-                <a:spcPct val="100000"/>
-              </a:lnSpc>
-              <a:spcBef>
-                <a:spcPts val="0"/>
-              </a:spcBef>
-              <a:spcAft>
-                <a:spcPts val="0"/>
-              </a:spcAft>
-              <a:buClrTx/>
-              <a:buSzTx/>
-              <a:buFontTx/>
-              <a:buNone/>
-              <a:tabLst/>
-              <a:defRPr/>
-            </a:pPr>
-            <a:r>
-              <a:rPr kumimoji="0" lang="en-GB" sz="1400" b="1" i="0" u="none" strike="noStrike" kern="1200" cap="none" spc="0" normalizeH="0" baseline="0" noProof="0" dirty="0">
+            <a:r>
+              <a:rPr kumimoji="0" lang="en-GB" sz="1100" b="1" i="0" u="none" strike="noStrike" kern="1200" cap="none" spc="0" normalizeH="0" baseline="0" noProof="0" dirty="0">
                 <a:ln>
                   <a:noFill/>
                 </a:ln>
@@ -42342,13 +50850,13 @@
                 <a:effectLst/>
                 <a:uLnTx/>
                 <a:uFillTx/>
-                <a:latin typeface="Arial Black" panose="020B0A04020102020204" pitchFamily="34" charset="0"/>
+                <a:latin typeface="+mj-lt"/>
                 <a:ea typeface="+mn-ea"/>
                 <a:cs typeface="Arial" panose="020B0604020202020204" pitchFamily="34" charset="0"/>
               </a:rPr>
-              <a:t>Balance</a:t>
-            </a:r>
-            <a:endParaRPr kumimoji="0" lang="en-GB" sz="1400" b="1" i="0" u="none" strike="noStrike" kern="1200" cap="none" spc="0" normalizeH="0" baseline="0" noProof="0" dirty="0">
+              <a:t>All machine learning models ranked Number of Products, Age and Join Age as the top 3 features important in predicting leavers</a:t>
+            </a:r>
+            <a:endParaRPr kumimoji="0" lang="en-GB" sz="1100" b="1" i="0" u="none" strike="noStrike" kern="1200" cap="none" spc="0" normalizeH="0" baseline="0" noProof="0" dirty="0">
               <a:ln>
                 <a:noFill/>
               </a:ln>
@@ -42358,470 +50866,7 @@
               <a:effectLst/>
               <a:uLnTx/>
               <a:uFillTx/>
-              <a:latin typeface="Calibri" panose="020F0502020204030204"/>
-              <a:ea typeface="+mn-ea"/>
-              <a:cs typeface="+mn-cs"/>
-            </a:endParaRPr>
-          </a:p>
-        </p:txBody>
-      </p:sp>
-      <p:sp>
-        <p:nvSpPr>
-          <p:cNvPr id="158" name="TextBox 57">
-            <a:extLst>
-              <a:ext uri="{FF2B5EF4-FFF2-40B4-BE49-F238E27FC236}">
-                <a16:creationId xmlns:a16="http://schemas.microsoft.com/office/drawing/2014/main" id="{8F0FFAFB-39B0-5113-AA7B-FB45010AC949}"/>
-              </a:ext>
-            </a:extLst>
-          </p:cNvPr>
-          <p:cNvSpPr txBox="1"/>
-          <p:nvPr/>
-        </p:nvSpPr>
-        <p:spPr>
-          <a:xfrm>
-            <a:off x="12213672" y="5364039"/>
-            <a:ext cx="2731742" cy="307777"/>
-          </a:xfrm>
-          <a:prstGeom prst="rect">
-            <a:avLst/>
-          </a:prstGeom>
-          <a:noFill/>
-        </p:spPr>
-        <p:txBody>
-          <a:bodyPr wrap="square" rtlCol="0">
-            <a:spAutoFit/>
-          </a:bodyPr>
-          <a:lstStyle>
-            <a:defPPr>
-              <a:defRPr kern="0"/>
-            </a:defPPr>
-          </a:lstStyle>
-          <a:p>
-            <a:pPr marL="0" marR="0" lvl="0" indent="0" algn="l" defTabSz="914400" rtl="0" eaLnBrk="1" fontAlgn="auto" latinLnBrk="0" hangingPunct="1">
-              <a:lnSpc>
-                <a:spcPct val="100000"/>
-              </a:lnSpc>
-              <a:spcBef>
-                <a:spcPts val="0"/>
-              </a:spcBef>
-              <a:spcAft>
-                <a:spcPts val="0"/>
-              </a:spcAft>
-              <a:buClrTx/>
-              <a:buSzTx/>
-              <a:buFontTx/>
-              <a:buNone/>
-              <a:tabLst/>
-              <a:defRPr/>
-            </a:pPr>
-            <a:r>
-              <a:rPr kumimoji="0" lang="en-GB" sz="1400" b="1" i="0" u="none" strike="noStrike" kern="1200" cap="none" spc="0" normalizeH="0" baseline="0" noProof="0" dirty="0">
-                <a:ln>
-                  <a:noFill/>
-                </a:ln>
-                <a:solidFill>
-                  <a:prstClr val="black"/>
-                </a:solidFill>
-                <a:effectLst/>
-                <a:uLnTx/>
-                <a:uFillTx/>
-                <a:latin typeface="Arial Black" panose="020B0A04020102020204" pitchFamily="34" charset="0"/>
-                <a:ea typeface="+mn-ea"/>
-                <a:cs typeface="Arial" panose="020B0604020202020204" pitchFamily="34" charset="0"/>
-              </a:rPr>
-              <a:t>Points Earned</a:t>
-            </a:r>
-            <a:endParaRPr kumimoji="0" lang="en-GB" sz="1400" b="1" i="0" u="none" strike="noStrike" kern="1200" cap="none" spc="0" normalizeH="0" baseline="0" noProof="0" dirty="0">
-              <a:ln>
-                <a:noFill/>
-              </a:ln>
-              <a:solidFill>
-                <a:prstClr val="black"/>
-              </a:solidFill>
-              <a:effectLst/>
-              <a:uLnTx/>
-              <a:uFillTx/>
-              <a:latin typeface="Calibri" panose="020F0502020204030204"/>
-              <a:ea typeface="+mn-ea"/>
-              <a:cs typeface="+mn-cs"/>
-            </a:endParaRPr>
-          </a:p>
-        </p:txBody>
-      </p:sp>
-      <p:sp>
-        <p:nvSpPr>
-          <p:cNvPr id="161" name="Text Placeholder 35">
-            <a:extLst>
-              <a:ext uri="{FF2B5EF4-FFF2-40B4-BE49-F238E27FC236}">
-                <a16:creationId xmlns:a16="http://schemas.microsoft.com/office/drawing/2014/main" id="{9015218F-0FCD-EF4E-BBA0-39229D20C4FE}"/>
-              </a:ext>
-            </a:extLst>
-          </p:cNvPr>
-          <p:cNvSpPr txBox="1">
-            <a:spLocks/>
-          </p:cNvSpPr>
-          <p:nvPr/>
-        </p:nvSpPr>
-        <p:spPr>
-          <a:xfrm>
-            <a:off x="11336477" y="5255814"/>
-            <a:ext cx="829617" cy="508533"/>
-          </a:xfrm>
-          <a:prstGeom prst="rect">
-            <a:avLst/>
-          </a:prstGeom>
-        </p:spPr>
-        <p:txBody>
-          <a:bodyPr/>
-          <a:lstStyle>
-            <a:lvl1pPr marL="0">
-              <a:defRPr>
-                <a:latin typeface="+mn-lt"/>
-                <a:ea typeface="+mn-ea"/>
-                <a:cs typeface="+mn-cs"/>
-              </a:defRPr>
-            </a:lvl1pPr>
-            <a:lvl2pPr marL="457246">
-              <a:defRPr>
-                <a:latin typeface="+mn-lt"/>
-                <a:ea typeface="+mn-ea"/>
-                <a:cs typeface="+mn-cs"/>
-              </a:defRPr>
-            </a:lvl2pPr>
-            <a:lvl3pPr marL="914491">
-              <a:defRPr>
-                <a:latin typeface="+mn-lt"/>
-                <a:ea typeface="+mn-ea"/>
-                <a:cs typeface="+mn-cs"/>
-              </a:defRPr>
-            </a:lvl3pPr>
-            <a:lvl4pPr marL="1371737">
-              <a:defRPr>
-                <a:latin typeface="+mn-lt"/>
-                <a:ea typeface="+mn-ea"/>
-                <a:cs typeface="+mn-cs"/>
-              </a:defRPr>
-            </a:lvl4pPr>
-            <a:lvl5pPr marL="1828983">
-              <a:defRPr>
-                <a:latin typeface="+mn-lt"/>
-                <a:ea typeface="+mn-ea"/>
-                <a:cs typeface="+mn-cs"/>
-              </a:defRPr>
-            </a:lvl5pPr>
-            <a:lvl6pPr marL="2286229">
-              <a:defRPr>
-                <a:latin typeface="+mn-lt"/>
-                <a:ea typeface="+mn-ea"/>
-                <a:cs typeface="+mn-cs"/>
-              </a:defRPr>
-            </a:lvl6pPr>
-            <a:lvl7pPr marL="2743474">
-              <a:defRPr>
-                <a:latin typeface="+mn-lt"/>
-                <a:ea typeface="+mn-ea"/>
-                <a:cs typeface="+mn-cs"/>
-              </a:defRPr>
-            </a:lvl7pPr>
-            <a:lvl8pPr marL="3200720">
-              <a:defRPr>
-                <a:latin typeface="+mn-lt"/>
-                <a:ea typeface="+mn-ea"/>
-                <a:cs typeface="+mn-cs"/>
-              </a:defRPr>
-            </a:lvl8pPr>
-            <a:lvl9pPr marL="3657966">
-              <a:defRPr>
-                <a:latin typeface="+mn-lt"/>
-                <a:ea typeface="+mn-ea"/>
-                <a:cs typeface="+mn-cs"/>
-              </a:defRPr>
-            </a:lvl9pPr>
-          </a:lstStyle>
-          <a:p>
-            <a:pPr algn="ctr"/>
-            <a:r>
-              <a:rPr lang="en-US" sz="2400" b="1" dirty="0">
-                <a:solidFill>
-                  <a:srgbClr val="FAFAFA"/>
-                </a:solidFill>
-                <a:latin typeface="Poppins" panose="00000500000000000000" pitchFamily="2" charset="0"/>
-                <a:cs typeface="Poppins" panose="00000500000000000000" pitchFamily="2" charset="0"/>
-              </a:rPr>
-              <a:t>10%</a:t>
-            </a:r>
-            <a:endParaRPr lang="en-GB" sz="2400" b="1" dirty="0">
-              <a:solidFill>
-                <a:srgbClr val="FAFAFA"/>
-              </a:solidFill>
-              <a:latin typeface="Poppins" panose="00000500000000000000" pitchFamily="2" charset="0"/>
-              <a:cs typeface="Poppins" panose="00000500000000000000" pitchFamily="2" charset="0"/>
-            </a:endParaRPr>
-          </a:p>
-        </p:txBody>
-      </p:sp>
-      <p:sp>
-        <p:nvSpPr>
-          <p:cNvPr id="163" name="Text Placeholder 35">
-            <a:extLst>
-              <a:ext uri="{FF2B5EF4-FFF2-40B4-BE49-F238E27FC236}">
-                <a16:creationId xmlns:a16="http://schemas.microsoft.com/office/drawing/2014/main" id="{F745648E-DF52-BCE6-78EB-811FA71FB3EB}"/>
-              </a:ext>
-            </a:extLst>
-          </p:cNvPr>
-          <p:cNvSpPr txBox="1">
-            <a:spLocks/>
-          </p:cNvSpPr>
-          <p:nvPr/>
-        </p:nvSpPr>
-        <p:spPr>
-          <a:xfrm>
-            <a:off x="11314135" y="6343060"/>
-            <a:ext cx="829617" cy="508533"/>
-          </a:xfrm>
-          <a:prstGeom prst="rect">
-            <a:avLst/>
-          </a:prstGeom>
-        </p:spPr>
-        <p:txBody>
-          <a:bodyPr/>
-          <a:lstStyle>
-            <a:lvl1pPr marL="0">
-              <a:defRPr>
-                <a:latin typeface="+mn-lt"/>
-                <a:ea typeface="+mn-ea"/>
-                <a:cs typeface="+mn-cs"/>
-              </a:defRPr>
-            </a:lvl1pPr>
-            <a:lvl2pPr marL="457246">
-              <a:defRPr>
-                <a:latin typeface="+mn-lt"/>
-                <a:ea typeface="+mn-ea"/>
-                <a:cs typeface="+mn-cs"/>
-              </a:defRPr>
-            </a:lvl2pPr>
-            <a:lvl3pPr marL="914491">
-              <a:defRPr>
-                <a:latin typeface="+mn-lt"/>
-                <a:ea typeface="+mn-ea"/>
-                <a:cs typeface="+mn-cs"/>
-              </a:defRPr>
-            </a:lvl3pPr>
-            <a:lvl4pPr marL="1371737">
-              <a:defRPr>
-                <a:latin typeface="+mn-lt"/>
-                <a:ea typeface="+mn-ea"/>
-                <a:cs typeface="+mn-cs"/>
-              </a:defRPr>
-            </a:lvl4pPr>
-            <a:lvl5pPr marL="1828983">
-              <a:defRPr>
-                <a:latin typeface="+mn-lt"/>
-                <a:ea typeface="+mn-ea"/>
-                <a:cs typeface="+mn-cs"/>
-              </a:defRPr>
-            </a:lvl5pPr>
-            <a:lvl6pPr marL="2286229">
-              <a:defRPr>
-                <a:latin typeface="+mn-lt"/>
-                <a:ea typeface="+mn-ea"/>
-                <a:cs typeface="+mn-cs"/>
-              </a:defRPr>
-            </a:lvl6pPr>
-            <a:lvl7pPr marL="2743474">
-              <a:defRPr>
-                <a:latin typeface="+mn-lt"/>
-                <a:ea typeface="+mn-ea"/>
-                <a:cs typeface="+mn-cs"/>
-              </a:defRPr>
-            </a:lvl7pPr>
-            <a:lvl8pPr marL="3200720">
-              <a:defRPr>
-                <a:latin typeface="+mn-lt"/>
-                <a:ea typeface="+mn-ea"/>
-                <a:cs typeface="+mn-cs"/>
-              </a:defRPr>
-            </a:lvl8pPr>
-            <a:lvl9pPr marL="3657966">
-              <a:defRPr>
-                <a:latin typeface="+mn-lt"/>
-                <a:ea typeface="+mn-ea"/>
-                <a:cs typeface="+mn-cs"/>
-              </a:defRPr>
-            </a:lvl9pPr>
-          </a:lstStyle>
-          <a:p>
-            <a:pPr algn="ctr"/>
-            <a:endParaRPr lang="en-GB" sz="2400" b="1" dirty="0">
-              <a:solidFill>
-                <a:srgbClr val="FAFAFA"/>
-              </a:solidFill>
-              <a:latin typeface="Poppins" panose="00000500000000000000" pitchFamily="2" charset="0"/>
-              <a:cs typeface="Poppins" panose="00000500000000000000" pitchFamily="2" charset="0"/>
-            </a:endParaRPr>
-          </a:p>
-        </p:txBody>
-      </p:sp>
-      <p:sp>
-        <p:nvSpPr>
-          <p:cNvPr id="166" name="TextBox 57">
-            <a:extLst>
-              <a:ext uri="{FF2B5EF4-FFF2-40B4-BE49-F238E27FC236}">
-                <a16:creationId xmlns:a16="http://schemas.microsoft.com/office/drawing/2014/main" id="{CE6AD79D-00BB-AD7E-DD35-96CA6F6879A1}"/>
-              </a:ext>
-            </a:extLst>
-          </p:cNvPr>
-          <p:cNvSpPr txBox="1"/>
-          <p:nvPr/>
-        </p:nvSpPr>
-        <p:spPr>
-          <a:xfrm>
-            <a:off x="12222134" y="5596595"/>
-            <a:ext cx="2731742" cy="307777"/>
-          </a:xfrm>
-          <a:prstGeom prst="rect">
-            <a:avLst/>
-          </a:prstGeom>
-          <a:noFill/>
-        </p:spPr>
-        <p:txBody>
-          <a:bodyPr wrap="square" rtlCol="0">
-            <a:spAutoFit/>
-          </a:bodyPr>
-          <a:lstStyle>
-            <a:defPPr>
-              <a:defRPr kern="0"/>
-            </a:defPPr>
-          </a:lstStyle>
-          <a:p>
-            <a:pPr marL="0" marR="0" lvl="0" indent="0" algn="l" defTabSz="914400" rtl="0" eaLnBrk="1" fontAlgn="auto" latinLnBrk="0" hangingPunct="1">
-              <a:lnSpc>
-                <a:spcPct val="100000"/>
-              </a:lnSpc>
-              <a:spcBef>
-                <a:spcPts val="0"/>
-              </a:spcBef>
-              <a:spcAft>
-                <a:spcPts val="0"/>
-              </a:spcAft>
-              <a:buClrTx/>
-              <a:buSzTx/>
-              <a:buFontTx/>
-              <a:buNone/>
-              <a:tabLst/>
-              <a:defRPr/>
-            </a:pPr>
-            <a:r>
-              <a:rPr kumimoji="0" lang="en-GB" sz="1400" b="1" i="0" u="none" strike="noStrike" kern="1200" cap="none" spc="0" normalizeH="0" baseline="0" noProof="0" dirty="0">
-                <a:ln>
-                  <a:noFill/>
-                </a:ln>
-                <a:solidFill>
-                  <a:prstClr val="black"/>
-                </a:solidFill>
-                <a:effectLst/>
-                <a:uLnTx/>
-                <a:uFillTx/>
-                <a:latin typeface="Arial Black" panose="020B0A04020102020204" pitchFamily="34" charset="0"/>
-                <a:ea typeface="+mn-ea"/>
-                <a:cs typeface="Arial" panose="020B0604020202020204" pitchFamily="34" charset="0"/>
-              </a:rPr>
-              <a:t>Credit Score</a:t>
-            </a:r>
-            <a:endParaRPr kumimoji="0" lang="en-GB" sz="1400" b="1" i="0" u="none" strike="noStrike" kern="1200" cap="none" spc="0" normalizeH="0" baseline="0" noProof="0" dirty="0">
-              <a:ln>
-                <a:noFill/>
-              </a:ln>
-              <a:solidFill>
-                <a:prstClr val="black"/>
-              </a:solidFill>
-              <a:effectLst/>
-              <a:uLnTx/>
-              <a:uFillTx/>
-              <a:latin typeface="Calibri" panose="020F0502020204030204"/>
-              <a:ea typeface="+mn-ea"/>
-              <a:cs typeface="+mn-cs"/>
-            </a:endParaRPr>
-          </a:p>
-        </p:txBody>
-      </p:sp>
-      <p:sp>
-        <p:nvSpPr>
-          <p:cNvPr id="168" name="TextBox 57">
-            <a:extLst>
-              <a:ext uri="{FF2B5EF4-FFF2-40B4-BE49-F238E27FC236}">
-                <a16:creationId xmlns:a16="http://schemas.microsoft.com/office/drawing/2014/main" id="{392C9DA4-F749-49D2-0EBD-FE4477B9DE38}"/>
-              </a:ext>
-            </a:extLst>
-          </p:cNvPr>
-          <p:cNvSpPr txBox="1"/>
-          <p:nvPr/>
-        </p:nvSpPr>
-        <p:spPr>
-          <a:xfrm>
-            <a:off x="12230596" y="5813383"/>
-            <a:ext cx="2731742" cy="307777"/>
-          </a:xfrm>
-          <a:prstGeom prst="rect">
-            <a:avLst/>
-          </a:prstGeom>
-          <a:noFill/>
-        </p:spPr>
-        <p:txBody>
-          <a:bodyPr wrap="square" rtlCol="0">
-            <a:spAutoFit/>
-          </a:bodyPr>
-          <a:lstStyle>
-            <a:defPPr>
-              <a:defRPr kern="0"/>
-            </a:defPPr>
-          </a:lstStyle>
-          <a:p>
-            <a:pPr marL="0" marR="0" lvl="0" indent="0" algn="l" defTabSz="914400" rtl="0" eaLnBrk="1" fontAlgn="auto" latinLnBrk="0" hangingPunct="1">
-              <a:lnSpc>
-                <a:spcPct val="100000"/>
-              </a:lnSpc>
-              <a:spcBef>
-                <a:spcPts val="0"/>
-              </a:spcBef>
-              <a:spcAft>
-                <a:spcPts val="0"/>
-              </a:spcAft>
-              <a:buClrTx/>
-              <a:buSzTx/>
-              <a:buFontTx/>
-              <a:buNone/>
-              <a:tabLst/>
-              <a:defRPr/>
-            </a:pPr>
-            <a:r>
-              <a:rPr kumimoji="0" lang="en-GB" sz="1400" b="1" i="0" u="none" strike="noStrike" kern="1200" cap="none" spc="0" normalizeH="0" baseline="0" noProof="0" dirty="0">
-                <a:ln>
-                  <a:noFill/>
-                </a:ln>
-                <a:solidFill>
-                  <a:prstClr val="black"/>
-                </a:solidFill>
-                <a:effectLst/>
-                <a:uLnTx/>
-                <a:uFillTx/>
-                <a:latin typeface="Arial Black" panose="020B0A04020102020204" pitchFamily="34" charset="0"/>
-                <a:ea typeface="+mn-ea"/>
-                <a:cs typeface="Arial" panose="020B0604020202020204" pitchFamily="34" charset="0"/>
-              </a:rPr>
-              <a:t>Salary</a:t>
-            </a:r>
-            <a:endParaRPr kumimoji="0" lang="en-GB" sz="1400" b="1" i="0" u="none" strike="noStrike" kern="1200" cap="none" spc="0" normalizeH="0" baseline="0" noProof="0" dirty="0">
-              <a:ln>
-                <a:noFill/>
-              </a:ln>
-              <a:solidFill>
-                <a:prstClr val="black"/>
-              </a:solidFill>
-              <a:effectLst/>
-              <a:uLnTx/>
-              <a:uFillTx/>
-              <a:latin typeface="Calibri" panose="020F0502020204030204"/>
+              <a:latin typeface="+mj-lt"/>
               <a:ea typeface="+mn-ea"/>
               <a:cs typeface="+mn-cs"/>
             </a:endParaRPr>
@@ -42842,7 +50887,7 @@
         </p:nvSpPr>
         <p:spPr>
           <a:xfrm>
-            <a:off x="11426832" y="6240660"/>
+            <a:off x="11419840" y="6377589"/>
             <a:ext cx="2374823" cy="938719"/>
           </a:xfrm>
           <a:prstGeom prst="rect">
@@ -43234,7 +51279,7 @@
                 <a:ea typeface="+mn-ea"/>
                 <a:cs typeface="+mn-cs"/>
               </a:rPr>
-              <a:t>Women are 50% more </a:t>
+              <a:t>Women are at least 50% more </a:t>
             </a:r>
             <a:r>
               <a:rPr lang="en-US" sz="1200" b="1" kern="1200" dirty="0">
@@ -47844,15 +55889,6 @@
 </file>
 
 <file path=customXml/item2.xml><?xml version="1.0" encoding="utf-8"?>
-<?mso-contentType ?>
-<FormTemplates xmlns="http://schemas.microsoft.com/sharepoint/v3/contenttype/forms">
-  <Display>DocumentLibraryForm</Display>
-  <Edit>DocumentLibraryForm</Edit>
-  <New>DocumentLibraryForm</New>
-</FormTemplates>
-</file>
-
-<file path=customXml/item3.xml><?xml version="1.0" encoding="utf-8"?>
 <p:properties xmlns:p="http://schemas.microsoft.com/office/2006/metadata/properties" xmlns:xsi="http://www.w3.org/2001/XMLSchema-instance" xmlns:pc="http://schemas.microsoft.com/office/infopath/2007/PartnerControls">
   <documentManagement>
     <_ip_UnifiedCompliancePolicyUIAction xmlns="http://schemas.microsoft.com/sharepoint/v3" xsi:nil="true"/>
@@ -47871,6 +55907,15 @@
     <IsLive xmlns="21f4c4ea-9f7f-47af-82b8-2e1ad499b94f">true</IsLive>
   </documentManagement>
 </p:properties>
+</file>
+
+<file path=customXml/item3.xml><?xml version="1.0" encoding="utf-8"?>
+<?mso-contentType ?>
+<FormTemplates xmlns="http://schemas.microsoft.com/sharepoint/v3/contenttype/forms">
+  <Display>DocumentLibraryForm</Display>
+  <Edit>DocumentLibraryForm</Edit>
+  <New>DocumentLibraryForm</New>
+</FormTemplates>
 </file>
 
 <file path=customXml/itemProps1.xml><?xml version="1.0" encoding="utf-8"?>
@@ -47894,14 +55939,6 @@
 </file>
 
 <file path=customXml/itemProps2.xml><?xml version="1.0" encoding="utf-8"?>
-<ds:datastoreItem xmlns:ds="http://schemas.openxmlformats.org/officeDocument/2006/customXml" ds:itemID="{214F63C0-203B-45E0-B8F6-BFD469AE8057}">
-  <ds:schemaRefs>
-    <ds:schemaRef ds:uri="http://schemas.microsoft.com/sharepoint/v3/contenttype/forms"/>
-  </ds:schemaRefs>
-</ds:datastoreItem>
-</file>
-
-<file path=customXml/itemProps3.xml><?xml version="1.0" encoding="utf-8"?>
 <ds:datastoreItem xmlns:ds="http://schemas.openxmlformats.org/officeDocument/2006/customXml" ds:itemID="{A691D5B8-A481-490B-903F-4FFF37A478E8}">
   <ds:schemaRefs>
     <ds:schemaRef ds:uri="http://purl.org/dc/elements/1.1/"/>
@@ -47919,6 +55956,14 @@
 </ds:datastoreItem>
 </file>
 
+<file path=customXml/itemProps3.xml><?xml version="1.0" encoding="utf-8"?>
+<ds:datastoreItem xmlns:ds="http://schemas.openxmlformats.org/officeDocument/2006/customXml" ds:itemID="{214F63C0-203B-45E0-B8F6-BFD469AE8057}">
+  <ds:schemaRefs>
+    <ds:schemaRef ds:uri="http://schemas.microsoft.com/sharepoint/v3/contenttype/forms"/>
+  </ds:schemaRefs>
+</ds:datastoreItem>
+</file>
+
 <file path=docMetadata/LabelInfo.xml><?xml version="1.0" encoding="utf-8"?>
 <clbl:labelList xmlns:clbl="http://schemas.microsoft.com/office/2020/mipLabelMetadata">
   <clbl:label id="{17151eb3-00ab-470c-b25c-644c7691e891}" enabled="1" method="Privileged" siteId="{3ded2960-214a-46ff-8cf4-611f125e2398}" removed="0"/>
